--- a/VantagensSociais.pptx
+++ b/VantagensSociais.pptx
@@ -4,8 +4,14 @@
   <p:sldMasterIdLst>
     <p:sldMasterId id="2147483648" r:id="rId1"/>
   </p:sldMasterIdLst>
+  <p:notesMasterIdLst>
+    <p:notesMasterId r:id="rId6"/>
+  </p:notesMasterIdLst>
   <p:sldIdLst>
     <p:sldId id="256" r:id="rId2"/>
+    <p:sldId id="257" r:id="rId3"/>
+    <p:sldId id="259" r:id="rId4"/>
+    <p:sldId id="260" r:id="rId5"/>
   </p:sldIdLst>
   <p:sldSz cx="12192000" cy="6858000"/>
   <p:notesSz cx="6858000" cy="9144000"/>
@@ -107,6 +113,459 @@
 </p:presentation>
 </file>
 
+<file path=ppt/notesMasters/notesMaster1.xml><?xml version="1.0" encoding="utf-8"?>
+<p:notesMaster xmlns:a="http://schemas.openxmlformats.org/drawingml/2006/main" xmlns:r="http://schemas.openxmlformats.org/officeDocument/2006/relationships" xmlns:p="http://schemas.openxmlformats.org/presentationml/2006/main">
+  <p:cSld>
+    <p:bg>
+      <p:bgRef idx="1001">
+        <a:schemeClr val="bg1"/>
+      </p:bgRef>
+    </p:bg>
+    <p:spTree>
+      <p:nvGrpSpPr>
+        <p:cNvPr id="1" name=""/>
+        <p:cNvGrpSpPr/>
+        <p:nvPr/>
+      </p:nvGrpSpPr>
+      <p:grpSpPr>
+        <a:xfrm>
+          <a:off x="0" y="0"/>
+          <a:ext cx="0" cy="0"/>
+          <a:chOff x="0" y="0"/>
+          <a:chExt cx="0" cy="0"/>
+        </a:xfrm>
+      </p:grpSpPr>
+      <p:sp>
+        <p:nvSpPr>
+          <p:cNvPr id="2" name="Marcador de Posição do Cabeçalho 1"/>
+          <p:cNvSpPr>
+            <a:spLocks noGrp="1"/>
+          </p:cNvSpPr>
+          <p:nvPr>
+            <p:ph type="hdr" sz="quarter"/>
+          </p:nvPr>
+        </p:nvSpPr>
+        <p:spPr>
+          <a:xfrm>
+            <a:off x="0" y="0"/>
+            <a:ext cx="2971800" cy="458788"/>
+          </a:xfrm>
+          <a:prstGeom prst="rect">
+            <a:avLst/>
+          </a:prstGeom>
+        </p:spPr>
+        <p:txBody>
+          <a:bodyPr vert="horz" lIns="91440" tIns="45720" rIns="91440" bIns="45720" rtlCol="0"/>
+          <a:lstStyle>
+            <a:lvl1pPr algn="l">
+              <a:defRPr sz="1200"/>
+            </a:lvl1pPr>
+          </a:lstStyle>
+          <a:p>
+            <a:endParaRPr lang="pt-PT"/>
+          </a:p>
+        </p:txBody>
+      </p:sp>
+      <p:sp>
+        <p:nvSpPr>
+          <p:cNvPr id="3" name="Marcador de Posição da Data 2"/>
+          <p:cNvSpPr>
+            <a:spLocks noGrp="1"/>
+          </p:cNvSpPr>
+          <p:nvPr>
+            <p:ph type="dt" idx="1"/>
+          </p:nvPr>
+        </p:nvSpPr>
+        <p:spPr>
+          <a:xfrm>
+            <a:off x="3884613" y="0"/>
+            <a:ext cx="2971800" cy="458788"/>
+          </a:xfrm>
+          <a:prstGeom prst="rect">
+            <a:avLst/>
+          </a:prstGeom>
+        </p:spPr>
+        <p:txBody>
+          <a:bodyPr vert="horz" lIns="91440" tIns="45720" rIns="91440" bIns="45720" rtlCol="0"/>
+          <a:lstStyle>
+            <a:lvl1pPr algn="r">
+              <a:defRPr sz="1200"/>
+            </a:lvl1pPr>
+          </a:lstStyle>
+          <a:p>
+            <a:fld id="{629E2C2A-EB12-424F-899D-F3179C4F21C2}" type="datetimeFigureOut">
+              <a:rPr lang="pt-PT" smtClean="0"/>
+              <a:t>29/10/2020</a:t>
+            </a:fld>
+            <a:endParaRPr lang="pt-PT"/>
+          </a:p>
+        </p:txBody>
+      </p:sp>
+      <p:sp>
+        <p:nvSpPr>
+          <p:cNvPr id="4" name="Marcador de Posição da Imagem do Diapositivo 3"/>
+          <p:cNvSpPr>
+            <a:spLocks noGrp="1" noRot="1" noChangeAspect="1"/>
+          </p:cNvSpPr>
+          <p:nvPr>
+            <p:ph type="sldImg" idx="2"/>
+          </p:nvPr>
+        </p:nvSpPr>
+        <p:spPr>
+          <a:xfrm>
+            <a:off x="685800" y="1143000"/>
+            <a:ext cx="5486400" cy="3086100"/>
+          </a:xfrm>
+          <a:prstGeom prst="rect">
+            <a:avLst/>
+          </a:prstGeom>
+          <a:noFill/>
+          <a:ln w="12700">
+            <a:solidFill>
+              <a:prstClr val="black"/>
+            </a:solidFill>
+          </a:ln>
+        </p:spPr>
+        <p:txBody>
+          <a:bodyPr vert="horz" lIns="91440" tIns="45720" rIns="91440" bIns="45720" rtlCol="0" anchor="ctr"/>
+          <a:lstStyle/>
+          <a:p>
+            <a:endParaRPr lang="pt-PT"/>
+          </a:p>
+        </p:txBody>
+      </p:sp>
+      <p:sp>
+        <p:nvSpPr>
+          <p:cNvPr id="5" name="Marcador de Posição de Notas 4"/>
+          <p:cNvSpPr>
+            <a:spLocks noGrp="1"/>
+          </p:cNvSpPr>
+          <p:nvPr>
+            <p:ph type="body" sz="quarter" idx="3"/>
+          </p:nvPr>
+        </p:nvSpPr>
+        <p:spPr>
+          <a:xfrm>
+            <a:off x="685800" y="4400550"/>
+            <a:ext cx="5486400" cy="3600450"/>
+          </a:xfrm>
+          <a:prstGeom prst="rect">
+            <a:avLst/>
+          </a:prstGeom>
+        </p:spPr>
+        <p:txBody>
+          <a:bodyPr vert="horz" lIns="91440" tIns="45720" rIns="91440" bIns="45720" rtlCol="0"/>
+          <a:lstStyle/>
+          <a:p>
+            <a:pPr lvl="0"/>
+            <a:r>
+              <a:rPr lang="pt-PT"/>
+              <a:t>Clique para editar os estilos do texto de Modelo Global</a:t>
+            </a:r>
+          </a:p>
+          <a:p>
+            <a:pPr lvl="1"/>
+            <a:r>
+              <a:rPr lang="pt-PT"/>
+              <a:t>Segundo nível</a:t>
+            </a:r>
+          </a:p>
+          <a:p>
+            <a:pPr lvl="2"/>
+            <a:r>
+              <a:rPr lang="pt-PT"/>
+              <a:t>Terceiro nível</a:t>
+            </a:r>
+          </a:p>
+          <a:p>
+            <a:pPr lvl="3"/>
+            <a:r>
+              <a:rPr lang="pt-PT"/>
+              <a:t>Quarto nível</a:t>
+            </a:r>
+          </a:p>
+          <a:p>
+            <a:pPr lvl="4"/>
+            <a:r>
+              <a:rPr lang="pt-PT"/>
+              <a:t>Quinto nível</a:t>
+            </a:r>
+          </a:p>
+        </p:txBody>
+      </p:sp>
+      <p:sp>
+        <p:nvSpPr>
+          <p:cNvPr id="6" name="Marcador de Posição do Rodapé 5"/>
+          <p:cNvSpPr>
+            <a:spLocks noGrp="1"/>
+          </p:cNvSpPr>
+          <p:nvPr>
+            <p:ph type="ftr" sz="quarter" idx="4"/>
+          </p:nvPr>
+        </p:nvSpPr>
+        <p:spPr>
+          <a:xfrm>
+            <a:off x="0" y="8685213"/>
+            <a:ext cx="2971800" cy="458787"/>
+          </a:xfrm>
+          <a:prstGeom prst="rect">
+            <a:avLst/>
+          </a:prstGeom>
+        </p:spPr>
+        <p:txBody>
+          <a:bodyPr vert="horz" lIns="91440" tIns="45720" rIns="91440" bIns="45720" rtlCol="0" anchor="b"/>
+          <a:lstStyle>
+            <a:lvl1pPr algn="l">
+              <a:defRPr sz="1200"/>
+            </a:lvl1pPr>
+          </a:lstStyle>
+          <a:p>
+            <a:endParaRPr lang="pt-PT"/>
+          </a:p>
+        </p:txBody>
+      </p:sp>
+      <p:sp>
+        <p:nvSpPr>
+          <p:cNvPr id="7" name="Marcador de Posição do Número do Diapositivo 6"/>
+          <p:cNvSpPr>
+            <a:spLocks noGrp="1"/>
+          </p:cNvSpPr>
+          <p:nvPr>
+            <p:ph type="sldNum" sz="quarter" idx="5"/>
+          </p:nvPr>
+        </p:nvSpPr>
+        <p:spPr>
+          <a:xfrm>
+            <a:off x="3884613" y="8685213"/>
+            <a:ext cx="2971800" cy="458787"/>
+          </a:xfrm>
+          <a:prstGeom prst="rect">
+            <a:avLst/>
+          </a:prstGeom>
+        </p:spPr>
+        <p:txBody>
+          <a:bodyPr vert="horz" lIns="91440" tIns="45720" rIns="91440" bIns="45720" rtlCol="0" anchor="b"/>
+          <a:lstStyle>
+            <a:lvl1pPr algn="r">
+              <a:defRPr sz="1200"/>
+            </a:lvl1pPr>
+          </a:lstStyle>
+          <a:p>
+            <a:fld id="{141C5834-BC77-4B61-97BF-302EDCC610AA}" type="slidenum">
+              <a:rPr lang="pt-PT" smtClean="0"/>
+              <a:t>‹nº›</a:t>
+            </a:fld>
+            <a:endParaRPr lang="pt-PT"/>
+          </a:p>
+        </p:txBody>
+      </p:sp>
+    </p:spTree>
+    <p:extLst>
+      <p:ext uri="{BB962C8B-B14F-4D97-AF65-F5344CB8AC3E}">
+        <p14:creationId xmlns:p14="http://schemas.microsoft.com/office/powerpoint/2010/main" val="2442136246"/>
+      </p:ext>
+    </p:extLst>
+  </p:cSld>
+  <p:clrMap bg1="lt1" tx1="dk1" bg2="lt2" tx2="dk2" accent1="accent1" accent2="accent2" accent3="accent3" accent4="accent4" accent5="accent5" accent6="accent6" hlink="hlink" folHlink="folHlink"/>
+  <p:notesStyle>
+    <a:lvl1pPr marL="0" algn="l" defTabSz="914400" rtl="0" eaLnBrk="1" latinLnBrk="0" hangingPunct="1">
+      <a:defRPr sz="1200" kern="1200">
+        <a:solidFill>
+          <a:schemeClr val="tx1"/>
+        </a:solidFill>
+        <a:latin typeface="+mn-lt"/>
+        <a:ea typeface="+mn-ea"/>
+        <a:cs typeface="+mn-cs"/>
+      </a:defRPr>
+    </a:lvl1pPr>
+    <a:lvl2pPr marL="457200" algn="l" defTabSz="914400" rtl="0" eaLnBrk="1" latinLnBrk="0" hangingPunct="1">
+      <a:defRPr sz="1200" kern="1200">
+        <a:solidFill>
+          <a:schemeClr val="tx1"/>
+        </a:solidFill>
+        <a:latin typeface="+mn-lt"/>
+        <a:ea typeface="+mn-ea"/>
+        <a:cs typeface="+mn-cs"/>
+      </a:defRPr>
+    </a:lvl2pPr>
+    <a:lvl3pPr marL="914400" algn="l" defTabSz="914400" rtl="0" eaLnBrk="1" latinLnBrk="0" hangingPunct="1">
+      <a:defRPr sz="1200" kern="1200">
+        <a:solidFill>
+          <a:schemeClr val="tx1"/>
+        </a:solidFill>
+        <a:latin typeface="+mn-lt"/>
+        <a:ea typeface="+mn-ea"/>
+        <a:cs typeface="+mn-cs"/>
+      </a:defRPr>
+    </a:lvl3pPr>
+    <a:lvl4pPr marL="1371600" algn="l" defTabSz="914400" rtl="0" eaLnBrk="1" latinLnBrk="0" hangingPunct="1">
+      <a:defRPr sz="1200" kern="1200">
+        <a:solidFill>
+          <a:schemeClr val="tx1"/>
+        </a:solidFill>
+        <a:latin typeface="+mn-lt"/>
+        <a:ea typeface="+mn-ea"/>
+        <a:cs typeface="+mn-cs"/>
+      </a:defRPr>
+    </a:lvl4pPr>
+    <a:lvl5pPr marL="1828800" algn="l" defTabSz="914400" rtl="0" eaLnBrk="1" latinLnBrk="0" hangingPunct="1">
+      <a:defRPr sz="1200" kern="1200">
+        <a:solidFill>
+          <a:schemeClr val="tx1"/>
+        </a:solidFill>
+        <a:latin typeface="+mn-lt"/>
+        <a:ea typeface="+mn-ea"/>
+        <a:cs typeface="+mn-cs"/>
+      </a:defRPr>
+    </a:lvl5pPr>
+    <a:lvl6pPr marL="2286000" algn="l" defTabSz="914400" rtl="0" eaLnBrk="1" latinLnBrk="0" hangingPunct="1">
+      <a:defRPr sz="1200" kern="1200">
+        <a:solidFill>
+          <a:schemeClr val="tx1"/>
+        </a:solidFill>
+        <a:latin typeface="+mn-lt"/>
+        <a:ea typeface="+mn-ea"/>
+        <a:cs typeface="+mn-cs"/>
+      </a:defRPr>
+    </a:lvl6pPr>
+    <a:lvl7pPr marL="2743200" algn="l" defTabSz="914400" rtl="0" eaLnBrk="1" latinLnBrk="0" hangingPunct="1">
+      <a:defRPr sz="1200" kern="1200">
+        <a:solidFill>
+          <a:schemeClr val="tx1"/>
+        </a:solidFill>
+        <a:latin typeface="+mn-lt"/>
+        <a:ea typeface="+mn-ea"/>
+        <a:cs typeface="+mn-cs"/>
+      </a:defRPr>
+    </a:lvl7pPr>
+    <a:lvl8pPr marL="3200400" algn="l" defTabSz="914400" rtl="0" eaLnBrk="1" latinLnBrk="0" hangingPunct="1">
+      <a:defRPr sz="1200" kern="1200">
+        <a:solidFill>
+          <a:schemeClr val="tx1"/>
+        </a:solidFill>
+        <a:latin typeface="+mn-lt"/>
+        <a:ea typeface="+mn-ea"/>
+        <a:cs typeface="+mn-cs"/>
+      </a:defRPr>
+    </a:lvl8pPr>
+    <a:lvl9pPr marL="3657600" algn="l" defTabSz="914400" rtl="0" eaLnBrk="1" latinLnBrk="0" hangingPunct="1">
+      <a:defRPr sz="1200" kern="1200">
+        <a:solidFill>
+          <a:schemeClr val="tx1"/>
+        </a:solidFill>
+        <a:latin typeface="+mn-lt"/>
+        <a:ea typeface="+mn-ea"/>
+        <a:cs typeface="+mn-cs"/>
+      </a:defRPr>
+    </a:lvl9pPr>
+  </p:notesStyle>
+</p:notesMaster>
+</file>
+
+<file path=ppt/notesSlides/notesSlide1.xml><?xml version="1.0" encoding="utf-8"?>
+<p:notes xmlns:a="http://schemas.openxmlformats.org/drawingml/2006/main" xmlns:r="http://schemas.openxmlformats.org/officeDocument/2006/relationships" xmlns:p="http://schemas.openxmlformats.org/presentationml/2006/main">
+  <p:cSld>
+    <p:spTree>
+      <p:nvGrpSpPr>
+        <p:cNvPr id="1" name=""/>
+        <p:cNvGrpSpPr/>
+        <p:nvPr/>
+      </p:nvGrpSpPr>
+      <p:grpSpPr>
+        <a:xfrm>
+          <a:off x="0" y="0"/>
+          <a:ext cx="0" cy="0"/>
+          <a:chOff x="0" y="0"/>
+          <a:chExt cx="0" cy="0"/>
+        </a:xfrm>
+      </p:grpSpPr>
+      <p:sp>
+        <p:nvSpPr>
+          <p:cNvPr id="2" name="Marcador de Posição da Imagem do Diapositivo 1"/>
+          <p:cNvSpPr>
+            <a:spLocks noGrp="1" noRot="1" noChangeAspect="1"/>
+          </p:cNvSpPr>
+          <p:nvPr>
+            <p:ph type="sldImg"/>
+          </p:nvPr>
+        </p:nvSpPr>
+        <p:spPr/>
+      </p:sp>
+      <p:sp>
+        <p:nvSpPr>
+          <p:cNvPr id="3" name="Marcador de Posição de Notas 2"/>
+          <p:cNvSpPr>
+            <a:spLocks noGrp="1"/>
+          </p:cNvSpPr>
+          <p:nvPr>
+            <p:ph type="body" idx="1"/>
+          </p:nvPr>
+        </p:nvSpPr>
+        <p:spPr/>
+        <p:txBody>
+          <a:bodyPr/>
+          <a:lstStyle/>
+          <a:p>
+            <a:pPr marL="0" marR="0" lvl="0" indent="0" algn="l" defTabSz="914400" rtl="0" eaLnBrk="1" fontAlgn="auto" latinLnBrk="0" hangingPunct="1">
+              <a:lnSpc>
+                <a:spcPct val="100000"/>
+              </a:lnSpc>
+              <a:spcBef>
+                <a:spcPts val="0"/>
+              </a:spcBef>
+              <a:spcAft>
+                <a:spcPts val="0"/>
+              </a:spcAft>
+              <a:buClrTx/>
+              <a:buSzTx/>
+              <a:buFontTx/>
+              <a:buNone/>
+              <a:tabLst/>
+              <a:defRPr/>
+            </a:pPr>
+            <a:r>
+              <a:rPr lang="pt-PT" dirty="0"/>
+              <a:t>Até no caso do covid, como vocês sabem, foi a razão do isolamento que passámos e do aumento do teletrabalho, durante esse período de tempo em que tivemos em confinamento conseguimos atrasar a propagação do vírus.</a:t>
+            </a:r>
+          </a:p>
+        </p:txBody>
+      </p:sp>
+      <p:sp>
+        <p:nvSpPr>
+          <p:cNvPr id="4" name="Marcador de Posição do Número do Diapositivo 3"/>
+          <p:cNvSpPr>
+            <a:spLocks noGrp="1"/>
+          </p:cNvSpPr>
+          <p:nvPr>
+            <p:ph type="sldNum" sz="quarter" idx="5"/>
+          </p:nvPr>
+        </p:nvSpPr>
+        <p:spPr/>
+        <p:txBody>
+          <a:bodyPr/>
+          <a:lstStyle/>
+          <a:p>
+            <a:fld id="{141C5834-BC77-4B61-97BF-302EDCC610AA}" type="slidenum">
+              <a:rPr lang="pt-PT" smtClean="0"/>
+              <a:t>3</a:t>
+            </a:fld>
+            <a:endParaRPr lang="pt-PT"/>
+          </a:p>
+        </p:txBody>
+      </p:sp>
+    </p:spTree>
+    <p:extLst>
+      <p:ext uri="{BB962C8B-B14F-4D97-AF65-F5344CB8AC3E}">
+        <p14:creationId xmlns:p14="http://schemas.microsoft.com/office/powerpoint/2010/main" val="3159035261"/>
+      </p:ext>
+    </p:extLst>
+  </p:cSld>
+  <p:clrMapOvr>
+    <a:masterClrMapping/>
+  </p:clrMapOvr>
+</p:notes>
+</file>
+
 <file path=ppt/slideLayouts/slideLayout1.xml><?xml version="1.0" encoding="utf-8"?>
 <p:sldLayout xmlns:a="http://schemas.openxmlformats.org/drawingml/2006/main" xmlns:r="http://schemas.openxmlformats.org/officeDocument/2006/relationships" xmlns:p="http://schemas.openxmlformats.org/presentationml/2006/main" type="title" preserve="1">
   <p:cSld name="Diapositivo de Título">
@@ -129,7 +588,7 @@
           <p:cNvPr id="2" name="Título 1">
             <a:extLst>
               <a:ext uri="{FF2B5EF4-FFF2-40B4-BE49-F238E27FC236}">
-                <a16:creationId xmlns:a16="http://schemas.microsoft.com/office/drawing/2014/main" id="{BAAD1671-880B-486A-98CF-FDFC62EB8A08}"/>
+                <a16:creationId xmlns:a16="http://schemas.microsoft.com/office/drawing/2014/main" id="{32E07A7B-C173-4BA6-B904-63F9BD996BCA}"/>
               </a:ext>
             </a:extLst>
           </p:cNvPr>
@@ -166,7 +625,7 @@
           <p:cNvPr id="3" name="Subtítulo 2">
             <a:extLst>
               <a:ext uri="{FF2B5EF4-FFF2-40B4-BE49-F238E27FC236}">
-                <a16:creationId xmlns:a16="http://schemas.microsoft.com/office/drawing/2014/main" id="{2000B68F-DB14-4797-9591-16C1CE57915E}"/>
+                <a16:creationId xmlns:a16="http://schemas.microsoft.com/office/drawing/2014/main" id="{3ECD0E98-EE24-4473-B706-690BE7FED1C4}"/>
               </a:ext>
             </a:extLst>
           </p:cNvPr>
@@ -236,7 +695,7 @@
           <p:cNvPr id="4" name="Marcador de Posição da Data 3">
             <a:extLst>
               <a:ext uri="{FF2B5EF4-FFF2-40B4-BE49-F238E27FC236}">
-                <a16:creationId xmlns:a16="http://schemas.microsoft.com/office/drawing/2014/main" id="{4C6DC42D-FC3C-4C44-80D6-027D9F5FA33E}"/>
+                <a16:creationId xmlns:a16="http://schemas.microsoft.com/office/drawing/2014/main" id="{D5197B2C-FEA2-4A2C-B0AB-CEE97D912268}"/>
               </a:ext>
             </a:extLst>
           </p:cNvPr>
@@ -252,7 +711,7 @@
           <a:bodyPr/>
           <a:lstStyle/>
           <a:p>
-            <a:fld id="{512835F3-54C1-4FCE-BE96-6EE1873757D8}" type="datetimeFigureOut">
+            <a:fld id="{3DDE4EAE-EE9A-439C-BAE3-96C9A343E195}" type="datetimeFigureOut">
               <a:rPr lang="pt-PT" smtClean="0"/>
               <a:t>29/10/2020</a:t>
             </a:fld>
@@ -265,7 +724,7 @@
           <p:cNvPr id="5" name="Marcador de Posição do Rodapé 4">
             <a:extLst>
               <a:ext uri="{FF2B5EF4-FFF2-40B4-BE49-F238E27FC236}">
-                <a16:creationId xmlns:a16="http://schemas.microsoft.com/office/drawing/2014/main" id="{6464CE48-3AF6-4D4B-978B-9B819AB38E32}"/>
+                <a16:creationId xmlns:a16="http://schemas.microsoft.com/office/drawing/2014/main" id="{39C25F17-DB24-47AB-90F6-DA610EECB74A}"/>
               </a:ext>
             </a:extLst>
           </p:cNvPr>
@@ -290,7 +749,7 @@
           <p:cNvPr id="6" name="Marcador de Posição do Número do Diapositivo 5">
             <a:extLst>
               <a:ext uri="{FF2B5EF4-FFF2-40B4-BE49-F238E27FC236}">
-                <a16:creationId xmlns:a16="http://schemas.microsoft.com/office/drawing/2014/main" id="{DD0BC91D-8DAC-4544-A3BC-BD4189F257F3}"/>
+                <a16:creationId xmlns:a16="http://schemas.microsoft.com/office/drawing/2014/main" id="{586EFF63-AAF0-409A-81DC-964F96A0C41A}"/>
               </a:ext>
             </a:extLst>
           </p:cNvPr>
@@ -306,7 +765,7 @@
           <a:bodyPr/>
           <a:lstStyle/>
           <a:p>
-            <a:fld id="{79854E0D-1CE4-4661-870E-D66659D18FA9}" type="slidenum">
+            <a:fld id="{80EA80CB-E633-446F-A02B-850EE4085802}" type="slidenum">
               <a:rPr lang="pt-PT" smtClean="0"/>
               <a:t>‹nº›</a:t>
             </a:fld>
@@ -317,7 +776,7 @@
     </p:spTree>
     <p:extLst>
       <p:ext uri="{BB962C8B-B14F-4D97-AF65-F5344CB8AC3E}">
-        <p14:creationId xmlns:p14="http://schemas.microsoft.com/office/powerpoint/2010/main" val="1090985487"/>
+        <p14:creationId xmlns:p14="http://schemas.microsoft.com/office/powerpoint/2010/main" val="2093950444"/>
       </p:ext>
     </p:extLst>
   </p:cSld>
@@ -349,7 +808,7 @@
           <p:cNvPr id="2" name="Título 1">
             <a:extLst>
               <a:ext uri="{FF2B5EF4-FFF2-40B4-BE49-F238E27FC236}">
-                <a16:creationId xmlns:a16="http://schemas.microsoft.com/office/drawing/2014/main" id="{477EDB93-3368-4D48-84E0-A2AA8E7788C8}"/>
+                <a16:creationId xmlns:a16="http://schemas.microsoft.com/office/drawing/2014/main" id="{0B2C0E93-2FD7-4F4F-B392-23E75A683B37}"/>
               </a:ext>
             </a:extLst>
           </p:cNvPr>
@@ -377,7 +836,7 @@
           <p:cNvPr id="3" name="Marcador de Posição de Texto Vertical 2">
             <a:extLst>
               <a:ext uri="{FF2B5EF4-FFF2-40B4-BE49-F238E27FC236}">
-                <a16:creationId xmlns:a16="http://schemas.microsoft.com/office/drawing/2014/main" id="{B3D28B1B-5E6E-4AAA-AE5C-08E06F29C1F8}"/>
+                <a16:creationId xmlns:a16="http://schemas.microsoft.com/office/drawing/2014/main" id="{092893DF-C3B2-4322-A384-6274BF52417B}"/>
               </a:ext>
             </a:extLst>
           </p:cNvPr>
@@ -434,7 +893,7 @@
           <p:cNvPr id="4" name="Marcador de Posição da Data 3">
             <a:extLst>
               <a:ext uri="{FF2B5EF4-FFF2-40B4-BE49-F238E27FC236}">
-                <a16:creationId xmlns:a16="http://schemas.microsoft.com/office/drawing/2014/main" id="{A6BDAC71-5076-4CEE-8342-E500BDED6452}"/>
+                <a16:creationId xmlns:a16="http://schemas.microsoft.com/office/drawing/2014/main" id="{B15015F7-030A-4A99-8468-256D8D8BC75C}"/>
               </a:ext>
             </a:extLst>
           </p:cNvPr>
@@ -450,7 +909,7 @@
           <a:bodyPr/>
           <a:lstStyle/>
           <a:p>
-            <a:fld id="{512835F3-54C1-4FCE-BE96-6EE1873757D8}" type="datetimeFigureOut">
+            <a:fld id="{3DDE4EAE-EE9A-439C-BAE3-96C9A343E195}" type="datetimeFigureOut">
               <a:rPr lang="pt-PT" smtClean="0"/>
               <a:t>29/10/2020</a:t>
             </a:fld>
@@ -463,7 +922,7 @@
           <p:cNvPr id="5" name="Marcador de Posição do Rodapé 4">
             <a:extLst>
               <a:ext uri="{FF2B5EF4-FFF2-40B4-BE49-F238E27FC236}">
-                <a16:creationId xmlns:a16="http://schemas.microsoft.com/office/drawing/2014/main" id="{FC4BC54E-EF24-4910-A870-7528D82D6BB8}"/>
+                <a16:creationId xmlns:a16="http://schemas.microsoft.com/office/drawing/2014/main" id="{97C5BD02-3DF9-49FC-9F56-7EFE5DA4E720}"/>
               </a:ext>
             </a:extLst>
           </p:cNvPr>
@@ -488,7 +947,7 @@
           <p:cNvPr id="6" name="Marcador de Posição do Número do Diapositivo 5">
             <a:extLst>
               <a:ext uri="{FF2B5EF4-FFF2-40B4-BE49-F238E27FC236}">
-                <a16:creationId xmlns:a16="http://schemas.microsoft.com/office/drawing/2014/main" id="{9CCC8A4D-2C32-44A4-8A1A-6802742803D5}"/>
+                <a16:creationId xmlns:a16="http://schemas.microsoft.com/office/drawing/2014/main" id="{4E4E813F-6D5A-4983-845D-BA27547BFD76}"/>
               </a:ext>
             </a:extLst>
           </p:cNvPr>
@@ -504,7 +963,7 @@
           <a:bodyPr/>
           <a:lstStyle/>
           <a:p>
-            <a:fld id="{79854E0D-1CE4-4661-870E-D66659D18FA9}" type="slidenum">
+            <a:fld id="{80EA80CB-E633-446F-A02B-850EE4085802}" type="slidenum">
               <a:rPr lang="pt-PT" smtClean="0"/>
               <a:t>‹nº›</a:t>
             </a:fld>
@@ -515,7 +974,7 @@
     </p:spTree>
     <p:extLst>
       <p:ext uri="{BB962C8B-B14F-4D97-AF65-F5344CB8AC3E}">
-        <p14:creationId xmlns:p14="http://schemas.microsoft.com/office/powerpoint/2010/main" val="4226549680"/>
+        <p14:creationId xmlns:p14="http://schemas.microsoft.com/office/powerpoint/2010/main" val="844751475"/>
       </p:ext>
     </p:extLst>
   </p:cSld>
@@ -547,7 +1006,7 @@
           <p:cNvPr id="2" name="Título Vertical 1">
             <a:extLst>
               <a:ext uri="{FF2B5EF4-FFF2-40B4-BE49-F238E27FC236}">
-                <a16:creationId xmlns:a16="http://schemas.microsoft.com/office/drawing/2014/main" id="{6E5281C9-F2D0-486A-82C0-A7ED23397E58}"/>
+                <a16:creationId xmlns:a16="http://schemas.microsoft.com/office/drawing/2014/main" id="{8A82A1B9-B240-4105-BC17-31F06D7CEB8F}"/>
               </a:ext>
             </a:extLst>
           </p:cNvPr>
@@ -580,7 +1039,7 @@
           <p:cNvPr id="3" name="Marcador de Posição de Texto Vertical 2">
             <a:extLst>
               <a:ext uri="{FF2B5EF4-FFF2-40B4-BE49-F238E27FC236}">
-                <a16:creationId xmlns:a16="http://schemas.microsoft.com/office/drawing/2014/main" id="{F7D366EA-C2C5-4C14-8607-3DE0D0B02053}"/>
+                <a16:creationId xmlns:a16="http://schemas.microsoft.com/office/drawing/2014/main" id="{271E249D-2DDB-495B-BD19-670ED45CCE90}"/>
               </a:ext>
             </a:extLst>
           </p:cNvPr>
@@ -642,7 +1101,7 @@
           <p:cNvPr id="4" name="Marcador de Posição da Data 3">
             <a:extLst>
               <a:ext uri="{FF2B5EF4-FFF2-40B4-BE49-F238E27FC236}">
-                <a16:creationId xmlns:a16="http://schemas.microsoft.com/office/drawing/2014/main" id="{280C5DAB-722A-48D7-8FB1-17969996A508}"/>
+                <a16:creationId xmlns:a16="http://schemas.microsoft.com/office/drawing/2014/main" id="{826191A5-1620-4C88-8EBF-8762BB9C2ABE}"/>
               </a:ext>
             </a:extLst>
           </p:cNvPr>
@@ -658,7 +1117,7 @@
           <a:bodyPr/>
           <a:lstStyle/>
           <a:p>
-            <a:fld id="{512835F3-54C1-4FCE-BE96-6EE1873757D8}" type="datetimeFigureOut">
+            <a:fld id="{3DDE4EAE-EE9A-439C-BAE3-96C9A343E195}" type="datetimeFigureOut">
               <a:rPr lang="pt-PT" smtClean="0"/>
               <a:t>29/10/2020</a:t>
             </a:fld>
@@ -671,7 +1130,7 @@
           <p:cNvPr id="5" name="Marcador de Posição do Rodapé 4">
             <a:extLst>
               <a:ext uri="{FF2B5EF4-FFF2-40B4-BE49-F238E27FC236}">
-                <a16:creationId xmlns:a16="http://schemas.microsoft.com/office/drawing/2014/main" id="{2C31569E-8B08-41AF-9AB8-1F645ECE9233}"/>
+                <a16:creationId xmlns:a16="http://schemas.microsoft.com/office/drawing/2014/main" id="{D4FCF53D-B5E1-452F-848B-4DE4FF6C0E4B}"/>
               </a:ext>
             </a:extLst>
           </p:cNvPr>
@@ -696,7 +1155,7 @@
           <p:cNvPr id="6" name="Marcador de Posição do Número do Diapositivo 5">
             <a:extLst>
               <a:ext uri="{FF2B5EF4-FFF2-40B4-BE49-F238E27FC236}">
-                <a16:creationId xmlns:a16="http://schemas.microsoft.com/office/drawing/2014/main" id="{6B9371DF-5C15-4A1B-AC67-D8EFCF427E75}"/>
+                <a16:creationId xmlns:a16="http://schemas.microsoft.com/office/drawing/2014/main" id="{E5F406F6-4AA5-4278-91BD-0FD683E432BE}"/>
               </a:ext>
             </a:extLst>
           </p:cNvPr>
@@ -712,7 +1171,7 @@
           <a:bodyPr/>
           <a:lstStyle/>
           <a:p>
-            <a:fld id="{79854E0D-1CE4-4661-870E-D66659D18FA9}" type="slidenum">
+            <a:fld id="{80EA80CB-E633-446F-A02B-850EE4085802}" type="slidenum">
               <a:rPr lang="pt-PT" smtClean="0"/>
               <a:t>‹nº›</a:t>
             </a:fld>
@@ -723,7 +1182,7 @@
     </p:spTree>
     <p:extLst>
       <p:ext uri="{BB962C8B-B14F-4D97-AF65-F5344CB8AC3E}">
-        <p14:creationId xmlns:p14="http://schemas.microsoft.com/office/powerpoint/2010/main" val="3115492803"/>
+        <p14:creationId xmlns:p14="http://schemas.microsoft.com/office/powerpoint/2010/main" val="2498758071"/>
       </p:ext>
     </p:extLst>
   </p:cSld>
@@ -755,7 +1214,7 @@
           <p:cNvPr id="2" name="Título 1">
             <a:extLst>
               <a:ext uri="{FF2B5EF4-FFF2-40B4-BE49-F238E27FC236}">
-                <a16:creationId xmlns:a16="http://schemas.microsoft.com/office/drawing/2014/main" id="{F2928460-FF1C-4BB6-A581-7F6C86315807}"/>
+                <a16:creationId xmlns:a16="http://schemas.microsoft.com/office/drawing/2014/main" id="{250EDC38-A8CC-4F80-BC1A-7A1960343A08}"/>
               </a:ext>
             </a:extLst>
           </p:cNvPr>
@@ -783,7 +1242,7 @@
           <p:cNvPr id="3" name="Marcador de Posição de Conteúdo 2">
             <a:extLst>
               <a:ext uri="{FF2B5EF4-FFF2-40B4-BE49-F238E27FC236}">
-                <a16:creationId xmlns:a16="http://schemas.microsoft.com/office/drawing/2014/main" id="{58354329-EB75-4306-AB37-598303D81449}"/>
+                <a16:creationId xmlns:a16="http://schemas.microsoft.com/office/drawing/2014/main" id="{DD79EC9C-92CE-4085-ACCF-E0B49CE75AB6}"/>
               </a:ext>
             </a:extLst>
           </p:cNvPr>
@@ -840,7 +1299,7 @@
           <p:cNvPr id="4" name="Marcador de Posição da Data 3">
             <a:extLst>
               <a:ext uri="{FF2B5EF4-FFF2-40B4-BE49-F238E27FC236}">
-                <a16:creationId xmlns:a16="http://schemas.microsoft.com/office/drawing/2014/main" id="{8B84E05F-D7A0-4835-A99E-6388CDDD568D}"/>
+                <a16:creationId xmlns:a16="http://schemas.microsoft.com/office/drawing/2014/main" id="{1AEE4FFC-7979-4FB4-9FD9-C6C799AA3E34}"/>
               </a:ext>
             </a:extLst>
           </p:cNvPr>
@@ -856,7 +1315,7 @@
           <a:bodyPr/>
           <a:lstStyle/>
           <a:p>
-            <a:fld id="{512835F3-54C1-4FCE-BE96-6EE1873757D8}" type="datetimeFigureOut">
+            <a:fld id="{3DDE4EAE-EE9A-439C-BAE3-96C9A343E195}" type="datetimeFigureOut">
               <a:rPr lang="pt-PT" smtClean="0"/>
               <a:t>29/10/2020</a:t>
             </a:fld>
@@ -869,7 +1328,7 @@
           <p:cNvPr id="5" name="Marcador de Posição do Rodapé 4">
             <a:extLst>
               <a:ext uri="{FF2B5EF4-FFF2-40B4-BE49-F238E27FC236}">
-                <a16:creationId xmlns:a16="http://schemas.microsoft.com/office/drawing/2014/main" id="{EEE77CEF-2F8B-4F1A-B9E3-C2854DD94337}"/>
+                <a16:creationId xmlns:a16="http://schemas.microsoft.com/office/drawing/2014/main" id="{A9B91C47-A10E-4092-AC0D-115B4938D3FE}"/>
               </a:ext>
             </a:extLst>
           </p:cNvPr>
@@ -894,7 +1353,7 @@
           <p:cNvPr id="6" name="Marcador de Posição do Número do Diapositivo 5">
             <a:extLst>
               <a:ext uri="{FF2B5EF4-FFF2-40B4-BE49-F238E27FC236}">
-                <a16:creationId xmlns:a16="http://schemas.microsoft.com/office/drawing/2014/main" id="{1FD8209D-2156-497E-BE13-8172EE518D98}"/>
+                <a16:creationId xmlns:a16="http://schemas.microsoft.com/office/drawing/2014/main" id="{23C93433-E306-4386-8FF9-63F139ED9465}"/>
               </a:ext>
             </a:extLst>
           </p:cNvPr>
@@ -910,7 +1369,7 @@
           <a:bodyPr/>
           <a:lstStyle/>
           <a:p>
-            <a:fld id="{79854E0D-1CE4-4661-870E-D66659D18FA9}" type="slidenum">
+            <a:fld id="{80EA80CB-E633-446F-A02B-850EE4085802}" type="slidenum">
               <a:rPr lang="pt-PT" smtClean="0"/>
               <a:t>‹nº›</a:t>
             </a:fld>
@@ -921,7 +1380,7 @@
     </p:spTree>
     <p:extLst>
       <p:ext uri="{BB962C8B-B14F-4D97-AF65-F5344CB8AC3E}">
-        <p14:creationId xmlns:p14="http://schemas.microsoft.com/office/powerpoint/2010/main" val="2251960208"/>
+        <p14:creationId xmlns:p14="http://schemas.microsoft.com/office/powerpoint/2010/main" val="3562073255"/>
       </p:ext>
     </p:extLst>
   </p:cSld>
@@ -953,7 +1412,7 @@
           <p:cNvPr id="2" name="Título 1">
             <a:extLst>
               <a:ext uri="{FF2B5EF4-FFF2-40B4-BE49-F238E27FC236}">
-                <a16:creationId xmlns:a16="http://schemas.microsoft.com/office/drawing/2014/main" id="{85CEF2A0-3744-461A-B5E4-0D187397E1DD}"/>
+                <a16:creationId xmlns:a16="http://schemas.microsoft.com/office/drawing/2014/main" id="{8539FDA0-3F01-4515-9CF3-868D70A4F914}"/>
               </a:ext>
             </a:extLst>
           </p:cNvPr>
@@ -990,7 +1449,7 @@
           <p:cNvPr id="3" name="Marcador de Posição do Texto 2">
             <a:extLst>
               <a:ext uri="{FF2B5EF4-FFF2-40B4-BE49-F238E27FC236}">
-                <a16:creationId xmlns:a16="http://schemas.microsoft.com/office/drawing/2014/main" id="{0F0F57AA-0D7A-4B2F-9A7D-206F60E31CF1}"/>
+                <a16:creationId xmlns:a16="http://schemas.microsoft.com/office/drawing/2014/main" id="{C9ED48BE-583C-4CCF-8741-A384B35C40EE}"/>
               </a:ext>
             </a:extLst>
           </p:cNvPr>
@@ -1115,7 +1574,7 @@
           <p:cNvPr id="4" name="Marcador de Posição da Data 3">
             <a:extLst>
               <a:ext uri="{FF2B5EF4-FFF2-40B4-BE49-F238E27FC236}">
-                <a16:creationId xmlns:a16="http://schemas.microsoft.com/office/drawing/2014/main" id="{A9E07CB3-A72E-4815-A0A4-CA5212CA852C}"/>
+                <a16:creationId xmlns:a16="http://schemas.microsoft.com/office/drawing/2014/main" id="{4C250A7A-6EE3-4A0B-9908-AF2B2F9A0AC3}"/>
               </a:ext>
             </a:extLst>
           </p:cNvPr>
@@ -1131,7 +1590,7 @@
           <a:bodyPr/>
           <a:lstStyle/>
           <a:p>
-            <a:fld id="{512835F3-54C1-4FCE-BE96-6EE1873757D8}" type="datetimeFigureOut">
+            <a:fld id="{3DDE4EAE-EE9A-439C-BAE3-96C9A343E195}" type="datetimeFigureOut">
               <a:rPr lang="pt-PT" smtClean="0"/>
               <a:t>29/10/2020</a:t>
             </a:fld>
@@ -1144,7 +1603,7 @@
           <p:cNvPr id="5" name="Marcador de Posição do Rodapé 4">
             <a:extLst>
               <a:ext uri="{FF2B5EF4-FFF2-40B4-BE49-F238E27FC236}">
-                <a16:creationId xmlns:a16="http://schemas.microsoft.com/office/drawing/2014/main" id="{45382B54-4A93-41FB-AE6F-7254880C36A7}"/>
+                <a16:creationId xmlns:a16="http://schemas.microsoft.com/office/drawing/2014/main" id="{48FBE72F-B8AA-4906-B0D5-404B5B002DE8}"/>
               </a:ext>
             </a:extLst>
           </p:cNvPr>
@@ -1169,7 +1628,7 @@
           <p:cNvPr id="6" name="Marcador de Posição do Número do Diapositivo 5">
             <a:extLst>
               <a:ext uri="{FF2B5EF4-FFF2-40B4-BE49-F238E27FC236}">
-                <a16:creationId xmlns:a16="http://schemas.microsoft.com/office/drawing/2014/main" id="{29F358D0-19DE-4A55-BA4C-93931C255F46}"/>
+                <a16:creationId xmlns:a16="http://schemas.microsoft.com/office/drawing/2014/main" id="{B207501B-58A0-405D-ACF2-0E62CFC9CCDC}"/>
               </a:ext>
             </a:extLst>
           </p:cNvPr>
@@ -1185,7 +1644,7 @@
           <a:bodyPr/>
           <a:lstStyle/>
           <a:p>
-            <a:fld id="{79854E0D-1CE4-4661-870E-D66659D18FA9}" type="slidenum">
+            <a:fld id="{80EA80CB-E633-446F-A02B-850EE4085802}" type="slidenum">
               <a:rPr lang="pt-PT" smtClean="0"/>
               <a:t>‹nº›</a:t>
             </a:fld>
@@ -1196,7 +1655,7 @@
     </p:spTree>
     <p:extLst>
       <p:ext uri="{BB962C8B-B14F-4D97-AF65-F5344CB8AC3E}">
-        <p14:creationId xmlns:p14="http://schemas.microsoft.com/office/powerpoint/2010/main" val="4094710753"/>
+        <p14:creationId xmlns:p14="http://schemas.microsoft.com/office/powerpoint/2010/main" val="1632923690"/>
       </p:ext>
     </p:extLst>
   </p:cSld>
@@ -1228,7 +1687,7 @@
           <p:cNvPr id="2" name="Título 1">
             <a:extLst>
               <a:ext uri="{FF2B5EF4-FFF2-40B4-BE49-F238E27FC236}">
-                <a16:creationId xmlns:a16="http://schemas.microsoft.com/office/drawing/2014/main" id="{5E191693-20AA-41AE-A45F-11312B78BC66}"/>
+                <a16:creationId xmlns:a16="http://schemas.microsoft.com/office/drawing/2014/main" id="{2A390D8F-5F1F-4296-8405-A1641E7096E5}"/>
               </a:ext>
             </a:extLst>
           </p:cNvPr>
@@ -1256,7 +1715,7 @@
           <p:cNvPr id="3" name="Marcador de Posição de Conteúdo 2">
             <a:extLst>
               <a:ext uri="{FF2B5EF4-FFF2-40B4-BE49-F238E27FC236}">
-                <a16:creationId xmlns:a16="http://schemas.microsoft.com/office/drawing/2014/main" id="{2DB8D7E5-7D2A-4AB0-8A70-945A8E9E1636}"/>
+                <a16:creationId xmlns:a16="http://schemas.microsoft.com/office/drawing/2014/main" id="{52A37434-E4FC-4462-BCF4-C0DE644F13F2}"/>
               </a:ext>
             </a:extLst>
           </p:cNvPr>
@@ -1318,7 +1777,7 @@
           <p:cNvPr id="4" name="Marcador de Posição de Conteúdo 3">
             <a:extLst>
               <a:ext uri="{FF2B5EF4-FFF2-40B4-BE49-F238E27FC236}">
-                <a16:creationId xmlns:a16="http://schemas.microsoft.com/office/drawing/2014/main" id="{8C359E41-9CD8-4BB5-BE49-9BDFA4AB3CBE}"/>
+                <a16:creationId xmlns:a16="http://schemas.microsoft.com/office/drawing/2014/main" id="{BAECF1C6-D112-4462-9367-95C8A165512B}"/>
               </a:ext>
             </a:extLst>
           </p:cNvPr>
@@ -1380,7 +1839,7 @@
           <p:cNvPr id="5" name="Marcador de Posição da Data 4">
             <a:extLst>
               <a:ext uri="{FF2B5EF4-FFF2-40B4-BE49-F238E27FC236}">
-                <a16:creationId xmlns:a16="http://schemas.microsoft.com/office/drawing/2014/main" id="{7A83B871-6E7D-4205-9B0E-8DC0D65449AB}"/>
+                <a16:creationId xmlns:a16="http://schemas.microsoft.com/office/drawing/2014/main" id="{A17AEE1A-957C-4D2B-8A99-926195270256}"/>
               </a:ext>
             </a:extLst>
           </p:cNvPr>
@@ -1396,7 +1855,7 @@
           <a:bodyPr/>
           <a:lstStyle/>
           <a:p>
-            <a:fld id="{512835F3-54C1-4FCE-BE96-6EE1873757D8}" type="datetimeFigureOut">
+            <a:fld id="{3DDE4EAE-EE9A-439C-BAE3-96C9A343E195}" type="datetimeFigureOut">
               <a:rPr lang="pt-PT" smtClean="0"/>
               <a:t>29/10/2020</a:t>
             </a:fld>
@@ -1409,7 +1868,7 @@
           <p:cNvPr id="6" name="Marcador de Posição do Rodapé 5">
             <a:extLst>
               <a:ext uri="{FF2B5EF4-FFF2-40B4-BE49-F238E27FC236}">
-                <a16:creationId xmlns:a16="http://schemas.microsoft.com/office/drawing/2014/main" id="{C87D7464-83B4-4C82-8038-7DAF0579826D}"/>
+                <a16:creationId xmlns:a16="http://schemas.microsoft.com/office/drawing/2014/main" id="{3177CE4A-1711-4CD3-AA58-08CE09738BAA}"/>
               </a:ext>
             </a:extLst>
           </p:cNvPr>
@@ -1434,7 +1893,7 @@
           <p:cNvPr id="7" name="Marcador de Posição do Número do Diapositivo 6">
             <a:extLst>
               <a:ext uri="{FF2B5EF4-FFF2-40B4-BE49-F238E27FC236}">
-                <a16:creationId xmlns:a16="http://schemas.microsoft.com/office/drawing/2014/main" id="{CD487A17-DE34-458C-8A63-0FA8D4342067}"/>
+                <a16:creationId xmlns:a16="http://schemas.microsoft.com/office/drawing/2014/main" id="{BE65D452-F540-4E6C-998E-D8121C52B7D8}"/>
               </a:ext>
             </a:extLst>
           </p:cNvPr>
@@ -1450,7 +1909,7 @@
           <a:bodyPr/>
           <a:lstStyle/>
           <a:p>
-            <a:fld id="{79854E0D-1CE4-4661-870E-D66659D18FA9}" type="slidenum">
+            <a:fld id="{80EA80CB-E633-446F-A02B-850EE4085802}" type="slidenum">
               <a:rPr lang="pt-PT" smtClean="0"/>
               <a:t>‹nº›</a:t>
             </a:fld>
@@ -1461,7 +1920,7 @@
     </p:spTree>
     <p:extLst>
       <p:ext uri="{BB962C8B-B14F-4D97-AF65-F5344CB8AC3E}">
-        <p14:creationId xmlns:p14="http://schemas.microsoft.com/office/powerpoint/2010/main" val="1791563379"/>
+        <p14:creationId xmlns:p14="http://schemas.microsoft.com/office/powerpoint/2010/main" val="590268157"/>
       </p:ext>
     </p:extLst>
   </p:cSld>
@@ -1493,7 +1952,7 @@
           <p:cNvPr id="2" name="Título 1">
             <a:extLst>
               <a:ext uri="{FF2B5EF4-FFF2-40B4-BE49-F238E27FC236}">
-                <a16:creationId xmlns:a16="http://schemas.microsoft.com/office/drawing/2014/main" id="{CAC1F200-97AD-49A2-A0B2-32CB34EFC50F}"/>
+                <a16:creationId xmlns:a16="http://schemas.microsoft.com/office/drawing/2014/main" id="{A13AA21F-59B0-4385-AF25-E5A81FAEED52}"/>
               </a:ext>
             </a:extLst>
           </p:cNvPr>
@@ -1526,7 +1985,7 @@
           <p:cNvPr id="3" name="Marcador de Posição do Texto 2">
             <a:extLst>
               <a:ext uri="{FF2B5EF4-FFF2-40B4-BE49-F238E27FC236}">
-                <a16:creationId xmlns:a16="http://schemas.microsoft.com/office/drawing/2014/main" id="{F6FB0696-E7A9-4071-BE32-7169B11F7BB1}"/>
+                <a16:creationId xmlns:a16="http://schemas.microsoft.com/office/drawing/2014/main" id="{4FB36E1E-B849-4303-8E44-9C545E6AE8F5}"/>
               </a:ext>
             </a:extLst>
           </p:cNvPr>
@@ -1597,7 +2056,7 @@
           <p:cNvPr id="4" name="Marcador de Posição de Conteúdo 3">
             <a:extLst>
               <a:ext uri="{FF2B5EF4-FFF2-40B4-BE49-F238E27FC236}">
-                <a16:creationId xmlns:a16="http://schemas.microsoft.com/office/drawing/2014/main" id="{C15B0D92-1F93-46B6-9AA0-815F87972467}"/>
+                <a16:creationId xmlns:a16="http://schemas.microsoft.com/office/drawing/2014/main" id="{452E804B-6FAD-4603-A461-07CA1F60A88C}"/>
               </a:ext>
             </a:extLst>
           </p:cNvPr>
@@ -1659,7 +2118,7 @@
           <p:cNvPr id="5" name="Marcador de Posição do Texto 4">
             <a:extLst>
               <a:ext uri="{FF2B5EF4-FFF2-40B4-BE49-F238E27FC236}">
-                <a16:creationId xmlns:a16="http://schemas.microsoft.com/office/drawing/2014/main" id="{EC13937E-027C-4185-9B71-480103F6A5EE}"/>
+                <a16:creationId xmlns:a16="http://schemas.microsoft.com/office/drawing/2014/main" id="{8FF8BAF6-D30B-4546-BDB7-016CB9B82781}"/>
               </a:ext>
             </a:extLst>
           </p:cNvPr>
@@ -1730,7 +2189,7 @@
           <p:cNvPr id="6" name="Marcador de Posição de Conteúdo 5">
             <a:extLst>
               <a:ext uri="{FF2B5EF4-FFF2-40B4-BE49-F238E27FC236}">
-                <a16:creationId xmlns:a16="http://schemas.microsoft.com/office/drawing/2014/main" id="{D6BCEBA7-8F25-4641-ACFE-EF0846A79E5F}"/>
+                <a16:creationId xmlns:a16="http://schemas.microsoft.com/office/drawing/2014/main" id="{62D51EA2-50C9-4007-B14F-B7B4F5256C11}"/>
               </a:ext>
             </a:extLst>
           </p:cNvPr>
@@ -1792,7 +2251,7 @@
           <p:cNvPr id="7" name="Marcador de Posição da Data 6">
             <a:extLst>
               <a:ext uri="{FF2B5EF4-FFF2-40B4-BE49-F238E27FC236}">
-                <a16:creationId xmlns:a16="http://schemas.microsoft.com/office/drawing/2014/main" id="{8DB7A981-B022-4C56-99B8-0D785EC704C0}"/>
+                <a16:creationId xmlns:a16="http://schemas.microsoft.com/office/drawing/2014/main" id="{9A0795DE-20FB-458B-AABB-8B9BA17A1AE9}"/>
               </a:ext>
             </a:extLst>
           </p:cNvPr>
@@ -1808,7 +2267,7 @@
           <a:bodyPr/>
           <a:lstStyle/>
           <a:p>
-            <a:fld id="{512835F3-54C1-4FCE-BE96-6EE1873757D8}" type="datetimeFigureOut">
+            <a:fld id="{3DDE4EAE-EE9A-439C-BAE3-96C9A343E195}" type="datetimeFigureOut">
               <a:rPr lang="pt-PT" smtClean="0"/>
               <a:t>29/10/2020</a:t>
             </a:fld>
@@ -1821,7 +2280,7 @@
           <p:cNvPr id="8" name="Marcador de Posição do Rodapé 7">
             <a:extLst>
               <a:ext uri="{FF2B5EF4-FFF2-40B4-BE49-F238E27FC236}">
-                <a16:creationId xmlns:a16="http://schemas.microsoft.com/office/drawing/2014/main" id="{47B7A602-D0D7-49E0-AF2D-0BE0CE69EF50}"/>
+                <a16:creationId xmlns:a16="http://schemas.microsoft.com/office/drawing/2014/main" id="{D5AC560A-F3C9-4421-9DBC-D556EC5E8E27}"/>
               </a:ext>
             </a:extLst>
           </p:cNvPr>
@@ -1846,7 +2305,7 @@
           <p:cNvPr id="9" name="Marcador de Posição do Número do Diapositivo 8">
             <a:extLst>
               <a:ext uri="{FF2B5EF4-FFF2-40B4-BE49-F238E27FC236}">
-                <a16:creationId xmlns:a16="http://schemas.microsoft.com/office/drawing/2014/main" id="{6E7F5C83-C6B3-414F-A139-6D2F5E1C3FAE}"/>
+                <a16:creationId xmlns:a16="http://schemas.microsoft.com/office/drawing/2014/main" id="{F885A65E-261C-4547-9157-4116D1A5702B}"/>
               </a:ext>
             </a:extLst>
           </p:cNvPr>
@@ -1862,7 +2321,7 @@
           <a:bodyPr/>
           <a:lstStyle/>
           <a:p>
-            <a:fld id="{79854E0D-1CE4-4661-870E-D66659D18FA9}" type="slidenum">
+            <a:fld id="{80EA80CB-E633-446F-A02B-850EE4085802}" type="slidenum">
               <a:rPr lang="pt-PT" smtClean="0"/>
               <a:t>‹nº›</a:t>
             </a:fld>
@@ -1873,7 +2332,7 @@
     </p:spTree>
     <p:extLst>
       <p:ext uri="{BB962C8B-B14F-4D97-AF65-F5344CB8AC3E}">
-        <p14:creationId xmlns:p14="http://schemas.microsoft.com/office/powerpoint/2010/main" val="1268629865"/>
+        <p14:creationId xmlns:p14="http://schemas.microsoft.com/office/powerpoint/2010/main" val="2239768287"/>
       </p:ext>
     </p:extLst>
   </p:cSld>
@@ -1905,7 +2364,7 @@
           <p:cNvPr id="2" name="Título 1">
             <a:extLst>
               <a:ext uri="{FF2B5EF4-FFF2-40B4-BE49-F238E27FC236}">
-                <a16:creationId xmlns:a16="http://schemas.microsoft.com/office/drawing/2014/main" id="{0232D2FA-B797-4404-A442-5F49CCB5EE28}"/>
+                <a16:creationId xmlns:a16="http://schemas.microsoft.com/office/drawing/2014/main" id="{6182017C-D409-475A-AAFA-C886B23495A4}"/>
               </a:ext>
             </a:extLst>
           </p:cNvPr>
@@ -1933,7 +2392,7 @@
           <p:cNvPr id="3" name="Marcador de Posição da Data 2">
             <a:extLst>
               <a:ext uri="{FF2B5EF4-FFF2-40B4-BE49-F238E27FC236}">
-                <a16:creationId xmlns:a16="http://schemas.microsoft.com/office/drawing/2014/main" id="{870B6152-056A-4526-BCB0-18CBF6A1C3A0}"/>
+                <a16:creationId xmlns:a16="http://schemas.microsoft.com/office/drawing/2014/main" id="{27337739-4329-40B3-A9B8-35FC6968C35C}"/>
               </a:ext>
             </a:extLst>
           </p:cNvPr>
@@ -1949,7 +2408,7 @@
           <a:bodyPr/>
           <a:lstStyle/>
           <a:p>
-            <a:fld id="{512835F3-54C1-4FCE-BE96-6EE1873757D8}" type="datetimeFigureOut">
+            <a:fld id="{3DDE4EAE-EE9A-439C-BAE3-96C9A343E195}" type="datetimeFigureOut">
               <a:rPr lang="pt-PT" smtClean="0"/>
               <a:t>29/10/2020</a:t>
             </a:fld>
@@ -1962,7 +2421,7 @@
           <p:cNvPr id="4" name="Marcador de Posição do Rodapé 3">
             <a:extLst>
               <a:ext uri="{FF2B5EF4-FFF2-40B4-BE49-F238E27FC236}">
-                <a16:creationId xmlns:a16="http://schemas.microsoft.com/office/drawing/2014/main" id="{DF3F1B81-D401-425B-91E0-DEB7CCD7E048}"/>
+                <a16:creationId xmlns:a16="http://schemas.microsoft.com/office/drawing/2014/main" id="{A25CEC21-7874-4116-9E0A-248935C36F65}"/>
               </a:ext>
             </a:extLst>
           </p:cNvPr>
@@ -1987,7 +2446,7 @@
           <p:cNvPr id="5" name="Marcador de Posição do Número do Diapositivo 4">
             <a:extLst>
               <a:ext uri="{FF2B5EF4-FFF2-40B4-BE49-F238E27FC236}">
-                <a16:creationId xmlns:a16="http://schemas.microsoft.com/office/drawing/2014/main" id="{2FA521C2-7A2E-4E2F-AB41-24AEA6B13B13}"/>
+                <a16:creationId xmlns:a16="http://schemas.microsoft.com/office/drawing/2014/main" id="{5276BC5B-4D49-4BF2-BCFB-367344B54B24}"/>
               </a:ext>
             </a:extLst>
           </p:cNvPr>
@@ -2003,7 +2462,7 @@
           <a:bodyPr/>
           <a:lstStyle/>
           <a:p>
-            <a:fld id="{79854E0D-1CE4-4661-870E-D66659D18FA9}" type="slidenum">
+            <a:fld id="{80EA80CB-E633-446F-A02B-850EE4085802}" type="slidenum">
               <a:rPr lang="pt-PT" smtClean="0"/>
               <a:t>‹nº›</a:t>
             </a:fld>
@@ -2014,7 +2473,7 @@
     </p:spTree>
     <p:extLst>
       <p:ext uri="{BB962C8B-B14F-4D97-AF65-F5344CB8AC3E}">
-        <p14:creationId xmlns:p14="http://schemas.microsoft.com/office/powerpoint/2010/main" val="1256819340"/>
+        <p14:creationId xmlns:p14="http://schemas.microsoft.com/office/powerpoint/2010/main" val="2701726361"/>
       </p:ext>
     </p:extLst>
   </p:cSld>
@@ -2046,7 +2505,7 @@
           <p:cNvPr id="2" name="Marcador de Posição da Data 1">
             <a:extLst>
               <a:ext uri="{FF2B5EF4-FFF2-40B4-BE49-F238E27FC236}">
-                <a16:creationId xmlns:a16="http://schemas.microsoft.com/office/drawing/2014/main" id="{94608EE0-E55B-4F3C-ABCF-F903324E25D1}"/>
+                <a16:creationId xmlns:a16="http://schemas.microsoft.com/office/drawing/2014/main" id="{9A94A675-DE56-4520-9508-DEA2529782B0}"/>
               </a:ext>
             </a:extLst>
           </p:cNvPr>
@@ -2062,7 +2521,7 @@
           <a:bodyPr/>
           <a:lstStyle/>
           <a:p>
-            <a:fld id="{512835F3-54C1-4FCE-BE96-6EE1873757D8}" type="datetimeFigureOut">
+            <a:fld id="{3DDE4EAE-EE9A-439C-BAE3-96C9A343E195}" type="datetimeFigureOut">
               <a:rPr lang="pt-PT" smtClean="0"/>
               <a:t>29/10/2020</a:t>
             </a:fld>
@@ -2075,7 +2534,7 @@
           <p:cNvPr id="3" name="Marcador de Posição do Rodapé 2">
             <a:extLst>
               <a:ext uri="{FF2B5EF4-FFF2-40B4-BE49-F238E27FC236}">
-                <a16:creationId xmlns:a16="http://schemas.microsoft.com/office/drawing/2014/main" id="{26A9911C-390E-4AFD-9EB5-57C2E9E0F2D2}"/>
+                <a16:creationId xmlns:a16="http://schemas.microsoft.com/office/drawing/2014/main" id="{D57FAA8E-FFDA-4A1E-A255-A455B17291CB}"/>
               </a:ext>
             </a:extLst>
           </p:cNvPr>
@@ -2100,7 +2559,7 @@
           <p:cNvPr id="4" name="Marcador de Posição do Número do Diapositivo 3">
             <a:extLst>
               <a:ext uri="{FF2B5EF4-FFF2-40B4-BE49-F238E27FC236}">
-                <a16:creationId xmlns:a16="http://schemas.microsoft.com/office/drawing/2014/main" id="{E8A2952D-4CBB-4397-9A01-16FC26B5F8E8}"/>
+                <a16:creationId xmlns:a16="http://schemas.microsoft.com/office/drawing/2014/main" id="{53BAF487-2CEB-4F07-8190-6068F08B816E}"/>
               </a:ext>
             </a:extLst>
           </p:cNvPr>
@@ -2116,7 +2575,7 @@
           <a:bodyPr/>
           <a:lstStyle/>
           <a:p>
-            <a:fld id="{79854E0D-1CE4-4661-870E-D66659D18FA9}" type="slidenum">
+            <a:fld id="{80EA80CB-E633-446F-A02B-850EE4085802}" type="slidenum">
               <a:rPr lang="pt-PT" smtClean="0"/>
               <a:t>‹nº›</a:t>
             </a:fld>
@@ -2127,7 +2586,7 @@
     </p:spTree>
     <p:extLst>
       <p:ext uri="{BB962C8B-B14F-4D97-AF65-F5344CB8AC3E}">
-        <p14:creationId xmlns:p14="http://schemas.microsoft.com/office/powerpoint/2010/main" val="1934271625"/>
+        <p14:creationId xmlns:p14="http://schemas.microsoft.com/office/powerpoint/2010/main" val="1145252242"/>
       </p:ext>
     </p:extLst>
   </p:cSld>
@@ -2159,7 +2618,7 @@
           <p:cNvPr id="2" name="Título 1">
             <a:extLst>
               <a:ext uri="{FF2B5EF4-FFF2-40B4-BE49-F238E27FC236}">
-                <a16:creationId xmlns:a16="http://schemas.microsoft.com/office/drawing/2014/main" id="{0C158406-3B04-42B7-A933-870605A9F30E}"/>
+                <a16:creationId xmlns:a16="http://schemas.microsoft.com/office/drawing/2014/main" id="{E8BF9502-4133-4357-94FB-B87A3C15DD2F}"/>
               </a:ext>
             </a:extLst>
           </p:cNvPr>
@@ -2196,7 +2655,7 @@
           <p:cNvPr id="3" name="Marcador de Posição de Conteúdo 2">
             <a:extLst>
               <a:ext uri="{FF2B5EF4-FFF2-40B4-BE49-F238E27FC236}">
-                <a16:creationId xmlns:a16="http://schemas.microsoft.com/office/drawing/2014/main" id="{61374122-E197-4855-8CD8-F96241B7C079}"/>
+                <a16:creationId xmlns:a16="http://schemas.microsoft.com/office/drawing/2014/main" id="{A13980F3-1F4A-4111-B94E-C2D5B61F552B}"/>
               </a:ext>
             </a:extLst>
           </p:cNvPr>
@@ -2286,7 +2745,7 @@
           <p:cNvPr id="4" name="Marcador de Posição do Texto 3">
             <a:extLst>
               <a:ext uri="{FF2B5EF4-FFF2-40B4-BE49-F238E27FC236}">
-                <a16:creationId xmlns:a16="http://schemas.microsoft.com/office/drawing/2014/main" id="{66565B30-6F88-42C0-9E30-B92FB8E9AEE4}"/>
+                <a16:creationId xmlns:a16="http://schemas.microsoft.com/office/drawing/2014/main" id="{37EA43BA-57BD-4CAA-982B-5B862BBF22FA}"/>
               </a:ext>
             </a:extLst>
           </p:cNvPr>
@@ -2357,7 +2816,7 @@
           <p:cNvPr id="5" name="Marcador de Posição da Data 4">
             <a:extLst>
               <a:ext uri="{FF2B5EF4-FFF2-40B4-BE49-F238E27FC236}">
-                <a16:creationId xmlns:a16="http://schemas.microsoft.com/office/drawing/2014/main" id="{8452682A-F703-462A-9101-1C8E352F6402}"/>
+                <a16:creationId xmlns:a16="http://schemas.microsoft.com/office/drawing/2014/main" id="{039B2CF3-C4AA-4122-89F0-A9857140D4A1}"/>
               </a:ext>
             </a:extLst>
           </p:cNvPr>
@@ -2373,7 +2832,7 @@
           <a:bodyPr/>
           <a:lstStyle/>
           <a:p>
-            <a:fld id="{512835F3-54C1-4FCE-BE96-6EE1873757D8}" type="datetimeFigureOut">
+            <a:fld id="{3DDE4EAE-EE9A-439C-BAE3-96C9A343E195}" type="datetimeFigureOut">
               <a:rPr lang="pt-PT" smtClean="0"/>
               <a:t>29/10/2020</a:t>
             </a:fld>
@@ -2386,7 +2845,7 @@
           <p:cNvPr id="6" name="Marcador de Posição do Rodapé 5">
             <a:extLst>
               <a:ext uri="{FF2B5EF4-FFF2-40B4-BE49-F238E27FC236}">
-                <a16:creationId xmlns:a16="http://schemas.microsoft.com/office/drawing/2014/main" id="{974D5664-B2E8-427F-90F0-D1378B72E169}"/>
+                <a16:creationId xmlns:a16="http://schemas.microsoft.com/office/drawing/2014/main" id="{7650FEAE-FB4F-4D61-9497-7E85E766C058}"/>
               </a:ext>
             </a:extLst>
           </p:cNvPr>
@@ -2411,7 +2870,7 @@
           <p:cNvPr id="7" name="Marcador de Posição do Número do Diapositivo 6">
             <a:extLst>
               <a:ext uri="{FF2B5EF4-FFF2-40B4-BE49-F238E27FC236}">
-                <a16:creationId xmlns:a16="http://schemas.microsoft.com/office/drawing/2014/main" id="{46BC8FD9-B615-4C79-A8F7-3E51C4724070}"/>
+                <a16:creationId xmlns:a16="http://schemas.microsoft.com/office/drawing/2014/main" id="{18176961-2B95-4A88-AFE3-BCE49E480118}"/>
               </a:ext>
             </a:extLst>
           </p:cNvPr>
@@ -2427,7 +2886,7 @@
           <a:bodyPr/>
           <a:lstStyle/>
           <a:p>
-            <a:fld id="{79854E0D-1CE4-4661-870E-D66659D18FA9}" type="slidenum">
+            <a:fld id="{80EA80CB-E633-446F-A02B-850EE4085802}" type="slidenum">
               <a:rPr lang="pt-PT" smtClean="0"/>
               <a:t>‹nº›</a:t>
             </a:fld>
@@ -2438,7 +2897,7 @@
     </p:spTree>
     <p:extLst>
       <p:ext uri="{BB962C8B-B14F-4D97-AF65-F5344CB8AC3E}">
-        <p14:creationId xmlns:p14="http://schemas.microsoft.com/office/powerpoint/2010/main" val="707817332"/>
+        <p14:creationId xmlns:p14="http://schemas.microsoft.com/office/powerpoint/2010/main" val="3270934688"/>
       </p:ext>
     </p:extLst>
   </p:cSld>
@@ -2470,7 +2929,7 @@
           <p:cNvPr id="2" name="Título 1">
             <a:extLst>
               <a:ext uri="{FF2B5EF4-FFF2-40B4-BE49-F238E27FC236}">
-                <a16:creationId xmlns:a16="http://schemas.microsoft.com/office/drawing/2014/main" id="{6DA76F66-5595-400A-ABC6-00C59298AE45}"/>
+                <a16:creationId xmlns:a16="http://schemas.microsoft.com/office/drawing/2014/main" id="{6BEEF273-9F03-46D6-BB71-611D21BF4594}"/>
               </a:ext>
             </a:extLst>
           </p:cNvPr>
@@ -2507,7 +2966,7 @@
           <p:cNvPr id="3" name="Marcador de Posição da Imagem 2">
             <a:extLst>
               <a:ext uri="{FF2B5EF4-FFF2-40B4-BE49-F238E27FC236}">
-                <a16:creationId xmlns:a16="http://schemas.microsoft.com/office/drawing/2014/main" id="{6DAE67E4-74F3-4148-85C1-25EABF141960}"/>
+                <a16:creationId xmlns:a16="http://schemas.microsoft.com/office/drawing/2014/main" id="{CAFFB0A8-1DB5-4FF8-90C5-8AD3F5D7CD61}"/>
               </a:ext>
             </a:extLst>
           </p:cNvPr>
@@ -2574,7 +3033,7 @@
           <p:cNvPr id="4" name="Marcador de Posição do Texto 3">
             <a:extLst>
               <a:ext uri="{FF2B5EF4-FFF2-40B4-BE49-F238E27FC236}">
-                <a16:creationId xmlns:a16="http://schemas.microsoft.com/office/drawing/2014/main" id="{970544DF-0EC4-4068-900D-5CA7D00CBFD9}"/>
+                <a16:creationId xmlns:a16="http://schemas.microsoft.com/office/drawing/2014/main" id="{16B9DCBA-DF6D-435E-B0D6-FC0980A8EC68}"/>
               </a:ext>
             </a:extLst>
           </p:cNvPr>
@@ -2645,7 +3104,7 @@
           <p:cNvPr id="5" name="Marcador de Posição da Data 4">
             <a:extLst>
               <a:ext uri="{FF2B5EF4-FFF2-40B4-BE49-F238E27FC236}">
-                <a16:creationId xmlns:a16="http://schemas.microsoft.com/office/drawing/2014/main" id="{1D43E954-8214-4D99-8474-1994287F03A4}"/>
+                <a16:creationId xmlns:a16="http://schemas.microsoft.com/office/drawing/2014/main" id="{CA29084C-A4DC-4048-891E-4DCE68DADFD3}"/>
               </a:ext>
             </a:extLst>
           </p:cNvPr>
@@ -2661,7 +3120,7 @@
           <a:bodyPr/>
           <a:lstStyle/>
           <a:p>
-            <a:fld id="{512835F3-54C1-4FCE-BE96-6EE1873757D8}" type="datetimeFigureOut">
+            <a:fld id="{3DDE4EAE-EE9A-439C-BAE3-96C9A343E195}" type="datetimeFigureOut">
               <a:rPr lang="pt-PT" smtClean="0"/>
               <a:t>29/10/2020</a:t>
             </a:fld>
@@ -2674,7 +3133,7 @@
           <p:cNvPr id="6" name="Marcador de Posição do Rodapé 5">
             <a:extLst>
               <a:ext uri="{FF2B5EF4-FFF2-40B4-BE49-F238E27FC236}">
-                <a16:creationId xmlns:a16="http://schemas.microsoft.com/office/drawing/2014/main" id="{2F3F7B5D-A3BB-4FBF-9E78-E7C39D80F6E9}"/>
+                <a16:creationId xmlns:a16="http://schemas.microsoft.com/office/drawing/2014/main" id="{8FC9F421-B15B-4187-89E5-A7460D4FF97B}"/>
               </a:ext>
             </a:extLst>
           </p:cNvPr>
@@ -2699,7 +3158,7 @@
           <p:cNvPr id="7" name="Marcador de Posição do Número do Diapositivo 6">
             <a:extLst>
               <a:ext uri="{FF2B5EF4-FFF2-40B4-BE49-F238E27FC236}">
-                <a16:creationId xmlns:a16="http://schemas.microsoft.com/office/drawing/2014/main" id="{0B67B99F-0E83-45C5-A2A5-BF71FF56BE5F}"/>
+                <a16:creationId xmlns:a16="http://schemas.microsoft.com/office/drawing/2014/main" id="{28035F3D-8E9C-4891-B8F6-1AA4D556EBD2}"/>
               </a:ext>
             </a:extLst>
           </p:cNvPr>
@@ -2715,7 +3174,7 @@
           <a:bodyPr/>
           <a:lstStyle/>
           <a:p>
-            <a:fld id="{79854E0D-1CE4-4661-870E-D66659D18FA9}" type="slidenum">
+            <a:fld id="{80EA80CB-E633-446F-A02B-850EE4085802}" type="slidenum">
               <a:rPr lang="pt-PT" smtClean="0"/>
               <a:t>‹nº›</a:t>
             </a:fld>
@@ -2726,7 +3185,7 @@
     </p:spTree>
     <p:extLst>
       <p:ext uri="{BB962C8B-B14F-4D97-AF65-F5344CB8AC3E}">
-        <p14:creationId xmlns:p14="http://schemas.microsoft.com/office/powerpoint/2010/main" val="3058223149"/>
+        <p14:creationId xmlns:p14="http://schemas.microsoft.com/office/powerpoint/2010/main" val="866077077"/>
       </p:ext>
     </p:extLst>
   </p:cSld>
@@ -2763,7 +3222,7 @@
           <p:cNvPr id="2" name="Marcador de Posição do Título 1">
             <a:extLst>
               <a:ext uri="{FF2B5EF4-FFF2-40B4-BE49-F238E27FC236}">
-                <a16:creationId xmlns:a16="http://schemas.microsoft.com/office/drawing/2014/main" id="{C97F680B-F443-475C-848B-35121FF5F2E1}"/>
+                <a16:creationId xmlns:a16="http://schemas.microsoft.com/office/drawing/2014/main" id="{026CD04C-4209-46A2-8AE9-B1B90EF997CC}"/>
               </a:ext>
             </a:extLst>
           </p:cNvPr>
@@ -2801,7 +3260,7 @@
           <p:cNvPr id="3" name="Marcador de Posição do Texto 2">
             <a:extLst>
               <a:ext uri="{FF2B5EF4-FFF2-40B4-BE49-F238E27FC236}">
-                <a16:creationId xmlns:a16="http://schemas.microsoft.com/office/drawing/2014/main" id="{F0D631FD-68AE-48CE-9CE4-A1898F0A9CD8}"/>
+                <a16:creationId xmlns:a16="http://schemas.microsoft.com/office/drawing/2014/main" id="{8484B850-79E7-405C-ADA8-823601C2CFD1}"/>
               </a:ext>
             </a:extLst>
           </p:cNvPr>
@@ -2868,7 +3327,7 @@
           <p:cNvPr id="4" name="Marcador de Posição da Data 3">
             <a:extLst>
               <a:ext uri="{FF2B5EF4-FFF2-40B4-BE49-F238E27FC236}">
-                <a16:creationId xmlns:a16="http://schemas.microsoft.com/office/drawing/2014/main" id="{8EAF3883-502E-4EA8-A7EF-5E5E8F7646D3}"/>
+                <a16:creationId xmlns:a16="http://schemas.microsoft.com/office/drawing/2014/main" id="{A28424A3-6311-476B-A4D5-F6862B74CB8F}"/>
               </a:ext>
             </a:extLst>
           </p:cNvPr>
@@ -2902,7 +3361,7 @@
             </a:lvl1pPr>
           </a:lstStyle>
           <a:p>
-            <a:fld id="{512835F3-54C1-4FCE-BE96-6EE1873757D8}" type="datetimeFigureOut">
+            <a:fld id="{3DDE4EAE-EE9A-439C-BAE3-96C9A343E195}" type="datetimeFigureOut">
               <a:rPr lang="pt-PT" smtClean="0"/>
               <a:t>29/10/2020</a:t>
             </a:fld>
@@ -2915,7 +3374,7 @@
           <p:cNvPr id="5" name="Marcador de Posição do Rodapé 4">
             <a:extLst>
               <a:ext uri="{FF2B5EF4-FFF2-40B4-BE49-F238E27FC236}">
-                <a16:creationId xmlns:a16="http://schemas.microsoft.com/office/drawing/2014/main" id="{1006D490-DC53-451C-8C77-46FF4BB23058}"/>
+                <a16:creationId xmlns:a16="http://schemas.microsoft.com/office/drawing/2014/main" id="{857532C4-0485-4DD8-8A3E-EF41E8910B91}"/>
               </a:ext>
             </a:extLst>
           </p:cNvPr>
@@ -2958,7 +3417,7 @@
           <p:cNvPr id="6" name="Marcador de Posição do Número do Diapositivo 5">
             <a:extLst>
               <a:ext uri="{FF2B5EF4-FFF2-40B4-BE49-F238E27FC236}">
-                <a16:creationId xmlns:a16="http://schemas.microsoft.com/office/drawing/2014/main" id="{A5FF0AF0-6A58-4A63-8872-E74F270D8DBB}"/>
+                <a16:creationId xmlns:a16="http://schemas.microsoft.com/office/drawing/2014/main" id="{E32FDCD3-7B51-4909-BD74-F2DD66CC7552}"/>
               </a:ext>
             </a:extLst>
           </p:cNvPr>
@@ -2992,7 +3451,7 @@
             </a:lvl1pPr>
           </a:lstStyle>
           <a:p>
-            <a:fld id="{79854E0D-1CE4-4661-870E-D66659D18FA9}" type="slidenum">
+            <a:fld id="{80EA80CB-E633-446F-A02B-850EE4085802}" type="slidenum">
               <a:rPr lang="pt-PT" smtClean="0"/>
               <a:t>‹nº›</a:t>
             </a:fld>
@@ -3003,7 +3462,7 @@
     </p:spTree>
     <p:extLst>
       <p:ext uri="{BB962C8B-B14F-4D97-AF65-F5344CB8AC3E}">
-        <p14:creationId xmlns:p14="http://schemas.microsoft.com/office/powerpoint/2010/main" val="1212989560"/>
+        <p14:creationId xmlns:p14="http://schemas.microsoft.com/office/powerpoint/2010/main" val="1291956263"/>
       </p:ext>
     </p:extLst>
   </p:cSld>
@@ -3307,6 +3766,14 @@
 <file path=ppt/slides/slide1.xml><?xml version="1.0" encoding="utf-8"?>
 <p:sld xmlns:a="http://schemas.openxmlformats.org/drawingml/2006/main" xmlns:r="http://schemas.openxmlformats.org/officeDocument/2006/relationships" xmlns:p="http://schemas.openxmlformats.org/presentationml/2006/main">
   <p:cSld>
+    <p:bg>
+      <p:bgPr>
+        <a:solidFill>
+          <a:schemeClr val="bg1"/>
+        </a:solidFill>
+        <a:effectLst/>
+      </p:bgPr>
+    </p:bg>
     <p:spTree>
       <p:nvGrpSpPr>
         <p:cNvPr id="1" name=""/>
@@ -3321,60 +3788,912 @@
           <a:chExt cx="0" cy="0"/>
         </a:xfrm>
       </p:grpSpPr>
-      <p:sp>
-        <p:nvSpPr>
-          <p:cNvPr id="2" name="Título 1">
-            <a:extLst>
-              <a:ext uri="{FF2B5EF4-FFF2-40B4-BE49-F238E27FC236}">
-                <a16:creationId xmlns:a16="http://schemas.microsoft.com/office/drawing/2014/main" id="{5DCA1D1A-8804-45BA-90AF-41CB408F017B}"/>
-              </a:ext>
-            </a:extLst>
-          </p:cNvPr>
-          <p:cNvSpPr>
-            <a:spLocks noGrp="1"/>
-          </p:cNvSpPr>
-          <p:nvPr>
-            <p:ph type="ctrTitle"/>
-          </p:nvPr>
-        </p:nvSpPr>
-        <p:spPr/>
-        <p:txBody>
-          <a:bodyPr/>
-          <a:lstStyle/>
-          <a:p>
-            <a:endParaRPr lang="pt-PT"/>
-          </a:p>
-        </p:txBody>
-      </p:sp>
-      <p:sp>
-        <p:nvSpPr>
-          <p:cNvPr id="3" name="Subtítulo 2">
-            <a:extLst>
-              <a:ext uri="{FF2B5EF4-FFF2-40B4-BE49-F238E27FC236}">
-                <a16:creationId xmlns:a16="http://schemas.microsoft.com/office/drawing/2014/main" id="{272CC4AB-8706-4676-B194-A614EF60347A}"/>
-              </a:ext>
-            </a:extLst>
-          </p:cNvPr>
-          <p:cNvSpPr>
-            <a:spLocks noGrp="1"/>
-          </p:cNvSpPr>
-          <p:nvPr>
-            <p:ph type="subTitle" idx="1"/>
-          </p:nvPr>
-        </p:nvSpPr>
-        <p:spPr/>
-        <p:txBody>
-          <a:bodyPr/>
-          <a:lstStyle/>
-          <a:p>
-            <a:endParaRPr lang="pt-PT"/>
+      <p:sp useBgFill="1">
+        <p:nvSpPr>
+          <p:cNvPr id="20" name="Rectangle 12">
+            <a:extLst>
+              <a:ext uri="{FF2B5EF4-FFF2-40B4-BE49-F238E27FC236}">
+                <a16:creationId xmlns:a16="http://schemas.microsoft.com/office/drawing/2014/main" id="{E91DC736-0EF8-4F87-9146-EBF1D2EE4D3D}"/>
+              </a:ext>
+              <a:ext uri="{C183D7F6-B498-43B3-948B-1728B52AA6E4}">
+                <adec:decorative xmlns:adec="http://schemas.microsoft.com/office/drawing/2017/decorative" val="1"/>
+              </a:ext>
+            </a:extLst>
+          </p:cNvPr>
+          <p:cNvSpPr>
+            <a:spLocks noGrp="1" noRot="1" noChangeAspect="1" noMove="1" noResize="1" noEditPoints="1" noAdjustHandles="1" noChangeArrowheads="1" noChangeShapeType="1" noTextEdit="1"/>
+          </p:cNvSpPr>
+          <p:nvPr>
+            <p:extLst>
+              <p:ext uri="{386F3935-93C4-4BCD-93E2-E3B085C9AB24}">
+                <p16:designElem xmlns:p16="http://schemas.microsoft.com/office/powerpoint/2015/main" val="1"/>
+              </p:ext>
+            </p:extLst>
+          </p:nvPr>
+        </p:nvSpPr>
+        <p:spPr>
+          <a:xfrm>
+            <a:off x="0" y="0"/>
+            <a:ext cx="12192000" cy="6858000"/>
+          </a:xfrm>
+          <a:prstGeom prst="rect">
+            <a:avLst/>
+          </a:prstGeom>
+          <a:ln>
+            <a:noFill/>
+          </a:ln>
+        </p:spPr>
+        <p:style>
+          <a:lnRef idx="2">
+            <a:schemeClr val="accent1">
+              <a:shade val="50000"/>
+            </a:schemeClr>
+          </a:lnRef>
+          <a:fillRef idx="1">
+            <a:schemeClr val="accent1"/>
+          </a:fillRef>
+          <a:effectRef idx="0">
+            <a:schemeClr val="accent1"/>
+          </a:effectRef>
+          <a:fontRef idx="minor">
+            <a:schemeClr val="lt1"/>
+          </a:fontRef>
+        </p:style>
+        <p:txBody>
+          <a:bodyPr rtlCol="0" anchor="ctr"/>
+          <a:lstStyle/>
+          <a:p>
+            <a:pPr algn="ctr"/>
+            <a:endParaRPr lang="en-US"/>
+          </a:p>
+        </p:txBody>
+      </p:sp>
+      <p:pic>
+        <p:nvPicPr>
+          <p:cNvPr id="7" name="Imagem 6" descr="Uma imagem com exterior, desporto&#10;&#10;Descrição gerada automaticamente">
+            <a:extLst>
+              <a:ext uri="{FF2B5EF4-FFF2-40B4-BE49-F238E27FC236}">
+                <a16:creationId xmlns:a16="http://schemas.microsoft.com/office/drawing/2014/main" id="{1B5AA10B-FD34-4E28-84B3-D446C4D052E7}"/>
+              </a:ext>
+            </a:extLst>
+          </p:cNvPr>
+          <p:cNvPicPr>
+            <a:picLocks noChangeAspect="1"/>
+          </p:cNvPicPr>
+          <p:nvPr/>
+        </p:nvPicPr>
+        <p:blipFill rotWithShape="1">
+          <a:blip r:embed="rId2">
+            <a:extLst>
+              <a:ext uri="{28A0092B-C50C-407E-A947-70E740481C1C}">
+                <a14:useLocalDpi xmlns:a14="http://schemas.microsoft.com/office/drawing/2010/main" val="0"/>
+              </a:ext>
+              <a:ext uri="{837473B0-CC2E-450A-ABE3-18F120FF3D39}">
+                <a1611:picAttrSrcUrl xmlns:a1611="http://schemas.microsoft.com/office/drawing/2016/11/main" r:id="rId3"/>
+              </a:ext>
+            </a:extLst>
+          </a:blip>
+          <a:srcRect l="9305" t="9091" r="17153"/>
+          <a:stretch/>
+        </p:blipFill>
+        <p:spPr>
+          <a:xfrm>
+            <a:off x="3523488" y="10"/>
+            <a:ext cx="8668512" cy="6857990"/>
+          </a:xfrm>
+          <a:prstGeom prst="rect">
+            <a:avLst/>
+          </a:prstGeom>
+        </p:spPr>
+      </p:pic>
+      <p:sp>
+        <p:nvSpPr>
+          <p:cNvPr id="21" name="Rectangle 14">
+            <a:extLst>
+              <a:ext uri="{FF2B5EF4-FFF2-40B4-BE49-F238E27FC236}">
+                <a16:creationId xmlns:a16="http://schemas.microsoft.com/office/drawing/2014/main" id="{097CD68E-23E3-4007-8847-CD0944C4F7BE}"/>
+              </a:ext>
+              <a:ext uri="{C183D7F6-B498-43B3-948B-1728B52AA6E4}">
+                <adec:decorative xmlns:adec="http://schemas.microsoft.com/office/drawing/2017/decorative" val="1"/>
+              </a:ext>
+            </a:extLst>
+          </p:cNvPr>
+          <p:cNvSpPr>
+            <a:spLocks noGrp="1" noRot="1" noChangeAspect="1" noMove="1" noResize="1" noEditPoints="1" noAdjustHandles="1" noChangeArrowheads="1" noChangeShapeType="1" noTextEdit="1"/>
+          </p:cNvSpPr>
+          <p:nvPr>
+            <p:extLst>
+              <p:ext uri="{386F3935-93C4-4BCD-93E2-E3B085C9AB24}">
+                <p16:designElem xmlns:p16="http://schemas.microsoft.com/office/powerpoint/2015/main" val="1"/>
+              </p:ext>
+            </p:extLst>
+          </p:nvPr>
+        </p:nvSpPr>
+        <p:spPr>
+          <a:xfrm>
+            <a:off x="0" y="0"/>
+            <a:ext cx="9756601" cy="6858000"/>
+          </a:xfrm>
+          <a:prstGeom prst="rect">
+            <a:avLst/>
+          </a:prstGeom>
+          <a:gradFill>
+            <a:gsLst>
+              <a:gs pos="58000">
+                <a:schemeClr val="bg1"/>
+              </a:gs>
+              <a:gs pos="35000">
+                <a:schemeClr val="bg1">
+                  <a:alpha val="79000"/>
+                </a:schemeClr>
+              </a:gs>
+              <a:gs pos="19000">
+                <a:schemeClr val="bg1">
+                  <a:alpha val="38000"/>
+                </a:schemeClr>
+              </a:gs>
+              <a:gs pos="0">
+                <a:schemeClr val="bg1">
+                  <a:alpha val="0"/>
+                </a:schemeClr>
+              </a:gs>
+              <a:gs pos="100000">
+                <a:schemeClr val="bg1"/>
+              </a:gs>
+            </a:gsLst>
+            <a:lin ang="10800000" scaled="0"/>
+          </a:gradFill>
+          <a:ln>
+            <a:noFill/>
+          </a:ln>
+        </p:spPr>
+        <p:style>
+          <a:lnRef idx="2">
+            <a:schemeClr val="accent1">
+              <a:shade val="50000"/>
+            </a:schemeClr>
+          </a:lnRef>
+          <a:fillRef idx="1">
+            <a:schemeClr val="accent1"/>
+          </a:fillRef>
+          <a:effectRef idx="0">
+            <a:schemeClr val="accent1"/>
+          </a:effectRef>
+          <a:fontRef idx="minor">
+            <a:schemeClr val="lt1"/>
+          </a:fontRef>
+        </p:style>
+        <p:txBody>
+          <a:bodyPr rtlCol="0" anchor="ctr"/>
+          <a:lstStyle/>
+          <a:p>
+            <a:pPr algn="ctr"/>
+            <a:endParaRPr lang="en-US" dirty="0"/>
+          </a:p>
+        </p:txBody>
+      </p:sp>
+      <p:sp>
+        <p:nvSpPr>
+          <p:cNvPr id="3" name="Retângulo 2">
+            <a:extLst>
+              <a:ext uri="{FF2B5EF4-FFF2-40B4-BE49-F238E27FC236}">
+                <a16:creationId xmlns:a16="http://schemas.microsoft.com/office/drawing/2014/main" id="{B8384E43-4340-4DAD-A6F4-1CDE0B2E3F79}"/>
+              </a:ext>
+            </a:extLst>
+          </p:cNvPr>
+          <p:cNvSpPr/>
+          <p:nvPr/>
+        </p:nvSpPr>
+        <p:spPr>
+          <a:xfrm>
+            <a:off x="477981" y="1122363"/>
+            <a:ext cx="4023360" cy="3204134"/>
+          </a:xfrm>
+          <a:prstGeom prst="rect">
+            <a:avLst/>
+          </a:prstGeom>
+        </p:spPr>
+        <p:txBody>
+          <a:bodyPr vert="horz" lIns="91440" tIns="45720" rIns="91440" bIns="45720" rtlCol="0" anchor="b">
+            <a:normAutofit/>
+          </a:bodyPr>
+          <a:lstStyle/>
+          <a:p>
+            <a:pPr>
+              <a:lnSpc>
+                <a:spcPct val="90000"/>
+              </a:lnSpc>
+              <a:spcBef>
+                <a:spcPct val="0"/>
+              </a:spcBef>
+              <a:spcAft>
+                <a:spcPts val="600"/>
+              </a:spcAft>
+            </a:pPr>
+            <a:r>
+              <a:rPr lang="en-US" sz="4800" b="1" cap="none" spc="0">
+                <a:ln w="9525">
+                  <a:solidFill>
+                    <a:schemeClr val="bg1"/>
+                  </a:solidFill>
+                  <a:prstDash val="solid"/>
+                </a:ln>
+                <a:effectLst>
+                  <a:outerShdw blurRad="12700" dist="38100" dir="2700000" algn="tl" rotWithShape="0">
+                    <a:schemeClr val="accent5">
+                      <a:lumMod val="60000"/>
+                      <a:lumOff val="40000"/>
+                    </a:schemeClr>
+                  </a:outerShdw>
+                </a:effectLst>
+                <a:latin typeface="+mj-lt"/>
+                <a:ea typeface="+mj-ea"/>
+                <a:cs typeface="+mj-cs"/>
+              </a:rPr>
+              <a:t>Vantagens na sociedade</a:t>
+            </a:r>
+          </a:p>
+        </p:txBody>
+      </p:sp>
+      <p:sp>
+        <p:nvSpPr>
+          <p:cNvPr id="22" name="Rectangle 16">
+            <a:extLst>
+              <a:ext uri="{FF2B5EF4-FFF2-40B4-BE49-F238E27FC236}">
+                <a16:creationId xmlns:a16="http://schemas.microsoft.com/office/drawing/2014/main" id="{AF2F604E-43BE-4DC3-B983-E071523364F8}"/>
+              </a:ext>
+              <a:ext uri="{C183D7F6-B498-43B3-948B-1728B52AA6E4}">
+                <adec:decorative xmlns:adec="http://schemas.microsoft.com/office/drawing/2017/decorative" val="1"/>
+              </a:ext>
+            </a:extLst>
+          </p:cNvPr>
+          <p:cNvSpPr>
+            <a:spLocks noGrp="1" noRot="1" noChangeAspect="1" noMove="1" noResize="1" noEditPoints="1" noAdjustHandles="1" noChangeArrowheads="1" noChangeShapeType="1" noTextEdit="1"/>
+          </p:cNvSpPr>
+          <p:nvPr>
+            <p:extLst>
+              <p:ext uri="{386F3935-93C4-4BCD-93E2-E3B085C9AB24}">
+                <p16:designElem xmlns:p16="http://schemas.microsoft.com/office/powerpoint/2015/main" val="1"/>
+              </p:ext>
+            </p:extLst>
+          </p:nvPr>
+        </p:nvSpPr>
+        <p:spPr>
+          <a:xfrm rot="5400000">
+            <a:off x="759921" y="346791"/>
+            <a:ext cx="146304" cy="704088"/>
+          </a:xfrm>
+          <a:prstGeom prst="rect">
+            <a:avLst/>
+          </a:prstGeom>
+          <a:solidFill>
+            <a:schemeClr val="accent2"/>
+          </a:solidFill>
+          <a:ln>
+            <a:noFill/>
+          </a:ln>
+        </p:spPr>
+        <p:style>
+          <a:lnRef idx="2">
+            <a:schemeClr val="accent1">
+              <a:shade val="50000"/>
+            </a:schemeClr>
+          </a:lnRef>
+          <a:fillRef idx="1">
+            <a:schemeClr val="accent1"/>
+          </a:fillRef>
+          <a:effectRef idx="0">
+            <a:schemeClr val="accent1"/>
+          </a:effectRef>
+          <a:fontRef idx="minor">
+            <a:schemeClr val="lt1"/>
+          </a:fontRef>
+        </p:style>
+        <p:txBody>
+          <a:bodyPr rtlCol="0" anchor="ctr"/>
+          <a:lstStyle/>
+          <a:p>
+            <a:pPr algn="ctr"/>
+            <a:endParaRPr lang="en-US">
+              <a:solidFill>
+                <a:prstClr val="white"/>
+              </a:solidFill>
+              <a:latin typeface="Calibri" panose="020F0502020204030204"/>
+            </a:endParaRPr>
+          </a:p>
+        </p:txBody>
+      </p:sp>
+      <p:sp>
+        <p:nvSpPr>
+          <p:cNvPr id="19" name="Rectangle 18">
+            <a:extLst>
+              <a:ext uri="{FF2B5EF4-FFF2-40B4-BE49-F238E27FC236}">
+                <a16:creationId xmlns:a16="http://schemas.microsoft.com/office/drawing/2014/main" id="{08C9B587-E65E-4B52-B37C-ABEBB6E87928}"/>
+              </a:ext>
+              <a:ext uri="{C183D7F6-B498-43B3-948B-1728B52AA6E4}">
+                <adec:decorative xmlns:adec="http://schemas.microsoft.com/office/drawing/2017/decorative" val="1"/>
+              </a:ext>
+            </a:extLst>
+          </p:cNvPr>
+          <p:cNvSpPr>
+            <a:spLocks noGrp="1" noRot="1" noChangeAspect="1" noMove="1" noResize="1" noEditPoints="1" noAdjustHandles="1" noChangeArrowheads="1" noChangeShapeType="1" noTextEdit="1"/>
+          </p:cNvSpPr>
+          <p:nvPr>
+            <p:extLst>
+              <p:ext uri="{386F3935-93C4-4BCD-93E2-E3B085C9AB24}">
+                <p16:designElem xmlns:p16="http://schemas.microsoft.com/office/powerpoint/2015/main" val="1"/>
+              </p:ext>
+            </p:extLst>
+          </p:nvPr>
+        </p:nvSpPr>
+        <p:spPr>
+          <a:xfrm>
+            <a:off x="481029" y="4546920"/>
+            <a:ext cx="3977640" cy="18288"/>
+          </a:xfrm>
+          <a:prstGeom prst="rect">
+            <a:avLst/>
+          </a:prstGeom>
+          <a:solidFill>
+            <a:srgbClr val="D5D5D5"/>
+          </a:solidFill>
+          <a:ln w="3175">
+            <a:noFill/>
+          </a:ln>
+          <a:effectLst/>
+        </p:spPr>
+        <p:style>
+          <a:lnRef idx="2">
+            <a:schemeClr val="accent1">
+              <a:shade val="50000"/>
+            </a:schemeClr>
+          </a:lnRef>
+          <a:fillRef idx="1">
+            <a:schemeClr val="accent1"/>
+          </a:fillRef>
+          <a:effectRef idx="0">
+            <a:schemeClr val="accent1"/>
+          </a:effectRef>
+          <a:fontRef idx="minor">
+            <a:schemeClr val="lt1"/>
+          </a:fontRef>
+        </p:style>
+        <p:txBody>
+          <a:bodyPr rtlCol="0" anchor="ctr"/>
+          <a:lstStyle/>
+          <a:p>
+            <a:pPr marL="0" marR="0" lvl="0" indent="0" algn="ctr" defTabSz="914400" rtl="0" eaLnBrk="1" fontAlgn="auto" latinLnBrk="0" hangingPunct="1">
+              <a:lnSpc>
+                <a:spcPct val="100000"/>
+              </a:lnSpc>
+              <a:spcBef>
+                <a:spcPts val="0"/>
+              </a:spcBef>
+              <a:spcAft>
+                <a:spcPts val="0"/>
+              </a:spcAft>
+              <a:buClrTx/>
+              <a:buSzTx/>
+              <a:buFontTx/>
+              <a:buNone/>
+              <a:tabLst/>
+              <a:defRPr/>
+            </a:pPr>
+            <a:endParaRPr kumimoji="0" lang="en-US" sz="1800" b="0" i="0" u="none" strike="noStrike" kern="1200" cap="none" spc="0" normalizeH="0" baseline="0" noProof="0">
+              <a:ln>
+                <a:noFill/>
+              </a:ln>
+              <a:solidFill>
+                <a:prstClr val="white"/>
+              </a:solidFill>
+              <a:effectLst/>
+              <a:uLnTx/>
+              <a:uFillTx/>
+              <a:latin typeface="Calibri" panose="020F0502020204030204"/>
+              <a:ea typeface="+mn-ea"/>
+              <a:cs typeface="+mn-cs"/>
+            </a:endParaRPr>
+          </a:p>
+        </p:txBody>
+      </p:sp>
+      <p:sp>
+        <p:nvSpPr>
+          <p:cNvPr id="8" name="CaixaDeTexto 7">
+            <a:extLst>
+              <a:ext uri="{FF2B5EF4-FFF2-40B4-BE49-F238E27FC236}">
+                <a16:creationId xmlns:a16="http://schemas.microsoft.com/office/drawing/2014/main" id="{C283CD52-7E0A-4BFD-B454-B14B6D8E2301}"/>
+              </a:ext>
+            </a:extLst>
+          </p:cNvPr>
+          <p:cNvSpPr txBox="1"/>
+          <p:nvPr/>
+        </p:nvSpPr>
+        <p:spPr>
+          <a:xfrm>
+            <a:off x="8929568" y="6657945"/>
+            <a:ext cx="3262432" cy="200055"/>
+          </a:xfrm>
+          <a:prstGeom prst="rect">
+            <a:avLst/>
+          </a:prstGeom>
+          <a:solidFill>
+            <a:srgbClr val="000000"/>
+          </a:solidFill>
+        </p:spPr>
+        <p:txBody>
+          <a:bodyPr wrap="none" rtlCol="0">
+            <a:spAutoFit/>
+          </a:bodyPr>
+          <a:lstStyle/>
+          <a:p>
+            <a:pPr algn="r">
+              <a:spcAft>
+                <a:spcPts val="600"/>
+              </a:spcAft>
+            </a:pPr>
+            <a:r>
+              <a:rPr lang="pt-PT" sz="700">
+                <a:solidFill>
+                  <a:srgbClr val="FFFFFF"/>
+                </a:solidFill>
+              </a:rPr>
+              <a:t>A imagem </a:t>
+            </a:r>
+            <a:r>
+              <a:rPr lang="pt-PT" sz="700">
+                <a:solidFill>
+                  <a:srgbClr val="FFFFFF"/>
+                </a:solidFill>
+                <a:hlinkClick r:id="rId3" tooltip="http://huequitosdesol.blogspot.com/2017/06/dejar-de-lado-los-amigos-puede-ser-tan.html">
+                  <a:extLst>
+                    <a:ext uri="{A12FA001-AC4F-418D-AE19-62706E023703}">
+                      <ahyp:hlinkClr xmlns:ahyp="http://schemas.microsoft.com/office/drawing/2018/hyperlinkcolor" val="tx"/>
+                    </a:ext>
+                  </a:extLst>
+                </a:hlinkClick>
+              </a:rPr>
+              <a:t>Esta Fotografia</a:t>
+            </a:r>
+            <a:r>
+              <a:rPr lang="pt-PT" sz="700">
+                <a:solidFill>
+                  <a:srgbClr val="FFFFFF"/>
+                </a:solidFill>
+              </a:rPr>
+              <a:t> de Autor Desconhecido está licenciada ao abrigo da </a:t>
+            </a:r>
+            <a:r>
+              <a:rPr lang="pt-PT" sz="700">
+                <a:solidFill>
+                  <a:srgbClr val="FFFFFF"/>
+                </a:solidFill>
+                <a:hlinkClick r:id="rId4" tooltip="https://creativecommons.org/licenses/by/3.0/">
+                  <a:extLst>
+                    <a:ext uri="{A12FA001-AC4F-418D-AE19-62706E023703}">
+                      <ahyp:hlinkClr xmlns:ahyp="http://schemas.microsoft.com/office/drawing/2018/hyperlinkcolor" val="tx"/>
+                    </a:ext>
+                  </a:extLst>
+                </a:hlinkClick>
+              </a:rPr>
+              <a:t>CC BY</a:t>
+            </a:r>
+            <a:endParaRPr lang="pt-PT" sz="700">
+              <a:solidFill>
+                <a:srgbClr val="FFFFFF"/>
+              </a:solidFill>
+            </a:endParaRPr>
           </a:p>
         </p:txBody>
       </p:sp>
     </p:spTree>
     <p:extLst>
       <p:ext uri="{BB962C8B-B14F-4D97-AF65-F5344CB8AC3E}">
-        <p14:creationId xmlns:p14="http://schemas.microsoft.com/office/powerpoint/2010/main" val="1201806511"/>
+        <p14:creationId xmlns:p14="http://schemas.microsoft.com/office/powerpoint/2010/main" val="2500282129"/>
+      </p:ext>
+    </p:extLst>
+  </p:cSld>
+  <p:clrMapOvr>
+    <a:masterClrMapping/>
+  </p:clrMapOvr>
+</p:sld>
+</file>
+
+<file path=ppt/slides/slide2.xml><?xml version="1.0" encoding="utf-8"?>
+<p:sld xmlns:a="http://schemas.openxmlformats.org/drawingml/2006/main" xmlns:r="http://schemas.openxmlformats.org/officeDocument/2006/relationships" xmlns:p="http://schemas.openxmlformats.org/presentationml/2006/main">
+  <p:cSld>
+    <p:bg>
+      <p:bgPr>
+        <a:solidFill>
+          <a:schemeClr val="bg1"/>
+        </a:solidFill>
+        <a:effectLst/>
+      </p:bgPr>
+    </p:bg>
+    <p:spTree>
+      <p:nvGrpSpPr>
+        <p:cNvPr id="1" name=""/>
+        <p:cNvGrpSpPr/>
+        <p:nvPr/>
+      </p:nvGrpSpPr>
+      <p:grpSpPr>
+        <a:xfrm>
+          <a:off x="0" y="0"/>
+          <a:ext cx="0" cy="0"/>
+          <a:chOff x="0" y="0"/>
+          <a:chExt cx="0" cy="0"/>
+        </a:xfrm>
+      </p:grpSpPr>
+      <p:sp>
+        <p:nvSpPr>
+          <p:cNvPr id="47" name="Rectangle 13">
+            <a:extLst>
+              <a:ext uri="{FF2B5EF4-FFF2-40B4-BE49-F238E27FC236}">
+                <a16:creationId xmlns:a16="http://schemas.microsoft.com/office/drawing/2014/main" id="{23962611-DFD5-4092-AAFD-559E3DFCE2C9}"/>
+              </a:ext>
+              <a:ext uri="{C183D7F6-B498-43B3-948B-1728B52AA6E4}">
+                <adec:decorative xmlns:adec="http://schemas.microsoft.com/office/drawing/2017/decorative" val="1"/>
+              </a:ext>
+            </a:extLst>
+          </p:cNvPr>
+          <p:cNvSpPr>
+            <a:spLocks noGrp="1" noRot="1" noChangeAspect="1" noMove="1" noResize="1" noEditPoints="1" noAdjustHandles="1" noChangeArrowheads="1" noChangeShapeType="1" noTextEdit="1"/>
+          </p:cNvSpPr>
+          <p:nvPr>
+            <p:extLst>
+              <p:ext uri="{386F3935-93C4-4BCD-93E2-E3B085C9AB24}">
+                <p16:designElem xmlns:p16="http://schemas.microsoft.com/office/powerpoint/2015/main" val="1"/>
+              </p:ext>
+            </p:extLst>
+          </p:nvPr>
+        </p:nvSpPr>
+        <p:spPr>
+          <a:xfrm>
+            <a:off x="475488" y="0"/>
+            <a:ext cx="10910292" cy="6858000"/>
+          </a:xfrm>
+          <a:prstGeom prst="rect">
+            <a:avLst/>
+          </a:prstGeom>
+          <a:gradFill>
+            <a:gsLst>
+              <a:gs pos="0">
+                <a:schemeClr val="accent1">
+                  <a:lumMod val="90000"/>
+                </a:schemeClr>
+              </a:gs>
+              <a:gs pos="25000">
+                <a:schemeClr val="accent1">
+                  <a:lumMod val="90000"/>
+                </a:schemeClr>
+              </a:gs>
+              <a:gs pos="94000">
+                <a:schemeClr val="bg2">
+                  <a:lumMod val="25000"/>
+                </a:schemeClr>
+              </a:gs>
+              <a:gs pos="100000">
+                <a:schemeClr val="bg2">
+                  <a:lumMod val="25000"/>
+                </a:schemeClr>
+              </a:gs>
+            </a:gsLst>
+            <a:lin ang="4200000" scaled="0"/>
+          </a:gradFill>
+          <a:ln>
+            <a:noFill/>
+          </a:ln>
+        </p:spPr>
+        <p:style>
+          <a:lnRef idx="2">
+            <a:schemeClr val="accent1">
+              <a:shade val="50000"/>
+            </a:schemeClr>
+          </a:lnRef>
+          <a:fillRef idx="1">
+            <a:schemeClr val="accent1"/>
+          </a:fillRef>
+          <a:effectRef idx="0">
+            <a:schemeClr val="accent1"/>
+          </a:effectRef>
+          <a:fontRef idx="minor">
+            <a:schemeClr val="lt1"/>
+          </a:fontRef>
+        </p:style>
+        <p:txBody>
+          <a:bodyPr rtlCol="0" anchor="ctr"/>
+          <a:lstStyle/>
+          <a:p>
+            <a:pPr algn="ctr"/>
+            <a:endParaRPr lang="en-US"/>
+          </a:p>
+        </p:txBody>
+      </p:sp>
+      <p:pic>
+        <p:nvPicPr>
+          <p:cNvPr id="16" name="Picture 15">
+            <a:extLst>
+              <a:ext uri="{FF2B5EF4-FFF2-40B4-BE49-F238E27FC236}">
+                <a16:creationId xmlns:a16="http://schemas.microsoft.com/office/drawing/2014/main" id="{2270F1FA-0425-408F-9861-80BF5AFB276D}"/>
+              </a:ext>
+              <a:ext uri="{C183D7F6-B498-43B3-948B-1728B52AA6E4}">
+                <adec:decorative xmlns:adec="http://schemas.microsoft.com/office/drawing/2017/decorative" val="1"/>
+              </a:ext>
+            </a:extLst>
+          </p:cNvPr>
+          <p:cNvPicPr>
+            <a:picLocks noGrp="1" noRot="1" noChangeAspect="1" noMove="1" noResize="1" noEditPoints="1" noAdjustHandles="1" noChangeArrowheads="1" noChangeShapeType="1" noCrop="1"/>
+          </p:cNvPicPr>
+          <p:nvPr>
+            <p:extLst>
+              <p:ext uri="{386F3935-93C4-4BCD-93E2-E3B085C9AB24}">
+                <p16:designElem xmlns:p16="http://schemas.microsoft.com/office/powerpoint/2015/main" val="1"/>
+              </p:ext>
+            </p:extLst>
+          </p:nvPr>
+        </p:nvPicPr>
+        <p:blipFill>
+          <a:blip r:embed="rId2">
+            <a:extLst>
+              <a:ext uri="{28A0092B-C50C-407E-A947-70E740481C1C}">
+                <a14:useLocalDpi xmlns:a14="http://schemas.microsoft.com/office/drawing/2010/main" val="0"/>
+              </a:ext>
+            </a:extLst>
+          </a:blip>
+          <a:stretch>
+            <a:fillRect/>
+          </a:stretch>
+        </p:blipFill>
+        <p:spPr>
+          <a:xfrm>
+            <a:off x="0" y="0"/>
+            <a:ext cx="12192000" cy="6858000"/>
+          </a:xfrm>
+          <a:prstGeom prst="rect">
+            <a:avLst/>
+          </a:prstGeom>
+        </p:spPr>
+      </p:pic>
+      <p:sp>
+        <p:nvSpPr>
+          <p:cNvPr id="2" name="Título 1">
+            <a:extLst>
+              <a:ext uri="{FF2B5EF4-FFF2-40B4-BE49-F238E27FC236}">
+                <a16:creationId xmlns:a16="http://schemas.microsoft.com/office/drawing/2014/main" id="{F07A4C67-1A4B-4FCF-BFC5-20D694F2A916}"/>
+              </a:ext>
+            </a:extLst>
+          </p:cNvPr>
+          <p:cNvSpPr>
+            <a:spLocks noGrp="1"/>
+          </p:cNvSpPr>
+          <p:nvPr>
+            <p:ph type="title"/>
+          </p:nvPr>
+        </p:nvSpPr>
+        <p:spPr>
+          <a:xfrm>
+            <a:off x="3045368" y="2043663"/>
+            <a:ext cx="6105194" cy="2031055"/>
+          </a:xfrm>
+        </p:spPr>
+        <p:txBody>
+          <a:bodyPr vert="horz" lIns="91440" tIns="45720" rIns="91440" bIns="45720" rtlCol="0" anchor="b">
+            <a:normAutofit/>
+          </a:bodyPr>
+          <a:lstStyle/>
+          <a:p>
+            <a:pPr algn="ctr"/>
+            <a:r>
+              <a:rPr lang="en-US" sz="5100" kern="1200" dirty="0" err="1">
+                <a:solidFill>
+                  <a:srgbClr val="FFFFFF"/>
+                </a:solidFill>
+                <a:latin typeface="+mj-lt"/>
+                <a:ea typeface="+mj-ea"/>
+                <a:cs typeface="+mj-cs"/>
+              </a:rPr>
+              <a:t>Doenças</a:t>
+            </a:r>
+            <a:endParaRPr lang="en-US" sz="5100" kern="1200" dirty="0">
+              <a:solidFill>
+                <a:srgbClr val="FFFFFF"/>
+              </a:solidFill>
+              <a:latin typeface="+mj-lt"/>
+              <a:ea typeface="+mj-ea"/>
+              <a:cs typeface="+mj-cs"/>
+            </a:endParaRPr>
+          </a:p>
+        </p:txBody>
+      </p:sp>
+    </p:spTree>
+    <p:extLst>
+      <p:ext uri="{BB962C8B-B14F-4D97-AF65-F5344CB8AC3E}">
+        <p14:creationId xmlns:p14="http://schemas.microsoft.com/office/powerpoint/2010/main" val="2276757697"/>
+      </p:ext>
+    </p:extLst>
+  </p:cSld>
+  <p:clrMapOvr>
+    <a:masterClrMapping/>
+  </p:clrMapOvr>
+</p:sld>
+</file>
+
+<file path=ppt/slides/slide3.xml><?xml version="1.0" encoding="utf-8"?>
+<p:sld xmlns:a="http://schemas.openxmlformats.org/drawingml/2006/main" xmlns:r="http://schemas.openxmlformats.org/officeDocument/2006/relationships" xmlns:p="http://schemas.openxmlformats.org/presentationml/2006/main">
+  <p:cSld>
+    <p:spTree>
+      <p:nvGrpSpPr>
+        <p:cNvPr id="1" name=""/>
+        <p:cNvGrpSpPr/>
+        <p:nvPr/>
+      </p:nvGrpSpPr>
+      <p:grpSpPr>
+        <a:xfrm>
+          <a:off x="0" y="0"/>
+          <a:ext cx="0" cy="0"/>
+          <a:chOff x="0" y="0"/>
+          <a:chExt cx="0" cy="0"/>
+        </a:xfrm>
+      </p:grpSpPr>
+      <p:sp>
+        <p:nvSpPr>
+          <p:cNvPr id="2" name="Título 1">
+            <a:extLst>
+              <a:ext uri="{FF2B5EF4-FFF2-40B4-BE49-F238E27FC236}">
+                <a16:creationId xmlns:a16="http://schemas.microsoft.com/office/drawing/2014/main" id="{175403C1-EA1D-4CE1-9D1F-3ACF49F11E67}"/>
+              </a:ext>
+            </a:extLst>
+          </p:cNvPr>
+          <p:cNvSpPr>
+            <a:spLocks noGrp="1"/>
+          </p:cNvSpPr>
+          <p:nvPr>
+            <p:ph type="title"/>
+          </p:nvPr>
+        </p:nvSpPr>
+        <p:spPr/>
+        <p:txBody>
+          <a:bodyPr/>
+          <a:lstStyle/>
+          <a:p>
+            <a:r>
+              <a:rPr lang="pt-PT" dirty="0"/>
+              <a:t>Gripe</a:t>
+            </a:r>
+          </a:p>
+        </p:txBody>
+      </p:sp>
+      <p:sp>
+        <p:nvSpPr>
+          <p:cNvPr id="3" name="Marcador de Posição de Conteúdo 2">
+            <a:extLst>
+              <a:ext uri="{FF2B5EF4-FFF2-40B4-BE49-F238E27FC236}">
+                <a16:creationId xmlns:a16="http://schemas.microsoft.com/office/drawing/2014/main" id="{C0CF6C28-3764-4749-8231-6E7CE40BB8DA}"/>
+              </a:ext>
+            </a:extLst>
+          </p:cNvPr>
+          <p:cNvSpPr>
+            <a:spLocks noGrp="1"/>
+          </p:cNvSpPr>
+          <p:nvPr>
+            <p:ph idx="1"/>
+          </p:nvPr>
+        </p:nvSpPr>
+        <p:spPr/>
+        <p:txBody>
+          <a:bodyPr/>
+          <a:lstStyle/>
+          <a:p>
+            <a:r>
+              <a:rPr lang="pt-PT" dirty="0"/>
+              <a:t>Alguém com gripe pode espalhar gotículas infetadas a uma distância de até 1,8 metros.</a:t>
+            </a:r>
+          </a:p>
+          <a:p>
+            <a:r>
+              <a:rPr lang="pt-PT" sz="2800" dirty="0">
+                <a:solidFill>
+                  <a:srgbClr val="000000"/>
+                </a:solidFill>
+              </a:rPr>
+              <a:t>Devido ao isolamento social que estamos a passar hoje em dia e ao aumento do teletrabalho, é normal que o número de doentes com doenças infeciosas este ano tenha baixado.</a:t>
+            </a:r>
+          </a:p>
+          <a:p>
+            <a:endParaRPr lang="pt-PT" dirty="0"/>
+          </a:p>
+        </p:txBody>
+      </p:sp>
+    </p:spTree>
+    <p:extLst>
+      <p:ext uri="{BB962C8B-B14F-4D97-AF65-F5344CB8AC3E}">
+        <p14:creationId xmlns:p14="http://schemas.microsoft.com/office/powerpoint/2010/main" val="3762453940"/>
+      </p:ext>
+    </p:extLst>
+  </p:cSld>
+  <p:clrMapOvr>
+    <a:masterClrMapping/>
+  </p:clrMapOvr>
+</p:sld>
+</file>
+
+<file path=ppt/slides/slide4.xml><?xml version="1.0" encoding="utf-8"?>
+<p:sld xmlns:a="http://schemas.openxmlformats.org/drawingml/2006/main" xmlns:r="http://schemas.openxmlformats.org/officeDocument/2006/relationships" xmlns:p="http://schemas.openxmlformats.org/presentationml/2006/main">
+  <p:cSld>
+    <p:spTree>
+      <p:nvGrpSpPr>
+        <p:cNvPr id="1" name=""/>
+        <p:cNvGrpSpPr/>
+        <p:nvPr/>
+      </p:nvGrpSpPr>
+      <p:grpSpPr>
+        <a:xfrm>
+          <a:off x="0" y="0"/>
+          <a:ext cx="0" cy="0"/>
+          <a:chOff x="0" y="0"/>
+          <a:chExt cx="0" cy="0"/>
+        </a:xfrm>
+      </p:grpSpPr>
+      <p:sp>
+        <p:nvSpPr>
+          <p:cNvPr id="2" name="Título 1">
+            <a:extLst>
+              <a:ext uri="{FF2B5EF4-FFF2-40B4-BE49-F238E27FC236}">
+                <a16:creationId xmlns:a16="http://schemas.microsoft.com/office/drawing/2014/main" id="{8EF850C3-13B9-48C8-9564-225F2593A2FE}"/>
+              </a:ext>
+            </a:extLst>
+          </p:cNvPr>
+          <p:cNvSpPr>
+            <a:spLocks noGrp="1"/>
+          </p:cNvSpPr>
+          <p:nvPr>
+            <p:ph type="title"/>
+          </p:nvPr>
+        </p:nvSpPr>
+        <p:spPr/>
+        <p:txBody>
+          <a:bodyPr/>
+          <a:lstStyle/>
+          <a:p>
+            <a:r>
+              <a:rPr lang="pt-PT" dirty="0"/>
+              <a:t>Gráfico número de doentes com gripe este ano</a:t>
+            </a:r>
+            <a:r>
+              <a:rPr lang="pt-PT"/>
+              <a:t>/outros anos</a:t>
+            </a:r>
+          </a:p>
+        </p:txBody>
+      </p:sp>
+      <p:sp>
+        <p:nvSpPr>
+          <p:cNvPr id="3" name="Marcador de Posição de Conteúdo 2">
+            <a:extLst>
+              <a:ext uri="{FF2B5EF4-FFF2-40B4-BE49-F238E27FC236}">
+                <a16:creationId xmlns:a16="http://schemas.microsoft.com/office/drawing/2014/main" id="{61DFC2F3-527C-4369-BBA8-0D0C86C69566}"/>
+              </a:ext>
+            </a:extLst>
+          </p:cNvPr>
+          <p:cNvSpPr>
+            <a:spLocks noGrp="1"/>
+          </p:cNvSpPr>
+          <p:nvPr>
+            <p:ph idx="1"/>
+          </p:nvPr>
+        </p:nvSpPr>
+        <p:spPr/>
+        <p:txBody>
+          <a:bodyPr/>
+          <a:lstStyle/>
+          <a:p>
+            <a:endParaRPr lang="pt-PT"/>
+          </a:p>
+        </p:txBody>
+      </p:sp>
+    </p:spTree>
+    <p:extLst>
+      <p:ext uri="{BB962C8B-B14F-4D97-AF65-F5344CB8AC3E}">
+        <p14:creationId xmlns:p14="http://schemas.microsoft.com/office/powerpoint/2010/main" val="964660544"/>
       </p:ext>
     </p:extLst>
   </p:cSld>
@@ -3677,4 +4996,299 @@
     </a:ext>
   </a:extLst>
 </a:theme>
+</file>
+
+<file path=ppt/theme/theme2.xml><?xml version="1.0" encoding="utf-8"?>
+<a:theme xmlns:a="http://schemas.openxmlformats.org/drawingml/2006/main" name="Tema do Office">
+  <a:themeElements>
+    <a:clrScheme name="Office">
+      <a:dk1>
+        <a:sysClr val="windowText" lastClr="000000"/>
+      </a:dk1>
+      <a:lt1>
+        <a:sysClr val="window" lastClr="FFFFFF"/>
+      </a:lt1>
+      <a:dk2>
+        <a:srgbClr val="44546A"/>
+      </a:dk2>
+      <a:lt2>
+        <a:srgbClr val="E7E6E6"/>
+      </a:lt2>
+      <a:accent1>
+        <a:srgbClr val="4472C4"/>
+      </a:accent1>
+      <a:accent2>
+        <a:srgbClr val="ED7D31"/>
+      </a:accent2>
+      <a:accent3>
+        <a:srgbClr val="A5A5A5"/>
+      </a:accent3>
+      <a:accent4>
+        <a:srgbClr val="FFC000"/>
+      </a:accent4>
+      <a:accent5>
+        <a:srgbClr val="5B9BD5"/>
+      </a:accent5>
+      <a:accent6>
+        <a:srgbClr val="70AD47"/>
+      </a:accent6>
+      <a:hlink>
+        <a:srgbClr val="0563C1"/>
+      </a:hlink>
+      <a:folHlink>
+        <a:srgbClr val="954F72"/>
+      </a:folHlink>
+    </a:clrScheme>
+    <a:fontScheme name="Office">
+      <a:majorFont>
+        <a:latin typeface="Calibri Light" panose="020F0302020204030204"/>
+        <a:ea typeface=""/>
+        <a:cs typeface=""/>
+        <a:font script="Jpan" typeface="游ゴシック Light"/>
+        <a:font script="Hang" typeface="맑은 고딕"/>
+        <a:font script="Hans" typeface="等线 Light"/>
+        <a:font script="Hant" typeface="新細明體"/>
+        <a:font script="Arab" typeface="Times New Roman"/>
+        <a:font script="Hebr" typeface="Times New Roman"/>
+        <a:font script="Thai" typeface="Angsana New"/>
+        <a:font script="Ethi" typeface="Nyala"/>
+        <a:font script="Beng" typeface="Vrinda"/>
+        <a:font script="Gujr" typeface="Shruti"/>
+        <a:font script="Khmr" typeface="MoolBoran"/>
+        <a:font script="Knda" typeface="Tunga"/>
+        <a:font script="Guru" typeface="Raavi"/>
+        <a:font script="Cans" typeface="Euphemia"/>
+        <a:font script="Cher" typeface="Plantagenet Cherokee"/>
+        <a:font script="Yiii" typeface="Microsoft Yi Baiti"/>
+        <a:font script="Tibt" typeface="Microsoft Himalaya"/>
+        <a:font script="Thaa" typeface="MV Boli"/>
+        <a:font script="Deva" typeface="Mangal"/>
+        <a:font script="Telu" typeface="Gautami"/>
+        <a:font script="Taml" typeface="Latha"/>
+        <a:font script="Syrc" typeface="Estrangelo Edessa"/>
+        <a:font script="Orya" typeface="Kalinga"/>
+        <a:font script="Mlym" typeface="Kartika"/>
+        <a:font script="Laoo" typeface="DokChampa"/>
+        <a:font script="Sinh" typeface="Iskoola Pota"/>
+        <a:font script="Mong" typeface="Mongolian Baiti"/>
+        <a:font script="Viet" typeface="Times New Roman"/>
+        <a:font script="Uigh" typeface="Microsoft Uighur"/>
+        <a:font script="Geor" typeface="Sylfaen"/>
+        <a:font script="Armn" typeface="Arial"/>
+        <a:font script="Bugi" typeface="Leelawadee UI"/>
+        <a:font script="Bopo" typeface="Microsoft JhengHei"/>
+        <a:font script="Java" typeface="Javanese Text"/>
+        <a:font script="Lisu" typeface="Segoe UI"/>
+        <a:font script="Mymr" typeface="Myanmar Text"/>
+        <a:font script="Nkoo" typeface="Ebrima"/>
+        <a:font script="Olck" typeface="Nirmala UI"/>
+        <a:font script="Osma" typeface="Ebrima"/>
+        <a:font script="Phag" typeface="Phagspa"/>
+        <a:font script="Syrn" typeface="Estrangelo Edessa"/>
+        <a:font script="Syrj" typeface="Estrangelo Edessa"/>
+        <a:font script="Syre" typeface="Estrangelo Edessa"/>
+        <a:font script="Sora" typeface="Nirmala UI"/>
+        <a:font script="Tale" typeface="Microsoft Tai Le"/>
+        <a:font script="Talu" typeface="Microsoft New Tai Lue"/>
+        <a:font script="Tfng" typeface="Ebrima"/>
+      </a:majorFont>
+      <a:minorFont>
+        <a:latin typeface="Calibri" panose="020F0502020204030204"/>
+        <a:ea typeface=""/>
+        <a:cs typeface=""/>
+        <a:font script="Jpan" typeface="游ゴシック"/>
+        <a:font script="Hang" typeface="맑은 고딕"/>
+        <a:font script="Hans" typeface="等线"/>
+        <a:font script="Hant" typeface="新細明體"/>
+        <a:font script="Arab" typeface="Arial"/>
+        <a:font script="Hebr" typeface="Arial"/>
+        <a:font script="Thai" typeface="Cordia New"/>
+        <a:font script="Ethi" typeface="Nyala"/>
+        <a:font script="Beng" typeface="Vrinda"/>
+        <a:font script="Gujr" typeface="Shruti"/>
+        <a:font script="Khmr" typeface="DaunPenh"/>
+        <a:font script="Knda" typeface="Tunga"/>
+        <a:font script="Guru" typeface="Raavi"/>
+        <a:font script="Cans" typeface="Euphemia"/>
+        <a:font script="Cher" typeface="Plantagenet Cherokee"/>
+        <a:font script="Yiii" typeface="Microsoft Yi Baiti"/>
+        <a:font script="Tibt" typeface="Microsoft Himalaya"/>
+        <a:font script="Thaa" typeface="MV Boli"/>
+        <a:font script="Deva" typeface="Mangal"/>
+        <a:font script="Telu" typeface="Gautami"/>
+        <a:font script="Taml" typeface="Latha"/>
+        <a:font script="Syrc" typeface="Estrangelo Edessa"/>
+        <a:font script="Orya" typeface="Kalinga"/>
+        <a:font script="Mlym" typeface="Kartika"/>
+        <a:font script="Laoo" typeface="DokChampa"/>
+        <a:font script="Sinh" typeface="Iskoola Pota"/>
+        <a:font script="Mong" typeface="Mongolian Baiti"/>
+        <a:font script="Viet" typeface="Arial"/>
+        <a:font script="Uigh" typeface="Microsoft Uighur"/>
+        <a:font script="Geor" typeface="Sylfaen"/>
+        <a:font script="Armn" typeface="Arial"/>
+        <a:font script="Bugi" typeface="Leelawadee UI"/>
+        <a:font script="Bopo" typeface="Microsoft JhengHei"/>
+        <a:font script="Java" typeface="Javanese Text"/>
+        <a:font script="Lisu" typeface="Segoe UI"/>
+        <a:font script="Mymr" typeface="Myanmar Text"/>
+        <a:font script="Nkoo" typeface="Ebrima"/>
+        <a:font script="Olck" typeface="Nirmala UI"/>
+        <a:font script="Osma" typeface="Ebrima"/>
+        <a:font script="Phag" typeface="Phagspa"/>
+        <a:font script="Syrn" typeface="Estrangelo Edessa"/>
+        <a:font script="Syrj" typeface="Estrangelo Edessa"/>
+        <a:font script="Syre" typeface="Estrangelo Edessa"/>
+        <a:font script="Sora" typeface="Nirmala UI"/>
+        <a:font script="Tale" typeface="Microsoft Tai Le"/>
+        <a:font script="Talu" typeface="Microsoft New Tai Lue"/>
+        <a:font script="Tfng" typeface="Ebrima"/>
+      </a:minorFont>
+    </a:fontScheme>
+    <a:fmtScheme name="Office">
+      <a:fillStyleLst>
+        <a:solidFill>
+          <a:schemeClr val="phClr"/>
+        </a:solidFill>
+        <a:gradFill rotWithShape="1">
+          <a:gsLst>
+            <a:gs pos="0">
+              <a:schemeClr val="phClr">
+                <a:lumMod val="110000"/>
+                <a:satMod val="105000"/>
+                <a:tint val="67000"/>
+              </a:schemeClr>
+            </a:gs>
+            <a:gs pos="50000">
+              <a:schemeClr val="phClr">
+                <a:lumMod val="105000"/>
+                <a:satMod val="103000"/>
+                <a:tint val="73000"/>
+              </a:schemeClr>
+            </a:gs>
+            <a:gs pos="100000">
+              <a:schemeClr val="phClr">
+                <a:lumMod val="105000"/>
+                <a:satMod val="109000"/>
+                <a:tint val="81000"/>
+              </a:schemeClr>
+            </a:gs>
+          </a:gsLst>
+          <a:lin ang="5400000" scaled="0"/>
+        </a:gradFill>
+        <a:gradFill rotWithShape="1">
+          <a:gsLst>
+            <a:gs pos="0">
+              <a:schemeClr val="phClr">
+                <a:satMod val="103000"/>
+                <a:lumMod val="102000"/>
+                <a:tint val="94000"/>
+              </a:schemeClr>
+            </a:gs>
+            <a:gs pos="50000">
+              <a:schemeClr val="phClr">
+                <a:satMod val="110000"/>
+                <a:lumMod val="100000"/>
+                <a:shade val="100000"/>
+              </a:schemeClr>
+            </a:gs>
+            <a:gs pos="100000">
+              <a:schemeClr val="phClr">
+                <a:lumMod val="99000"/>
+                <a:satMod val="120000"/>
+                <a:shade val="78000"/>
+              </a:schemeClr>
+            </a:gs>
+          </a:gsLst>
+          <a:lin ang="5400000" scaled="0"/>
+        </a:gradFill>
+      </a:fillStyleLst>
+      <a:lnStyleLst>
+        <a:ln w="6350" cap="flat" cmpd="sng" algn="ctr">
+          <a:solidFill>
+            <a:schemeClr val="phClr"/>
+          </a:solidFill>
+          <a:prstDash val="solid"/>
+          <a:miter lim="800000"/>
+        </a:ln>
+        <a:ln w="12700" cap="flat" cmpd="sng" algn="ctr">
+          <a:solidFill>
+            <a:schemeClr val="phClr"/>
+          </a:solidFill>
+          <a:prstDash val="solid"/>
+          <a:miter lim="800000"/>
+        </a:ln>
+        <a:ln w="19050" cap="flat" cmpd="sng" algn="ctr">
+          <a:solidFill>
+            <a:schemeClr val="phClr"/>
+          </a:solidFill>
+          <a:prstDash val="solid"/>
+          <a:miter lim="800000"/>
+        </a:ln>
+      </a:lnStyleLst>
+      <a:effectStyleLst>
+        <a:effectStyle>
+          <a:effectLst/>
+        </a:effectStyle>
+        <a:effectStyle>
+          <a:effectLst/>
+        </a:effectStyle>
+        <a:effectStyle>
+          <a:effectLst>
+            <a:outerShdw blurRad="57150" dist="19050" dir="5400000" algn="ctr" rotWithShape="0">
+              <a:srgbClr val="000000">
+                <a:alpha val="63000"/>
+              </a:srgbClr>
+            </a:outerShdw>
+          </a:effectLst>
+        </a:effectStyle>
+      </a:effectStyleLst>
+      <a:bgFillStyleLst>
+        <a:solidFill>
+          <a:schemeClr val="phClr"/>
+        </a:solidFill>
+        <a:solidFill>
+          <a:schemeClr val="phClr">
+            <a:tint val="95000"/>
+            <a:satMod val="170000"/>
+          </a:schemeClr>
+        </a:solidFill>
+        <a:gradFill rotWithShape="1">
+          <a:gsLst>
+            <a:gs pos="0">
+              <a:schemeClr val="phClr">
+                <a:tint val="93000"/>
+                <a:satMod val="150000"/>
+                <a:shade val="98000"/>
+                <a:lumMod val="102000"/>
+              </a:schemeClr>
+            </a:gs>
+            <a:gs pos="50000">
+              <a:schemeClr val="phClr">
+                <a:tint val="98000"/>
+                <a:satMod val="130000"/>
+                <a:shade val="90000"/>
+                <a:lumMod val="103000"/>
+              </a:schemeClr>
+            </a:gs>
+            <a:gs pos="100000">
+              <a:schemeClr val="phClr">
+                <a:shade val="63000"/>
+                <a:satMod val="120000"/>
+              </a:schemeClr>
+            </a:gs>
+          </a:gsLst>
+          <a:lin ang="5400000" scaled="0"/>
+        </a:gradFill>
+      </a:bgFillStyleLst>
+    </a:fmtScheme>
+  </a:themeElements>
+  <a:objectDefaults/>
+  <a:extraClrSchemeLst/>
+  <a:extLst>
+    <a:ext uri="{05A4C25C-085E-4340-85A3-A5531E510DB2}">
+      <thm15:themeFamily xmlns:thm15="http://schemas.microsoft.com/office/thememl/2012/main" name="Office Theme" id="{62F939B6-93AF-4DB8-9C6B-D6C7DFDC589F}" vid="{4A3C46E8-61CC-4603-A589-7422A47A8E4A}"/>
+    </a:ext>
+  </a:extLst>
+</a:theme>
 </file>
--- a/VantagensSociais.pptx
+++ b/VantagensSociais.pptx
@@ -110,7 +110,1607 @@
       </a:defRPr>
     </a:lvl9pPr>
   </p:defaultTextStyle>
+  <p:extLst>
+    <p:ext uri="{EFAFB233-063F-42B5-8137-9DF3F51BA10A}">
+      <p15:sldGuideLst xmlns:p15="http://schemas.microsoft.com/office/powerpoint/2012/main"/>
+    </p:ext>
+  </p:extLst>
 </p:presentation>
+</file>
+
+<file path=ppt/revisionInfo.xml><?xml version="1.0" encoding="utf-8"?>
+<p1510:revInfo xmlns:a="http://schemas.openxmlformats.org/drawingml/2006/main" xmlns:r="http://schemas.openxmlformats.org/officeDocument/2006/relationships" xmlns:p1510="http://schemas.microsoft.com/office/powerpoint/2015/10/main">
+  <p1510:revLst>
+    <p1510:client id="{EB0910E8-0166-48ED-9D86-18BD82E0E789}" v="145" dt="2020-10-30T15:44:10.656"/>
+  </p1510:revLst>
+</p1510:revInfo>
+</file>
+
+<file path=ppt/changesInfos/changesInfo1.xml><?xml version="1.0" encoding="utf-8"?>
+<pc:chgInfo xmlns:a="http://schemas.openxmlformats.org/drawingml/2006/main" xmlns:r="http://schemas.openxmlformats.org/officeDocument/2006/relationships" xmlns:ac="http://schemas.microsoft.com/office/drawing/2013/main/command" xmlns:pc="http://schemas.microsoft.com/office/powerpoint/2013/main/command">
+  <pc:docChgLst>
+    <pc:chgData name="Diogo Rafael Cunha Pereira" userId="41356203-1e84-4d71-862d-57204f6122a5" providerId="ADAL" clId="{EB0910E8-0166-48ED-9D86-18BD82E0E789}"/>
+    <pc:docChg chg="undo redo custSel mod modSld">
+      <pc:chgData name="Diogo Rafael Cunha Pereira" userId="41356203-1e84-4d71-862d-57204f6122a5" providerId="ADAL" clId="{EB0910E8-0166-48ED-9D86-18BD82E0E789}" dt="2020-10-30T16:18:18.192" v="810" actId="20577"/>
+      <pc:docMkLst>
+        <pc:docMk/>
+      </pc:docMkLst>
+      <pc:sldChg chg="addSp delSp modSp mod setBg setClrOvrMap">
+        <pc:chgData name="Diogo Rafael Cunha Pereira" userId="41356203-1e84-4d71-862d-57204f6122a5" providerId="ADAL" clId="{EB0910E8-0166-48ED-9D86-18BD82E0E789}" dt="2020-10-30T15:04:53.118" v="140" actId="26606"/>
+        <pc:sldMkLst>
+          <pc:docMk/>
+          <pc:sldMk cId="2500282129" sldId="256"/>
+        </pc:sldMkLst>
+        <pc:spChg chg="mod">
+          <ac:chgData name="Diogo Rafael Cunha Pereira" userId="41356203-1e84-4d71-862d-57204f6122a5" providerId="ADAL" clId="{EB0910E8-0166-48ED-9D86-18BD82E0E789}" dt="2020-10-30T15:04:53.118" v="140" actId="26606"/>
+          <ac:spMkLst>
+            <pc:docMk/>
+            <pc:sldMk cId="2500282129" sldId="256"/>
+            <ac:spMk id="3" creationId="{B8384E43-4340-4DAD-A6F4-1CDE0B2E3F79}"/>
+          </ac:spMkLst>
+        </pc:spChg>
+        <pc:spChg chg="mod">
+          <ac:chgData name="Diogo Rafael Cunha Pereira" userId="41356203-1e84-4d71-862d-57204f6122a5" providerId="ADAL" clId="{EB0910E8-0166-48ED-9D86-18BD82E0E789}" dt="2020-10-30T15:04:53.118" v="140" actId="26606"/>
+          <ac:spMkLst>
+            <pc:docMk/>
+            <pc:sldMk cId="2500282129" sldId="256"/>
+            <ac:spMk id="8" creationId="{C283CD52-7E0A-4BFD-B454-B14B6D8E2301}"/>
+          </ac:spMkLst>
+        </pc:spChg>
+        <pc:spChg chg="add del">
+          <ac:chgData name="Diogo Rafael Cunha Pereira" userId="41356203-1e84-4d71-862d-57204f6122a5" providerId="ADAL" clId="{EB0910E8-0166-48ED-9D86-18BD82E0E789}" dt="2020-10-30T15:04:53.118" v="140" actId="26606"/>
+          <ac:spMkLst>
+            <pc:docMk/>
+            <pc:sldMk cId="2500282129" sldId="256"/>
+            <ac:spMk id="19" creationId="{08C9B587-E65E-4B52-B37C-ABEBB6E87928}"/>
+          </ac:spMkLst>
+        </pc:spChg>
+        <pc:spChg chg="add del">
+          <ac:chgData name="Diogo Rafael Cunha Pereira" userId="41356203-1e84-4d71-862d-57204f6122a5" providerId="ADAL" clId="{EB0910E8-0166-48ED-9D86-18BD82E0E789}" dt="2020-10-30T15:04:53.118" v="140" actId="26606"/>
+          <ac:spMkLst>
+            <pc:docMk/>
+            <pc:sldMk cId="2500282129" sldId="256"/>
+            <ac:spMk id="20" creationId="{E91DC736-0EF8-4F87-9146-EBF1D2EE4D3D}"/>
+          </ac:spMkLst>
+        </pc:spChg>
+        <pc:spChg chg="add del">
+          <ac:chgData name="Diogo Rafael Cunha Pereira" userId="41356203-1e84-4d71-862d-57204f6122a5" providerId="ADAL" clId="{EB0910E8-0166-48ED-9D86-18BD82E0E789}" dt="2020-10-30T15:04:53.118" v="140" actId="26606"/>
+          <ac:spMkLst>
+            <pc:docMk/>
+            <pc:sldMk cId="2500282129" sldId="256"/>
+            <ac:spMk id="21" creationId="{097CD68E-23E3-4007-8847-CD0944C4F7BE}"/>
+          </ac:spMkLst>
+        </pc:spChg>
+        <pc:spChg chg="add del">
+          <ac:chgData name="Diogo Rafael Cunha Pereira" userId="41356203-1e84-4d71-862d-57204f6122a5" providerId="ADAL" clId="{EB0910E8-0166-48ED-9D86-18BD82E0E789}" dt="2020-10-30T15:04:53.118" v="140" actId="26606"/>
+          <ac:spMkLst>
+            <pc:docMk/>
+            <pc:sldMk cId="2500282129" sldId="256"/>
+            <ac:spMk id="22" creationId="{AF2F604E-43BE-4DC3-B983-E071523364F8}"/>
+          </ac:spMkLst>
+        </pc:spChg>
+        <pc:spChg chg="add del">
+          <ac:chgData name="Diogo Rafael Cunha Pereira" userId="41356203-1e84-4d71-862d-57204f6122a5" providerId="ADAL" clId="{EB0910E8-0166-48ED-9D86-18BD82E0E789}" dt="2020-10-30T15:04:20.718" v="111" actId="26606"/>
+          <ac:spMkLst>
+            <pc:docMk/>
+            <pc:sldMk cId="2500282129" sldId="256"/>
+            <ac:spMk id="27" creationId="{87CC2527-562A-4F69-B487-4371E5B243E7}"/>
+          </ac:spMkLst>
+        </pc:spChg>
+        <pc:spChg chg="add del">
+          <ac:chgData name="Diogo Rafael Cunha Pereira" userId="41356203-1e84-4d71-862d-57204f6122a5" providerId="ADAL" clId="{EB0910E8-0166-48ED-9D86-18BD82E0E789}" dt="2020-10-30T15:04:22.901" v="113" actId="26606"/>
+          <ac:spMkLst>
+            <pc:docMk/>
+            <pc:sldMk cId="2500282129" sldId="256"/>
+            <ac:spMk id="31" creationId="{E49CC64F-7275-4E33-961B-0C5CDC439875}"/>
+          </ac:spMkLst>
+        </pc:spChg>
+        <pc:spChg chg="add del">
+          <ac:chgData name="Diogo Rafael Cunha Pereira" userId="41356203-1e84-4d71-862d-57204f6122a5" providerId="ADAL" clId="{EB0910E8-0166-48ED-9D86-18BD82E0E789}" dt="2020-10-30T15:04:23.861" v="115" actId="26606"/>
+          <ac:spMkLst>
+            <pc:docMk/>
+            <pc:sldMk cId="2500282129" sldId="256"/>
+            <ac:spMk id="33" creationId="{87CC2527-562A-4F69-B487-4371E5B243E7}"/>
+          </ac:spMkLst>
+        </pc:spChg>
+        <pc:spChg chg="add del">
+          <ac:chgData name="Diogo Rafael Cunha Pereira" userId="41356203-1e84-4d71-862d-57204f6122a5" providerId="ADAL" clId="{EB0910E8-0166-48ED-9D86-18BD82E0E789}" dt="2020-10-30T15:04:26.441" v="119" actId="26606"/>
+          <ac:spMkLst>
+            <pc:docMk/>
+            <pc:sldMk cId="2500282129" sldId="256"/>
+            <ac:spMk id="35" creationId="{B497CCB5-5FC2-473C-AFCC-2430CEF1DF71}"/>
+          </ac:spMkLst>
+        </pc:spChg>
+        <pc:spChg chg="add del">
+          <ac:chgData name="Diogo Rafael Cunha Pereira" userId="41356203-1e84-4d71-862d-57204f6122a5" providerId="ADAL" clId="{EB0910E8-0166-48ED-9D86-18BD82E0E789}" dt="2020-10-30T15:04:24.933" v="117" actId="26606"/>
+          <ac:spMkLst>
+            <pc:docMk/>
+            <pc:sldMk cId="2500282129" sldId="256"/>
+            <ac:spMk id="36" creationId="{E49CC64F-7275-4E33-961B-0C5CDC439875}"/>
+          </ac:spMkLst>
+        </pc:spChg>
+        <pc:spChg chg="add del">
+          <ac:chgData name="Diogo Rafael Cunha Pereira" userId="41356203-1e84-4d71-862d-57204f6122a5" providerId="ADAL" clId="{EB0910E8-0166-48ED-9D86-18BD82E0E789}" dt="2020-10-30T15:04:26.441" v="119" actId="26606"/>
+          <ac:spMkLst>
+            <pc:docMk/>
+            <pc:sldMk cId="2500282129" sldId="256"/>
+            <ac:spMk id="37" creationId="{599C8C75-BFDF-44E7-A028-EEB5EDD58817}"/>
+          </ac:spMkLst>
+        </pc:spChg>
+        <pc:spChg chg="add del">
+          <ac:chgData name="Diogo Rafael Cunha Pereira" userId="41356203-1e84-4d71-862d-57204f6122a5" providerId="ADAL" clId="{EB0910E8-0166-48ED-9D86-18BD82E0E789}" dt="2020-10-30T15:04:26.441" v="119" actId="26606"/>
+          <ac:spMkLst>
+            <pc:docMk/>
+            <pc:sldMk cId="2500282129" sldId="256"/>
+            <ac:spMk id="38" creationId="{04A130CA-991E-4C92-A494-EB7D8666EFED}"/>
+          </ac:spMkLst>
+        </pc:spChg>
+        <pc:spChg chg="add del">
+          <ac:chgData name="Diogo Rafael Cunha Pereira" userId="41356203-1e84-4d71-862d-57204f6122a5" providerId="ADAL" clId="{EB0910E8-0166-48ED-9D86-18BD82E0E789}" dt="2020-10-30T15:04:26.441" v="119" actId="26606"/>
+          <ac:spMkLst>
+            <pc:docMk/>
+            <pc:sldMk cId="2500282129" sldId="256"/>
+            <ac:spMk id="39" creationId="{FC3C749F-9A26-4B1E-BC2E-572D03DF9593}"/>
+          </ac:spMkLst>
+        </pc:spChg>
+        <pc:spChg chg="add del">
+          <ac:chgData name="Diogo Rafael Cunha Pereira" userId="41356203-1e84-4d71-862d-57204f6122a5" providerId="ADAL" clId="{EB0910E8-0166-48ED-9D86-18BD82E0E789}" dt="2020-10-30T15:04:26.441" v="119" actId="26606"/>
+          <ac:spMkLst>
+            <pc:docMk/>
+            <pc:sldMk cId="2500282129" sldId="256"/>
+            <ac:spMk id="40" creationId="{F98D51C6-1188-49B8-B829-31D2C2813F10}"/>
+          </ac:spMkLst>
+        </pc:spChg>
+        <pc:spChg chg="add del">
+          <ac:chgData name="Diogo Rafael Cunha Pereira" userId="41356203-1e84-4d71-862d-57204f6122a5" providerId="ADAL" clId="{EB0910E8-0166-48ED-9D86-18BD82E0E789}" dt="2020-10-30T15:04:26.441" v="119" actId="26606"/>
+          <ac:spMkLst>
+            <pc:docMk/>
+            <pc:sldMk cId="2500282129" sldId="256"/>
+            <ac:spMk id="41" creationId="{456BA586-8922-4113-BD35-BBF1EB1A1F42}"/>
+          </ac:spMkLst>
+        </pc:spChg>
+        <pc:spChg chg="add del">
+          <ac:chgData name="Diogo Rafael Cunha Pereira" userId="41356203-1e84-4d71-862d-57204f6122a5" providerId="ADAL" clId="{EB0910E8-0166-48ED-9D86-18BD82E0E789}" dt="2020-10-30T15:04:30.705" v="121" actId="26606"/>
+          <ac:spMkLst>
+            <pc:docMk/>
+            <pc:sldMk cId="2500282129" sldId="256"/>
+            <ac:spMk id="43" creationId="{75F4D120-3921-42A8-A063-46B023CB0CDA}"/>
+          </ac:spMkLst>
+        </pc:spChg>
+        <pc:spChg chg="add del">
+          <ac:chgData name="Diogo Rafael Cunha Pereira" userId="41356203-1e84-4d71-862d-57204f6122a5" providerId="ADAL" clId="{EB0910E8-0166-48ED-9D86-18BD82E0E789}" dt="2020-10-30T15:04:31.521" v="123" actId="26606"/>
+          <ac:spMkLst>
+            <pc:docMk/>
+            <pc:sldMk cId="2500282129" sldId="256"/>
+            <ac:spMk id="46" creationId="{6CCA5F87-1D1E-45CB-8D83-FC7EEFAD9935}"/>
+          </ac:spMkLst>
+        </pc:spChg>
+        <pc:spChg chg="add del">
+          <ac:chgData name="Diogo Rafael Cunha Pereira" userId="41356203-1e84-4d71-862d-57204f6122a5" providerId="ADAL" clId="{EB0910E8-0166-48ED-9D86-18BD82E0E789}" dt="2020-10-30T15:04:31.521" v="123" actId="26606"/>
+          <ac:spMkLst>
+            <pc:docMk/>
+            <pc:sldMk cId="2500282129" sldId="256"/>
+            <ac:spMk id="47" creationId="{7CCFC2C6-6238-4A2F-93DE-2ADF74AF635E}"/>
+          </ac:spMkLst>
+        </pc:spChg>
+        <pc:spChg chg="add del">
+          <ac:chgData name="Diogo Rafael Cunha Pereira" userId="41356203-1e84-4d71-862d-57204f6122a5" providerId="ADAL" clId="{EB0910E8-0166-48ED-9D86-18BD82E0E789}" dt="2020-10-30T15:04:31.521" v="123" actId="26606"/>
+          <ac:spMkLst>
+            <pc:docMk/>
+            <pc:sldMk cId="2500282129" sldId="256"/>
+            <ac:spMk id="48" creationId="{AF2F604E-43BE-4DC3-B983-E071523364F8}"/>
+          </ac:spMkLst>
+        </pc:spChg>
+        <pc:spChg chg="add del">
+          <ac:chgData name="Diogo Rafael Cunha Pereira" userId="41356203-1e84-4d71-862d-57204f6122a5" providerId="ADAL" clId="{EB0910E8-0166-48ED-9D86-18BD82E0E789}" dt="2020-10-30T15:04:31.521" v="123" actId="26606"/>
+          <ac:spMkLst>
+            <pc:docMk/>
+            <pc:sldMk cId="2500282129" sldId="256"/>
+            <ac:spMk id="49" creationId="{08C9B587-E65E-4B52-B37C-ABEBB6E87928}"/>
+          </ac:spMkLst>
+        </pc:spChg>
+        <pc:spChg chg="add del">
+          <ac:chgData name="Diogo Rafael Cunha Pereira" userId="41356203-1e84-4d71-862d-57204f6122a5" providerId="ADAL" clId="{EB0910E8-0166-48ED-9D86-18BD82E0E789}" dt="2020-10-30T15:04:36.603" v="125" actId="26606"/>
+          <ac:spMkLst>
+            <pc:docMk/>
+            <pc:sldMk cId="2500282129" sldId="256"/>
+            <ac:spMk id="51" creationId="{75F4D120-3921-42A8-A063-46B023CB0CDA}"/>
+          </ac:spMkLst>
+        </pc:spChg>
+        <pc:spChg chg="add del">
+          <ac:chgData name="Diogo Rafael Cunha Pereira" userId="41356203-1e84-4d71-862d-57204f6122a5" providerId="ADAL" clId="{EB0910E8-0166-48ED-9D86-18BD82E0E789}" dt="2020-10-30T15:04:38.227" v="127" actId="26606"/>
+          <ac:spMkLst>
+            <pc:docMk/>
+            <pc:sldMk cId="2500282129" sldId="256"/>
+            <ac:spMk id="54" creationId="{04A130CA-991E-4C92-A494-EB7D8666EFED}"/>
+          </ac:spMkLst>
+        </pc:spChg>
+        <pc:spChg chg="add del">
+          <ac:chgData name="Diogo Rafael Cunha Pereira" userId="41356203-1e84-4d71-862d-57204f6122a5" providerId="ADAL" clId="{EB0910E8-0166-48ED-9D86-18BD82E0E789}" dt="2020-10-30T15:04:38.227" v="127" actId="26606"/>
+          <ac:spMkLst>
+            <pc:docMk/>
+            <pc:sldMk cId="2500282129" sldId="256"/>
+            <ac:spMk id="55" creationId="{FC3C749F-9A26-4B1E-BC2E-572D03DF9593}"/>
+          </ac:spMkLst>
+        </pc:spChg>
+        <pc:spChg chg="add del">
+          <ac:chgData name="Diogo Rafael Cunha Pereira" userId="41356203-1e84-4d71-862d-57204f6122a5" providerId="ADAL" clId="{EB0910E8-0166-48ED-9D86-18BD82E0E789}" dt="2020-10-30T15:04:38.227" v="127" actId="26606"/>
+          <ac:spMkLst>
+            <pc:docMk/>
+            <pc:sldMk cId="2500282129" sldId="256"/>
+            <ac:spMk id="56" creationId="{F98D51C6-1188-49B8-B829-31D2C2813F10}"/>
+          </ac:spMkLst>
+        </pc:spChg>
+        <pc:spChg chg="add del">
+          <ac:chgData name="Diogo Rafael Cunha Pereira" userId="41356203-1e84-4d71-862d-57204f6122a5" providerId="ADAL" clId="{EB0910E8-0166-48ED-9D86-18BD82E0E789}" dt="2020-10-30T15:04:38.227" v="127" actId="26606"/>
+          <ac:spMkLst>
+            <pc:docMk/>
+            <pc:sldMk cId="2500282129" sldId="256"/>
+            <ac:spMk id="57" creationId="{456BA586-8922-4113-BD35-BBF1EB1A1F42}"/>
+          </ac:spMkLst>
+        </pc:spChg>
+        <pc:spChg chg="add del">
+          <ac:chgData name="Diogo Rafael Cunha Pereira" userId="41356203-1e84-4d71-862d-57204f6122a5" providerId="ADAL" clId="{EB0910E8-0166-48ED-9D86-18BD82E0E789}" dt="2020-10-30T15:04:38.227" v="127" actId="26606"/>
+          <ac:spMkLst>
+            <pc:docMk/>
+            <pc:sldMk cId="2500282129" sldId="256"/>
+            <ac:spMk id="58" creationId="{B497CCB5-5FC2-473C-AFCC-2430CEF1DF71}"/>
+          </ac:spMkLst>
+        </pc:spChg>
+        <pc:spChg chg="add del">
+          <ac:chgData name="Diogo Rafael Cunha Pereira" userId="41356203-1e84-4d71-862d-57204f6122a5" providerId="ADAL" clId="{EB0910E8-0166-48ED-9D86-18BD82E0E789}" dt="2020-10-30T15:04:38.227" v="127" actId="26606"/>
+          <ac:spMkLst>
+            <pc:docMk/>
+            <pc:sldMk cId="2500282129" sldId="256"/>
+            <ac:spMk id="59" creationId="{599C8C75-BFDF-44E7-A028-EEB5EDD58817}"/>
+          </ac:spMkLst>
+        </pc:spChg>
+        <pc:spChg chg="add del">
+          <ac:chgData name="Diogo Rafael Cunha Pereira" userId="41356203-1e84-4d71-862d-57204f6122a5" providerId="ADAL" clId="{EB0910E8-0166-48ED-9D86-18BD82E0E789}" dt="2020-10-30T15:04:39.903" v="129" actId="26606"/>
+          <ac:spMkLst>
+            <pc:docMk/>
+            <pc:sldMk cId="2500282129" sldId="256"/>
+            <ac:spMk id="61" creationId="{75F4D120-3921-42A8-A063-46B023CB0CDA}"/>
+          </ac:spMkLst>
+        </pc:spChg>
+        <pc:spChg chg="add del">
+          <ac:chgData name="Diogo Rafael Cunha Pereira" userId="41356203-1e84-4d71-862d-57204f6122a5" providerId="ADAL" clId="{EB0910E8-0166-48ED-9D86-18BD82E0E789}" dt="2020-10-30T15:04:41.250" v="131" actId="26606"/>
+          <ac:spMkLst>
+            <pc:docMk/>
+            <pc:sldMk cId="2500282129" sldId="256"/>
+            <ac:spMk id="64" creationId="{87CC2527-562A-4F69-B487-4371E5B243E7}"/>
+          </ac:spMkLst>
+        </pc:spChg>
+        <pc:spChg chg="add del">
+          <ac:chgData name="Diogo Rafael Cunha Pereira" userId="41356203-1e84-4d71-862d-57204f6122a5" providerId="ADAL" clId="{EB0910E8-0166-48ED-9D86-18BD82E0E789}" dt="2020-10-30T15:04:43.157" v="133" actId="26606"/>
+          <ac:spMkLst>
+            <pc:docMk/>
+            <pc:sldMk cId="2500282129" sldId="256"/>
+            <ac:spMk id="67" creationId="{E49CC64F-7275-4E33-961B-0C5CDC439875}"/>
+          </ac:spMkLst>
+        </pc:spChg>
+        <pc:spChg chg="add del">
+          <ac:chgData name="Diogo Rafael Cunha Pereira" userId="41356203-1e84-4d71-862d-57204f6122a5" providerId="ADAL" clId="{EB0910E8-0166-48ED-9D86-18BD82E0E789}" dt="2020-10-30T15:04:44.730" v="135" actId="26606"/>
+          <ac:spMkLst>
+            <pc:docMk/>
+            <pc:sldMk cId="2500282129" sldId="256"/>
+            <ac:spMk id="69" creationId="{04A130CA-991E-4C92-A494-EB7D8666EFED}"/>
+          </ac:spMkLst>
+        </pc:spChg>
+        <pc:spChg chg="add del">
+          <ac:chgData name="Diogo Rafael Cunha Pereira" userId="41356203-1e84-4d71-862d-57204f6122a5" providerId="ADAL" clId="{EB0910E8-0166-48ED-9D86-18BD82E0E789}" dt="2020-10-30T15:04:44.730" v="135" actId="26606"/>
+          <ac:spMkLst>
+            <pc:docMk/>
+            <pc:sldMk cId="2500282129" sldId="256"/>
+            <ac:spMk id="70" creationId="{FC3C749F-9A26-4B1E-BC2E-572D03DF9593}"/>
+          </ac:spMkLst>
+        </pc:spChg>
+        <pc:spChg chg="add del">
+          <ac:chgData name="Diogo Rafael Cunha Pereira" userId="41356203-1e84-4d71-862d-57204f6122a5" providerId="ADAL" clId="{EB0910E8-0166-48ED-9D86-18BD82E0E789}" dt="2020-10-30T15:04:44.730" v="135" actId="26606"/>
+          <ac:spMkLst>
+            <pc:docMk/>
+            <pc:sldMk cId="2500282129" sldId="256"/>
+            <ac:spMk id="71" creationId="{F98D51C6-1188-49B8-B829-31D2C2813F10}"/>
+          </ac:spMkLst>
+        </pc:spChg>
+        <pc:spChg chg="add del">
+          <ac:chgData name="Diogo Rafael Cunha Pereira" userId="41356203-1e84-4d71-862d-57204f6122a5" providerId="ADAL" clId="{EB0910E8-0166-48ED-9D86-18BD82E0E789}" dt="2020-10-30T15:04:44.730" v="135" actId="26606"/>
+          <ac:spMkLst>
+            <pc:docMk/>
+            <pc:sldMk cId="2500282129" sldId="256"/>
+            <ac:spMk id="72" creationId="{456BA586-8922-4113-BD35-BBF1EB1A1F42}"/>
+          </ac:spMkLst>
+        </pc:spChg>
+        <pc:spChg chg="add del">
+          <ac:chgData name="Diogo Rafael Cunha Pereira" userId="41356203-1e84-4d71-862d-57204f6122a5" providerId="ADAL" clId="{EB0910E8-0166-48ED-9D86-18BD82E0E789}" dt="2020-10-30T15:04:44.730" v="135" actId="26606"/>
+          <ac:spMkLst>
+            <pc:docMk/>
+            <pc:sldMk cId="2500282129" sldId="256"/>
+            <ac:spMk id="73" creationId="{B497CCB5-5FC2-473C-AFCC-2430CEF1DF71}"/>
+          </ac:spMkLst>
+        </pc:spChg>
+        <pc:spChg chg="add del">
+          <ac:chgData name="Diogo Rafael Cunha Pereira" userId="41356203-1e84-4d71-862d-57204f6122a5" providerId="ADAL" clId="{EB0910E8-0166-48ED-9D86-18BD82E0E789}" dt="2020-10-30T15:04:44.730" v="135" actId="26606"/>
+          <ac:spMkLst>
+            <pc:docMk/>
+            <pc:sldMk cId="2500282129" sldId="256"/>
+            <ac:spMk id="74" creationId="{599C8C75-BFDF-44E7-A028-EEB5EDD58817}"/>
+          </ac:spMkLst>
+        </pc:spChg>
+        <pc:spChg chg="add del">
+          <ac:chgData name="Diogo Rafael Cunha Pereira" userId="41356203-1e84-4d71-862d-57204f6122a5" providerId="ADAL" clId="{EB0910E8-0166-48ED-9D86-18BD82E0E789}" dt="2020-10-30T15:04:49.995" v="137" actId="26606"/>
+          <ac:spMkLst>
+            <pc:docMk/>
+            <pc:sldMk cId="2500282129" sldId="256"/>
+            <ac:spMk id="76" creationId="{75F4D120-3921-42A8-A063-46B023CB0CDA}"/>
+          </ac:spMkLst>
+        </pc:spChg>
+        <pc:spChg chg="add del">
+          <ac:chgData name="Diogo Rafael Cunha Pereira" userId="41356203-1e84-4d71-862d-57204f6122a5" providerId="ADAL" clId="{EB0910E8-0166-48ED-9D86-18BD82E0E789}" dt="2020-10-30T15:04:53.100" v="139" actId="26606"/>
+          <ac:spMkLst>
+            <pc:docMk/>
+            <pc:sldMk cId="2500282129" sldId="256"/>
+            <ac:spMk id="79" creationId="{0671A8AE-40A1-4631-A6B8-581AFF065482}"/>
+          </ac:spMkLst>
+        </pc:spChg>
+        <pc:spChg chg="add del">
+          <ac:chgData name="Diogo Rafael Cunha Pereira" userId="41356203-1e84-4d71-862d-57204f6122a5" providerId="ADAL" clId="{EB0910E8-0166-48ED-9D86-18BD82E0E789}" dt="2020-10-30T15:04:53.100" v="139" actId="26606"/>
+          <ac:spMkLst>
+            <pc:docMk/>
+            <pc:sldMk cId="2500282129" sldId="256"/>
+            <ac:spMk id="80" creationId="{AB58EF07-17C2-48CF-ABB0-EEF1F17CB8F0}"/>
+          </ac:spMkLst>
+        </pc:spChg>
+        <pc:spChg chg="add del">
+          <ac:chgData name="Diogo Rafael Cunha Pereira" userId="41356203-1e84-4d71-862d-57204f6122a5" providerId="ADAL" clId="{EB0910E8-0166-48ED-9D86-18BD82E0E789}" dt="2020-10-30T15:04:53.100" v="139" actId="26606"/>
+          <ac:spMkLst>
+            <pc:docMk/>
+            <pc:sldMk cId="2500282129" sldId="256"/>
+            <ac:spMk id="81" creationId="{AF2F604E-43BE-4DC3-B983-E071523364F8}"/>
+          </ac:spMkLst>
+        </pc:spChg>
+        <pc:spChg chg="add del">
+          <ac:chgData name="Diogo Rafael Cunha Pereira" userId="41356203-1e84-4d71-862d-57204f6122a5" providerId="ADAL" clId="{EB0910E8-0166-48ED-9D86-18BD82E0E789}" dt="2020-10-30T15:04:53.100" v="139" actId="26606"/>
+          <ac:spMkLst>
+            <pc:docMk/>
+            <pc:sldMk cId="2500282129" sldId="256"/>
+            <ac:spMk id="82" creationId="{08C9B587-E65E-4B52-B37C-ABEBB6E87928}"/>
+          </ac:spMkLst>
+        </pc:spChg>
+        <pc:spChg chg="add">
+          <ac:chgData name="Diogo Rafael Cunha Pereira" userId="41356203-1e84-4d71-862d-57204f6122a5" providerId="ADAL" clId="{EB0910E8-0166-48ED-9D86-18BD82E0E789}" dt="2020-10-30T15:04:53.118" v="140" actId="26606"/>
+          <ac:spMkLst>
+            <pc:docMk/>
+            <pc:sldMk cId="2500282129" sldId="256"/>
+            <ac:spMk id="84" creationId="{75F4D120-3921-42A8-A063-46B023CB0CDA}"/>
+          </ac:spMkLst>
+        </pc:spChg>
+        <pc:picChg chg="mod ord">
+          <ac:chgData name="Diogo Rafael Cunha Pereira" userId="41356203-1e84-4d71-862d-57204f6122a5" providerId="ADAL" clId="{EB0910E8-0166-48ED-9D86-18BD82E0E789}" dt="2020-10-30T15:04:53.118" v="140" actId="26606"/>
+          <ac:picMkLst>
+            <pc:docMk/>
+            <pc:sldMk cId="2500282129" sldId="256"/>
+            <ac:picMk id="7" creationId="{1B5AA10B-FD34-4E28-84B3-D446C4D052E7}"/>
+          </ac:picMkLst>
+        </pc:picChg>
+        <pc:picChg chg="add del">
+          <ac:chgData name="Diogo Rafael Cunha Pereira" userId="41356203-1e84-4d71-862d-57204f6122a5" providerId="ADAL" clId="{EB0910E8-0166-48ED-9D86-18BD82E0E789}" dt="2020-10-30T15:04:30.705" v="121" actId="26606"/>
+          <ac:picMkLst>
+            <pc:docMk/>
+            <pc:sldMk cId="2500282129" sldId="256"/>
+            <ac:picMk id="44" creationId="{9D01B3E5-85F4-41A9-A504-D5E6268DEC1D}"/>
+          </ac:picMkLst>
+        </pc:picChg>
+        <pc:picChg chg="add del">
+          <ac:chgData name="Diogo Rafael Cunha Pereira" userId="41356203-1e84-4d71-862d-57204f6122a5" providerId="ADAL" clId="{EB0910E8-0166-48ED-9D86-18BD82E0E789}" dt="2020-10-30T15:04:36.603" v="125" actId="26606"/>
+          <ac:picMkLst>
+            <pc:docMk/>
+            <pc:sldMk cId="2500282129" sldId="256"/>
+            <ac:picMk id="52" creationId="{9D01B3E5-85F4-41A9-A504-D5E6268DEC1D}"/>
+          </ac:picMkLst>
+        </pc:picChg>
+        <pc:picChg chg="add del">
+          <ac:chgData name="Diogo Rafael Cunha Pereira" userId="41356203-1e84-4d71-862d-57204f6122a5" providerId="ADAL" clId="{EB0910E8-0166-48ED-9D86-18BD82E0E789}" dt="2020-10-30T15:04:39.903" v="129" actId="26606"/>
+          <ac:picMkLst>
+            <pc:docMk/>
+            <pc:sldMk cId="2500282129" sldId="256"/>
+            <ac:picMk id="62" creationId="{9D01B3E5-85F4-41A9-A504-D5E6268DEC1D}"/>
+          </ac:picMkLst>
+        </pc:picChg>
+        <pc:picChg chg="add del">
+          <ac:chgData name="Diogo Rafael Cunha Pereira" userId="41356203-1e84-4d71-862d-57204f6122a5" providerId="ADAL" clId="{EB0910E8-0166-48ED-9D86-18BD82E0E789}" dt="2020-10-30T15:04:49.995" v="137" actId="26606"/>
+          <ac:picMkLst>
+            <pc:docMk/>
+            <pc:sldMk cId="2500282129" sldId="256"/>
+            <ac:picMk id="77" creationId="{9D01B3E5-85F4-41A9-A504-D5E6268DEC1D}"/>
+          </ac:picMkLst>
+        </pc:picChg>
+        <pc:picChg chg="add">
+          <ac:chgData name="Diogo Rafael Cunha Pereira" userId="41356203-1e84-4d71-862d-57204f6122a5" providerId="ADAL" clId="{EB0910E8-0166-48ED-9D86-18BD82E0E789}" dt="2020-10-30T15:04:53.118" v="140" actId="26606"/>
+          <ac:picMkLst>
+            <pc:docMk/>
+            <pc:sldMk cId="2500282129" sldId="256"/>
+            <ac:picMk id="85" creationId="{9D01B3E5-85F4-41A9-A504-D5E6268DEC1D}"/>
+          </ac:picMkLst>
+        </pc:picChg>
+        <pc:cxnChg chg="add del">
+          <ac:chgData name="Diogo Rafael Cunha Pereira" userId="41356203-1e84-4d71-862d-57204f6122a5" providerId="ADAL" clId="{EB0910E8-0166-48ED-9D86-18BD82E0E789}" dt="2020-10-30T15:04:20.718" v="111" actId="26606"/>
+          <ac:cxnSpMkLst>
+            <pc:docMk/>
+            <pc:sldMk cId="2500282129" sldId="256"/>
+            <ac:cxnSpMk id="29" creationId="{BCDAEC91-5BCE-4B55-9CC0-43EF94CB734B}"/>
+          </ac:cxnSpMkLst>
+        </pc:cxnChg>
+        <pc:cxnChg chg="add del">
+          <ac:chgData name="Diogo Rafael Cunha Pereira" userId="41356203-1e84-4d71-862d-57204f6122a5" providerId="ADAL" clId="{EB0910E8-0166-48ED-9D86-18BD82E0E789}" dt="2020-10-30T15:04:23.861" v="115" actId="26606"/>
+          <ac:cxnSpMkLst>
+            <pc:docMk/>
+            <pc:sldMk cId="2500282129" sldId="256"/>
+            <ac:cxnSpMk id="34" creationId="{BCDAEC91-5BCE-4B55-9CC0-43EF94CB734B}"/>
+          </ac:cxnSpMkLst>
+        </pc:cxnChg>
+        <pc:cxnChg chg="add del">
+          <ac:chgData name="Diogo Rafael Cunha Pereira" userId="41356203-1e84-4d71-862d-57204f6122a5" providerId="ADAL" clId="{EB0910E8-0166-48ED-9D86-18BD82E0E789}" dt="2020-10-30T15:04:41.250" v="131" actId="26606"/>
+          <ac:cxnSpMkLst>
+            <pc:docMk/>
+            <pc:sldMk cId="2500282129" sldId="256"/>
+            <ac:cxnSpMk id="65" creationId="{BCDAEC91-5BCE-4B55-9CC0-43EF94CB734B}"/>
+          </ac:cxnSpMkLst>
+        </pc:cxnChg>
+      </pc:sldChg>
+      <pc:sldChg chg="addSp delSp modSp mod setBg modNotesTx">
+        <pc:chgData name="Diogo Rafael Cunha Pereira" userId="41356203-1e84-4d71-862d-57204f6122a5" providerId="ADAL" clId="{EB0910E8-0166-48ED-9D86-18BD82E0E789}" dt="2020-10-30T15:12:47.138" v="306" actId="26606"/>
+        <pc:sldMkLst>
+          <pc:docMk/>
+          <pc:sldMk cId="3762453940" sldId="259"/>
+        </pc:sldMkLst>
+        <pc:spChg chg="mod">
+          <ac:chgData name="Diogo Rafael Cunha Pereira" userId="41356203-1e84-4d71-862d-57204f6122a5" providerId="ADAL" clId="{EB0910E8-0166-48ED-9D86-18BD82E0E789}" dt="2020-10-30T15:12:47.138" v="306" actId="26606"/>
+          <ac:spMkLst>
+            <pc:docMk/>
+            <pc:sldMk cId="3762453940" sldId="259"/>
+            <ac:spMk id="2" creationId="{175403C1-EA1D-4CE1-9D1F-3ACF49F11E67}"/>
+          </ac:spMkLst>
+        </pc:spChg>
+        <pc:spChg chg="mod">
+          <ac:chgData name="Diogo Rafael Cunha Pereira" userId="41356203-1e84-4d71-862d-57204f6122a5" providerId="ADAL" clId="{EB0910E8-0166-48ED-9D86-18BD82E0E789}" dt="2020-10-30T15:12:47.138" v="306" actId="26606"/>
+          <ac:spMkLst>
+            <pc:docMk/>
+            <pc:sldMk cId="3762453940" sldId="259"/>
+            <ac:spMk id="3" creationId="{C0CF6C28-3764-4749-8231-6E7CE40BB8DA}"/>
+          </ac:spMkLst>
+        </pc:spChg>
+        <pc:spChg chg="add del">
+          <ac:chgData name="Diogo Rafael Cunha Pereira" userId="41356203-1e84-4d71-862d-57204f6122a5" providerId="ADAL" clId="{EB0910E8-0166-48ED-9D86-18BD82E0E789}" dt="2020-10-30T15:12:42.620" v="299" actId="26606"/>
+          <ac:spMkLst>
+            <pc:docMk/>
+            <pc:sldMk cId="3762453940" sldId="259"/>
+            <ac:spMk id="8" creationId="{3B854194-185D-494D-905C-7C7CB2E30F6E}"/>
+          </ac:spMkLst>
+        </pc:spChg>
+        <pc:spChg chg="add del">
+          <ac:chgData name="Diogo Rafael Cunha Pereira" userId="41356203-1e84-4d71-862d-57204f6122a5" providerId="ADAL" clId="{EB0910E8-0166-48ED-9D86-18BD82E0E789}" dt="2020-10-30T15:12:42.620" v="299" actId="26606"/>
+          <ac:spMkLst>
+            <pc:docMk/>
+            <pc:sldMk cId="3762453940" sldId="259"/>
+            <ac:spMk id="10" creationId="{B4F5FA0D-0104-4987-8241-EFF7C85B88DE}"/>
+          </ac:spMkLst>
+        </pc:spChg>
+        <pc:spChg chg="add del">
+          <ac:chgData name="Diogo Rafael Cunha Pereira" userId="41356203-1e84-4d71-862d-57204f6122a5" providerId="ADAL" clId="{EB0910E8-0166-48ED-9D86-18BD82E0E789}" dt="2020-10-30T15:12:45.838" v="301" actId="26606"/>
+          <ac:spMkLst>
+            <pc:docMk/>
+            <pc:sldMk cId="3762453940" sldId="259"/>
+            <ac:spMk id="14" creationId="{4351DFE5-F63D-4BE0-BDA9-E3EB88F01AA5}"/>
+          </ac:spMkLst>
+        </pc:spChg>
+        <pc:spChg chg="add del">
+          <ac:chgData name="Diogo Rafael Cunha Pereira" userId="41356203-1e84-4d71-862d-57204f6122a5" providerId="ADAL" clId="{EB0910E8-0166-48ED-9D86-18BD82E0E789}" dt="2020-10-30T15:12:46.236" v="303" actId="26606"/>
+          <ac:spMkLst>
+            <pc:docMk/>
+            <pc:sldMk cId="3762453940" sldId="259"/>
+            <ac:spMk id="17" creationId="{3B854194-185D-494D-905C-7C7CB2E30F6E}"/>
+          </ac:spMkLst>
+        </pc:spChg>
+        <pc:spChg chg="add del">
+          <ac:chgData name="Diogo Rafael Cunha Pereira" userId="41356203-1e84-4d71-862d-57204f6122a5" providerId="ADAL" clId="{EB0910E8-0166-48ED-9D86-18BD82E0E789}" dt="2020-10-30T15:12:46.236" v="303" actId="26606"/>
+          <ac:spMkLst>
+            <pc:docMk/>
+            <pc:sldMk cId="3762453940" sldId="259"/>
+            <ac:spMk id="18" creationId="{B4F5FA0D-0104-4987-8241-EFF7C85B88DE}"/>
+          </ac:spMkLst>
+        </pc:spChg>
+        <pc:spChg chg="add del">
+          <ac:chgData name="Diogo Rafael Cunha Pereira" userId="41356203-1e84-4d71-862d-57204f6122a5" providerId="ADAL" clId="{EB0910E8-0166-48ED-9D86-18BD82E0E789}" dt="2020-10-30T15:12:47.127" v="305" actId="26606"/>
+          <ac:spMkLst>
+            <pc:docMk/>
+            <pc:sldMk cId="3762453940" sldId="259"/>
+            <ac:spMk id="21" creationId="{081EA652-8C6A-4E69-BEB9-170809474553}"/>
+          </ac:spMkLst>
+        </pc:spChg>
+        <pc:spChg chg="add del">
+          <ac:chgData name="Diogo Rafael Cunha Pereira" userId="41356203-1e84-4d71-862d-57204f6122a5" providerId="ADAL" clId="{EB0910E8-0166-48ED-9D86-18BD82E0E789}" dt="2020-10-30T15:12:47.127" v="305" actId="26606"/>
+          <ac:spMkLst>
+            <pc:docMk/>
+            <pc:sldMk cId="3762453940" sldId="259"/>
+            <ac:spMk id="22" creationId="{5298780A-33B9-4EA2-8F67-DE68AD62841B}"/>
+          </ac:spMkLst>
+        </pc:spChg>
+        <pc:spChg chg="add del">
+          <ac:chgData name="Diogo Rafael Cunha Pereira" userId="41356203-1e84-4d71-862d-57204f6122a5" providerId="ADAL" clId="{EB0910E8-0166-48ED-9D86-18BD82E0E789}" dt="2020-10-30T15:12:47.127" v="305" actId="26606"/>
+          <ac:spMkLst>
+            <pc:docMk/>
+            <pc:sldMk cId="3762453940" sldId="259"/>
+            <ac:spMk id="23" creationId="{7F488E8B-4E1E-4402-8935-D4E6C02615C7}"/>
+          </ac:spMkLst>
+        </pc:spChg>
+        <pc:spChg chg="add">
+          <ac:chgData name="Diogo Rafael Cunha Pereira" userId="41356203-1e84-4d71-862d-57204f6122a5" providerId="ADAL" clId="{EB0910E8-0166-48ED-9D86-18BD82E0E789}" dt="2020-10-30T15:12:47.138" v="306" actId="26606"/>
+          <ac:spMkLst>
+            <pc:docMk/>
+            <pc:sldMk cId="3762453940" sldId="259"/>
+            <ac:spMk id="26" creationId="{3B854194-185D-494D-905C-7C7CB2E30F6E}"/>
+          </ac:spMkLst>
+        </pc:spChg>
+        <pc:spChg chg="add">
+          <ac:chgData name="Diogo Rafael Cunha Pereira" userId="41356203-1e84-4d71-862d-57204f6122a5" providerId="ADAL" clId="{EB0910E8-0166-48ED-9D86-18BD82E0E789}" dt="2020-10-30T15:12:47.138" v="306" actId="26606"/>
+          <ac:spMkLst>
+            <pc:docMk/>
+            <pc:sldMk cId="3762453940" sldId="259"/>
+            <ac:spMk id="27" creationId="{B4F5FA0D-0104-4987-8241-EFF7C85B88DE}"/>
+          </ac:spMkLst>
+        </pc:spChg>
+        <pc:picChg chg="add del">
+          <ac:chgData name="Diogo Rafael Cunha Pereira" userId="41356203-1e84-4d71-862d-57204f6122a5" providerId="ADAL" clId="{EB0910E8-0166-48ED-9D86-18BD82E0E789}" dt="2020-10-30T15:12:42.620" v="299" actId="26606"/>
+          <ac:picMkLst>
+            <pc:docMk/>
+            <pc:sldMk cId="3762453940" sldId="259"/>
+            <ac:picMk id="12" creationId="{2897127E-6CEF-446C-BE87-93B7C46E49D1}"/>
+          </ac:picMkLst>
+        </pc:picChg>
+        <pc:picChg chg="add del">
+          <ac:chgData name="Diogo Rafael Cunha Pereira" userId="41356203-1e84-4d71-862d-57204f6122a5" providerId="ADAL" clId="{EB0910E8-0166-48ED-9D86-18BD82E0E789}" dt="2020-10-30T15:12:45.838" v="301" actId="26606"/>
+          <ac:picMkLst>
+            <pc:docMk/>
+            <pc:sldMk cId="3762453940" sldId="259"/>
+            <ac:picMk id="15" creationId="{3AA16612-ACD2-4A16-8F2B-4514FD6BF28F}"/>
+          </ac:picMkLst>
+        </pc:picChg>
+        <pc:picChg chg="add del">
+          <ac:chgData name="Diogo Rafael Cunha Pereira" userId="41356203-1e84-4d71-862d-57204f6122a5" providerId="ADAL" clId="{EB0910E8-0166-48ED-9D86-18BD82E0E789}" dt="2020-10-30T15:12:46.236" v="303" actId="26606"/>
+          <ac:picMkLst>
+            <pc:docMk/>
+            <pc:sldMk cId="3762453940" sldId="259"/>
+            <ac:picMk id="19" creationId="{2897127E-6CEF-446C-BE87-93B7C46E49D1}"/>
+          </ac:picMkLst>
+        </pc:picChg>
+        <pc:picChg chg="add">
+          <ac:chgData name="Diogo Rafael Cunha Pereira" userId="41356203-1e84-4d71-862d-57204f6122a5" providerId="ADAL" clId="{EB0910E8-0166-48ED-9D86-18BD82E0E789}" dt="2020-10-30T15:12:47.138" v="306" actId="26606"/>
+          <ac:picMkLst>
+            <pc:docMk/>
+            <pc:sldMk cId="3762453940" sldId="259"/>
+            <ac:picMk id="28" creationId="{2897127E-6CEF-446C-BE87-93B7C46E49D1}"/>
+          </ac:picMkLst>
+        </pc:picChg>
+        <pc:cxnChg chg="add del">
+          <ac:chgData name="Diogo Rafael Cunha Pereira" userId="41356203-1e84-4d71-862d-57204f6122a5" providerId="ADAL" clId="{EB0910E8-0166-48ED-9D86-18BD82E0E789}" dt="2020-10-30T15:12:47.127" v="305" actId="26606"/>
+          <ac:cxnSpMkLst>
+            <pc:docMk/>
+            <pc:sldMk cId="3762453940" sldId="259"/>
+            <ac:cxnSpMk id="24" creationId="{23AAC9B5-8015-485C-ACF9-A750390E9A56}"/>
+          </ac:cxnSpMkLst>
+        </pc:cxnChg>
+      </pc:sldChg>
+      <pc:sldChg chg="addSp delSp modSp mod setBg setClrOvrMap modNotesTx">
+        <pc:chgData name="Diogo Rafael Cunha Pereira" userId="41356203-1e84-4d71-862d-57204f6122a5" providerId="ADAL" clId="{EB0910E8-0166-48ED-9D86-18BD82E0E789}" dt="2020-10-30T16:18:18.192" v="810" actId="20577"/>
+        <pc:sldMkLst>
+          <pc:docMk/>
+          <pc:sldMk cId="964660544" sldId="260"/>
+        </pc:sldMkLst>
+        <pc:spChg chg="del">
+          <ac:chgData name="Diogo Rafael Cunha Pereira" userId="41356203-1e84-4d71-862d-57204f6122a5" providerId="ADAL" clId="{EB0910E8-0166-48ED-9D86-18BD82E0E789}" dt="2020-10-30T14:57:42.213" v="35" actId="478"/>
+          <ac:spMkLst>
+            <pc:docMk/>
+            <pc:sldMk cId="964660544" sldId="260"/>
+            <ac:spMk id="2" creationId="{8EF850C3-13B9-48C8-9564-225F2593A2FE}"/>
+          </ac:spMkLst>
+        </pc:spChg>
+        <pc:spChg chg="del">
+          <ac:chgData name="Diogo Rafael Cunha Pereira" userId="41356203-1e84-4d71-862d-57204f6122a5" providerId="ADAL" clId="{EB0910E8-0166-48ED-9D86-18BD82E0E789}" dt="2020-10-30T14:57:19.627" v="31" actId="478"/>
+          <ac:spMkLst>
+            <pc:docMk/>
+            <pc:sldMk cId="964660544" sldId="260"/>
+            <ac:spMk id="3" creationId="{61DFC2F3-527C-4369-BBA8-0D0C86C69566}"/>
+          </ac:spMkLst>
+        </pc:spChg>
+        <pc:spChg chg="add del mod">
+          <ac:chgData name="Diogo Rafael Cunha Pereira" userId="41356203-1e84-4d71-862d-57204f6122a5" providerId="ADAL" clId="{EB0910E8-0166-48ED-9D86-18BD82E0E789}" dt="2020-10-30T14:57:45.245" v="36" actId="478"/>
+          <ac:spMkLst>
+            <pc:docMk/>
+            <pc:sldMk cId="964660544" sldId="260"/>
+            <ac:spMk id="7" creationId="{5AFC857F-B410-442D-B18D-7C4846448BDE}"/>
+          </ac:spMkLst>
+        </pc:spChg>
+        <pc:spChg chg="add del">
+          <ac:chgData name="Diogo Rafael Cunha Pereira" userId="41356203-1e84-4d71-862d-57204f6122a5" providerId="ADAL" clId="{EB0910E8-0166-48ED-9D86-18BD82E0E789}" dt="2020-10-30T15:03:38.680" v="108" actId="26606"/>
+          <ac:spMkLst>
+            <pc:docMk/>
+            <pc:sldMk cId="964660544" sldId="260"/>
+            <ac:spMk id="8" creationId="{32BC26D8-82FB-445E-AA49-62A77D7C1EE0}"/>
+          </ac:spMkLst>
+        </pc:spChg>
+        <pc:spChg chg="add del">
+          <ac:chgData name="Diogo Rafael Cunha Pereira" userId="41356203-1e84-4d71-862d-57204f6122a5" providerId="ADAL" clId="{EB0910E8-0166-48ED-9D86-18BD82E0E789}" dt="2020-10-30T15:03:38.680" v="108" actId="26606"/>
+          <ac:spMkLst>
+            <pc:docMk/>
+            <pc:sldMk cId="964660544" sldId="260"/>
+            <ac:spMk id="9" creationId="{CB44330D-EA18-4254-AA95-EB49948539B8}"/>
+          </ac:spMkLst>
+        </pc:spChg>
+        <pc:spChg chg="add del">
+          <ac:chgData name="Diogo Rafael Cunha Pereira" userId="41356203-1e84-4d71-862d-57204f6122a5" providerId="ADAL" clId="{EB0910E8-0166-48ED-9D86-18BD82E0E789}" dt="2020-10-30T15:03:23.579" v="86" actId="26606"/>
+          <ac:spMkLst>
+            <pc:docMk/>
+            <pc:sldMk cId="964660544" sldId="260"/>
+            <ac:spMk id="10" creationId="{6EE0B6E2-7CE8-4D86-87FC-4B58A7D8E759}"/>
+          </ac:spMkLst>
+        </pc:spChg>
+        <pc:spChg chg="add del">
+          <ac:chgData name="Diogo Rafael Cunha Pereira" userId="41356203-1e84-4d71-862d-57204f6122a5" providerId="ADAL" clId="{EB0910E8-0166-48ED-9D86-18BD82E0E789}" dt="2020-10-30T15:10:40.921" v="273" actId="26606"/>
+          <ac:spMkLst>
+            <pc:docMk/>
+            <pc:sldMk cId="964660544" sldId="260"/>
+            <ac:spMk id="11" creationId="{F3060C83-F051-4F0E-ABAD-AA0DFC48B218}"/>
+          </ac:spMkLst>
+        </pc:spChg>
+        <pc:spChg chg="add del">
+          <ac:chgData name="Diogo Rafael Cunha Pereira" userId="41356203-1e84-4d71-862d-57204f6122a5" providerId="ADAL" clId="{EB0910E8-0166-48ED-9D86-18BD82E0E789}" dt="2020-10-30T15:03:24.362" v="88" actId="26606"/>
+          <ac:spMkLst>
+            <pc:docMk/>
+            <pc:sldMk cId="964660544" sldId="260"/>
+            <ac:spMk id="12" creationId="{42A4FC2C-047E-45A5-965D-8E1E3BF09BC6}"/>
+          </ac:spMkLst>
+        </pc:spChg>
+        <pc:spChg chg="add del">
+          <ac:chgData name="Diogo Rafael Cunha Pereira" userId="41356203-1e84-4d71-862d-57204f6122a5" providerId="ADAL" clId="{EB0910E8-0166-48ED-9D86-18BD82E0E789}" dt="2020-10-30T15:10:40.921" v="273" actId="26606"/>
+          <ac:spMkLst>
+            <pc:docMk/>
+            <pc:sldMk cId="964660544" sldId="260"/>
+            <ac:spMk id="13" creationId="{83C98ABE-055B-441F-B07E-44F97F083C39}"/>
+          </ac:spMkLst>
+        </pc:spChg>
+        <pc:spChg chg="add del">
+          <ac:chgData name="Diogo Rafael Cunha Pereira" userId="41356203-1e84-4d71-862d-57204f6122a5" providerId="ADAL" clId="{EB0910E8-0166-48ED-9D86-18BD82E0E789}" dt="2020-10-30T15:03:26.199" v="90" actId="26606"/>
+          <ac:spMkLst>
+            <pc:docMk/>
+            <pc:sldMk cId="964660544" sldId="260"/>
+            <ac:spMk id="14" creationId="{5F879AC3-D4CE-493C-ADC7-06205677F4F8}"/>
+          </ac:spMkLst>
+        </pc:spChg>
+        <pc:spChg chg="add del">
+          <ac:chgData name="Diogo Rafael Cunha Pereira" userId="41356203-1e84-4d71-862d-57204f6122a5" providerId="ADAL" clId="{EB0910E8-0166-48ED-9D86-18BD82E0E789}" dt="2020-10-30T15:03:26.199" v="90" actId="26606"/>
+          <ac:spMkLst>
+            <pc:docMk/>
+            <pc:sldMk cId="964660544" sldId="260"/>
+            <ac:spMk id="15" creationId="{736F0DFD-0954-464F-BF12-DD2E6F6E0380}"/>
+          </ac:spMkLst>
+        </pc:spChg>
+        <pc:spChg chg="add del">
+          <ac:chgData name="Diogo Rafael Cunha Pereira" userId="41356203-1e84-4d71-862d-57204f6122a5" providerId="ADAL" clId="{EB0910E8-0166-48ED-9D86-18BD82E0E789}" dt="2020-10-30T15:10:40.921" v="273" actId="26606"/>
+          <ac:spMkLst>
+            <pc:docMk/>
+            <pc:sldMk cId="964660544" sldId="260"/>
+            <ac:spMk id="16" creationId="{3783CA14-24A1-485C-8B30-D6A5D87987AD}"/>
+          </ac:spMkLst>
+        </pc:spChg>
+        <pc:spChg chg="add del">
+          <ac:chgData name="Diogo Rafael Cunha Pereira" userId="41356203-1e84-4d71-862d-57204f6122a5" providerId="ADAL" clId="{EB0910E8-0166-48ED-9D86-18BD82E0E789}" dt="2020-10-30T15:03:28.059" v="92" actId="26606"/>
+          <ac:spMkLst>
+            <pc:docMk/>
+            <pc:sldMk cId="964660544" sldId="260"/>
+            <ac:spMk id="17" creationId="{42A4FC2C-047E-45A5-965D-8E1E3BF09BC6}"/>
+          </ac:spMkLst>
+        </pc:spChg>
+        <pc:spChg chg="add del">
+          <ac:chgData name="Diogo Rafael Cunha Pereira" userId="41356203-1e84-4d71-862d-57204f6122a5" providerId="ADAL" clId="{EB0910E8-0166-48ED-9D86-18BD82E0E789}" dt="2020-10-30T15:10:40.921" v="273" actId="26606"/>
+          <ac:spMkLst>
+            <pc:docMk/>
+            <pc:sldMk cId="964660544" sldId="260"/>
+            <ac:spMk id="18" creationId="{9A97C86A-04D6-40F7-AE84-31AB43E6A846}"/>
+          </ac:spMkLst>
+        </pc:spChg>
+        <pc:spChg chg="add del">
+          <ac:chgData name="Diogo Rafael Cunha Pereira" userId="41356203-1e84-4d71-862d-57204f6122a5" providerId="ADAL" clId="{EB0910E8-0166-48ED-9D86-18BD82E0E789}" dt="2020-10-30T15:03:30.136" v="94" actId="26606"/>
+          <ac:spMkLst>
+            <pc:docMk/>
+            <pc:sldMk cId="964660544" sldId="260"/>
+            <ac:spMk id="19" creationId="{DA2E7C1E-2B5A-4BBA-AE51-1CD8C19309D7}"/>
+          </ac:spMkLst>
+        </pc:spChg>
+        <pc:spChg chg="add del">
+          <ac:chgData name="Diogo Rafael Cunha Pereira" userId="41356203-1e84-4d71-862d-57204f6122a5" providerId="ADAL" clId="{EB0910E8-0166-48ED-9D86-18BD82E0E789}" dt="2020-10-30T15:03:30.136" v="94" actId="26606"/>
+          <ac:spMkLst>
+            <pc:docMk/>
+            <pc:sldMk cId="964660544" sldId="260"/>
+            <ac:spMk id="20" creationId="{43DF76B1-5174-4FAF-9D19-FFEE98426836}"/>
+          </ac:spMkLst>
+        </pc:spChg>
+        <pc:spChg chg="add del">
+          <ac:chgData name="Diogo Rafael Cunha Pereira" userId="41356203-1e84-4d71-862d-57204f6122a5" providerId="ADAL" clId="{EB0910E8-0166-48ED-9D86-18BD82E0E789}" dt="2020-10-30T15:10:40.921" v="273" actId="26606"/>
+          <ac:spMkLst>
+            <pc:docMk/>
+            <pc:sldMk cId="964660544" sldId="260"/>
+            <ac:spMk id="21" creationId="{29FDB030-9B49-4CED-8CCD-4D99382388AC}"/>
+          </ac:spMkLst>
+        </pc:spChg>
+        <pc:spChg chg="add del">
+          <ac:chgData name="Diogo Rafael Cunha Pereira" userId="41356203-1e84-4d71-862d-57204f6122a5" providerId="ADAL" clId="{EB0910E8-0166-48ED-9D86-18BD82E0E789}" dt="2020-10-30T15:03:31.156" v="96" actId="26606"/>
+          <ac:spMkLst>
+            <pc:docMk/>
+            <pc:sldMk cId="964660544" sldId="260"/>
+            <ac:spMk id="22" creationId="{69D184B2-2226-4E31-BCCB-444330767440}"/>
+          </ac:spMkLst>
+        </pc:spChg>
+        <pc:spChg chg="add del">
+          <ac:chgData name="Diogo Rafael Cunha Pereira" userId="41356203-1e84-4d71-862d-57204f6122a5" providerId="ADAL" clId="{EB0910E8-0166-48ED-9D86-18BD82E0E789}" dt="2020-10-30T15:03:31.156" v="96" actId="26606"/>
+          <ac:spMkLst>
+            <pc:docMk/>
+            <pc:sldMk cId="964660544" sldId="260"/>
+            <ac:spMk id="23" creationId="{1AC4D4E3-486A-464A-8EC8-D44881097267}"/>
+          </ac:spMkLst>
+        </pc:spChg>
+        <pc:spChg chg="add del">
+          <ac:chgData name="Diogo Rafael Cunha Pereira" userId="41356203-1e84-4d71-862d-57204f6122a5" providerId="ADAL" clId="{EB0910E8-0166-48ED-9D86-18BD82E0E789}" dt="2020-10-30T15:03:31.156" v="96" actId="26606"/>
+          <ac:spMkLst>
+            <pc:docMk/>
+            <pc:sldMk cId="964660544" sldId="260"/>
+            <ac:spMk id="24" creationId="{864DE13E-58EB-4475-B79C-0D4FC651239B}"/>
+          </ac:spMkLst>
+        </pc:spChg>
+        <pc:spChg chg="add del">
+          <ac:chgData name="Diogo Rafael Cunha Pereira" userId="41356203-1e84-4d71-862d-57204f6122a5" providerId="ADAL" clId="{EB0910E8-0166-48ED-9D86-18BD82E0E789}" dt="2020-10-30T15:10:40.921" v="273" actId="26606"/>
+          <ac:spMkLst>
+            <pc:docMk/>
+            <pc:sldMk cId="964660544" sldId="260"/>
+            <ac:spMk id="25" creationId="{FF9F2414-84E8-453E-B1F3-389FDE8192D9}"/>
+          </ac:spMkLst>
+        </pc:spChg>
+        <pc:spChg chg="add del">
+          <ac:chgData name="Diogo Rafael Cunha Pereira" userId="41356203-1e84-4d71-862d-57204f6122a5" providerId="ADAL" clId="{EB0910E8-0166-48ED-9D86-18BD82E0E789}" dt="2020-10-30T15:03:32.192" v="98" actId="26606"/>
+          <ac:spMkLst>
+            <pc:docMk/>
+            <pc:sldMk cId="964660544" sldId="260"/>
+            <ac:spMk id="26" creationId="{CA815F2C-4E80-4019-8E59-FAD3F7F8473D}"/>
+          </ac:spMkLst>
+        </pc:spChg>
+        <pc:spChg chg="add del">
+          <ac:chgData name="Diogo Rafael Cunha Pereira" userId="41356203-1e84-4d71-862d-57204f6122a5" providerId="ADAL" clId="{EB0910E8-0166-48ED-9D86-18BD82E0E789}" dt="2020-10-30T15:10:40.921" v="273" actId="26606"/>
+          <ac:spMkLst>
+            <pc:docMk/>
+            <pc:sldMk cId="964660544" sldId="260"/>
+            <ac:spMk id="27" creationId="{3ECA69A1-7536-43AC-85EF-C7106179F5ED}"/>
+          </ac:spMkLst>
+        </pc:spChg>
+        <pc:spChg chg="add del">
+          <ac:chgData name="Diogo Rafael Cunha Pereira" userId="41356203-1e84-4d71-862d-57204f6122a5" providerId="ADAL" clId="{EB0910E8-0166-48ED-9D86-18BD82E0E789}" dt="2020-10-30T15:03:33.795" v="100" actId="26606"/>
+          <ac:spMkLst>
+            <pc:docMk/>
+            <pc:sldMk cId="964660544" sldId="260"/>
+            <ac:spMk id="28" creationId="{69D184B2-2226-4E31-BCCB-444330767440}"/>
+          </ac:spMkLst>
+        </pc:spChg>
+        <pc:spChg chg="add del">
+          <ac:chgData name="Diogo Rafael Cunha Pereira" userId="41356203-1e84-4d71-862d-57204f6122a5" providerId="ADAL" clId="{EB0910E8-0166-48ED-9D86-18BD82E0E789}" dt="2020-10-30T15:03:33.795" v="100" actId="26606"/>
+          <ac:spMkLst>
+            <pc:docMk/>
+            <pc:sldMk cId="964660544" sldId="260"/>
+            <ac:spMk id="29" creationId="{1AC4D4E3-486A-464A-8EC8-D44881097267}"/>
+          </ac:spMkLst>
+        </pc:spChg>
+        <pc:spChg chg="add del">
+          <ac:chgData name="Diogo Rafael Cunha Pereira" userId="41356203-1e84-4d71-862d-57204f6122a5" providerId="ADAL" clId="{EB0910E8-0166-48ED-9D86-18BD82E0E789}" dt="2020-10-30T15:03:33.795" v="100" actId="26606"/>
+          <ac:spMkLst>
+            <pc:docMk/>
+            <pc:sldMk cId="964660544" sldId="260"/>
+            <ac:spMk id="30" creationId="{864DE13E-58EB-4475-B79C-0D4FC651239B}"/>
+          </ac:spMkLst>
+        </pc:spChg>
+        <pc:spChg chg="add del">
+          <ac:chgData name="Diogo Rafael Cunha Pereira" userId="41356203-1e84-4d71-862d-57204f6122a5" providerId="ADAL" clId="{EB0910E8-0166-48ED-9D86-18BD82E0E789}" dt="2020-10-30T15:10:16.383" v="240" actId="26606"/>
+          <ac:spMkLst>
+            <pc:docMk/>
+            <pc:sldMk cId="964660544" sldId="260"/>
+            <ac:spMk id="31" creationId="{01D0AF59-99C3-4251-AB9A-C966C6AD4400}"/>
+          </ac:spMkLst>
+        </pc:spChg>
+        <pc:spChg chg="add del">
+          <ac:chgData name="Diogo Rafael Cunha Pereira" userId="41356203-1e84-4d71-862d-57204f6122a5" providerId="ADAL" clId="{EB0910E8-0166-48ED-9D86-18BD82E0E789}" dt="2020-10-30T15:03:34.981" v="102" actId="26606"/>
+          <ac:spMkLst>
+            <pc:docMk/>
+            <pc:sldMk cId="964660544" sldId="260"/>
+            <ac:spMk id="32" creationId="{CA815F2C-4E80-4019-8E59-FAD3F7F8473D}"/>
+          </ac:spMkLst>
+        </pc:spChg>
+        <pc:spChg chg="add del">
+          <ac:chgData name="Diogo Rafael Cunha Pereira" userId="41356203-1e84-4d71-862d-57204f6122a5" providerId="ADAL" clId="{EB0910E8-0166-48ED-9D86-18BD82E0E789}" dt="2020-10-30T15:10:16.383" v="240" actId="26606"/>
+          <ac:spMkLst>
+            <pc:docMk/>
+            <pc:sldMk cId="964660544" sldId="260"/>
+            <ac:spMk id="33" creationId="{1855405F-37A2-4869-9154-F8BE3BECE6C3}"/>
+          </ac:spMkLst>
+        </pc:spChg>
+        <pc:spChg chg="add del">
+          <ac:chgData name="Diogo Rafael Cunha Pereira" userId="41356203-1e84-4d71-862d-57204f6122a5" providerId="ADAL" clId="{EB0910E8-0166-48ED-9D86-18BD82E0E789}" dt="2020-10-30T15:03:37.021" v="104" actId="26606"/>
+          <ac:spMkLst>
+            <pc:docMk/>
+            <pc:sldMk cId="964660544" sldId="260"/>
+            <ac:spMk id="34" creationId="{57845966-6EFC-468A-9CC7-BAB4B95854E7}"/>
+          </ac:spMkLst>
+        </pc:spChg>
+        <pc:spChg chg="add del">
+          <ac:chgData name="Diogo Rafael Cunha Pereira" userId="41356203-1e84-4d71-862d-57204f6122a5" providerId="ADAL" clId="{EB0910E8-0166-48ED-9D86-18BD82E0E789}" dt="2020-10-30T15:03:37.021" v="104" actId="26606"/>
+          <ac:spMkLst>
+            <pc:docMk/>
+            <pc:sldMk cId="964660544" sldId="260"/>
+            <ac:spMk id="36" creationId="{ADAD1991-FFD1-4E94-ABAB-7560D33008E4}"/>
+          </ac:spMkLst>
+        </pc:spChg>
+        <pc:spChg chg="add del">
+          <ac:chgData name="Diogo Rafael Cunha Pereira" userId="41356203-1e84-4d71-862d-57204f6122a5" providerId="ADAL" clId="{EB0910E8-0166-48ED-9D86-18BD82E0E789}" dt="2020-10-30T15:10:17.981" v="242" actId="26606"/>
+          <ac:spMkLst>
+            <pc:docMk/>
+            <pc:sldMk cId="964660544" sldId="260"/>
+            <ac:spMk id="37" creationId="{86FF76B9-219D-4469-AF87-0236D29032F1}"/>
+          </ac:spMkLst>
+        </pc:spChg>
+        <pc:spChg chg="add del">
+          <ac:chgData name="Diogo Rafael Cunha Pereira" userId="41356203-1e84-4d71-862d-57204f6122a5" providerId="ADAL" clId="{EB0910E8-0166-48ED-9D86-18BD82E0E789}" dt="2020-10-30T15:10:17.981" v="242" actId="26606"/>
+          <ac:spMkLst>
+            <pc:docMk/>
+            <pc:sldMk cId="964660544" sldId="260"/>
+            <ac:spMk id="38" creationId="{2E80C965-DB6D-4F81-9E9E-B027384D0BD6}"/>
+          </ac:spMkLst>
+        </pc:spChg>
+        <pc:spChg chg="add del">
+          <ac:chgData name="Diogo Rafael Cunha Pereira" userId="41356203-1e84-4d71-862d-57204f6122a5" providerId="ADAL" clId="{EB0910E8-0166-48ED-9D86-18BD82E0E789}" dt="2020-10-30T15:10:17.981" v="242" actId="26606"/>
+          <ac:spMkLst>
+            <pc:docMk/>
+            <pc:sldMk cId="964660544" sldId="260"/>
+            <ac:spMk id="40" creationId="{633C5E46-DAC5-4661-9C87-22B08E2A512F}"/>
+          </ac:spMkLst>
+        </pc:spChg>
+        <pc:spChg chg="add del">
+          <ac:chgData name="Diogo Rafael Cunha Pereira" userId="41356203-1e84-4d71-862d-57204f6122a5" providerId="ADAL" clId="{EB0910E8-0166-48ED-9D86-18BD82E0E789}" dt="2020-10-30T15:10:23.013" v="248" actId="26606"/>
+          <ac:spMkLst>
+            <pc:docMk/>
+            <pc:sldMk cId="964660544" sldId="260"/>
+            <ac:spMk id="41" creationId="{32BC26D8-82FB-445E-AA49-62A77D7C1EE0}"/>
+          </ac:spMkLst>
+        </pc:spChg>
+        <pc:spChg chg="add del">
+          <ac:chgData name="Diogo Rafael Cunha Pereira" userId="41356203-1e84-4d71-862d-57204f6122a5" providerId="ADAL" clId="{EB0910E8-0166-48ED-9D86-18BD82E0E789}" dt="2020-10-30T15:10:23.013" v="248" actId="26606"/>
+          <ac:spMkLst>
+            <pc:docMk/>
+            <pc:sldMk cId="964660544" sldId="260"/>
+            <ac:spMk id="42" creationId="{CB44330D-EA18-4254-AA95-EB49948539B8}"/>
+          </ac:spMkLst>
+        </pc:spChg>
+        <pc:spChg chg="add del">
+          <ac:chgData name="Diogo Rafael Cunha Pereira" userId="41356203-1e84-4d71-862d-57204f6122a5" providerId="ADAL" clId="{EB0910E8-0166-48ED-9D86-18BD82E0E789}" dt="2020-10-30T15:10:20.642" v="244" actId="26606"/>
+          <ac:spMkLst>
+            <pc:docMk/>
+            <pc:sldMk cId="964660544" sldId="260"/>
+            <ac:spMk id="44" creationId="{57845966-6EFC-468A-9CC7-BAB4B95854E7}"/>
+          </ac:spMkLst>
+        </pc:spChg>
+        <pc:spChg chg="add del">
+          <ac:chgData name="Diogo Rafael Cunha Pereira" userId="41356203-1e84-4d71-862d-57204f6122a5" providerId="ADAL" clId="{EB0910E8-0166-48ED-9D86-18BD82E0E789}" dt="2020-10-30T15:10:20.642" v="244" actId="26606"/>
+          <ac:spMkLst>
+            <pc:docMk/>
+            <pc:sldMk cId="964660544" sldId="260"/>
+            <ac:spMk id="46" creationId="{ADAD1991-FFD1-4E94-ABAB-7560D33008E4}"/>
+          </ac:spMkLst>
+        </pc:spChg>
+        <pc:spChg chg="add del">
+          <ac:chgData name="Diogo Rafael Cunha Pereira" userId="41356203-1e84-4d71-862d-57204f6122a5" providerId="ADAL" clId="{EB0910E8-0166-48ED-9D86-18BD82E0E789}" dt="2020-10-30T15:10:23.966" v="250" actId="26606"/>
+          <ac:spMkLst>
+            <pc:docMk/>
+            <pc:sldMk cId="964660544" sldId="260"/>
+            <ac:spMk id="47" creationId="{69D184B2-2226-4E31-BCCB-444330767440}"/>
+          </ac:spMkLst>
+        </pc:spChg>
+        <pc:spChg chg="add del">
+          <ac:chgData name="Diogo Rafael Cunha Pereira" userId="41356203-1e84-4d71-862d-57204f6122a5" providerId="ADAL" clId="{EB0910E8-0166-48ED-9D86-18BD82E0E789}" dt="2020-10-30T15:10:23.966" v="250" actId="26606"/>
+          <ac:spMkLst>
+            <pc:docMk/>
+            <pc:sldMk cId="964660544" sldId="260"/>
+            <ac:spMk id="48" creationId="{1AC4D4E3-486A-464A-8EC8-D44881097267}"/>
+          </ac:spMkLst>
+        </pc:spChg>
+        <pc:spChg chg="add del">
+          <ac:chgData name="Diogo Rafael Cunha Pereira" userId="41356203-1e84-4d71-862d-57204f6122a5" providerId="ADAL" clId="{EB0910E8-0166-48ED-9D86-18BD82E0E789}" dt="2020-10-30T15:10:23.966" v="250" actId="26606"/>
+          <ac:spMkLst>
+            <pc:docMk/>
+            <pc:sldMk cId="964660544" sldId="260"/>
+            <ac:spMk id="49" creationId="{864DE13E-58EB-4475-B79C-0D4FC651239B}"/>
+          </ac:spMkLst>
+        </pc:spChg>
+        <pc:spChg chg="add del">
+          <ac:chgData name="Diogo Rafael Cunha Pereira" userId="41356203-1e84-4d71-862d-57204f6122a5" providerId="ADAL" clId="{EB0910E8-0166-48ED-9D86-18BD82E0E789}" dt="2020-10-30T15:10:25.864" v="252" actId="26606"/>
+          <ac:spMkLst>
+            <pc:docMk/>
+            <pc:sldMk cId="964660544" sldId="260"/>
+            <ac:spMk id="51" creationId="{CA815F2C-4E80-4019-8E59-FAD3F7F8473D}"/>
+          </ac:spMkLst>
+        </pc:spChg>
+        <pc:spChg chg="add del">
+          <ac:chgData name="Diogo Rafael Cunha Pereira" userId="41356203-1e84-4d71-862d-57204f6122a5" providerId="ADAL" clId="{EB0910E8-0166-48ED-9D86-18BD82E0E789}" dt="2020-10-30T15:10:27.011" v="254" actId="26606"/>
+          <ac:spMkLst>
+            <pc:docMk/>
+            <pc:sldMk cId="964660544" sldId="260"/>
+            <ac:spMk id="53" creationId="{46D6306C-ED4F-4AAE-B4A5-EEA6AFAD726E}"/>
+          </ac:spMkLst>
+        </pc:spChg>
+        <pc:spChg chg="add del">
+          <ac:chgData name="Diogo Rafael Cunha Pereira" userId="41356203-1e84-4d71-862d-57204f6122a5" providerId="ADAL" clId="{EB0910E8-0166-48ED-9D86-18BD82E0E789}" dt="2020-10-30T15:10:27.011" v="254" actId="26606"/>
+          <ac:spMkLst>
+            <pc:docMk/>
+            <pc:sldMk cId="964660544" sldId="260"/>
+            <ac:spMk id="54" creationId="{0EC5361D-F897-4856-B945-0455A365EB24}"/>
+          </ac:spMkLst>
+        </pc:spChg>
+        <pc:spChg chg="add del">
+          <ac:chgData name="Diogo Rafael Cunha Pereira" userId="41356203-1e84-4d71-862d-57204f6122a5" providerId="ADAL" clId="{EB0910E8-0166-48ED-9D86-18BD82E0E789}" dt="2020-10-30T15:10:27.011" v="254" actId="26606"/>
+          <ac:spMkLst>
+            <pc:docMk/>
+            <pc:sldMk cId="964660544" sldId="260"/>
+            <ac:spMk id="55" creationId="{4508C0C5-2268-42B5-B3C8-4D0899E05F8C}"/>
+          </ac:spMkLst>
+        </pc:spChg>
+        <pc:spChg chg="add del">
+          <ac:chgData name="Diogo Rafael Cunha Pereira" userId="41356203-1e84-4d71-862d-57204f6122a5" providerId="ADAL" clId="{EB0910E8-0166-48ED-9D86-18BD82E0E789}" dt="2020-10-30T15:10:27.011" v="254" actId="26606"/>
+          <ac:spMkLst>
+            <pc:docMk/>
+            <pc:sldMk cId="964660544" sldId="260"/>
+            <ac:spMk id="56" creationId="{141ACBDB-38F8-4B34-8183-BD95B4E55A62}"/>
+          </ac:spMkLst>
+        </pc:spChg>
+        <pc:spChg chg="add del">
+          <ac:chgData name="Diogo Rafael Cunha Pereira" userId="41356203-1e84-4d71-862d-57204f6122a5" providerId="ADAL" clId="{EB0910E8-0166-48ED-9D86-18BD82E0E789}" dt="2020-10-30T15:10:27.011" v="254" actId="26606"/>
+          <ac:spMkLst>
+            <pc:docMk/>
+            <pc:sldMk cId="964660544" sldId="260"/>
+            <ac:spMk id="57" creationId="{DE00DB52-3455-4E2F-867B-A6D0516E175B}"/>
+          </ac:spMkLst>
+        </pc:spChg>
+        <pc:spChg chg="add del">
+          <ac:chgData name="Diogo Rafael Cunha Pereira" userId="41356203-1e84-4d71-862d-57204f6122a5" providerId="ADAL" clId="{EB0910E8-0166-48ED-9D86-18BD82E0E789}" dt="2020-10-30T15:10:27.011" v="254" actId="26606"/>
+          <ac:spMkLst>
+            <pc:docMk/>
+            <pc:sldMk cId="964660544" sldId="260"/>
+            <ac:spMk id="58" creationId="{9E914C83-E0D8-4953-92D5-169D28CB43AE}"/>
+          </ac:spMkLst>
+        </pc:spChg>
+        <pc:spChg chg="add del">
+          <ac:chgData name="Diogo Rafael Cunha Pereira" userId="41356203-1e84-4d71-862d-57204f6122a5" providerId="ADAL" clId="{EB0910E8-0166-48ED-9D86-18BD82E0E789}" dt="2020-10-30T15:10:27.011" v="254" actId="26606"/>
+          <ac:spMkLst>
+            <pc:docMk/>
+            <pc:sldMk cId="964660544" sldId="260"/>
+            <ac:spMk id="59" creationId="{3512E083-F550-46AF-8490-767ECFD00CB7}"/>
+          </ac:spMkLst>
+        </pc:spChg>
+        <pc:spChg chg="add del">
+          <ac:chgData name="Diogo Rafael Cunha Pereira" userId="41356203-1e84-4d71-862d-57204f6122a5" providerId="ADAL" clId="{EB0910E8-0166-48ED-9D86-18BD82E0E789}" dt="2020-10-30T15:10:30.741" v="256" actId="26606"/>
+          <ac:spMkLst>
+            <pc:docMk/>
+            <pc:sldMk cId="964660544" sldId="260"/>
+            <ac:spMk id="61" creationId="{3B432D73-5C38-474F-AF96-A3228731BF36}"/>
+          </ac:spMkLst>
+        </pc:spChg>
+        <pc:spChg chg="add del">
+          <ac:chgData name="Diogo Rafael Cunha Pereira" userId="41356203-1e84-4d71-862d-57204f6122a5" providerId="ADAL" clId="{EB0910E8-0166-48ED-9D86-18BD82E0E789}" dt="2020-10-30T15:10:33.626" v="258" actId="26606"/>
+          <ac:spMkLst>
+            <pc:docMk/>
+            <pc:sldMk cId="964660544" sldId="260"/>
+            <ac:spMk id="63" creationId="{46D6306C-ED4F-4AAE-B4A5-EEA6AFAD726E}"/>
+          </ac:spMkLst>
+        </pc:spChg>
+        <pc:spChg chg="add del">
+          <ac:chgData name="Diogo Rafael Cunha Pereira" userId="41356203-1e84-4d71-862d-57204f6122a5" providerId="ADAL" clId="{EB0910E8-0166-48ED-9D86-18BD82E0E789}" dt="2020-10-30T15:10:33.626" v="258" actId="26606"/>
+          <ac:spMkLst>
+            <pc:docMk/>
+            <pc:sldMk cId="964660544" sldId="260"/>
+            <ac:spMk id="64" creationId="{0EC5361D-F897-4856-B945-0455A365EB24}"/>
+          </ac:spMkLst>
+        </pc:spChg>
+        <pc:spChg chg="add del">
+          <ac:chgData name="Diogo Rafael Cunha Pereira" userId="41356203-1e84-4d71-862d-57204f6122a5" providerId="ADAL" clId="{EB0910E8-0166-48ED-9D86-18BD82E0E789}" dt="2020-10-30T15:10:33.626" v="258" actId="26606"/>
+          <ac:spMkLst>
+            <pc:docMk/>
+            <pc:sldMk cId="964660544" sldId="260"/>
+            <ac:spMk id="65" creationId="{4508C0C5-2268-42B5-B3C8-4D0899E05F8C}"/>
+          </ac:spMkLst>
+        </pc:spChg>
+        <pc:spChg chg="add del">
+          <ac:chgData name="Diogo Rafael Cunha Pereira" userId="41356203-1e84-4d71-862d-57204f6122a5" providerId="ADAL" clId="{EB0910E8-0166-48ED-9D86-18BD82E0E789}" dt="2020-10-30T15:10:33.626" v="258" actId="26606"/>
+          <ac:spMkLst>
+            <pc:docMk/>
+            <pc:sldMk cId="964660544" sldId="260"/>
+            <ac:spMk id="66" creationId="{141ACBDB-38F8-4B34-8183-BD95B4E55A62}"/>
+          </ac:spMkLst>
+        </pc:spChg>
+        <pc:spChg chg="add del">
+          <ac:chgData name="Diogo Rafael Cunha Pereira" userId="41356203-1e84-4d71-862d-57204f6122a5" providerId="ADAL" clId="{EB0910E8-0166-48ED-9D86-18BD82E0E789}" dt="2020-10-30T15:10:33.626" v="258" actId="26606"/>
+          <ac:spMkLst>
+            <pc:docMk/>
+            <pc:sldMk cId="964660544" sldId="260"/>
+            <ac:spMk id="67" creationId="{DE00DB52-3455-4E2F-867B-A6D0516E175B}"/>
+          </ac:spMkLst>
+        </pc:spChg>
+        <pc:spChg chg="add del">
+          <ac:chgData name="Diogo Rafael Cunha Pereira" userId="41356203-1e84-4d71-862d-57204f6122a5" providerId="ADAL" clId="{EB0910E8-0166-48ED-9D86-18BD82E0E789}" dt="2020-10-30T15:10:33.626" v="258" actId="26606"/>
+          <ac:spMkLst>
+            <pc:docMk/>
+            <pc:sldMk cId="964660544" sldId="260"/>
+            <ac:spMk id="68" creationId="{9E914C83-E0D8-4953-92D5-169D28CB43AE}"/>
+          </ac:spMkLst>
+        </pc:spChg>
+        <pc:spChg chg="add del">
+          <ac:chgData name="Diogo Rafael Cunha Pereira" userId="41356203-1e84-4d71-862d-57204f6122a5" providerId="ADAL" clId="{EB0910E8-0166-48ED-9D86-18BD82E0E789}" dt="2020-10-30T15:10:33.626" v="258" actId="26606"/>
+          <ac:spMkLst>
+            <pc:docMk/>
+            <pc:sldMk cId="964660544" sldId="260"/>
+            <ac:spMk id="69" creationId="{3512E083-F550-46AF-8490-767ECFD00CB7}"/>
+          </ac:spMkLst>
+        </pc:spChg>
+        <pc:spChg chg="add del">
+          <ac:chgData name="Diogo Rafael Cunha Pereira" userId="41356203-1e84-4d71-862d-57204f6122a5" providerId="ADAL" clId="{EB0910E8-0166-48ED-9D86-18BD82E0E789}" dt="2020-10-30T15:10:34.308" v="260" actId="26606"/>
+          <ac:spMkLst>
+            <pc:docMk/>
+            <pc:sldMk cId="964660544" sldId="260"/>
+            <ac:spMk id="71" creationId="{AB8C311F-7253-4AED-9701-7FC0708C41C7}"/>
+          </ac:spMkLst>
+        </pc:spChg>
+        <pc:spChg chg="add del">
+          <ac:chgData name="Diogo Rafael Cunha Pereira" userId="41356203-1e84-4d71-862d-57204f6122a5" providerId="ADAL" clId="{EB0910E8-0166-48ED-9D86-18BD82E0E789}" dt="2020-10-30T15:10:34.308" v="260" actId="26606"/>
+          <ac:spMkLst>
+            <pc:docMk/>
+            <pc:sldMk cId="964660544" sldId="260"/>
+            <ac:spMk id="72" creationId="{E2384209-CB15-4CDF-9D31-C44FD9A3F20D}"/>
+          </ac:spMkLst>
+        </pc:spChg>
+        <pc:spChg chg="add del">
+          <ac:chgData name="Diogo Rafael Cunha Pereira" userId="41356203-1e84-4d71-862d-57204f6122a5" providerId="ADAL" clId="{EB0910E8-0166-48ED-9D86-18BD82E0E789}" dt="2020-10-30T15:10:34.308" v="260" actId="26606"/>
+          <ac:spMkLst>
+            <pc:docMk/>
+            <pc:sldMk cId="964660544" sldId="260"/>
+            <ac:spMk id="73" creationId="{2633B3B5-CC90-43F0-8714-D31D1F3F0209}"/>
+          </ac:spMkLst>
+        </pc:spChg>
+        <pc:spChg chg="add del">
+          <ac:chgData name="Diogo Rafael Cunha Pereira" userId="41356203-1e84-4d71-862d-57204f6122a5" providerId="ADAL" clId="{EB0910E8-0166-48ED-9D86-18BD82E0E789}" dt="2020-10-30T15:10:34.308" v="260" actId="26606"/>
+          <ac:spMkLst>
+            <pc:docMk/>
+            <pc:sldMk cId="964660544" sldId="260"/>
+            <ac:spMk id="74" creationId="{A8D57A06-A426-446D-B02C-A2DC6B62E45E}"/>
+          </ac:spMkLst>
+        </pc:spChg>
+        <pc:spChg chg="add del">
+          <ac:chgData name="Diogo Rafael Cunha Pereira" userId="41356203-1e84-4d71-862d-57204f6122a5" providerId="ADAL" clId="{EB0910E8-0166-48ED-9D86-18BD82E0E789}" dt="2020-10-30T15:10:35.306" v="262" actId="26606"/>
+          <ac:spMkLst>
+            <pc:docMk/>
+            <pc:sldMk cId="964660544" sldId="260"/>
+            <ac:spMk id="76" creationId="{1500B4A4-B1F1-41EA-886A-B8A210DBCA3B}"/>
+          </ac:spMkLst>
+        </pc:spChg>
+        <pc:spChg chg="add del">
+          <ac:chgData name="Diogo Rafael Cunha Pereira" userId="41356203-1e84-4d71-862d-57204f6122a5" providerId="ADAL" clId="{EB0910E8-0166-48ED-9D86-18BD82E0E789}" dt="2020-10-30T15:10:35.306" v="262" actId="26606"/>
+          <ac:spMkLst>
+            <pc:docMk/>
+            <pc:sldMk cId="964660544" sldId="260"/>
+            <ac:spMk id="77" creationId="{5E55A99C-0BDC-4DBE-8E40-9FA66F629FA1}"/>
+          </ac:spMkLst>
+        </pc:spChg>
+        <pc:spChg chg="add del">
+          <ac:chgData name="Diogo Rafael Cunha Pereira" userId="41356203-1e84-4d71-862d-57204f6122a5" providerId="ADAL" clId="{EB0910E8-0166-48ED-9D86-18BD82E0E789}" dt="2020-10-30T15:13:01.263" v="308" actId="26606"/>
+          <ac:spMkLst>
+            <pc:docMk/>
+            <pc:sldMk cId="964660544" sldId="260"/>
+            <ac:spMk id="78" creationId="{CB44330D-EA18-4254-AA95-EB49948539B8}"/>
+          </ac:spMkLst>
+        </pc:spChg>
+        <pc:spChg chg="add del">
+          <ac:chgData name="Diogo Rafael Cunha Pereira" userId="41356203-1e84-4d71-862d-57204f6122a5" providerId="ADAL" clId="{EB0910E8-0166-48ED-9D86-18BD82E0E789}" dt="2020-10-30T15:10:36.252" v="264" actId="26606"/>
+          <ac:spMkLst>
+            <pc:docMk/>
+            <pc:sldMk cId="964660544" sldId="260"/>
+            <ac:spMk id="79" creationId="{22F15A2D-2324-487D-A02A-BF46C5C580EB}"/>
+          </ac:spMkLst>
+        </pc:spChg>
+        <pc:spChg chg="add del">
+          <ac:chgData name="Diogo Rafael Cunha Pereira" userId="41356203-1e84-4d71-862d-57204f6122a5" providerId="ADAL" clId="{EB0910E8-0166-48ED-9D86-18BD82E0E789}" dt="2020-10-30T15:10:36.252" v="264" actId="26606"/>
+          <ac:spMkLst>
+            <pc:docMk/>
+            <pc:sldMk cId="964660544" sldId="260"/>
+            <ac:spMk id="80" creationId="{17A7F34E-D418-47E2-9F86-2C45BBC31210}"/>
+          </ac:spMkLst>
+        </pc:spChg>
+        <pc:spChg chg="add del">
+          <ac:chgData name="Diogo Rafael Cunha Pereira" userId="41356203-1e84-4d71-862d-57204f6122a5" providerId="ADAL" clId="{EB0910E8-0166-48ED-9D86-18BD82E0E789}" dt="2020-10-30T15:10:36.252" v="264" actId="26606"/>
+          <ac:spMkLst>
+            <pc:docMk/>
+            <pc:sldMk cId="964660544" sldId="260"/>
+            <ac:spMk id="81" creationId="{2AEAFA59-923A-4F54-8B49-44C970BCC323}"/>
+          </ac:spMkLst>
+        </pc:spChg>
+        <pc:spChg chg="add del">
+          <ac:chgData name="Diogo Rafael Cunha Pereira" userId="41356203-1e84-4d71-862d-57204f6122a5" providerId="ADAL" clId="{EB0910E8-0166-48ED-9D86-18BD82E0E789}" dt="2020-10-30T15:13:11.396" v="312" actId="26606"/>
+          <ac:spMkLst>
+            <pc:docMk/>
+            <pc:sldMk cId="964660544" sldId="260"/>
+            <ac:spMk id="82" creationId="{A8D57A06-A426-446D-B02C-A2DC6B62E45E}"/>
+          </ac:spMkLst>
+        </pc:spChg>
+        <pc:spChg chg="add del">
+          <ac:chgData name="Diogo Rafael Cunha Pereira" userId="41356203-1e84-4d71-862d-57204f6122a5" providerId="ADAL" clId="{EB0910E8-0166-48ED-9D86-18BD82E0E789}" dt="2020-10-30T15:10:37.113" v="266" actId="26606"/>
+          <ac:spMkLst>
+            <pc:docMk/>
+            <pc:sldMk cId="964660544" sldId="260"/>
+            <ac:spMk id="83" creationId="{B649E800-A5C8-49A0-A453-ED537DA3156A}"/>
+          </ac:spMkLst>
+        </pc:spChg>
+        <pc:spChg chg="add del">
+          <ac:chgData name="Diogo Rafael Cunha Pereira" userId="41356203-1e84-4d71-862d-57204f6122a5" providerId="ADAL" clId="{EB0910E8-0166-48ED-9D86-18BD82E0E789}" dt="2020-10-30T15:10:37.113" v="266" actId="26606"/>
+          <ac:spMkLst>
+            <pc:docMk/>
+            <pc:sldMk cId="964660544" sldId="260"/>
+            <ac:spMk id="84" creationId="{8BA67DD7-B75D-4A30-90A4-EEA9F64AF11B}"/>
+          </ac:spMkLst>
+        </pc:spChg>
+        <pc:spChg chg="add del">
+          <ac:chgData name="Diogo Rafael Cunha Pereira" userId="41356203-1e84-4d71-862d-57204f6122a5" providerId="ADAL" clId="{EB0910E8-0166-48ED-9D86-18BD82E0E789}" dt="2020-10-30T15:33:44.246" v="606" actId="26606"/>
+          <ac:spMkLst>
+            <pc:docMk/>
+            <pc:sldMk cId="964660544" sldId="260"/>
+            <ac:spMk id="87" creationId="{29FDB030-9B49-4CED-8CCD-4D99382388AC}"/>
+          </ac:spMkLst>
+        </pc:spChg>
+        <pc:spChg chg="add del">
+          <ac:chgData name="Diogo Rafael Cunha Pereira" userId="41356203-1e84-4d71-862d-57204f6122a5" providerId="ADAL" clId="{EB0910E8-0166-48ED-9D86-18BD82E0E789}" dt="2020-10-30T15:10:39.648" v="270" actId="26606"/>
+          <ac:spMkLst>
+            <pc:docMk/>
+            <pc:sldMk cId="964660544" sldId="260"/>
+            <ac:spMk id="91" creationId="{216BB327-7AA9-4EC5-815F-9D8E6BC53E34}"/>
+          </ac:spMkLst>
+        </pc:spChg>
+        <pc:spChg chg="add del">
+          <ac:chgData name="Diogo Rafael Cunha Pereira" userId="41356203-1e84-4d71-862d-57204f6122a5" providerId="ADAL" clId="{EB0910E8-0166-48ED-9D86-18BD82E0E789}" dt="2020-10-30T15:10:40.901" v="272" actId="26606"/>
+          <ac:spMkLst>
+            <pc:docMk/>
+            <pc:sldMk cId="964660544" sldId="260"/>
+            <ac:spMk id="93" creationId="{0B761509-3B9A-49A6-A84B-C3D86811697D}"/>
+          </ac:spMkLst>
+        </pc:spChg>
+        <pc:spChg chg="add del">
+          <ac:chgData name="Diogo Rafael Cunha Pereira" userId="41356203-1e84-4d71-862d-57204f6122a5" providerId="ADAL" clId="{EB0910E8-0166-48ED-9D86-18BD82E0E789}" dt="2020-10-30T15:10:40.901" v="272" actId="26606"/>
+          <ac:spMkLst>
+            <pc:docMk/>
+            <pc:sldMk cId="964660544" sldId="260"/>
+            <ac:spMk id="94" creationId="{91DE43FD-EB47-414A-B0AB-169B0FFFA527}"/>
+          </ac:spMkLst>
+        </pc:spChg>
+        <pc:spChg chg="add del">
+          <ac:chgData name="Diogo Rafael Cunha Pereira" userId="41356203-1e84-4d71-862d-57204f6122a5" providerId="ADAL" clId="{EB0910E8-0166-48ED-9D86-18BD82E0E789}" dt="2020-10-30T15:12:21.560" v="297" actId="26606"/>
+          <ac:spMkLst>
+            <pc:docMk/>
+            <pc:sldMk cId="964660544" sldId="260"/>
+            <ac:spMk id="99" creationId="{5F879AC3-D4CE-493C-ADC7-06205677F4F8}"/>
+          </ac:spMkLst>
+        </pc:spChg>
+        <pc:spChg chg="add del">
+          <ac:chgData name="Diogo Rafael Cunha Pereira" userId="41356203-1e84-4d71-862d-57204f6122a5" providerId="ADAL" clId="{EB0910E8-0166-48ED-9D86-18BD82E0E789}" dt="2020-10-30T15:12:21.560" v="297" actId="26606"/>
+          <ac:spMkLst>
+            <pc:docMk/>
+            <pc:sldMk cId="964660544" sldId="260"/>
+            <ac:spMk id="100" creationId="{736F0DFD-0954-464F-BF12-DD2E6F6E0380}"/>
+          </ac:spMkLst>
+        </pc:spChg>
+        <pc:spChg chg="add del">
+          <ac:chgData name="Diogo Rafael Cunha Pereira" userId="41356203-1e84-4d71-862d-57204f6122a5" providerId="ADAL" clId="{EB0910E8-0166-48ED-9D86-18BD82E0E789}" dt="2020-10-30T15:12:12.094" v="290" actId="26606"/>
+          <ac:spMkLst>
+            <pc:docMk/>
+            <pc:sldMk cId="964660544" sldId="260"/>
+            <ac:spMk id="105" creationId="{46D6306C-ED4F-4AAE-B4A5-EEA6AFAD726E}"/>
+          </ac:spMkLst>
+        </pc:spChg>
+        <pc:spChg chg="add del">
+          <ac:chgData name="Diogo Rafael Cunha Pereira" userId="41356203-1e84-4d71-862d-57204f6122a5" providerId="ADAL" clId="{EB0910E8-0166-48ED-9D86-18BD82E0E789}" dt="2020-10-30T15:12:12.094" v="290" actId="26606"/>
+          <ac:spMkLst>
+            <pc:docMk/>
+            <pc:sldMk cId="964660544" sldId="260"/>
+            <ac:spMk id="107" creationId="{0EC5361D-F897-4856-B945-0455A365EB24}"/>
+          </ac:spMkLst>
+        </pc:spChg>
+        <pc:spChg chg="add del">
+          <ac:chgData name="Diogo Rafael Cunha Pereira" userId="41356203-1e84-4d71-862d-57204f6122a5" providerId="ADAL" clId="{EB0910E8-0166-48ED-9D86-18BD82E0E789}" dt="2020-10-30T15:12:12.094" v="290" actId="26606"/>
+          <ac:spMkLst>
+            <pc:docMk/>
+            <pc:sldMk cId="964660544" sldId="260"/>
+            <ac:spMk id="109" creationId="{4508C0C5-2268-42B5-B3C8-4D0899E05F8C}"/>
+          </ac:spMkLst>
+        </pc:spChg>
+        <pc:spChg chg="add del">
+          <ac:chgData name="Diogo Rafael Cunha Pereira" userId="41356203-1e84-4d71-862d-57204f6122a5" providerId="ADAL" clId="{EB0910E8-0166-48ED-9D86-18BD82E0E789}" dt="2020-10-30T15:12:12.094" v="290" actId="26606"/>
+          <ac:spMkLst>
+            <pc:docMk/>
+            <pc:sldMk cId="964660544" sldId="260"/>
+            <ac:spMk id="111" creationId="{141ACBDB-38F8-4B34-8183-BD95B4E55A62}"/>
+          </ac:spMkLst>
+        </pc:spChg>
+        <pc:spChg chg="add del">
+          <ac:chgData name="Diogo Rafael Cunha Pereira" userId="41356203-1e84-4d71-862d-57204f6122a5" providerId="ADAL" clId="{EB0910E8-0166-48ED-9D86-18BD82E0E789}" dt="2020-10-30T15:12:12.094" v="290" actId="26606"/>
+          <ac:spMkLst>
+            <pc:docMk/>
+            <pc:sldMk cId="964660544" sldId="260"/>
+            <ac:spMk id="113" creationId="{DE00DB52-3455-4E2F-867B-A6D0516E175B}"/>
+          </ac:spMkLst>
+        </pc:spChg>
+        <pc:spChg chg="add del">
+          <ac:chgData name="Diogo Rafael Cunha Pereira" userId="41356203-1e84-4d71-862d-57204f6122a5" providerId="ADAL" clId="{EB0910E8-0166-48ED-9D86-18BD82E0E789}" dt="2020-10-30T15:12:12.094" v="290" actId="26606"/>
+          <ac:spMkLst>
+            <pc:docMk/>
+            <pc:sldMk cId="964660544" sldId="260"/>
+            <ac:spMk id="115" creationId="{9E914C83-E0D8-4953-92D5-169D28CB43AE}"/>
+          </ac:spMkLst>
+        </pc:spChg>
+        <pc:spChg chg="add del">
+          <ac:chgData name="Diogo Rafael Cunha Pereira" userId="41356203-1e84-4d71-862d-57204f6122a5" providerId="ADAL" clId="{EB0910E8-0166-48ED-9D86-18BD82E0E789}" dt="2020-10-30T15:12:12.094" v="290" actId="26606"/>
+          <ac:spMkLst>
+            <pc:docMk/>
+            <pc:sldMk cId="964660544" sldId="260"/>
+            <ac:spMk id="117" creationId="{3512E083-F550-46AF-8490-767ECFD00CB7}"/>
+          </ac:spMkLst>
+        </pc:spChg>
+        <pc:spChg chg="add del">
+          <ac:chgData name="Diogo Rafael Cunha Pereira" userId="41356203-1e84-4d71-862d-57204f6122a5" providerId="ADAL" clId="{EB0910E8-0166-48ED-9D86-18BD82E0E789}" dt="2020-10-30T15:12:18.370" v="292" actId="26606"/>
+          <ac:spMkLst>
+            <pc:docMk/>
+            <pc:sldMk cId="964660544" sldId="260"/>
+            <ac:spMk id="119" creationId="{86FF76B9-219D-4469-AF87-0236D29032F1}"/>
+          </ac:spMkLst>
+        </pc:spChg>
+        <pc:spChg chg="add del">
+          <ac:chgData name="Diogo Rafael Cunha Pereira" userId="41356203-1e84-4d71-862d-57204f6122a5" providerId="ADAL" clId="{EB0910E8-0166-48ED-9D86-18BD82E0E789}" dt="2020-10-30T15:12:18.370" v="292" actId="26606"/>
+          <ac:spMkLst>
+            <pc:docMk/>
+            <pc:sldMk cId="964660544" sldId="260"/>
+            <ac:spMk id="122" creationId="{2E80C965-DB6D-4F81-9E9E-B027384D0BD6}"/>
+          </ac:spMkLst>
+        </pc:spChg>
+        <pc:spChg chg="add del">
+          <ac:chgData name="Diogo Rafael Cunha Pereira" userId="41356203-1e84-4d71-862d-57204f6122a5" providerId="ADAL" clId="{EB0910E8-0166-48ED-9D86-18BD82E0E789}" dt="2020-10-30T15:12:18.370" v="292" actId="26606"/>
+          <ac:spMkLst>
+            <pc:docMk/>
+            <pc:sldMk cId="964660544" sldId="260"/>
+            <ac:spMk id="123" creationId="{633C5E46-DAC5-4661-9C87-22B08E2A512F}"/>
+          </ac:spMkLst>
+        </pc:spChg>
+        <pc:spChg chg="add del">
+          <ac:chgData name="Diogo Rafael Cunha Pereira" userId="41356203-1e84-4d71-862d-57204f6122a5" providerId="ADAL" clId="{EB0910E8-0166-48ED-9D86-18BD82E0E789}" dt="2020-10-30T15:12:19.841" v="294" actId="26606"/>
+          <ac:spMkLst>
+            <pc:docMk/>
+            <pc:sldMk cId="964660544" sldId="260"/>
+            <ac:spMk id="125" creationId="{216BB327-7AA9-4EC5-815F-9D8E6BC53E34}"/>
+          </ac:spMkLst>
+        </pc:spChg>
+        <pc:spChg chg="add del">
+          <ac:chgData name="Diogo Rafael Cunha Pereira" userId="41356203-1e84-4d71-862d-57204f6122a5" providerId="ADAL" clId="{EB0910E8-0166-48ED-9D86-18BD82E0E789}" dt="2020-10-30T15:12:21.552" v="296" actId="26606"/>
+          <ac:spMkLst>
+            <pc:docMk/>
+            <pc:sldMk cId="964660544" sldId="260"/>
+            <ac:spMk id="127" creationId="{AB8C311F-7253-4AED-9701-7FC0708C41C7}"/>
+          </ac:spMkLst>
+        </pc:spChg>
+        <pc:spChg chg="add del">
+          <ac:chgData name="Diogo Rafael Cunha Pereira" userId="41356203-1e84-4d71-862d-57204f6122a5" providerId="ADAL" clId="{EB0910E8-0166-48ED-9D86-18BD82E0E789}" dt="2020-10-30T15:12:21.552" v="296" actId="26606"/>
+          <ac:spMkLst>
+            <pc:docMk/>
+            <pc:sldMk cId="964660544" sldId="260"/>
+            <ac:spMk id="128" creationId="{E2384209-CB15-4CDF-9D31-C44FD9A3F20D}"/>
+          </ac:spMkLst>
+        </pc:spChg>
+        <pc:spChg chg="add del">
+          <ac:chgData name="Diogo Rafael Cunha Pereira" userId="41356203-1e84-4d71-862d-57204f6122a5" providerId="ADAL" clId="{EB0910E8-0166-48ED-9D86-18BD82E0E789}" dt="2020-10-30T15:12:21.552" v="296" actId="26606"/>
+          <ac:spMkLst>
+            <pc:docMk/>
+            <pc:sldMk cId="964660544" sldId="260"/>
+            <ac:spMk id="129" creationId="{2633B3B5-CC90-43F0-8714-D31D1F3F0209}"/>
+          </ac:spMkLst>
+        </pc:spChg>
+        <pc:spChg chg="add del">
+          <ac:chgData name="Diogo Rafael Cunha Pereira" userId="41356203-1e84-4d71-862d-57204f6122a5" providerId="ADAL" clId="{EB0910E8-0166-48ED-9D86-18BD82E0E789}" dt="2020-10-30T15:12:21.552" v="296" actId="26606"/>
+          <ac:spMkLst>
+            <pc:docMk/>
+            <pc:sldMk cId="964660544" sldId="260"/>
+            <ac:spMk id="130" creationId="{A8D57A06-A426-446D-B02C-A2DC6B62E45E}"/>
+          </ac:spMkLst>
+        </pc:spChg>
+        <pc:spChg chg="add del">
+          <ac:chgData name="Diogo Rafael Cunha Pereira" userId="41356203-1e84-4d71-862d-57204f6122a5" providerId="ADAL" clId="{EB0910E8-0166-48ED-9D86-18BD82E0E789}" dt="2020-10-30T15:13:11.400" v="313" actId="26606"/>
+          <ac:spMkLst>
+            <pc:docMk/>
+            <pc:sldMk cId="964660544" sldId="260"/>
+            <ac:spMk id="132" creationId="{AB8C311F-7253-4AED-9701-7FC0708C41C7}"/>
+          </ac:spMkLst>
+        </pc:spChg>
+        <pc:spChg chg="add del">
+          <ac:chgData name="Diogo Rafael Cunha Pereira" userId="41356203-1e84-4d71-862d-57204f6122a5" providerId="ADAL" clId="{EB0910E8-0166-48ED-9D86-18BD82E0E789}" dt="2020-10-30T15:13:11.400" v="313" actId="26606"/>
+          <ac:spMkLst>
+            <pc:docMk/>
+            <pc:sldMk cId="964660544" sldId="260"/>
+            <ac:spMk id="133" creationId="{FD073016-B734-483B-8953-5BADEE145112}"/>
+          </ac:spMkLst>
+        </pc:spChg>
+        <pc:spChg chg="add del">
+          <ac:chgData name="Diogo Rafael Cunha Pereira" userId="41356203-1e84-4d71-862d-57204f6122a5" providerId="ADAL" clId="{EB0910E8-0166-48ED-9D86-18BD82E0E789}" dt="2020-10-30T15:13:11.400" v="313" actId="26606"/>
+          <ac:spMkLst>
+            <pc:docMk/>
+            <pc:sldMk cId="964660544" sldId="260"/>
+            <ac:spMk id="134" creationId="{90A7EAB6-59D3-4325-8DE6-E0CA4009CE53}"/>
+          </ac:spMkLst>
+        </pc:spChg>
+        <pc:spChg chg="add del">
+          <ac:chgData name="Diogo Rafael Cunha Pereira" userId="41356203-1e84-4d71-862d-57204f6122a5" providerId="ADAL" clId="{EB0910E8-0166-48ED-9D86-18BD82E0E789}" dt="2020-10-30T15:13:11.400" v="313" actId="26606"/>
+          <ac:spMkLst>
+            <pc:docMk/>
+            <pc:sldMk cId="964660544" sldId="260"/>
+            <ac:spMk id="135" creationId="{A8D57A06-A426-446D-B02C-A2DC6B62E45E}"/>
+          </ac:spMkLst>
+        </pc:spChg>
+        <pc:spChg chg="add del">
+          <ac:chgData name="Diogo Rafael Cunha Pereira" userId="41356203-1e84-4d71-862d-57204f6122a5" providerId="ADAL" clId="{EB0910E8-0166-48ED-9D86-18BD82E0E789}" dt="2020-10-30T15:13:01.263" v="308" actId="26606"/>
+          <ac:spMkLst>
+            <pc:docMk/>
+            <pc:sldMk cId="964660544" sldId="260"/>
+            <ac:spMk id="137" creationId="{32BC26D8-82FB-445E-AA49-62A77D7C1EE0}"/>
+          </ac:spMkLst>
+        </pc:spChg>
+        <pc:spChg chg="add del">
+          <ac:chgData name="Diogo Rafael Cunha Pereira" userId="41356203-1e84-4d71-862d-57204f6122a5" providerId="ADAL" clId="{EB0910E8-0166-48ED-9D86-18BD82E0E789}" dt="2020-10-30T15:13:11.396" v="312" actId="26606"/>
+          <ac:spMkLst>
+            <pc:docMk/>
+            <pc:sldMk cId="964660544" sldId="260"/>
+            <ac:spMk id="138" creationId="{AB8C311F-7253-4AED-9701-7FC0708C41C7}"/>
+          </ac:spMkLst>
+        </pc:spChg>
+        <pc:spChg chg="add del">
+          <ac:chgData name="Diogo Rafael Cunha Pereira" userId="41356203-1e84-4d71-862d-57204f6122a5" providerId="ADAL" clId="{EB0910E8-0166-48ED-9D86-18BD82E0E789}" dt="2020-10-30T15:13:11.396" v="312" actId="26606"/>
+          <ac:spMkLst>
+            <pc:docMk/>
+            <pc:sldMk cId="964660544" sldId="260"/>
+            <ac:spMk id="139" creationId="{E2384209-CB15-4CDF-9D31-C44FD9A3F20D}"/>
+          </ac:spMkLst>
+        </pc:spChg>
+        <pc:spChg chg="add del">
+          <ac:chgData name="Diogo Rafael Cunha Pereira" userId="41356203-1e84-4d71-862d-57204f6122a5" providerId="ADAL" clId="{EB0910E8-0166-48ED-9D86-18BD82E0E789}" dt="2020-10-30T15:13:11.396" v="312" actId="26606"/>
+          <ac:spMkLst>
+            <pc:docMk/>
+            <pc:sldMk cId="964660544" sldId="260"/>
+            <ac:spMk id="140" creationId="{2633B3B5-CC90-43F0-8714-D31D1F3F0209}"/>
+          </ac:spMkLst>
+        </pc:spChg>
+        <pc:spChg chg="add del">
+          <ac:chgData name="Diogo Rafael Cunha Pereira" userId="41356203-1e84-4d71-862d-57204f6122a5" providerId="ADAL" clId="{EB0910E8-0166-48ED-9D86-18BD82E0E789}" dt="2020-10-30T15:33:45.327" v="609" actId="26606"/>
+          <ac:spMkLst>
+            <pc:docMk/>
+            <pc:sldMk cId="964660544" sldId="260"/>
+            <ac:spMk id="142" creationId="{CA815F2C-4E80-4019-8E59-FAD3F7F8473D}"/>
+          </ac:spMkLst>
+        </pc:spChg>
+        <pc:spChg chg="add del">
+          <ac:chgData name="Diogo Rafael Cunha Pereira" userId="41356203-1e84-4d71-862d-57204f6122a5" providerId="ADAL" clId="{EB0910E8-0166-48ED-9D86-18BD82E0E789}" dt="2020-10-30T15:33:44.246" v="606" actId="26606"/>
+          <ac:spMkLst>
+            <pc:docMk/>
+            <pc:sldMk cId="964660544" sldId="260"/>
+            <ac:spMk id="144" creationId="{F3060C83-F051-4F0E-ABAD-AA0DFC48B218}"/>
+          </ac:spMkLst>
+        </pc:spChg>
+        <pc:spChg chg="add del">
+          <ac:chgData name="Diogo Rafael Cunha Pereira" userId="41356203-1e84-4d71-862d-57204f6122a5" providerId="ADAL" clId="{EB0910E8-0166-48ED-9D86-18BD82E0E789}" dt="2020-10-30T15:33:44.246" v="606" actId="26606"/>
+          <ac:spMkLst>
+            <pc:docMk/>
+            <pc:sldMk cId="964660544" sldId="260"/>
+            <ac:spMk id="145" creationId="{83C98ABE-055B-441F-B07E-44F97F083C39}"/>
+          </ac:spMkLst>
+        </pc:spChg>
+        <pc:spChg chg="add del">
+          <ac:chgData name="Diogo Rafael Cunha Pereira" userId="41356203-1e84-4d71-862d-57204f6122a5" providerId="ADAL" clId="{EB0910E8-0166-48ED-9D86-18BD82E0E789}" dt="2020-10-30T15:33:44.246" v="606" actId="26606"/>
+          <ac:spMkLst>
+            <pc:docMk/>
+            <pc:sldMk cId="964660544" sldId="260"/>
+            <ac:spMk id="146" creationId="{3783CA14-24A1-485C-8B30-D6A5D87987AD}"/>
+          </ac:spMkLst>
+        </pc:spChg>
+        <pc:spChg chg="add del">
+          <ac:chgData name="Diogo Rafael Cunha Pereira" userId="41356203-1e84-4d71-862d-57204f6122a5" providerId="ADAL" clId="{EB0910E8-0166-48ED-9D86-18BD82E0E789}" dt="2020-10-30T15:33:44.246" v="606" actId="26606"/>
+          <ac:spMkLst>
+            <pc:docMk/>
+            <pc:sldMk cId="964660544" sldId="260"/>
+            <ac:spMk id="147" creationId="{9A97C86A-04D6-40F7-AE84-31AB43E6A846}"/>
+          </ac:spMkLst>
+        </pc:spChg>
+        <pc:spChg chg="add del">
+          <ac:chgData name="Diogo Rafael Cunha Pereira" userId="41356203-1e84-4d71-862d-57204f6122a5" providerId="ADAL" clId="{EB0910E8-0166-48ED-9D86-18BD82E0E789}" dt="2020-10-30T15:33:44.246" v="606" actId="26606"/>
+          <ac:spMkLst>
+            <pc:docMk/>
+            <pc:sldMk cId="964660544" sldId="260"/>
+            <ac:spMk id="148" creationId="{FF9F2414-84E8-453E-B1F3-389FDE8192D9}"/>
+          </ac:spMkLst>
+        </pc:spChg>
+        <pc:spChg chg="add del">
+          <ac:chgData name="Diogo Rafael Cunha Pereira" userId="41356203-1e84-4d71-862d-57204f6122a5" providerId="ADAL" clId="{EB0910E8-0166-48ED-9D86-18BD82E0E789}" dt="2020-10-30T15:33:44.246" v="606" actId="26606"/>
+          <ac:spMkLst>
+            <pc:docMk/>
+            <pc:sldMk cId="964660544" sldId="260"/>
+            <ac:spMk id="149" creationId="{3ECA69A1-7536-43AC-85EF-C7106179F5ED}"/>
+          </ac:spMkLst>
+        </pc:spChg>
+        <pc:spChg chg="add del">
+          <ac:chgData name="Diogo Rafael Cunha Pereira" userId="41356203-1e84-4d71-862d-57204f6122a5" providerId="ADAL" clId="{EB0910E8-0166-48ED-9D86-18BD82E0E789}" dt="2020-10-30T15:33:45.277" v="608" actId="26606"/>
+          <ac:spMkLst>
+            <pc:docMk/>
+            <pc:sldMk cId="964660544" sldId="260"/>
+            <ac:spMk id="151" creationId="{32BC26D8-82FB-445E-AA49-62A77D7C1EE0}"/>
+          </ac:spMkLst>
+        </pc:spChg>
+        <pc:spChg chg="add del">
+          <ac:chgData name="Diogo Rafael Cunha Pereira" userId="41356203-1e84-4d71-862d-57204f6122a5" providerId="ADAL" clId="{EB0910E8-0166-48ED-9D86-18BD82E0E789}" dt="2020-10-30T15:33:45.277" v="608" actId="26606"/>
+          <ac:spMkLst>
+            <pc:docMk/>
+            <pc:sldMk cId="964660544" sldId="260"/>
+            <ac:spMk id="152" creationId="{CB44330D-EA18-4254-AA95-EB49948539B8}"/>
+          </ac:spMkLst>
+        </pc:spChg>
+        <pc:spChg chg="add">
+          <ac:chgData name="Diogo Rafael Cunha Pereira" userId="41356203-1e84-4d71-862d-57204f6122a5" providerId="ADAL" clId="{EB0910E8-0166-48ED-9D86-18BD82E0E789}" dt="2020-10-30T15:33:45.327" v="609" actId="26606"/>
+          <ac:spMkLst>
+            <pc:docMk/>
+            <pc:sldMk cId="964660544" sldId="260"/>
+            <ac:spMk id="154" creationId="{F3060C83-F051-4F0E-ABAD-AA0DFC48B218}"/>
+          </ac:spMkLst>
+        </pc:spChg>
+        <pc:spChg chg="add">
+          <ac:chgData name="Diogo Rafael Cunha Pereira" userId="41356203-1e84-4d71-862d-57204f6122a5" providerId="ADAL" clId="{EB0910E8-0166-48ED-9D86-18BD82E0E789}" dt="2020-10-30T15:33:45.327" v="609" actId="26606"/>
+          <ac:spMkLst>
+            <pc:docMk/>
+            <pc:sldMk cId="964660544" sldId="260"/>
+            <ac:spMk id="155" creationId="{83C98ABE-055B-441F-B07E-44F97F083C39}"/>
+          </ac:spMkLst>
+        </pc:spChg>
+        <pc:spChg chg="add">
+          <ac:chgData name="Diogo Rafael Cunha Pereira" userId="41356203-1e84-4d71-862d-57204f6122a5" providerId="ADAL" clId="{EB0910E8-0166-48ED-9D86-18BD82E0E789}" dt="2020-10-30T15:33:45.327" v="609" actId="26606"/>
+          <ac:spMkLst>
+            <pc:docMk/>
+            <pc:sldMk cId="964660544" sldId="260"/>
+            <ac:spMk id="156" creationId="{29FDB030-9B49-4CED-8CCD-4D99382388AC}"/>
+          </ac:spMkLst>
+        </pc:spChg>
+        <pc:spChg chg="add">
+          <ac:chgData name="Diogo Rafael Cunha Pereira" userId="41356203-1e84-4d71-862d-57204f6122a5" providerId="ADAL" clId="{EB0910E8-0166-48ED-9D86-18BD82E0E789}" dt="2020-10-30T15:33:45.327" v="609" actId="26606"/>
+          <ac:spMkLst>
+            <pc:docMk/>
+            <pc:sldMk cId="964660544" sldId="260"/>
+            <ac:spMk id="157" creationId="{3783CA14-24A1-485C-8B30-D6A5D87987AD}"/>
+          </ac:spMkLst>
+        </pc:spChg>
+        <pc:spChg chg="add">
+          <ac:chgData name="Diogo Rafael Cunha Pereira" userId="41356203-1e84-4d71-862d-57204f6122a5" providerId="ADAL" clId="{EB0910E8-0166-48ED-9D86-18BD82E0E789}" dt="2020-10-30T15:33:45.327" v="609" actId="26606"/>
+          <ac:spMkLst>
+            <pc:docMk/>
+            <pc:sldMk cId="964660544" sldId="260"/>
+            <ac:spMk id="158" creationId="{9A97C86A-04D6-40F7-AE84-31AB43E6A846}"/>
+          </ac:spMkLst>
+        </pc:spChg>
+        <pc:spChg chg="add">
+          <ac:chgData name="Diogo Rafael Cunha Pereira" userId="41356203-1e84-4d71-862d-57204f6122a5" providerId="ADAL" clId="{EB0910E8-0166-48ED-9D86-18BD82E0E789}" dt="2020-10-30T15:33:45.327" v="609" actId="26606"/>
+          <ac:spMkLst>
+            <pc:docMk/>
+            <pc:sldMk cId="964660544" sldId="260"/>
+            <ac:spMk id="159" creationId="{FF9F2414-84E8-453E-B1F3-389FDE8192D9}"/>
+          </ac:spMkLst>
+        </pc:spChg>
+        <pc:spChg chg="add">
+          <ac:chgData name="Diogo Rafael Cunha Pereira" userId="41356203-1e84-4d71-862d-57204f6122a5" providerId="ADAL" clId="{EB0910E8-0166-48ED-9D86-18BD82E0E789}" dt="2020-10-30T15:33:45.327" v="609" actId="26606"/>
+          <ac:spMkLst>
+            <pc:docMk/>
+            <pc:sldMk cId="964660544" sldId="260"/>
+            <ac:spMk id="160" creationId="{3ECA69A1-7536-43AC-85EF-C7106179F5ED}"/>
+          </ac:spMkLst>
+        </pc:spChg>
+        <pc:grpChg chg="add del">
+          <ac:chgData name="Diogo Rafael Cunha Pereira" userId="41356203-1e84-4d71-862d-57204f6122a5" providerId="ADAL" clId="{EB0910E8-0166-48ED-9D86-18BD82E0E789}" dt="2020-10-30T15:10:17.981" v="242" actId="26606"/>
+          <ac:grpSpMkLst>
+            <pc:docMk/>
+            <pc:sldMk cId="964660544" sldId="260"/>
+            <ac:grpSpMk id="39" creationId="{DB88BD78-87E1-424D-B479-C37D8E41B12E}"/>
+          </ac:grpSpMkLst>
+        </pc:grpChg>
+        <pc:grpChg chg="add del">
+          <ac:chgData name="Diogo Rafael Cunha Pereira" userId="41356203-1e84-4d71-862d-57204f6122a5" providerId="ADAL" clId="{EB0910E8-0166-48ED-9D86-18BD82E0E789}" dt="2020-10-30T15:10:37.113" v="266" actId="26606"/>
+          <ac:grpSpMkLst>
+            <pc:docMk/>
+            <pc:sldMk cId="964660544" sldId="260"/>
+            <ac:grpSpMk id="85" creationId="{E8C5FC48-0A3C-4D6D-A0D5-EEE93213DBBE}"/>
+          </ac:grpSpMkLst>
+        </pc:grpChg>
+        <pc:grpChg chg="add del">
+          <ac:chgData name="Diogo Rafael Cunha Pereira" userId="41356203-1e84-4d71-862d-57204f6122a5" providerId="ADAL" clId="{EB0910E8-0166-48ED-9D86-18BD82E0E789}" dt="2020-10-30T15:10:40.901" v="272" actId="26606"/>
+          <ac:grpSpMkLst>
+            <pc:docMk/>
+            <pc:sldMk cId="964660544" sldId="260"/>
+            <ac:grpSpMk id="95" creationId="{D3706AFB-4AF0-430C-8FBE-C38C0F839661}"/>
+          </ac:grpSpMkLst>
+        </pc:grpChg>
+        <pc:grpChg chg="add del">
+          <ac:chgData name="Diogo Rafael Cunha Pereira" userId="41356203-1e84-4d71-862d-57204f6122a5" providerId="ADAL" clId="{EB0910E8-0166-48ED-9D86-18BD82E0E789}" dt="2020-10-30T15:12:18.370" v="292" actId="26606"/>
+          <ac:grpSpMkLst>
+            <pc:docMk/>
+            <pc:sldMk cId="964660544" sldId="260"/>
+            <ac:grpSpMk id="120" creationId="{DB88BD78-87E1-424D-B479-C37D8E41B12E}"/>
+          </ac:grpSpMkLst>
+        </pc:grpChg>
+        <pc:picChg chg="add del mod modCrop">
+          <ac:chgData name="Diogo Rafael Cunha Pereira" userId="41356203-1e84-4d71-862d-57204f6122a5" providerId="ADAL" clId="{EB0910E8-0166-48ED-9D86-18BD82E0E789}" dt="2020-10-30T15:30:35.834" v="596" actId="478"/>
+          <ac:picMkLst>
+            <pc:docMk/>
+            <pc:sldMk cId="964660544" sldId="260"/>
+            <ac:picMk id="5" creationId="{99DBEC88-636A-4B5A-AE28-1BA68C400D2A}"/>
+          </ac:picMkLst>
+        </pc:picChg>
+        <pc:picChg chg="add del">
+          <ac:chgData name="Diogo Rafael Cunha Pereira" userId="41356203-1e84-4d71-862d-57204f6122a5" providerId="ADAL" clId="{EB0910E8-0166-48ED-9D86-18BD82E0E789}" dt="2020-10-30T15:03:37.021" v="104" actId="26606"/>
+          <ac:picMkLst>
+            <pc:docMk/>
+            <pc:sldMk cId="964660544" sldId="260"/>
+            <ac:picMk id="35" creationId="{75554383-98AF-4A47-BB65-705FAAA4BE6A}"/>
+          </ac:picMkLst>
+        </pc:picChg>
+        <pc:picChg chg="add del">
+          <ac:chgData name="Diogo Rafael Cunha Pereira" userId="41356203-1e84-4d71-862d-57204f6122a5" providerId="ADAL" clId="{EB0910E8-0166-48ED-9D86-18BD82E0E789}" dt="2020-10-30T15:10:20.642" v="244" actId="26606"/>
+          <ac:picMkLst>
+            <pc:docMk/>
+            <pc:sldMk cId="964660544" sldId="260"/>
+            <ac:picMk id="45" creationId="{75554383-98AF-4A47-BB65-705FAAA4BE6A}"/>
+          </ac:picMkLst>
+        </pc:picChg>
+        <pc:picChg chg="add del mod ord modCrop">
+          <ac:chgData name="Diogo Rafael Cunha Pereira" userId="41356203-1e84-4d71-862d-57204f6122a5" providerId="ADAL" clId="{EB0910E8-0166-48ED-9D86-18BD82E0E789}" dt="2020-10-30T15:36:46.308" v="649" actId="478"/>
+          <ac:picMkLst>
+            <pc:docMk/>
+            <pc:sldMk cId="964660544" sldId="260"/>
+            <ac:picMk id="50" creationId="{C0A70560-D38B-49AD-AC85-61BD7EA98359}"/>
+          </ac:picMkLst>
+        </pc:picChg>
+        <pc:picChg chg="add mod ord modCrop">
+          <ac:chgData name="Diogo Rafael Cunha Pereira" userId="41356203-1e84-4d71-862d-57204f6122a5" providerId="ADAL" clId="{EB0910E8-0166-48ED-9D86-18BD82E0E789}" dt="2020-10-30T15:43:57.041" v="700" actId="1076"/>
+          <ac:picMkLst>
+            <pc:docMk/>
+            <pc:sldMk cId="964660544" sldId="260"/>
+            <ac:picMk id="60" creationId="{AA21F25A-81CA-41B3-8441-BE5F60E12A91}"/>
+          </ac:picMkLst>
+        </pc:picChg>
+        <pc:cxnChg chg="add del">
+          <ac:chgData name="Diogo Rafael Cunha Pereira" userId="41356203-1e84-4d71-862d-57204f6122a5" providerId="ADAL" clId="{EB0910E8-0166-48ED-9D86-18BD82E0E789}" dt="2020-10-30T15:10:38.778" v="268" actId="26606"/>
+          <ac:cxnSpMkLst>
+            <pc:docMk/>
+            <pc:sldMk cId="964660544" sldId="260"/>
+            <ac:cxnSpMk id="89" creationId="{E12350F3-DB83-413A-980B-1CEB92498664}"/>
+          </ac:cxnSpMkLst>
+        </pc:cxnChg>
+      </pc:sldChg>
+    </pc:docChg>
+  </pc:docChgLst>
+</pc:chgInfo>
 </file>
 
 <file path=ppt/notesMasters/notesMaster1.xml><?xml version="1.0" encoding="utf-8"?>
@@ -195,7 +1795,7 @@
           <a:p>
             <a:fld id="{629E2C2A-EB12-424F-899D-F3179C4F21C2}" type="datetimeFigureOut">
               <a:rPr lang="pt-PT" smtClean="0"/>
-              <a:t>29/10/2020</a:t>
+              <a:t>30/10/2020</a:t>
             </a:fld>
             <a:endParaRPr lang="pt-PT"/>
           </a:p>
@@ -525,7 +2125,7 @@
             </a:pPr>
             <a:r>
               <a:rPr lang="pt-PT" dirty="0"/>
-              <a:t>Até no caso do covid, como vocês sabem, foi a razão do isolamento que passámos e do aumento do teletrabalho, durante esse período de tempo em que tivemos em confinamento conseguimos atrasar a propagação do vírus.</a:t>
+              <a:t>Até no caso do covid, como vocês sabem, que como vocês sabem foi a razão do isolamento que passámos e do aumento do teletrabalho, durante esse período de tempo em que tivemos em confinamento conseguimos atrasar a propagação do vírus.</a:t>
             </a:r>
           </a:p>
         </p:txBody>
@@ -557,6 +2157,98 @@
     <p:extLst>
       <p:ext uri="{BB962C8B-B14F-4D97-AF65-F5344CB8AC3E}">
         <p14:creationId xmlns:p14="http://schemas.microsoft.com/office/powerpoint/2010/main" val="3159035261"/>
+      </p:ext>
+    </p:extLst>
+  </p:cSld>
+  <p:clrMapOvr>
+    <a:masterClrMapping/>
+  </p:clrMapOvr>
+</p:notes>
+</file>
+
+<file path=ppt/notesSlides/notesSlide2.xml><?xml version="1.0" encoding="utf-8"?>
+<p:notes xmlns:a="http://schemas.openxmlformats.org/drawingml/2006/main" xmlns:r="http://schemas.openxmlformats.org/officeDocument/2006/relationships" xmlns:p="http://schemas.openxmlformats.org/presentationml/2006/main">
+  <p:cSld>
+    <p:spTree>
+      <p:nvGrpSpPr>
+        <p:cNvPr id="1" name=""/>
+        <p:cNvGrpSpPr/>
+        <p:nvPr/>
+      </p:nvGrpSpPr>
+      <p:grpSpPr>
+        <a:xfrm>
+          <a:off x="0" y="0"/>
+          <a:ext cx="0" cy="0"/>
+          <a:chOff x="0" y="0"/>
+          <a:chExt cx="0" cy="0"/>
+        </a:xfrm>
+      </p:grpSpPr>
+      <p:sp>
+        <p:nvSpPr>
+          <p:cNvPr id="2" name="Marcador de Posição da Imagem do Diapositivo 1"/>
+          <p:cNvSpPr>
+            <a:spLocks noGrp="1" noRot="1" noChangeAspect="1"/>
+          </p:cNvSpPr>
+          <p:nvPr>
+            <p:ph type="sldImg"/>
+          </p:nvPr>
+        </p:nvSpPr>
+        <p:spPr/>
+      </p:sp>
+      <p:sp>
+        <p:nvSpPr>
+          <p:cNvPr id="3" name="Marcador de Posição de Notas 2"/>
+          <p:cNvSpPr>
+            <a:spLocks noGrp="1"/>
+          </p:cNvSpPr>
+          <p:nvPr>
+            <p:ph type="body" idx="1"/>
+          </p:nvPr>
+        </p:nvSpPr>
+        <p:spPr/>
+        <p:txBody>
+          <a:bodyPr/>
+          <a:lstStyle/>
+          <a:p>
+            <a:r>
+              <a:rPr lang="pt-PT" dirty="0"/>
+              <a:t>Como podem ver por este gráfico, na semana 41 de 2020 a taxa de incidência de gripe foi de 0 por cada 100 mil habitantes, enquanto que em 2019 nessa mesma semana existiam 3,31 pessoas por 100 </a:t>
+            </a:r>
+            <a:r>
+              <a:rPr lang="pt-PT"/>
+              <a:t>mil habitantes.</a:t>
+            </a:r>
+            <a:endParaRPr lang="pt-PT" dirty="0"/>
+          </a:p>
+        </p:txBody>
+      </p:sp>
+      <p:sp>
+        <p:nvSpPr>
+          <p:cNvPr id="4" name="Marcador de Posição do Número do Diapositivo 3"/>
+          <p:cNvSpPr>
+            <a:spLocks noGrp="1"/>
+          </p:cNvSpPr>
+          <p:nvPr>
+            <p:ph type="sldNum" sz="quarter" idx="5"/>
+          </p:nvPr>
+        </p:nvSpPr>
+        <p:spPr/>
+        <p:txBody>
+          <a:bodyPr/>
+          <a:lstStyle/>
+          <a:p>
+            <a:fld id="{141C5834-BC77-4B61-97BF-302EDCC610AA}" type="slidenum">
+              <a:rPr lang="pt-PT" smtClean="0"/>
+              <a:t>4</a:t>
+            </a:fld>
+            <a:endParaRPr lang="pt-PT"/>
+          </a:p>
+        </p:txBody>
+      </p:sp>
+    </p:spTree>
+    <p:extLst>
+      <p:ext uri="{BB962C8B-B14F-4D97-AF65-F5344CB8AC3E}">
+        <p14:creationId xmlns:p14="http://schemas.microsoft.com/office/powerpoint/2010/main" val="3895704012"/>
       </p:ext>
     </p:extLst>
   </p:cSld>
@@ -713,7 +2405,7 @@
           <a:p>
             <a:fld id="{3DDE4EAE-EE9A-439C-BAE3-96C9A343E195}" type="datetimeFigureOut">
               <a:rPr lang="pt-PT" smtClean="0"/>
-              <a:t>29/10/2020</a:t>
+              <a:t>30/10/2020</a:t>
             </a:fld>
             <a:endParaRPr lang="pt-PT"/>
           </a:p>
@@ -911,7 +2603,7 @@
           <a:p>
             <a:fld id="{3DDE4EAE-EE9A-439C-BAE3-96C9A343E195}" type="datetimeFigureOut">
               <a:rPr lang="pt-PT" smtClean="0"/>
-              <a:t>29/10/2020</a:t>
+              <a:t>30/10/2020</a:t>
             </a:fld>
             <a:endParaRPr lang="pt-PT"/>
           </a:p>
@@ -1119,7 +2811,7 @@
           <a:p>
             <a:fld id="{3DDE4EAE-EE9A-439C-BAE3-96C9A343E195}" type="datetimeFigureOut">
               <a:rPr lang="pt-PT" smtClean="0"/>
-              <a:t>29/10/2020</a:t>
+              <a:t>30/10/2020</a:t>
             </a:fld>
             <a:endParaRPr lang="pt-PT"/>
           </a:p>
@@ -1317,7 +3009,7 @@
           <a:p>
             <a:fld id="{3DDE4EAE-EE9A-439C-BAE3-96C9A343E195}" type="datetimeFigureOut">
               <a:rPr lang="pt-PT" smtClean="0"/>
-              <a:t>29/10/2020</a:t>
+              <a:t>30/10/2020</a:t>
             </a:fld>
             <a:endParaRPr lang="pt-PT"/>
           </a:p>
@@ -1592,7 +3284,7 @@
           <a:p>
             <a:fld id="{3DDE4EAE-EE9A-439C-BAE3-96C9A343E195}" type="datetimeFigureOut">
               <a:rPr lang="pt-PT" smtClean="0"/>
-              <a:t>29/10/2020</a:t>
+              <a:t>30/10/2020</a:t>
             </a:fld>
             <a:endParaRPr lang="pt-PT"/>
           </a:p>
@@ -1857,7 +3549,7 @@
           <a:p>
             <a:fld id="{3DDE4EAE-EE9A-439C-BAE3-96C9A343E195}" type="datetimeFigureOut">
               <a:rPr lang="pt-PT" smtClean="0"/>
-              <a:t>29/10/2020</a:t>
+              <a:t>30/10/2020</a:t>
             </a:fld>
             <a:endParaRPr lang="pt-PT"/>
           </a:p>
@@ -2269,7 +3961,7 @@
           <a:p>
             <a:fld id="{3DDE4EAE-EE9A-439C-BAE3-96C9A343E195}" type="datetimeFigureOut">
               <a:rPr lang="pt-PT" smtClean="0"/>
-              <a:t>29/10/2020</a:t>
+              <a:t>30/10/2020</a:t>
             </a:fld>
             <a:endParaRPr lang="pt-PT"/>
           </a:p>
@@ -2410,7 +4102,7 @@
           <a:p>
             <a:fld id="{3DDE4EAE-EE9A-439C-BAE3-96C9A343E195}" type="datetimeFigureOut">
               <a:rPr lang="pt-PT" smtClean="0"/>
-              <a:t>29/10/2020</a:t>
+              <a:t>30/10/2020</a:t>
             </a:fld>
             <a:endParaRPr lang="pt-PT"/>
           </a:p>
@@ -2523,7 +4215,7 @@
           <a:p>
             <a:fld id="{3DDE4EAE-EE9A-439C-BAE3-96C9A343E195}" type="datetimeFigureOut">
               <a:rPr lang="pt-PT" smtClean="0"/>
-              <a:t>29/10/2020</a:t>
+              <a:t>30/10/2020</a:t>
             </a:fld>
             <a:endParaRPr lang="pt-PT"/>
           </a:p>
@@ -2834,7 +4526,7 @@
           <a:p>
             <a:fld id="{3DDE4EAE-EE9A-439C-BAE3-96C9A343E195}" type="datetimeFigureOut">
               <a:rPr lang="pt-PT" smtClean="0"/>
-              <a:t>29/10/2020</a:t>
+              <a:t>30/10/2020</a:t>
             </a:fld>
             <a:endParaRPr lang="pt-PT"/>
           </a:p>
@@ -3122,7 +4814,7 @@
           <a:p>
             <a:fld id="{3DDE4EAE-EE9A-439C-BAE3-96C9A343E195}" type="datetimeFigureOut">
               <a:rPr lang="pt-PT" smtClean="0"/>
-              <a:t>29/10/2020</a:t>
+              <a:t>30/10/2020</a:t>
             </a:fld>
             <a:endParaRPr lang="pt-PT"/>
           </a:p>
@@ -3363,7 +5055,7 @@
           <a:p>
             <a:fld id="{3DDE4EAE-EE9A-439C-BAE3-96C9A343E195}" type="datetimeFigureOut">
               <a:rPr lang="pt-PT" smtClean="0"/>
-              <a:t>29/10/2020</a:t>
+              <a:t>30/10/2020</a:t>
             </a:fld>
             <a:endParaRPr lang="pt-PT"/>
           </a:p>
@@ -3788,12 +5480,12 @@
           <a:chExt cx="0" cy="0"/>
         </a:xfrm>
       </p:grpSpPr>
-      <p:sp useBgFill="1">
-        <p:nvSpPr>
-          <p:cNvPr id="20" name="Rectangle 12">
-            <a:extLst>
-              <a:ext uri="{FF2B5EF4-FFF2-40B4-BE49-F238E27FC236}">
-                <a16:creationId xmlns:a16="http://schemas.microsoft.com/office/drawing/2014/main" id="{E91DC736-0EF8-4F87-9146-EBF1D2EE4D3D}"/>
+      <p:sp>
+        <p:nvSpPr>
+          <p:cNvPr id="84" name="Rectangle 26">
+            <a:extLst>
+              <a:ext uri="{FF2B5EF4-FFF2-40B4-BE49-F238E27FC236}">
+                <a16:creationId xmlns:a16="http://schemas.microsoft.com/office/drawing/2014/main" id="{75F4D120-3921-42A8-A063-46B023CB0CDA}"/>
               </a:ext>
               <a:ext uri="{C183D7F6-B498-43B3-948B-1728B52AA6E4}">
                 <adec:decorative xmlns:adec="http://schemas.microsoft.com/office/drawing/2017/decorative" val="1"/>
@@ -3819,326 +5511,13 @@
           <a:prstGeom prst="rect">
             <a:avLst/>
           </a:prstGeom>
-          <a:ln>
+          <a:solidFill>
+            <a:srgbClr val="FFFFFF"/>
+          </a:solidFill>
+          <a:ln w="12700" cap="flat" cmpd="sng" algn="ctr">
             <a:noFill/>
-          </a:ln>
-        </p:spPr>
-        <p:style>
-          <a:lnRef idx="2">
-            <a:schemeClr val="accent1">
-              <a:shade val="50000"/>
-            </a:schemeClr>
-          </a:lnRef>
-          <a:fillRef idx="1">
-            <a:schemeClr val="accent1"/>
-          </a:fillRef>
-          <a:effectRef idx="0">
-            <a:schemeClr val="accent1"/>
-          </a:effectRef>
-          <a:fontRef idx="minor">
-            <a:schemeClr val="lt1"/>
-          </a:fontRef>
-        </p:style>
-        <p:txBody>
-          <a:bodyPr rtlCol="0" anchor="ctr"/>
-          <a:lstStyle/>
-          <a:p>
-            <a:pPr algn="ctr"/>
-            <a:endParaRPr lang="en-US"/>
-          </a:p>
-        </p:txBody>
-      </p:sp>
-      <p:pic>
-        <p:nvPicPr>
-          <p:cNvPr id="7" name="Imagem 6" descr="Uma imagem com exterior, desporto&#10;&#10;Descrição gerada automaticamente">
-            <a:extLst>
-              <a:ext uri="{FF2B5EF4-FFF2-40B4-BE49-F238E27FC236}">
-                <a16:creationId xmlns:a16="http://schemas.microsoft.com/office/drawing/2014/main" id="{1B5AA10B-FD34-4E28-84B3-D446C4D052E7}"/>
-              </a:ext>
-            </a:extLst>
-          </p:cNvPr>
-          <p:cNvPicPr>
-            <a:picLocks noChangeAspect="1"/>
-          </p:cNvPicPr>
-          <p:nvPr/>
-        </p:nvPicPr>
-        <p:blipFill rotWithShape="1">
-          <a:blip r:embed="rId2">
-            <a:extLst>
-              <a:ext uri="{28A0092B-C50C-407E-A947-70E740481C1C}">
-                <a14:useLocalDpi xmlns:a14="http://schemas.microsoft.com/office/drawing/2010/main" val="0"/>
-              </a:ext>
-              <a:ext uri="{837473B0-CC2E-450A-ABE3-18F120FF3D39}">
-                <a1611:picAttrSrcUrl xmlns:a1611="http://schemas.microsoft.com/office/drawing/2016/11/main" r:id="rId3"/>
-              </a:ext>
-            </a:extLst>
-          </a:blip>
-          <a:srcRect l="9305" t="9091" r="17153"/>
-          <a:stretch/>
-        </p:blipFill>
-        <p:spPr>
-          <a:xfrm>
-            <a:off x="3523488" y="10"/>
-            <a:ext cx="8668512" cy="6857990"/>
-          </a:xfrm>
-          <a:prstGeom prst="rect">
-            <a:avLst/>
-          </a:prstGeom>
-        </p:spPr>
-      </p:pic>
-      <p:sp>
-        <p:nvSpPr>
-          <p:cNvPr id="21" name="Rectangle 14">
-            <a:extLst>
-              <a:ext uri="{FF2B5EF4-FFF2-40B4-BE49-F238E27FC236}">
-                <a16:creationId xmlns:a16="http://schemas.microsoft.com/office/drawing/2014/main" id="{097CD68E-23E3-4007-8847-CD0944C4F7BE}"/>
-              </a:ext>
-              <a:ext uri="{C183D7F6-B498-43B3-948B-1728B52AA6E4}">
-                <adec:decorative xmlns:adec="http://schemas.microsoft.com/office/drawing/2017/decorative" val="1"/>
-              </a:ext>
-            </a:extLst>
-          </p:cNvPr>
-          <p:cNvSpPr>
-            <a:spLocks noGrp="1" noRot="1" noChangeAspect="1" noMove="1" noResize="1" noEditPoints="1" noAdjustHandles="1" noChangeArrowheads="1" noChangeShapeType="1" noTextEdit="1"/>
-          </p:cNvSpPr>
-          <p:nvPr>
-            <p:extLst>
-              <p:ext uri="{386F3935-93C4-4BCD-93E2-E3B085C9AB24}">
-                <p16:designElem xmlns:p16="http://schemas.microsoft.com/office/powerpoint/2015/main" val="1"/>
-              </p:ext>
-            </p:extLst>
-          </p:nvPr>
-        </p:nvSpPr>
-        <p:spPr>
-          <a:xfrm>
-            <a:off x="0" y="0"/>
-            <a:ext cx="9756601" cy="6858000"/>
-          </a:xfrm>
-          <a:prstGeom prst="rect">
-            <a:avLst/>
-          </a:prstGeom>
-          <a:gradFill>
-            <a:gsLst>
-              <a:gs pos="58000">
-                <a:schemeClr val="bg1"/>
-              </a:gs>
-              <a:gs pos="35000">
-                <a:schemeClr val="bg1">
-                  <a:alpha val="79000"/>
-                </a:schemeClr>
-              </a:gs>
-              <a:gs pos="19000">
-                <a:schemeClr val="bg1">
-                  <a:alpha val="38000"/>
-                </a:schemeClr>
-              </a:gs>
-              <a:gs pos="0">
-                <a:schemeClr val="bg1">
-                  <a:alpha val="0"/>
-                </a:schemeClr>
-              </a:gs>
-              <a:gs pos="100000">
-                <a:schemeClr val="bg1"/>
-              </a:gs>
-            </a:gsLst>
-            <a:lin ang="10800000" scaled="0"/>
-          </a:gradFill>
-          <a:ln>
-            <a:noFill/>
-          </a:ln>
-        </p:spPr>
-        <p:style>
-          <a:lnRef idx="2">
-            <a:schemeClr val="accent1">
-              <a:shade val="50000"/>
-            </a:schemeClr>
-          </a:lnRef>
-          <a:fillRef idx="1">
-            <a:schemeClr val="accent1"/>
-          </a:fillRef>
-          <a:effectRef idx="0">
-            <a:schemeClr val="accent1"/>
-          </a:effectRef>
-          <a:fontRef idx="minor">
-            <a:schemeClr val="lt1"/>
-          </a:fontRef>
-        </p:style>
-        <p:txBody>
-          <a:bodyPr rtlCol="0" anchor="ctr"/>
-          <a:lstStyle/>
-          <a:p>
-            <a:pPr algn="ctr"/>
-            <a:endParaRPr lang="en-US" dirty="0"/>
-          </a:p>
-        </p:txBody>
-      </p:sp>
-      <p:sp>
-        <p:nvSpPr>
-          <p:cNvPr id="3" name="Retângulo 2">
-            <a:extLst>
-              <a:ext uri="{FF2B5EF4-FFF2-40B4-BE49-F238E27FC236}">
-                <a16:creationId xmlns:a16="http://schemas.microsoft.com/office/drawing/2014/main" id="{B8384E43-4340-4DAD-A6F4-1CDE0B2E3F79}"/>
-              </a:ext>
-            </a:extLst>
-          </p:cNvPr>
-          <p:cNvSpPr/>
-          <p:nvPr/>
-        </p:nvSpPr>
-        <p:spPr>
-          <a:xfrm>
-            <a:off x="477981" y="1122363"/>
-            <a:ext cx="4023360" cy="3204134"/>
-          </a:xfrm>
-          <a:prstGeom prst="rect">
-            <a:avLst/>
-          </a:prstGeom>
-        </p:spPr>
-        <p:txBody>
-          <a:bodyPr vert="horz" lIns="91440" tIns="45720" rIns="91440" bIns="45720" rtlCol="0" anchor="b">
-            <a:normAutofit/>
-          </a:bodyPr>
-          <a:lstStyle/>
-          <a:p>
-            <a:pPr>
-              <a:lnSpc>
-                <a:spcPct val="90000"/>
-              </a:lnSpc>
-              <a:spcBef>
-                <a:spcPct val="0"/>
-              </a:spcBef>
-              <a:spcAft>
-                <a:spcPts val="600"/>
-              </a:spcAft>
-            </a:pPr>
-            <a:r>
-              <a:rPr lang="en-US" sz="4800" b="1" cap="none" spc="0">
-                <a:ln w="9525">
-                  <a:solidFill>
-                    <a:schemeClr val="bg1"/>
-                  </a:solidFill>
-                  <a:prstDash val="solid"/>
-                </a:ln>
-                <a:effectLst>
-                  <a:outerShdw blurRad="12700" dist="38100" dir="2700000" algn="tl" rotWithShape="0">
-                    <a:schemeClr val="accent5">
-                      <a:lumMod val="60000"/>
-                      <a:lumOff val="40000"/>
-                    </a:schemeClr>
-                  </a:outerShdw>
-                </a:effectLst>
-                <a:latin typeface="+mj-lt"/>
-                <a:ea typeface="+mj-ea"/>
-                <a:cs typeface="+mj-cs"/>
-              </a:rPr>
-              <a:t>Vantagens na sociedade</a:t>
-            </a:r>
-          </a:p>
-        </p:txBody>
-      </p:sp>
-      <p:sp>
-        <p:nvSpPr>
-          <p:cNvPr id="22" name="Rectangle 16">
-            <a:extLst>
-              <a:ext uri="{FF2B5EF4-FFF2-40B4-BE49-F238E27FC236}">
-                <a16:creationId xmlns:a16="http://schemas.microsoft.com/office/drawing/2014/main" id="{AF2F604E-43BE-4DC3-B983-E071523364F8}"/>
-              </a:ext>
-              <a:ext uri="{C183D7F6-B498-43B3-948B-1728B52AA6E4}">
-                <adec:decorative xmlns:adec="http://schemas.microsoft.com/office/drawing/2017/decorative" val="1"/>
-              </a:ext>
-            </a:extLst>
-          </p:cNvPr>
-          <p:cNvSpPr>
-            <a:spLocks noGrp="1" noRot="1" noChangeAspect="1" noMove="1" noResize="1" noEditPoints="1" noAdjustHandles="1" noChangeArrowheads="1" noChangeShapeType="1" noTextEdit="1"/>
-          </p:cNvSpPr>
-          <p:nvPr>
-            <p:extLst>
-              <p:ext uri="{386F3935-93C4-4BCD-93E2-E3B085C9AB24}">
-                <p16:designElem xmlns:p16="http://schemas.microsoft.com/office/powerpoint/2015/main" val="1"/>
-              </p:ext>
-            </p:extLst>
-          </p:nvPr>
-        </p:nvSpPr>
-        <p:spPr>
-          <a:xfrm rot="5400000">
-            <a:off x="759921" y="346791"/>
-            <a:ext cx="146304" cy="704088"/>
-          </a:xfrm>
-          <a:prstGeom prst="rect">
-            <a:avLst/>
-          </a:prstGeom>
-          <a:solidFill>
-            <a:schemeClr val="accent2"/>
-          </a:solidFill>
-          <a:ln>
-            <a:noFill/>
-          </a:ln>
-        </p:spPr>
-        <p:style>
-          <a:lnRef idx="2">
-            <a:schemeClr val="accent1">
-              <a:shade val="50000"/>
-            </a:schemeClr>
-          </a:lnRef>
-          <a:fillRef idx="1">
-            <a:schemeClr val="accent1"/>
-          </a:fillRef>
-          <a:effectRef idx="0">
-            <a:schemeClr val="accent1"/>
-          </a:effectRef>
-          <a:fontRef idx="minor">
-            <a:schemeClr val="lt1"/>
-          </a:fontRef>
-        </p:style>
-        <p:txBody>
-          <a:bodyPr rtlCol="0" anchor="ctr"/>
-          <a:lstStyle/>
-          <a:p>
-            <a:pPr algn="ctr"/>
-            <a:endParaRPr lang="en-US">
-              <a:solidFill>
-                <a:prstClr val="white"/>
-              </a:solidFill>
-              <a:latin typeface="Calibri" panose="020F0502020204030204"/>
-            </a:endParaRPr>
-          </a:p>
-        </p:txBody>
-      </p:sp>
-      <p:sp>
-        <p:nvSpPr>
-          <p:cNvPr id="19" name="Rectangle 18">
-            <a:extLst>
-              <a:ext uri="{FF2B5EF4-FFF2-40B4-BE49-F238E27FC236}">
-                <a16:creationId xmlns:a16="http://schemas.microsoft.com/office/drawing/2014/main" id="{08C9B587-E65E-4B52-B37C-ABEBB6E87928}"/>
-              </a:ext>
-              <a:ext uri="{C183D7F6-B498-43B3-948B-1728B52AA6E4}">
-                <adec:decorative xmlns:adec="http://schemas.microsoft.com/office/drawing/2017/decorative" val="1"/>
-              </a:ext>
-            </a:extLst>
-          </p:cNvPr>
-          <p:cNvSpPr>
-            <a:spLocks noGrp="1" noRot="1" noChangeAspect="1" noMove="1" noResize="1" noEditPoints="1" noAdjustHandles="1" noChangeArrowheads="1" noChangeShapeType="1" noTextEdit="1"/>
-          </p:cNvSpPr>
-          <p:nvPr>
-            <p:extLst>
-              <p:ext uri="{386F3935-93C4-4BCD-93E2-E3B085C9AB24}">
-                <p16:designElem xmlns:p16="http://schemas.microsoft.com/office/powerpoint/2015/main" val="1"/>
-              </p:ext>
-            </p:extLst>
-          </p:nvPr>
-        </p:nvSpPr>
-        <p:spPr>
-          <a:xfrm>
-            <a:off x="481029" y="4546920"/>
-            <a:ext cx="3977640" cy="18288"/>
-          </a:xfrm>
-          <a:prstGeom prst="rect">
-            <a:avLst/>
-          </a:prstGeom>
-          <a:solidFill>
-            <a:srgbClr val="D5D5D5"/>
-          </a:solidFill>
-          <a:ln w="3175">
-            <a:noFill/>
+            <a:prstDash val="solid"/>
+            <a:miter lim="800000"/>
           </a:ln>
           <a:effectLst/>
         </p:spPr>
@@ -4162,37 +5541,201 @@
           <a:bodyPr rtlCol="0" anchor="ctr"/>
           <a:lstStyle/>
           <a:p>
-            <a:pPr marL="0" marR="0" lvl="0" indent="0" algn="ctr" defTabSz="914400" rtl="0" eaLnBrk="1" fontAlgn="auto" latinLnBrk="0" hangingPunct="1">
+            <a:pPr algn="ctr"/>
+            <a:endParaRPr lang="en-US"/>
+          </a:p>
+        </p:txBody>
+      </p:sp>
+      <p:pic>
+        <p:nvPicPr>
+          <p:cNvPr id="7" name="Imagem 6" descr="Uma imagem com exterior, desporto&#10;&#10;Descrição gerada automaticamente">
+            <a:extLst>
+              <a:ext uri="{FF2B5EF4-FFF2-40B4-BE49-F238E27FC236}">
+                <a16:creationId xmlns:a16="http://schemas.microsoft.com/office/drawing/2014/main" id="{1B5AA10B-FD34-4E28-84B3-D446C4D052E7}"/>
+              </a:ext>
+            </a:extLst>
+          </p:cNvPr>
+          <p:cNvPicPr>
+            <a:picLocks noChangeAspect="1"/>
+          </p:cNvPicPr>
+          <p:nvPr/>
+        </p:nvPicPr>
+        <p:blipFill rotWithShape="1">
+          <a:blip r:embed="rId2">
+            <a:extLst>
+              <a:ext uri="{28A0092B-C50C-407E-A947-70E740481C1C}">
+                <a14:useLocalDpi xmlns:a14="http://schemas.microsoft.com/office/drawing/2010/main" val="0"/>
+              </a:ext>
+              <a:ext uri="{837473B0-CC2E-450A-ABE3-18F120FF3D39}">
+                <a1611:picAttrSrcUrl xmlns:a1611="http://schemas.microsoft.com/office/drawing/2016/11/main" r:id="rId3"/>
+              </a:ext>
+            </a:extLst>
+          </a:blip>
+          <a:srcRect l="2442" r="10289" b="-1"/>
+          <a:stretch/>
+        </p:blipFill>
+        <p:spPr>
+          <a:xfrm>
+            <a:off x="4476307" y="595421"/>
+            <a:ext cx="7715693" cy="5658438"/>
+          </a:xfrm>
+          <a:prstGeom prst="rect">
+            <a:avLst/>
+          </a:prstGeom>
+        </p:spPr>
+      </p:pic>
+      <p:pic>
+        <p:nvPicPr>
+          <p:cNvPr id="85" name="Picture 28">
+            <a:extLst>
+              <a:ext uri="{FF2B5EF4-FFF2-40B4-BE49-F238E27FC236}">
+                <a16:creationId xmlns:a16="http://schemas.microsoft.com/office/drawing/2014/main" id="{9D01B3E5-85F4-41A9-A504-D5E6268DEC1D}"/>
+              </a:ext>
+              <a:ext uri="{C183D7F6-B498-43B3-948B-1728B52AA6E4}">
+                <adec:decorative xmlns:adec="http://schemas.microsoft.com/office/drawing/2017/decorative" val="1"/>
+              </a:ext>
+            </a:extLst>
+          </p:cNvPr>
+          <p:cNvPicPr>
+            <a:picLocks noGrp="1" noRot="1" noChangeAspect="1" noMove="1" noResize="1" noEditPoints="1" noAdjustHandles="1" noChangeArrowheads="1" noChangeShapeType="1" noCrop="1"/>
+          </p:cNvPicPr>
+          <p:nvPr>
+            <p:extLst>
+              <p:ext uri="{386F3935-93C4-4BCD-93E2-E3B085C9AB24}">
+                <p16:designElem xmlns:p16="http://schemas.microsoft.com/office/powerpoint/2015/main" val="1"/>
+              </p:ext>
+            </p:extLst>
+          </p:nvPr>
+        </p:nvPicPr>
+        <p:blipFill>
+          <a:blip r:embed="rId4">
+            <a:extLst>
+              <a:ext uri="{28A0092B-C50C-407E-A947-70E740481C1C}">
+                <a14:useLocalDpi xmlns:a14="http://schemas.microsoft.com/office/drawing/2010/main" val="0"/>
+              </a:ext>
+            </a:extLst>
+          </a:blip>
+          <a:srcRect r="14729"/>
+          <a:stretch>
+            <a:fillRect/>
+          </a:stretch>
+        </p:blipFill>
+        <p:spPr>
+          <a:xfrm>
+            <a:off x="3466214" y="550975"/>
+            <a:ext cx="8725786" cy="5756049"/>
+          </a:xfrm>
+          <a:custGeom>
+            <a:avLst/>
+            <a:gdLst>
+              <a:gd name="connsiteX0" fmla="*/ 0 w 8725786"/>
+              <a:gd name="connsiteY0" fmla="*/ 0 h 5756049"/>
+              <a:gd name="connsiteX1" fmla="*/ 8725786 w 8725786"/>
+              <a:gd name="connsiteY1" fmla="*/ 0 h 5756049"/>
+              <a:gd name="connsiteX2" fmla="*/ 8725786 w 8725786"/>
+              <a:gd name="connsiteY2" fmla="*/ 5756049 h 5756049"/>
+              <a:gd name="connsiteX3" fmla="*/ 0 w 8725786"/>
+              <a:gd name="connsiteY3" fmla="*/ 5756049 h 5756049"/>
+            </a:gdLst>
+            <a:ahLst/>
+            <a:cxnLst>
+              <a:cxn ang="0">
+                <a:pos x="connsiteX0" y="connsiteY0"/>
+              </a:cxn>
+              <a:cxn ang="0">
+                <a:pos x="connsiteX1" y="connsiteY1"/>
+              </a:cxn>
+              <a:cxn ang="0">
+                <a:pos x="connsiteX2" y="connsiteY2"/>
+              </a:cxn>
+              <a:cxn ang="0">
+                <a:pos x="connsiteX3" y="connsiteY3"/>
+              </a:cxn>
+            </a:cxnLst>
+            <a:rect l="l" t="t" r="r" b="b"/>
+            <a:pathLst>
+              <a:path w="8725786" h="5756049">
+                <a:moveTo>
+                  <a:pt x="0" y="0"/>
+                </a:moveTo>
+                <a:lnTo>
+                  <a:pt x="8725786" y="0"/>
+                </a:lnTo>
+                <a:lnTo>
+                  <a:pt x="8725786" y="5756049"/>
+                </a:lnTo>
+                <a:lnTo>
+                  <a:pt x="0" y="5756049"/>
+                </a:lnTo>
+                <a:close/>
+              </a:path>
+            </a:pathLst>
+          </a:custGeom>
+        </p:spPr>
+      </p:pic>
+      <p:sp>
+        <p:nvSpPr>
+          <p:cNvPr id="3" name="Retângulo 2">
+            <a:extLst>
+              <a:ext uri="{FF2B5EF4-FFF2-40B4-BE49-F238E27FC236}">
+                <a16:creationId xmlns:a16="http://schemas.microsoft.com/office/drawing/2014/main" id="{B8384E43-4340-4DAD-A6F4-1CDE0B2E3F79}"/>
+              </a:ext>
+            </a:extLst>
+          </p:cNvPr>
+          <p:cNvSpPr/>
+          <p:nvPr/>
+        </p:nvSpPr>
+        <p:spPr>
+          <a:xfrm>
+            <a:off x="804484" y="2546823"/>
+            <a:ext cx="3948269" cy="2383844"/>
+          </a:xfrm>
+          <a:prstGeom prst="rect">
+            <a:avLst/>
+          </a:prstGeom>
+        </p:spPr>
+        <p:txBody>
+          <a:bodyPr vert="horz" lIns="91440" tIns="45720" rIns="91440" bIns="45720" rtlCol="0" anchor="t">
+            <a:normAutofit/>
+          </a:bodyPr>
+          <a:lstStyle/>
+          <a:p>
+            <a:pPr>
               <a:lnSpc>
-                <a:spcPct val="100000"/>
+                <a:spcPct val="90000"/>
               </a:lnSpc>
               <a:spcBef>
-                <a:spcPts val="0"/>
+                <a:spcPct val="0"/>
               </a:spcBef>
               <a:spcAft>
-                <a:spcPts val="0"/>
+                <a:spcPts val="600"/>
               </a:spcAft>
-              <a:buClrTx/>
-              <a:buSzTx/>
-              <a:buFontTx/>
-              <a:buNone/>
-              <a:tabLst/>
-              <a:defRPr/>
             </a:pPr>
-            <a:endParaRPr kumimoji="0" lang="en-US" sz="1800" b="0" i="0" u="none" strike="noStrike" kern="1200" cap="none" spc="0" normalizeH="0" baseline="0" noProof="0">
-              <a:ln>
-                <a:noFill/>
-              </a:ln>
-              <a:solidFill>
-                <a:prstClr val="white"/>
-              </a:solidFill>
-              <a:effectLst/>
-              <a:uLnTx/>
-              <a:uFillTx/>
-              <a:latin typeface="Calibri" panose="020F0502020204030204"/>
-              <a:ea typeface="+mn-ea"/>
-              <a:cs typeface="+mn-cs"/>
-            </a:endParaRPr>
+            <a:r>
+              <a:rPr lang="en-US" sz="4400" b="1" cap="none" spc="0">
+                <a:ln w="9525">
+                  <a:solidFill>
+                    <a:schemeClr val="bg1"/>
+                  </a:solidFill>
+                  <a:prstDash val="solid"/>
+                </a:ln>
+                <a:solidFill>
+                  <a:srgbClr val="000000"/>
+                </a:solidFill>
+                <a:effectLst>
+                  <a:outerShdw blurRad="12700" dist="38100" dir="2700000" algn="tl" rotWithShape="0">
+                    <a:schemeClr val="accent5">
+                      <a:lumMod val="60000"/>
+                      <a:lumOff val="40000"/>
+                    </a:schemeClr>
+                  </a:outerShdw>
+                </a:effectLst>
+                <a:latin typeface="+mj-lt"/>
+                <a:ea typeface="+mj-ea"/>
+                <a:cs typeface="+mj-cs"/>
+              </a:rPr>
+              <a:t>Vantagens na sociedade</a:t>
+            </a:r>
           </a:p>
         </p:txBody>
       </p:sp>
@@ -4210,7 +5753,7 @@
         </p:nvSpPr>
         <p:spPr>
           <a:xfrm>
-            <a:off x="8929568" y="6657945"/>
+            <a:off x="8929568" y="6053804"/>
             <a:ext cx="3262432" cy="200055"/>
           </a:xfrm>
           <a:prstGeom prst="rect">
@@ -4267,7 +5810,7 @@
                 <a:solidFill>
                   <a:srgbClr val="FFFFFF"/>
                 </a:solidFill>
-                <a:hlinkClick r:id="rId4" tooltip="https://creativecommons.org/licenses/by/3.0/">
+                <a:hlinkClick r:id="rId5" tooltip="https://creativecommons.org/licenses/by/3.0/">
                   <a:extLst>
                     <a:ext uri="{A12FA001-AC4F-418D-AE19-62706E023703}">
                       <ahyp:hlinkClr xmlns:ahyp="http://schemas.microsoft.com/office/drawing/2018/hyperlinkcolor" val="tx"/>
@@ -4483,7 +6026,7 @@
           <a:p>
             <a:pPr algn="ctr"/>
             <a:r>
-              <a:rPr lang="en-US" sz="5100" kern="1200" dirty="0" err="1">
+              <a:rPr lang="en-US" sz="5100" kern="1200" dirty="0">
                 <a:solidFill>
                   <a:srgbClr val="FFFFFF"/>
                 </a:solidFill>
@@ -4493,14 +6036,6 @@
               </a:rPr>
               <a:t>Doenças</a:t>
             </a:r>
-            <a:endParaRPr lang="en-US" sz="5100" kern="1200" dirty="0">
-              <a:solidFill>
-                <a:srgbClr val="FFFFFF"/>
-              </a:solidFill>
-              <a:latin typeface="+mj-lt"/>
-              <a:ea typeface="+mj-ea"/>
-              <a:cs typeface="+mj-cs"/>
-            </a:endParaRPr>
           </a:p>
         </p:txBody>
       </p:sp>
@@ -4520,6 +6055,14 @@
 <file path=ppt/slides/slide3.xml><?xml version="1.0" encoding="utf-8"?>
 <p:sld xmlns:a="http://schemas.openxmlformats.org/drawingml/2006/main" xmlns:r="http://schemas.openxmlformats.org/officeDocument/2006/relationships" xmlns:p="http://schemas.openxmlformats.org/presentationml/2006/main">
   <p:cSld>
+    <p:bg>
+      <p:bgPr>
+        <a:solidFill>
+          <a:schemeClr val="bg1"/>
+        </a:solidFill>
+        <a:effectLst/>
+      </p:bgPr>
+    </p:bg>
     <p:spTree>
       <p:nvGrpSpPr>
         <p:cNvPr id="1" name=""/>
@@ -4534,6 +6077,196 @@
           <a:chExt cx="0" cy="0"/>
         </a:xfrm>
       </p:grpSpPr>
+      <p:sp useBgFill="1">
+        <p:nvSpPr>
+          <p:cNvPr id="26" name="Rectangle 7">
+            <a:extLst>
+              <a:ext uri="{FF2B5EF4-FFF2-40B4-BE49-F238E27FC236}">
+                <a16:creationId xmlns:a16="http://schemas.microsoft.com/office/drawing/2014/main" id="{3B854194-185D-494D-905C-7C7CB2E30F6E}"/>
+              </a:ext>
+              <a:ext uri="{C183D7F6-B498-43B3-948B-1728B52AA6E4}">
+                <adec:decorative xmlns:adec="http://schemas.microsoft.com/office/drawing/2017/decorative" val="1"/>
+              </a:ext>
+            </a:extLst>
+          </p:cNvPr>
+          <p:cNvSpPr>
+            <a:spLocks noGrp="1" noRot="1" noChangeAspect="1" noMove="1" noResize="1" noEditPoints="1" noAdjustHandles="1" noChangeArrowheads="1" noChangeShapeType="1" noTextEdit="1"/>
+          </p:cNvSpPr>
+          <p:nvPr>
+            <p:extLst>
+              <p:ext uri="{386F3935-93C4-4BCD-93E2-E3B085C9AB24}">
+                <p16:designElem xmlns:p16="http://schemas.microsoft.com/office/powerpoint/2015/main" val="1"/>
+              </p:ext>
+            </p:extLst>
+          </p:nvPr>
+        </p:nvSpPr>
+        <p:spPr>
+          <a:xfrm>
+            <a:off x="1" y="0"/>
+            <a:ext cx="6082110" cy="6858000"/>
+          </a:xfrm>
+          <a:prstGeom prst="rect">
+            <a:avLst/>
+          </a:prstGeom>
+          <a:ln>
+            <a:noFill/>
+          </a:ln>
+        </p:spPr>
+        <p:style>
+          <a:lnRef idx="2">
+            <a:schemeClr val="accent1">
+              <a:shade val="50000"/>
+            </a:schemeClr>
+          </a:lnRef>
+          <a:fillRef idx="1">
+            <a:schemeClr val="accent1"/>
+          </a:fillRef>
+          <a:effectRef idx="0">
+            <a:schemeClr val="accent1"/>
+          </a:effectRef>
+          <a:fontRef idx="minor">
+            <a:schemeClr val="lt1"/>
+          </a:fontRef>
+        </p:style>
+        <p:txBody>
+          <a:bodyPr rtlCol="0" anchor="ctr"/>
+          <a:lstStyle/>
+          <a:p>
+            <a:pPr algn="ctr"/>
+            <a:endParaRPr lang="en-US"/>
+          </a:p>
+        </p:txBody>
+      </p:sp>
+      <p:sp>
+        <p:nvSpPr>
+          <p:cNvPr id="27" name="Rectangle 9">
+            <a:extLst>
+              <a:ext uri="{FF2B5EF4-FFF2-40B4-BE49-F238E27FC236}">
+                <a16:creationId xmlns:a16="http://schemas.microsoft.com/office/drawing/2014/main" id="{B4F5FA0D-0104-4987-8241-EFF7C85B88DE}"/>
+              </a:ext>
+              <a:ext uri="{C183D7F6-B498-43B3-948B-1728B52AA6E4}">
+                <adec:decorative xmlns:adec="http://schemas.microsoft.com/office/drawing/2017/decorative" val="1"/>
+              </a:ext>
+            </a:extLst>
+          </p:cNvPr>
+          <p:cNvSpPr>
+            <a:spLocks noGrp="1" noRot="1" noChangeAspect="1" noMove="1" noResize="1" noEditPoints="1" noAdjustHandles="1" noChangeArrowheads="1" noChangeShapeType="1" noTextEdit="1"/>
+          </p:cNvSpPr>
+          <p:nvPr>
+            <p:extLst>
+              <p:ext uri="{386F3935-93C4-4BCD-93E2-E3B085C9AB24}">
+                <p16:designElem xmlns:p16="http://schemas.microsoft.com/office/powerpoint/2015/main" val="1"/>
+              </p:ext>
+            </p:extLst>
+          </p:nvPr>
+        </p:nvSpPr>
+        <p:spPr>
+          <a:xfrm>
+            <a:off x="1" y="0"/>
+            <a:ext cx="12191998" cy="6858000"/>
+          </a:xfrm>
+          <a:prstGeom prst="rect">
+            <a:avLst/>
+          </a:prstGeom>
+          <a:gradFill>
+            <a:gsLst>
+              <a:gs pos="0">
+                <a:schemeClr val="accent1">
+                  <a:lumMod val="90000"/>
+                </a:schemeClr>
+              </a:gs>
+              <a:gs pos="25000">
+                <a:schemeClr val="accent1">
+                  <a:lumMod val="90000"/>
+                </a:schemeClr>
+              </a:gs>
+              <a:gs pos="94000">
+                <a:schemeClr val="bg2">
+                  <a:lumMod val="25000"/>
+                </a:schemeClr>
+              </a:gs>
+              <a:gs pos="100000">
+                <a:schemeClr val="bg2">
+                  <a:lumMod val="25000"/>
+                </a:schemeClr>
+              </a:gs>
+            </a:gsLst>
+            <a:lin ang="4200000" scaled="0"/>
+          </a:gradFill>
+          <a:ln>
+            <a:noFill/>
+          </a:ln>
+        </p:spPr>
+        <p:style>
+          <a:lnRef idx="2">
+            <a:schemeClr val="accent1">
+              <a:shade val="50000"/>
+            </a:schemeClr>
+          </a:lnRef>
+          <a:fillRef idx="1">
+            <a:schemeClr val="accent1"/>
+          </a:fillRef>
+          <a:effectRef idx="0">
+            <a:schemeClr val="accent1"/>
+          </a:effectRef>
+          <a:fontRef idx="minor">
+            <a:schemeClr val="lt1"/>
+          </a:fontRef>
+        </p:style>
+        <p:txBody>
+          <a:bodyPr rtlCol="0" anchor="ctr"/>
+          <a:lstStyle/>
+          <a:p>
+            <a:pPr algn="ctr"/>
+            <a:endParaRPr lang="en-US"/>
+          </a:p>
+        </p:txBody>
+      </p:sp>
+      <p:pic>
+        <p:nvPicPr>
+          <p:cNvPr id="28" name="Picture 11">
+            <a:extLst>
+              <a:ext uri="{FF2B5EF4-FFF2-40B4-BE49-F238E27FC236}">
+                <a16:creationId xmlns:a16="http://schemas.microsoft.com/office/drawing/2014/main" id="{2897127E-6CEF-446C-BE87-93B7C46E49D1}"/>
+              </a:ext>
+              <a:ext uri="{C183D7F6-B498-43B3-948B-1728B52AA6E4}">
+                <adec:decorative xmlns:adec="http://schemas.microsoft.com/office/drawing/2017/decorative" val="1"/>
+              </a:ext>
+            </a:extLst>
+          </p:cNvPr>
+          <p:cNvPicPr>
+            <a:picLocks noGrp="1" noRot="1" noChangeAspect="1" noMove="1" noResize="1" noEditPoints="1" noAdjustHandles="1" noChangeArrowheads="1" noChangeShapeType="1" noCrop="1"/>
+          </p:cNvPicPr>
+          <p:nvPr>
+            <p:extLst>
+              <p:ext uri="{386F3935-93C4-4BCD-93E2-E3B085C9AB24}">
+                <p16:designElem xmlns:p16="http://schemas.microsoft.com/office/powerpoint/2015/main" val="1"/>
+              </p:ext>
+            </p:extLst>
+          </p:nvPr>
+        </p:nvPicPr>
+        <p:blipFill>
+          <a:blip r:embed="rId3">
+            <a:extLst>
+              <a:ext uri="{28A0092B-C50C-407E-A947-70E740481C1C}">
+                <a14:useLocalDpi xmlns:a14="http://schemas.microsoft.com/office/drawing/2010/main" val="0"/>
+              </a:ext>
+            </a:extLst>
+          </a:blip>
+          <a:stretch>
+            <a:fillRect/>
+          </a:stretch>
+        </p:blipFill>
+        <p:spPr>
+          <a:xfrm>
+            <a:off x="0" y="0"/>
+            <a:ext cx="12192000" cy="6858000"/>
+          </a:xfrm>
+          <a:prstGeom prst="rect">
+            <a:avLst/>
+          </a:prstGeom>
+        </p:spPr>
+      </p:pic>
       <p:sp>
         <p:nvSpPr>
           <p:cNvPr id="2" name="Título 1">
@@ -4550,13 +6283,24 @@
             <p:ph type="title"/>
           </p:nvPr>
         </p:nvSpPr>
-        <p:spPr/>
-        <p:txBody>
-          <a:bodyPr/>
+        <p:spPr>
+          <a:xfrm>
+            <a:off x="640079" y="2053641"/>
+            <a:ext cx="3669161" cy="2760098"/>
+          </a:xfrm>
+        </p:spPr>
+        <p:txBody>
+          <a:bodyPr>
+            <a:normAutofit/>
+          </a:bodyPr>
           <a:lstStyle/>
           <a:p>
             <a:r>
-              <a:rPr lang="pt-PT" dirty="0"/>
+              <a:rPr lang="pt-PT">
+                <a:solidFill>
+                  <a:srgbClr val="FFFFFF"/>
+                </a:solidFill>
+              </a:rPr>
               <a:t>Gripe</a:t>
             </a:r>
           </a:p>
@@ -4578,19 +6322,30 @@
             <p:ph idx="1"/>
           </p:nvPr>
         </p:nvSpPr>
-        <p:spPr/>
-        <p:txBody>
-          <a:bodyPr/>
+        <p:spPr>
+          <a:xfrm>
+            <a:off x="6090574" y="801866"/>
+            <a:ext cx="5306084" cy="5230634"/>
+          </a:xfrm>
+        </p:spPr>
+        <p:txBody>
+          <a:bodyPr anchor="ctr">
+            <a:normAutofit/>
+          </a:bodyPr>
           <a:lstStyle/>
           <a:p>
             <a:r>
-              <a:rPr lang="pt-PT" dirty="0"/>
+              <a:rPr lang="pt-PT" sz="2400">
+                <a:solidFill>
+                  <a:srgbClr val="000000"/>
+                </a:solidFill>
+              </a:rPr>
               <a:t>Alguém com gripe pode espalhar gotículas infetadas a uma distância de até 1,8 metros.</a:t>
             </a:r>
           </a:p>
           <a:p>
             <a:r>
-              <a:rPr lang="pt-PT" sz="2800" dirty="0">
+              <a:rPr lang="pt-PT" sz="2400">
                 <a:solidFill>
                   <a:srgbClr val="000000"/>
                 </a:solidFill>
@@ -4599,7 +6354,11 @@
             </a:r>
           </a:p>
           <a:p>
-            <a:endParaRPr lang="pt-PT" dirty="0"/>
+            <a:endParaRPr lang="pt-PT" sz="2400">
+              <a:solidFill>
+                <a:srgbClr val="000000"/>
+              </a:solidFill>
+            </a:endParaRPr>
           </a:p>
         </p:txBody>
       </p:sp>
@@ -4619,6 +6378,14 @@
 <file path=ppt/slides/slide4.xml><?xml version="1.0" encoding="utf-8"?>
 <p:sld xmlns:a="http://schemas.openxmlformats.org/drawingml/2006/main" xmlns:r="http://schemas.openxmlformats.org/officeDocument/2006/relationships" xmlns:p="http://schemas.openxmlformats.org/presentationml/2006/main">
   <p:cSld>
+    <p:bg>
+      <p:bgPr>
+        <a:solidFill>
+          <a:schemeClr val="bg1"/>
+        </a:solidFill>
+        <a:effectLst/>
+      </p:bgPr>
+    </p:bg>
     <p:spTree>
       <p:nvGrpSpPr>
         <p:cNvPr id="1" name=""/>
@@ -4635,58 +6402,585 @@
       </p:grpSpPr>
       <p:sp>
         <p:nvSpPr>
-          <p:cNvPr id="2" name="Título 1">
-            <a:extLst>
-              <a:ext uri="{FF2B5EF4-FFF2-40B4-BE49-F238E27FC236}">
-                <a16:creationId xmlns:a16="http://schemas.microsoft.com/office/drawing/2014/main" id="{8EF850C3-13B9-48C8-9564-225F2593A2FE}"/>
-              </a:ext>
-            </a:extLst>
-          </p:cNvPr>
-          <p:cNvSpPr>
-            <a:spLocks noGrp="1"/>
-          </p:cNvSpPr>
-          <p:nvPr>
-            <p:ph type="title"/>
-          </p:nvPr>
-        </p:nvSpPr>
-        <p:spPr/>
-        <p:txBody>
-          <a:bodyPr/>
+          <p:cNvPr id="154" name="Rectangle 82">
+            <a:extLst>
+              <a:ext uri="{FF2B5EF4-FFF2-40B4-BE49-F238E27FC236}">
+                <a16:creationId xmlns:a16="http://schemas.microsoft.com/office/drawing/2014/main" id="{F3060C83-F051-4F0E-ABAD-AA0DFC48B218}"/>
+              </a:ext>
+              <a:ext uri="{C183D7F6-B498-43B3-948B-1728B52AA6E4}">
+                <adec:decorative xmlns:adec="http://schemas.microsoft.com/office/drawing/2017/decorative" val="1"/>
+              </a:ext>
+            </a:extLst>
+          </p:cNvPr>
+          <p:cNvSpPr>
+            <a:spLocks noGrp="1" noRot="1" noChangeAspect="1" noMove="1" noResize="1" noEditPoints="1" noAdjustHandles="1" noChangeArrowheads="1" noChangeShapeType="1" noTextEdit="1"/>
+          </p:cNvSpPr>
+          <p:nvPr>
+            <p:extLst>
+              <p:ext uri="{386F3935-93C4-4BCD-93E2-E3B085C9AB24}">
+                <p16:designElem xmlns:p16="http://schemas.microsoft.com/office/powerpoint/2015/main" val="1"/>
+              </p:ext>
+            </p:extLst>
+          </p:nvPr>
+        </p:nvSpPr>
+        <p:spPr>
+          <a:xfrm>
+            <a:off x="0" y="0"/>
+            <a:ext cx="12192000" cy="6858000"/>
+          </a:xfrm>
+          <a:prstGeom prst="rect">
+            <a:avLst/>
+          </a:prstGeom>
+          <a:solidFill>
+            <a:schemeClr val="bg1"/>
+          </a:solidFill>
+          <a:ln>
+            <a:noFill/>
+          </a:ln>
+        </p:spPr>
+        <p:style>
+          <a:lnRef idx="2">
+            <a:schemeClr val="accent1">
+              <a:shade val="50000"/>
+            </a:schemeClr>
+          </a:lnRef>
+          <a:fillRef idx="1">
+            <a:schemeClr val="accent1"/>
+          </a:fillRef>
+          <a:effectRef idx="0">
+            <a:schemeClr val="accent1"/>
+          </a:effectRef>
+          <a:fontRef idx="minor">
+            <a:schemeClr val="lt1"/>
+          </a:fontRef>
+        </p:style>
+        <p:txBody>
+          <a:bodyPr rtlCol="0" anchor="ctr"/>
           <a:lstStyle/>
           <a:p>
-            <a:r>
-              <a:rPr lang="pt-PT" dirty="0"/>
-              <a:t>Gráfico número de doentes com gripe este ano</a:t>
-            </a:r>
-            <a:r>
-              <a:rPr lang="pt-PT"/>
-              <a:t>/outros anos</a:t>
-            </a:r>
-          </a:p>
-        </p:txBody>
-      </p:sp>
-      <p:sp>
-        <p:nvSpPr>
-          <p:cNvPr id="3" name="Marcador de Posição de Conteúdo 2">
-            <a:extLst>
-              <a:ext uri="{FF2B5EF4-FFF2-40B4-BE49-F238E27FC236}">
-                <a16:creationId xmlns:a16="http://schemas.microsoft.com/office/drawing/2014/main" id="{61DFC2F3-527C-4369-BBA8-0D0C86C69566}"/>
-              </a:ext>
-            </a:extLst>
-          </p:cNvPr>
-          <p:cNvSpPr>
-            <a:spLocks noGrp="1"/>
-          </p:cNvSpPr>
-          <p:nvPr>
-            <p:ph idx="1"/>
-          </p:nvPr>
-        </p:nvSpPr>
-        <p:spPr/>
-        <p:txBody>
-          <a:bodyPr/>
+            <a:pPr algn="ctr"/>
+            <a:endParaRPr lang="en-US" dirty="0"/>
+          </a:p>
+        </p:txBody>
+      </p:sp>
+      <p:pic>
+        <p:nvPicPr>
+          <p:cNvPr id="60" name="Imagem 59">
+            <a:extLst>
+              <a:ext uri="{FF2B5EF4-FFF2-40B4-BE49-F238E27FC236}">
+                <a16:creationId xmlns:a16="http://schemas.microsoft.com/office/drawing/2014/main" id="{AA21F25A-81CA-41B3-8441-BE5F60E12A91}"/>
+              </a:ext>
+            </a:extLst>
+          </p:cNvPr>
+          <p:cNvPicPr>
+            <a:picLocks noChangeAspect="1"/>
+          </p:cNvPicPr>
+          <p:nvPr/>
+        </p:nvPicPr>
+        <p:blipFill rotWithShape="1">
+          <a:blip r:embed="rId3">
+            <a:extLst>
+              <a:ext uri="{28A0092B-C50C-407E-A947-70E740481C1C}">
+                <a14:useLocalDpi xmlns:a14="http://schemas.microsoft.com/office/drawing/2010/main" val="0"/>
+              </a:ext>
+            </a:extLst>
+          </a:blip>
+          <a:srcRect/>
+          <a:stretch/>
+        </p:blipFill>
+        <p:spPr>
+          <a:xfrm>
+            <a:off x="850791" y="903494"/>
+            <a:ext cx="10490417" cy="5726097"/>
+          </a:xfrm>
+          <a:prstGeom prst="rect">
+            <a:avLst/>
+          </a:prstGeom>
+        </p:spPr>
+      </p:pic>
+      <p:sp>
+        <p:nvSpPr>
+          <p:cNvPr id="155" name="Freeform: Shape 84">
+            <a:extLst>
+              <a:ext uri="{FF2B5EF4-FFF2-40B4-BE49-F238E27FC236}">
+                <a16:creationId xmlns:a16="http://schemas.microsoft.com/office/drawing/2014/main" id="{83C98ABE-055B-441F-B07E-44F97F083C39}"/>
+              </a:ext>
+              <a:ext uri="{C183D7F6-B498-43B3-948B-1728B52AA6E4}">
+                <adec:decorative xmlns:adec="http://schemas.microsoft.com/office/drawing/2017/decorative" val="1"/>
+              </a:ext>
+            </a:extLst>
+          </p:cNvPr>
+          <p:cNvSpPr>
+            <a:spLocks noGrp="1" noRot="1" noChangeAspect="1" noMove="1" noResize="1" noEditPoints="1" noAdjustHandles="1" noChangeArrowheads="1" noChangeShapeType="1" noTextEdit="1"/>
+          </p:cNvSpPr>
+          <p:nvPr>
+            <p:extLst>
+              <p:ext uri="{386F3935-93C4-4BCD-93E2-E3B085C9AB24}">
+                <p16:designElem xmlns:p16="http://schemas.microsoft.com/office/powerpoint/2015/main" val="1"/>
+              </p:ext>
+            </p:extLst>
+          </p:nvPr>
+        </p:nvSpPr>
+        <p:spPr>
+          <a:xfrm rot="18900000" flipH="1">
+            <a:off x="-376156" y="-253670"/>
+            <a:ext cx="1827638" cy="1376989"/>
+          </a:xfrm>
+          <a:custGeom>
+            <a:avLst/>
+            <a:gdLst>
+              <a:gd name="connsiteX0" fmla="*/ 0 w 1827638"/>
+              <a:gd name="connsiteY0" fmla="*/ 987379 h 1376989"/>
+              <a:gd name="connsiteX1" fmla="*/ 987379 w 1827638"/>
+              <a:gd name="connsiteY1" fmla="*/ 0 h 1376989"/>
+              <a:gd name="connsiteX2" fmla="*/ 1827638 w 1827638"/>
+              <a:gd name="connsiteY2" fmla="*/ 840260 h 1376989"/>
+              <a:gd name="connsiteX3" fmla="*/ 1827638 w 1827638"/>
+              <a:gd name="connsiteY3" fmla="*/ 1376989 h 1376989"/>
+              <a:gd name="connsiteX4" fmla="*/ 0 w 1827638"/>
+              <a:gd name="connsiteY4" fmla="*/ 1376989 h 1376989"/>
+            </a:gdLst>
+            <a:ahLst/>
+            <a:cxnLst>
+              <a:cxn ang="0">
+                <a:pos x="connsiteX0" y="connsiteY0"/>
+              </a:cxn>
+              <a:cxn ang="0">
+                <a:pos x="connsiteX1" y="connsiteY1"/>
+              </a:cxn>
+              <a:cxn ang="0">
+                <a:pos x="connsiteX2" y="connsiteY2"/>
+              </a:cxn>
+              <a:cxn ang="0">
+                <a:pos x="connsiteX3" y="connsiteY3"/>
+              </a:cxn>
+              <a:cxn ang="0">
+                <a:pos x="connsiteX4" y="connsiteY4"/>
+              </a:cxn>
+            </a:cxnLst>
+            <a:rect l="l" t="t" r="r" b="b"/>
+            <a:pathLst>
+              <a:path w="1827638" h="1376989">
+                <a:moveTo>
+                  <a:pt x="0" y="987379"/>
+                </a:moveTo>
+                <a:lnTo>
+                  <a:pt x="987379" y="0"/>
+                </a:lnTo>
+                <a:lnTo>
+                  <a:pt x="1827638" y="840260"/>
+                </a:lnTo>
+                <a:lnTo>
+                  <a:pt x="1827638" y="1376989"/>
+                </a:lnTo>
+                <a:lnTo>
+                  <a:pt x="0" y="1376989"/>
+                </a:lnTo>
+                <a:close/>
+              </a:path>
+            </a:pathLst>
+          </a:custGeom>
+          <a:solidFill>
+            <a:schemeClr val="accent1">
+              <a:alpha val="30000"/>
+            </a:schemeClr>
+          </a:solidFill>
+          <a:ln>
+            <a:noFill/>
+          </a:ln>
+        </p:spPr>
+        <p:style>
+          <a:lnRef idx="2">
+            <a:schemeClr val="accent1">
+              <a:shade val="50000"/>
+            </a:schemeClr>
+          </a:lnRef>
+          <a:fillRef idx="1">
+            <a:schemeClr val="accent1"/>
+          </a:fillRef>
+          <a:effectRef idx="0">
+            <a:schemeClr val="accent1"/>
+          </a:effectRef>
+          <a:fontRef idx="minor">
+            <a:schemeClr val="lt1"/>
+          </a:fontRef>
+        </p:style>
+        <p:txBody>
+          <a:bodyPr rtlCol="0" anchor="ctr"/>
           <a:lstStyle/>
           <a:p>
-            <a:endParaRPr lang="pt-PT"/>
+            <a:pPr algn="ctr"/>
+            <a:endParaRPr lang="en-US" dirty="0"/>
+          </a:p>
+        </p:txBody>
+      </p:sp>
+      <p:sp>
+        <p:nvSpPr>
+          <p:cNvPr id="156" name="Rectangle 86">
+            <a:extLst>
+              <a:ext uri="{FF2B5EF4-FFF2-40B4-BE49-F238E27FC236}">
+                <a16:creationId xmlns:a16="http://schemas.microsoft.com/office/drawing/2014/main" id="{29FDB030-9B49-4CED-8CCD-4D99382388AC}"/>
+              </a:ext>
+              <a:ext uri="{C183D7F6-B498-43B3-948B-1728B52AA6E4}">
+                <adec:decorative xmlns:adec="http://schemas.microsoft.com/office/drawing/2017/decorative" val="1"/>
+              </a:ext>
+            </a:extLst>
+          </p:cNvPr>
+          <p:cNvSpPr>
+            <a:spLocks noGrp="1" noRot="1" noChangeAspect="1" noMove="1" noResize="1" noEditPoints="1" noAdjustHandles="1" noChangeArrowheads="1" noChangeShapeType="1" noTextEdit="1"/>
+          </p:cNvSpPr>
+          <p:nvPr>
+            <p:extLst>
+              <p:ext uri="{386F3935-93C4-4BCD-93E2-E3B085C9AB24}">
+                <p16:designElem xmlns:p16="http://schemas.microsoft.com/office/powerpoint/2015/main" val="1"/>
+              </p:ext>
+            </p:extLst>
+          </p:nvPr>
+        </p:nvSpPr>
+        <p:spPr>
+          <a:xfrm rot="18900000" flipH="1">
+            <a:off x="891641" y="422146"/>
+            <a:ext cx="645368" cy="645368"/>
+          </a:xfrm>
+          <a:prstGeom prst="rect">
+            <a:avLst/>
+          </a:prstGeom>
+          <a:solidFill>
+            <a:schemeClr val="accent1">
+              <a:alpha val="30000"/>
+            </a:schemeClr>
+          </a:solidFill>
+          <a:ln>
+            <a:noFill/>
+          </a:ln>
+        </p:spPr>
+        <p:style>
+          <a:lnRef idx="2">
+            <a:schemeClr val="accent1">
+              <a:shade val="50000"/>
+            </a:schemeClr>
+          </a:lnRef>
+          <a:fillRef idx="1">
+            <a:schemeClr val="accent1"/>
+          </a:fillRef>
+          <a:effectRef idx="0">
+            <a:schemeClr val="accent1"/>
+          </a:effectRef>
+          <a:fontRef idx="minor">
+            <a:schemeClr val="lt1"/>
+          </a:fontRef>
+        </p:style>
+        <p:txBody>
+          <a:bodyPr rtlCol="0" anchor="ctr"/>
+          <a:lstStyle/>
+          <a:p>
+            <a:pPr algn="ctr"/>
+            <a:endParaRPr lang="en-US"/>
+          </a:p>
+        </p:txBody>
+      </p:sp>
+      <p:sp>
+        <p:nvSpPr>
+          <p:cNvPr id="157" name="Rectangle 88">
+            <a:extLst>
+              <a:ext uri="{FF2B5EF4-FFF2-40B4-BE49-F238E27FC236}">
+                <a16:creationId xmlns:a16="http://schemas.microsoft.com/office/drawing/2014/main" id="{3783CA14-24A1-485C-8B30-D6A5D87987AD}"/>
+              </a:ext>
+              <a:ext uri="{C183D7F6-B498-43B3-948B-1728B52AA6E4}">
+                <adec:decorative xmlns:adec="http://schemas.microsoft.com/office/drawing/2017/decorative" val="1"/>
+              </a:ext>
+            </a:extLst>
+          </p:cNvPr>
+          <p:cNvSpPr>
+            <a:spLocks noGrp="1" noRot="1" noChangeAspect="1" noMove="1" noResize="1" noEditPoints="1" noAdjustHandles="1" noChangeArrowheads="1" noChangeShapeType="1" noTextEdit="1"/>
+          </p:cNvSpPr>
+          <p:nvPr>
+            <p:extLst>
+              <p:ext uri="{386F3935-93C4-4BCD-93E2-E3B085C9AB24}">
+                <p16:designElem xmlns:p16="http://schemas.microsoft.com/office/powerpoint/2015/main" val="1"/>
+              </p:ext>
+            </p:extLst>
+          </p:nvPr>
+        </p:nvSpPr>
+        <p:spPr>
+          <a:xfrm rot="18900000" flipH="1">
+            <a:off x="10043482" y="655140"/>
+            <a:ext cx="687472" cy="687472"/>
+          </a:xfrm>
+          <a:prstGeom prst="rect">
+            <a:avLst/>
+          </a:prstGeom>
+          <a:solidFill>
+            <a:schemeClr val="accent4">
+              <a:alpha val="30000"/>
+            </a:schemeClr>
+          </a:solidFill>
+          <a:ln>
+            <a:noFill/>
+          </a:ln>
+        </p:spPr>
+        <p:style>
+          <a:lnRef idx="2">
+            <a:schemeClr val="accent1">
+              <a:shade val="50000"/>
+            </a:schemeClr>
+          </a:lnRef>
+          <a:fillRef idx="1">
+            <a:schemeClr val="accent1"/>
+          </a:fillRef>
+          <a:effectRef idx="0">
+            <a:schemeClr val="accent1"/>
+          </a:effectRef>
+          <a:fontRef idx="minor">
+            <a:schemeClr val="lt1"/>
+          </a:fontRef>
+        </p:style>
+        <p:txBody>
+          <a:bodyPr rtlCol="0" anchor="ctr"/>
+          <a:lstStyle/>
+          <a:p>
+            <a:pPr algn="ctr"/>
+            <a:endParaRPr lang="en-US"/>
+          </a:p>
+        </p:txBody>
+      </p:sp>
+      <p:sp>
+        <p:nvSpPr>
+          <p:cNvPr id="158" name="Freeform: Shape 90">
+            <a:extLst>
+              <a:ext uri="{FF2B5EF4-FFF2-40B4-BE49-F238E27FC236}">
+                <a16:creationId xmlns:a16="http://schemas.microsoft.com/office/drawing/2014/main" id="{9A97C86A-04D6-40F7-AE84-31AB43E6A846}"/>
+              </a:ext>
+              <a:ext uri="{C183D7F6-B498-43B3-948B-1728B52AA6E4}">
+                <adec:decorative xmlns:adec="http://schemas.microsoft.com/office/drawing/2017/decorative" val="1"/>
+              </a:ext>
+            </a:extLst>
+          </p:cNvPr>
+          <p:cNvSpPr>
+            <a:spLocks noGrp="1" noRot="1" noChangeAspect="1" noMove="1" noResize="1" noEditPoints="1" noAdjustHandles="1" noChangeArrowheads="1" noChangeShapeType="1" noTextEdit="1"/>
+          </p:cNvSpPr>
+          <p:nvPr>
+            <p:extLst>
+              <p:ext uri="{386F3935-93C4-4BCD-93E2-E3B085C9AB24}">
+                <p16:designElem xmlns:p16="http://schemas.microsoft.com/office/powerpoint/2015/main" val="1"/>
+              </p:ext>
+            </p:extLst>
+          </p:nvPr>
+        </p:nvSpPr>
+        <p:spPr>
+          <a:xfrm rot="10800000" flipH="1">
+            <a:off x="9356643" y="0"/>
+            <a:ext cx="2835357" cy="1480837"/>
+          </a:xfrm>
+          <a:custGeom>
+            <a:avLst/>
+            <a:gdLst>
+              <a:gd name="connsiteX0" fmla="*/ 2835357 w 2835357"/>
+              <a:gd name="connsiteY0" fmla="*/ 1480837 h 1480837"/>
+              <a:gd name="connsiteX1" fmla="*/ 0 w 2835357"/>
+              <a:gd name="connsiteY1" fmla="*/ 1480837 h 1480837"/>
+              <a:gd name="connsiteX2" fmla="*/ 1552727 w 2835357"/>
+              <a:gd name="connsiteY2" fmla="*/ 0 h 1480837"/>
+              <a:gd name="connsiteX3" fmla="*/ 2835357 w 2835357"/>
+              <a:gd name="connsiteY3" fmla="*/ 1223245 h 1480837"/>
+            </a:gdLst>
+            <a:ahLst/>
+            <a:cxnLst>
+              <a:cxn ang="0">
+                <a:pos x="connsiteX0" y="connsiteY0"/>
+              </a:cxn>
+              <a:cxn ang="0">
+                <a:pos x="connsiteX1" y="connsiteY1"/>
+              </a:cxn>
+              <a:cxn ang="0">
+                <a:pos x="connsiteX2" y="connsiteY2"/>
+              </a:cxn>
+              <a:cxn ang="0">
+                <a:pos x="connsiteX3" y="connsiteY3"/>
+              </a:cxn>
+            </a:cxnLst>
+            <a:rect l="l" t="t" r="r" b="b"/>
+            <a:pathLst>
+              <a:path w="2835357" h="1480837">
+                <a:moveTo>
+                  <a:pt x="2835357" y="1480837"/>
+                </a:moveTo>
+                <a:lnTo>
+                  <a:pt x="0" y="1480837"/>
+                </a:lnTo>
+                <a:lnTo>
+                  <a:pt x="1552727" y="0"/>
+                </a:lnTo>
+                <a:lnTo>
+                  <a:pt x="2835357" y="1223245"/>
+                </a:lnTo>
+                <a:close/>
+              </a:path>
+            </a:pathLst>
+          </a:custGeom>
+          <a:solidFill>
+            <a:schemeClr val="accent4">
+              <a:alpha val="30000"/>
+            </a:schemeClr>
+          </a:solidFill>
+          <a:ln>
+            <a:noFill/>
+          </a:ln>
+        </p:spPr>
+        <p:style>
+          <a:lnRef idx="2">
+            <a:schemeClr val="accent1">
+              <a:shade val="50000"/>
+            </a:schemeClr>
+          </a:lnRef>
+          <a:fillRef idx="1">
+            <a:schemeClr val="accent1"/>
+          </a:fillRef>
+          <a:effectRef idx="0">
+            <a:schemeClr val="accent1"/>
+          </a:effectRef>
+          <a:fontRef idx="minor">
+            <a:schemeClr val="lt1"/>
+          </a:fontRef>
+        </p:style>
+        <p:txBody>
+          <a:bodyPr wrap="square" rtlCol="0" anchor="ctr">
+            <a:noAutofit/>
+          </a:bodyPr>
+          <a:lstStyle/>
+          <a:p>
+            <a:pPr algn="ctr"/>
+            <a:endParaRPr lang="en-US" dirty="0"/>
+          </a:p>
+        </p:txBody>
+      </p:sp>
+      <p:sp>
+        <p:nvSpPr>
+          <p:cNvPr id="159" name="Isosceles Triangle 92">
+            <a:extLst>
+              <a:ext uri="{FF2B5EF4-FFF2-40B4-BE49-F238E27FC236}">
+                <a16:creationId xmlns:a16="http://schemas.microsoft.com/office/drawing/2014/main" id="{FF9F2414-84E8-453E-B1F3-389FDE8192D9}"/>
+              </a:ext>
+              <a:ext uri="{C183D7F6-B498-43B3-948B-1728B52AA6E4}">
+                <adec:decorative xmlns:adec="http://schemas.microsoft.com/office/drawing/2017/decorative" val="1"/>
+              </a:ext>
+            </a:extLst>
+          </p:cNvPr>
+          <p:cNvSpPr>
+            <a:spLocks noGrp="1" noRot="1" noChangeAspect="1" noMove="1" noResize="1" noEditPoints="1" noAdjustHandles="1" noChangeArrowheads="1" noChangeShapeType="1" noTextEdit="1"/>
+          </p:cNvSpPr>
+          <p:nvPr>
+            <p:extLst>
+              <p:ext uri="{386F3935-93C4-4BCD-93E2-E3B085C9AB24}">
+                <p16:designElem xmlns:p16="http://schemas.microsoft.com/office/powerpoint/2015/main" val="1"/>
+              </p:ext>
+            </p:extLst>
+          </p:nvPr>
+        </p:nvSpPr>
+        <p:spPr>
+          <a:xfrm flipH="1">
+            <a:off x="7976344" y="6115501"/>
+            <a:ext cx="1494513" cy="742499"/>
+          </a:xfrm>
+          <a:prstGeom prst="triangle">
+            <a:avLst/>
+          </a:prstGeom>
+          <a:solidFill>
+            <a:schemeClr val="accent1">
+              <a:alpha val="30000"/>
+            </a:schemeClr>
+          </a:solidFill>
+          <a:ln>
+            <a:noFill/>
+          </a:ln>
+        </p:spPr>
+        <p:style>
+          <a:lnRef idx="2">
+            <a:schemeClr val="accent1">
+              <a:shade val="50000"/>
+            </a:schemeClr>
+          </a:lnRef>
+          <a:fillRef idx="1">
+            <a:schemeClr val="accent1"/>
+          </a:fillRef>
+          <a:effectRef idx="0">
+            <a:schemeClr val="accent1"/>
+          </a:effectRef>
+          <a:fontRef idx="minor">
+            <a:schemeClr val="lt1"/>
+          </a:fontRef>
+        </p:style>
+        <p:txBody>
+          <a:bodyPr rtlCol="0" anchor="ctr"/>
+          <a:lstStyle/>
+          <a:p>
+            <a:pPr algn="ctr"/>
+            <a:endParaRPr lang="en-US"/>
+          </a:p>
+        </p:txBody>
+      </p:sp>
+      <p:sp>
+        <p:nvSpPr>
+          <p:cNvPr id="160" name="Isosceles Triangle 94">
+            <a:extLst>
+              <a:ext uri="{FF2B5EF4-FFF2-40B4-BE49-F238E27FC236}">
+                <a16:creationId xmlns:a16="http://schemas.microsoft.com/office/drawing/2014/main" id="{3ECA69A1-7536-43AC-85EF-C7106179F5ED}"/>
+              </a:ext>
+              <a:ext uri="{C183D7F6-B498-43B3-948B-1728B52AA6E4}">
+                <adec:decorative xmlns:adec="http://schemas.microsoft.com/office/drawing/2017/decorative" val="1"/>
+              </a:ext>
+            </a:extLst>
+          </p:cNvPr>
+          <p:cNvSpPr>
+            <a:spLocks noGrp="1" noRot="1" noChangeAspect="1" noMove="1" noResize="1" noEditPoints="1" noAdjustHandles="1" noChangeArrowheads="1" noChangeShapeType="1" noTextEdit="1"/>
+          </p:cNvSpPr>
+          <p:nvPr>
+            <p:extLst>
+              <p:ext uri="{386F3935-93C4-4BCD-93E2-E3B085C9AB24}">
+                <p16:designElem xmlns:p16="http://schemas.microsoft.com/office/powerpoint/2015/main" val="1"/>
+              </p:ext>
+            </p:extLst>
+          </p:nvPr>
+        </p:nvSpPr>
+        <p:spPr>
+          <a:xfrm flipH="1">
+            <a:off x="7604080" y="6453143"/>
+            <a:ext cx="814903" cy="404857"/>
+          </a:xfrm>
+          <a:prstGeom prst="triangle">
+            <a:avLst/>
+          </a:prstGeom>
+          <a:solidFill>
+            <a:schemeClr val="accent1">
+              <a:alpha val="30000"/>
+            </a:schemeClr>
+          </a:solidFill>
+          <a:ln>
+            <a:noFill/>
+          </a:ln>
+        </p:spPr>
+        <p:style>
+          <a:lnRef idx="2">
+            <a:schemeClr val="accent1">
+              <a:shade val="50000"/>
+            </a:schemeClr>
+          </a:lnRef>
+          <a:fillRef idx="1">
+            <a:schemeClr val="accent1"/>
+          </a:fillRef>
+          <a:effectRef idx="0">
+            <a:schemeClr val="accent1"/>
+          </a:effectRef>
+          <a:fontRef idx="minor">
+            <a:schemeClr val="lt1"/>
+          </a:fontRef>
+        </p:style>
+        <p:txBody>
+          <a:bodyPr rtlCol="0" anchor="ctr"/>
+          <a:lstStyle/>
+          <a:p>
+            <a:pPr algn="ctr"/>
+            <a:endParaRPr lang="en-US"/>
           </a:p>
         </p:txBody>
       </p:sp>

--- a/VantagensSociais.pptx
+++ b/VantagensSociais.pptx
@@ -5,13 +5,15 @@
     <p:sldMasterId id="2147483648" r:id="rId1"/>
   </p:sldMasterIdLst>
   <p:notesMasterIdLst>
-    <p:notesMasterId r:id="rId6"/>
+    <p:notesMasterId r:id="rId8"/>
   </p:notesMasterIdLst>
   <p:sldIdLst>
     <p:sldId id="256" r:id="rId2"/>
     <p:sldId id="257" r:id="rId3"/>
     <p:sldId id="259" r:id="rId4"/>
     <p:sldId id="260" r:id="rId5"/>
+    <p:sldId id="262" r:id="rId6"/>
+    <p:sldId id="261" r:id="rId7"/>
   </p:sldIdLst>
   <p:sldSz cx="12192000" cy="6858000"/>
   <p:notesSz cx="6858000" cy="9144000"/>
@@ -121,7 +123,7 @@
 <file path=ppt/revisionInfo.xml><?xml version="1.0" encoding="utf-8"?>
 <p1510:revInfo xmlns:a="http://schemas.openxmlformats.org/drawingml/2006/main" xmlns:r="http://schemas.openxmlformats.org/officeDocument/2006/relationships" xmlns:p1510="http://schemas.microsoft.com/office/powerpoint/2015/10/main">
   <p1510:revLst>
-    <p1510:client id="{EB0910E8-0166-48ED-9D86-18BD82E0E789}" v="145" dt="2020-10-30T15:44:10.656"/>
+    <p1510:client id="{C3E920EC-E48C-42B1-8FFC-9F57C5AD93A5}" v="5" dt="2020-11-05T00:44:49.026"/>
   </p1510:revLst>
 </p1510:revInfo>
 </file>
@@ -129,443 +131,20 @@
 <file path=ppt/changesInfos/changesInfo1.xml><?xml version="1.0" encoding="utf-8"?>
 <pc:chgInfo xmlns:a="http://schemas.openxmlformats.org/drawingml/2006/main" xmlns:r="http://schemas.openxmlformats.org/officeDocument/2006/relationships" xmlns:ac="http://schemas.microsoft.com/office/drawing/2013/main/command" xmlns:pc="http://schemas.microsoft.com/office/powerpoint/2013/main/command">
   <pc:docChgLst>
-    <pc:chgData name="Diogo Rafael Cunha Pereira" userId="41356203-1e84-4d71-862d-57204f6122a5" providerId="ADAL" clId="{EB0910E8-0166-48ED-9D86-18BD82E0E789}"/>
-    <pc:docChg chg="undo redo custSel mod modSld">
-      <pc:chgData name="Diogo Rafael Cunha Pereira" userId="41356203-1e84-4d71-862d-57204f6122a5" providerId="ADAL" clId="{EB0910E8-0166-48ED-9D86-18BD82E0E789}" dt="2020-10-30T16:18:18.192" v="810" actId="20577"/>
+    <pc:chgData name="Diogo Rafael Cunha Pereira" userId="41356203-1e84-4d71-862d-57204f6122a5" providerId="ADAL" clId="{C3E920EC-E48C-42B1-8FFC-9F57C5AD93A5}"/>
+    <pc:docChg chg="undo custSel mod addSld delSld modSld">
+      <pc:chgData name="Diogo Rafael Cunha Pereira" userId="41356203-1e84-4d71-862d-57204f6122a5" providerId="ADAL" clId="{C3E920EC-E48C-42B1-8FFC-9F57C5AD93A5}" dt="2020-11-05T00:44:49.023" v="1141" actId="20577"/>
       <pc:docMkLst>
         <pc:docMk/>
       </pc:docMkLst>
-      <pc:sldChg chg="addSp delSp modSp mod setBg setClrOvrMap">
-        <pc:chgData name="Diogo Rafael Cunha Pereira" userId="41356203-1e84-4d71-862d-57204f6122a5" providerId="ADAL" clId="{EB0910E8-0166-48ED-9D86-18BD82E0E789}" dt="2020-10-30T15:04:53.118" v="140" actId="26606"/>
-        <pc:sldMkLst>
-          <pc:docMk/>
-          <pc:sldMk cId="2500282129" sldId="256"/>
-        </pc:sldMkLst>
-        <pc:spChg chg="mod">
-          <ac:chgData name="Diogo Rafael Cunha Pereira" userId="41356203-1e84-4d71-862d-57204f6122a5" providerId="ADAL" clId="{EB0910E8-0166-48ED-9D86-18BD82E0E789}" dt="2020-10-30T15:04:53.118" v="140" actId="26606"/>
-          <ac:spMkLst>
-            <pc:docMk/>
-            <pc:sldMk cId="2500282129" sldId="256"/>
-            <ac:spMk id="3" creationId="{B8384E43-4340-4DAD-A6F4-1CDE0B2E3F79}"/>
-          </ac:spMkLst>
-        </pc:spChg>
-        <pc:spChg chg="mod">
-          <ac:chgData name="Diogo Rafael Cunha Pereira" userId="41356203-1e84-4d71-862d-57204f6122a5" providerId="ADAL" clId="{EB0910E8-0166-48ED-9D86-18BD82E0E789}" dt="2020-10-30T15:04:53.118" v="140" actId="26606"/>
-          <ac:spMkLst>
-            <pc:docMk/>
-            <pc:sldMk cId="2500282129" sldId="256"/>
-            <ac:spMk id="8" creationId="{C283CD52-7E0A-4BFD-B454-B14B6D8E2301}"/>
-          </ac:spMkLst>
-        </pc:spChg>
-        <pc:spChg chg="add del">
-          <ac:chgData name="Diogo Rafael Cunha Pereira" userId="41356203-1e84-4d71-862d-57204f6122a5" providerId="ADAL" clId="{EB0910E8-0166-48ED-9D86-18BD82E0E789}" dt="2020-10-30T15:04:53.118" v="140" actId="26606"/>
-          <ac:spMkLst>
-            <pc:docMk/>
-            <pc:sldMk cId="2500282129" sldId="256"/>
-            <ac:spMk id="19" creationId="{08C9B587-E65E-4B52-B37C-ABEBB6E87928}"/>
-          </ac:spMkLst>
-        </pc:spChg>
-        <pc:spChg chg="add del">
-          <ac:chgData name="Diogo Rafael Cunha Pereira" userId="41356203-1e84-4d71-862d-57204f6122a5" providerId="ADAL" clId="{EB0910E8-0166-48ED-9D86-18BD82E0E789}" dt="2020-10-30T15:04:53.118" v="140" actId="26606"/>
-          <ac:spMkLst>
-            <pc:docMk/>
-            <pc:sldMk cId="2500282129" sldId="256"/>
-            <ac:spMk id="20" creationId="{E91DC736-0EF8-4F87-9146-EBF1D2EE4D3D}"/>
-          </ac:spMkLst>
-        </pc:spChg>
-        <pc:spChg chg="add del">
-          <ac:chgData name="Diogo Rafael Cunha Pereira" userId="41356203-1e84-4d71-862d-57204f6122a5" providerId="ADAL" clId="{EB0910E8-0166-48ED-9D86-18BD82E0E789}" dt="2020-10-30T15:04:53.118" v="140" actId="26606"/>
-          <ac:spMkLst>
-            <pc:docMk/>
-            <pc:sldMk cId="2500282129" sldId="256"/>
-            <ac:spMk id="21" creationId="{097CD68E-23E3-4007-8847-CD0944C4F7BE}"/>
-          </ac:spMkLst>
-        </pc:spChg>
-        <pc:spChg chg="add del">
-          <ac:chgData name="Diogo Rafael Cunha Pereira" userId="41356203-1e84-4d71-862d-57204f6122a5" providerId="ADAL" clId="{EB0910E8-0166-48ED-9D86-18BD82E0E789}" dt="2020-10-30T15:04:53.118" v="140" actId="26606"/>
-          <ac:spMkLst>
-            <pc:docMk/>
-            <pc:sldMk cId="2500282129" sldId="256"/>
-            <ac:spMk id="22" creationId="{AF2F604E-43BE-4DC3-B983-E071523364F8}"/>
-          </ac:spMkLst>
-        </pc:spChg>
-        <pc:spChg chg="add del">
-          <ac:chgData name="Diogo Rafael Cunha Pereira" userId="41356203-1e84-4d71-862d-57204f6122a5" providerId="ADAL" clId="{EB0910E8-0166-48ED-9D86-18BD82E0E789}" dt="2020-10-30T15:04:20.718" v="111" actId="26606"/>
-          <ac:spMkLst>
-            <pc:docMk/>
-            <pc:sldMk cId="2500282129" sldId="256"/>
-            <ac:spMk id="27" creationId="{87CC2527-562A-4F69-B487-4371E5B243E7}"/>
-          </ac:spMkLst>
-        </pc:spChg>
-        <pc:spChg chg="add del">
-          <ac:chgData name="Diogo Rafael Cunha Pereira" userId="41356203-1e84-4d71-862d-57204f6122a5" providerId="ADAL" clId="{EB0910E8-0166-48ED-9D86-18BD82E0E789}" dt="2020-10-30T15:04:22.901" v="113" actId="26606"/>
-          <ac:spMkLst>
-            <pc:docMk/>
-            <pc:sldMk cId="2500282129" sldId="256"/>
-            <ac:spMk id="31" creationId="{E49CC64F-7275-4E33-961B-0C5CDC439875}"/>
-          </ac:spMkLst>
-        </pc:spChg>
-        <pc:spChg chg="add del">
-          <ac:chgData name="Diogo Rafael Cunha Pereira" userId="41356203-1e84-4d71-862d-57204f6122a5" providerId="ADAL" clId="{EB0910E8-0166-48ED-9D86-18BD82E0E789}" dt="2020-10-30T15:04:23.861" v="115" actId="26606"/>
-          <ac:spMkLst>
-            <pc:docMk/>
-            <pc:sldMk cId="2500282129" sldId="256"/>
-            <ac:spMk id="33" creationId="{87CC2527-562A-4F69-B487-4371E5B243E7}"/>
-          </ac:spMkLst>
-        </pc:spChg>
-        <pc:spChg chg="add del">
-          <ac:chgData name="Diogo Rafael Cunha Pereira" userId="41356203-1e84-4d71-862d-57204f6122a5" providerId="ADAL" clId="{EB0910E8-0166-48ED-9D86-18BD82E0E789}" dt="2020-10-30T15:04:26.441" v="119" actId="26606"/>
-          <ac:spMkLst>
-            <pc:docMk/>
-            <pc:sldMk cId="2500282129" sldId="256"/>
-            <ac:spMk id="35" creationId="{B497CCB5-5FC2-473C-AFCC-2430CEF1DF71}"/>
-          </ac:spMkLst>
-        </pc:spChg>
-        <pc:spChg chg="add del">
-          <ac:chgData name="Diogo Rafael Cunha Pereira" userId="41356203-1e84-4d71-862d-57204f6122a5" providerId="ADAL" clId="{EB0910E8-0166-48ED-9D86-18BD82E0E789}" dt="2020-10-30T15:04:24.933" v="117" actId="26606"/>
-          <ac:spMkLst>
-            <pc:docMk/>
-            <pc:sldMk cId="2500282129" sldId="256"/>
-            <ac:spMk id="36" creationId="{E49CC64F-7275-4E33-961B-0C5CDC439875}"/>
-          </ac:spMkLst>
-        </pc:spChg>
-        <pc:spChg chg="add del">
-          <ac:chgData name="Diogo Rafael Cunha Pereira" userId="41356203-1e84-4d71-862d-57204f6122a5" providerId="ADAL" clId="{EB0910E8-0166-48ED-9D86-18BD82E0E789}" dt="2020-10-30T15:04:26.441" v="119" actId="26606"/>
-          <ac:spMkLst>
-            <pc:docMk/>
-            <pc:sldMk cId="2500282129" sldId="256"/>
-            <ac:spMk id="37" creationId="{599C8C75-BFDF-44E7-A028-EEB5EDD58817}"/>
-          </ac:spMkLst>
-        </pc:spChg>
-        <pc:spChg chg="add del">
-          <ac:chgData name="Diogo Rafael Cunha Pereira" userId="41356203-1e84-4d71-862d-57204f6122a5" providerId="ADAL" clId="{EB0910E8-0166-48ED-9D86-18BD82E0E789}" dt="2020-10-30T15:04:26.441" v="119" actId="26606"/>
-          <ac:spMkLst>
-            <pc:docMk/>
-            <pc:sldMk cId="2500282129" sldId="256"/>
-            <ac:spMk id="38" creationId="{04A130CA-991E-4C92-A494-EB7D8666EFED}"/>
-          </ac:spMkLst>
-        </pc:spChg>
-        <pc:spChg chg="add del">
-          <ac:chgData name="Diogo Rafael Cunha Pereira" userId="41356203-1e84-4d71-862d-57204f6122a5" providerId="ADAL" clId="{EB0910E8-0166-48ED-9D86-18BD82E0E789}" dt="2020-10-30T15:04:26.441" v="119" actId="26606"/>
-          <ac:spMkLst>
-            <pc:docMk/>
-            <pc:sldMk cId="2500282129" sldId="256"/>
-            <ac:spMk id="39" creationId="{FC3C749F-9A26-4B1E-BC2E-572D03DF9593}"/>
-          </ac:spMkLst>
-        </pc:spChg>
-        <pc:spChg chg="add del">
-          <ac:chgData name="Diogo Rafael Cunha Pereira" userId="41356203-1e84-4d71-862d-57204f6122a5" providerId="ADAL" clId="{EB0910E8-0166-48ED-9D86-18BD82E0E789}" dt="2020-10-30T15:04:26.441" v="119" actId="26606"/>
-          <ac:spMkLst>
-            <pc:docMk/>
-            <pc:sldMk cId="2500282129" sldId="256"/>
-            <ac:spMk id="40" creationId="{F98D51C6-1188-49B8-B829-31D2C2813F10}"/>
-          </ac:spMkLst>
-        </pc:spChg>
-        <pc:spChg chg="add del">
-          <ac:chgData name="Diogo Rafael Cunha Pereira" userId="41356203-1e84-4d71-862d-57204f6122a5" providerId="ADAL" clId="{EB0910E8-0166-48ED-9D86-18BD82E0E789}" dt="2020-10-30T15:04:26.441" v="119" actId="26606"/>
-          <ac:spMkLst>
-            <pc:docMk/>
-            <pc:sldMk cId="2500282129" sldId="256"/>
-            <ac:spMk id="41" creationId="{456BA586-8922-4113-BD35-BBF1EB1A1F42}"/>
-          </ac:spMkLst>
-        </pc:spChg>
-        <pc:spChg chg="add del">
-          <ac:chgData name="Diogo Rafael Cunha Pereira" userId="41356203-1e84-4d71-862d-57204f6122a5" providerId="ADAL" clId="{EB0910E8-0166-48ED-9D86-18BD82E0E789}" dt="2020-10-30T15:04:30.705" v="121" actId="26606"/>
-          <ac:spMkLst>
-            <pc:docMk/>
-            <pc:sldMk cId="2500282129" sldId="256"/>
-            <ac:spMk id="43" creationId="{75F4D120-3921-42A8-A063-46B023CB0CDA}"/>
-          </ac:spMkLst>
-        </pc:spChg>
-        <pc:spChg chg="add del">
-          <ac:chgData name="Diogo Rafael Cunha Pereira" userId="41356203-1e84-4d71-862d-57204f6122a5" providerId="ADAL" clId="{EB0910E8-0166-48ED-9D86-18BD82E0E789}" dt="2020-10-30T15:04:31.521" v="123" actId="26606"/>
-          <ac:spMkLst>
-            <pc:docMk/>
-            <pc:sldMk cId="2500282129" sldId="256"/>
-            <ac:spMk id="46" creationId="{6CCA5F87-1D1E-45CB-8D83-FC7EEFAD9935}"/>
-          </ac:spMkLst>
-        </pc:spChg>
-        <pc:spChg chg="add del">
-          <ac:chgData name="Diogo Rafael Cunha Pereira" userId="41356203-1e84-4d71-862d-57204f6122a5" providerId="ADAL" clId="{EB0910E8-0166-48ED-9D86-18BD82E0E789}" dt="2020-10-30T15:04:31.521" v="123" actId="26606"/>
-          <ac:spMkLst>
-            <pc:docMk/>
-            <pc:sldMk cId="2500282129" sldId="256"/>
-            <ac:spMk id="47" creationId="{7CCFC2C6-6238-4A2F-93DE-2ADF74AF635E}"/>
-          </ac:spMkLst>
-        </pc:spChg>
-        <pc:spChg chg="add del">
-          <ac:chgData name="Diogo Rafael Cunha Pereira" userId="41356203-1e84-4d71-862d-57204f6122a5" providerId="ADAL" clId="{EB0910E8-0166-48ED-9D86-18BD82E0E789}" dt="2020-10-30T15:04:31.521" v="123" actId="26606"/>
-          <ac:spMkLst>
-            <pc:docMk/>
-            <pc:sldMk cId="2500282129" sldId="256"/>
-            <ac:spMk id="48" creationId="{AF2F604E-43BE-4DC3-B983-E071523364F8}"/>
-          </ac:spMkLst>
-        </pc:spChg>
-        <pc:spChg chg="add del">
-          <ac:chgData name="Diogo Rafael Cunha Pereira" userId="41356203-1e84-4d71-862d-57204f6122a5" providerId="ADAL" clId="{EB0910E8-0166-48ED-9D86-18BD82E0E789}" dt="2020-10-30T15:04:31.521" v="123" actId="26606"/>
-          <ac:spMkLst>
-            <pc:docMk/>
-            <pc:sldMk cId="2500282129" sldId="256"/>
-            <ac:spMk id="49" creationId="{08C9B587-E65E-4B52-B37C-ABEBB6E87928}"/>
-          </ac:spMkLst>
-        </pc:spChg>
-        <pc:spChg chg="add del">
-          <ac:chgData name="Diogo Rafael Cunha Pereira" userId="41356203-1e84-4d71-862d-57204f6122a5" providerId="ADAL" clId="{EB0910E8-0166-48ED-9D86-18BD82E0E789}" dt="2020-10-30T15:04:36.603" v="125" actId="26606"/>
-          <ac:spMkLst>
-            <pc:docMk/>
-            <pc:sldMk cId="2500282129" sldId="256"/>
-            <ac:spMk id="51" creationId="{75F4D120-3921-42A8-A063-46B023CB0CDA}"/>
-          </ac:spMkLst>
-        </pc:spChg>
-        <pc:spChg chg="add del">
-          <ac:chgData name="Diogo Rafael Cunha Pereira" userId="41356203-1e84-4d71-862d-57204f6122a5" providerId="ADAL" clId="{EB0910E8-0166-48ED-9D86-18BD82E0E789}" dt="2020-10-30T15:04:38.227" v="127" actId="26606"/>
-          <ac:spMkLst>
-            <pc:docMk/>
-            <pc:sldMk cId="2500282129" sldId="256"/>
-            <ac:spMk id="54" creationId="{04A130CA-991E-4C92-A494-EB7D8666EFED}"/>
-          </ac:spMkLst>
-        </pc:spChg>
-        <pc:spChg chg="add del">
-          <ac:chgData name="Diogo Rafael Cunha Pereira" userId="41356203-1e84-4d71-862d-57204f6122a5" providerId="ADAL" clId="{EB0910E8-0166-48ED-9D86-18BD82E0E789}" dt="2020-10-30T15:04:38.227" v="127" actId="26606"/>
-          <ac:spMkLst>
-            <pc:docMk/>
-            <pc:sldMk cId="2500282129" sldId="256"/>
-            <ac:spMk id="55" creationId="{FC3C749F-9A26-4B1E-BC2E-572D03DF9593}"/>
-          </ac:spMkLst>
-        </pc:spChg>
-        <pc:spChg chg="add del">
-          <ac:chgData name="Diogo Rafael Cunha Pereira" userId="41356203-1e84-4d71-862d-57204f6122a5" providerId="ADAL" clId="{EB0910E8-0166-48ED-9D86-18BD82E0E789}" dt="2020-10-30T15:04:38.227" v="127" actId="26606"/>
-          <ac:spMkLst>
-            <pc:docMk/>
-            <pc:sldMk cId="2500282129" sldId="256"/>
-            <ac:spMk id="56" creationId="{F98D51C6-1188-49B8-B829-31D2C2813F10}"/>
-          </ac:spMkLst>
-        </pc:spChg>
-        <pc:spChg chg="add del">
-          <ac:chgData name="Diogo Rafael Cunha Pereira" userId="41356203-1e84-4d71-862d-57204f6122a5" providerId="ADAL" clId="{EB0910E8-0166-48ED-9D86-18BD82E0E789}" dt="2020-10-30T15:04:38.227" v="127" actId="26606"/>
-          <ac:spMkLst>
-            <pc:docMk/>
-            <pc:sldMk cId="2500282129" sldId="256"/>
-            <ac:spMk id="57" creationId="{456BA586-8922-4113-BD35-BBF1EB1A1F42}"/>
-          </ac:spMkLst>
-        </pc:spChg>
-        <pc:spChg chg="add del">
-          <ac:chgData name="Diogo Rafael Cunha Pereira" userId="41356203-1e84-4d71-862d-57204f6122a5" providerId="ADAL" clId="{EB0910E8-0166-48ED-9D86-18BD82E0E789}" dt="2020-10-30T15:04:38.227" v="127" actId="26606"/>
-          <ac:spMkLst>
-            <pc:docMk/>
-            <pc:sldMk cId="2500282129" sldId="256"/>
-            <ac:spMk id="58" creationId="{B497CCB5-5FC2-473C-AFCC-2430CEF1DF71}"/>
-          </ac:spMkLst>
-        </pc:spChg>
-        <pc:spChg chg="add del">
-          <ac:chgData name="Diogo Rafael Cunha Pereira" userId="41356203-1e84-4d71-862d-57204f6122a5" providerId="ADAL" clId="{EB0910E8-0166-48ED-9D86-18BD82E0E789}" dt="2020-10-30T15:04:38.227" v="127" actId="26606"/>
-          <ac:spMkLst>
-            <pc:docMk/>
-            <pc:sldMk cId="2500282129" sldId="256"/>
-            <ac:spMk id="59" creationId="{599C8C75-BFDF-44E7-A028-EEB5EDD58817}"/>
-          </ac:spMkLst>
-        </pc:spChg>
-        <pc:spChg chg="add del">
-          <ac:chgData name="Diogo Rafael Cunha Pereira" userId="41356203-1e84-4d71-862d-57204f6122a5" providerId="ADAL" clId="{EB0910E8-0166-48ED-9D86-18BD82E0E789}" dt="2020-10-30T15:04:39.903" v="129" actId="26606"/>
-          <ac:spMkLst>
-            <pc:docMk/>
-            <pc:sldMk cId="2500282129" sldId="256"/>
-            <ac:spMk id="61" creationId="{75F4D120-3921-42A8-A063-46B023CB0CDA}"/>
-          </ac:spMkLst>
-        </pc:spChg>
-        <pc:spChg chg="add del">
-          <ac:chgData name="Diogo Rafael Cunha Pereira" userId="41356203-1e84-4d71-862d-57204f6122a5" providerId="ADAL" clId="{EB0910E8-0166-48ED-9D86-18BD82E0E789}" dt="2020-10-30T15:04:41.250" v="131" actId="26606"/>
-          <ac:spMkLst>
-            <pc:docMk/>
-            <pc:sldMk cId="2500282129" sldId="256"/>
-            <ac:spMk id="64" creationId="{87CC2527-562A-4F69-B487-4371E5B243E7}"/>
-          </ac:spMkLst>
-        </pc:spChg>
-        <pc:spChg chg="add del">
-          <ac:chgData name="Diogo Rafael Cunha Pereira" userId="41356203-1e84-4d71-862d-57204f6122a5" providerId="ADAL" clId="{EB0910E8-0166-48ED-9D86-18BD82E0E789}" dt="2020-10-30T15:04:43.157" v="133" actId="26606"/>
-          <ac:spMkLst>
-            <pc:docMk/>
-            <pc:sldMk cId="2500282129" sldId="256"/>
-            <ac:spMk id="67" creationId="{E49CC64F-7275-4E33-961B-0C5CDC439875}"/>
-          </ac:spMkLst>
-        </pc:spChg>
-        <pc:spChg chg="add del">
-          <ac:chgData name="Diogo Rafael Cunha Pereira" userId="41356203-1e84-4d71-862d-57204f6122a5" providerId="ADAL" clId="{EB0910E8-0166-48ED-9D86-18BD82E0E789}" dt="2020-10-30T15:04:44.730" v="135" actId="26606"/>
-          <ac:spMkLst>
-            <pc:docMk/>
-            <pc:sldMk cId="2500282129" sldId="256"/>
-            <ac:spMk id="69" creationId="{04A130CA-991E-4C92-A494-EB7D8666EFED}"/>
-          </ac:spMkLst>
-        </pc:spChg>
-        <pc:spChg chg="add del">
-          <ac:chgData name="Diogo Rafael Cunha Pereira" userId="41356203-1e84-4d71-862d-57204f6122a5" providerId="ADAL" clId="{EB0910E8-0166-48ED-9D86-18BD82E0E789}" dt="2020-10-30T15:04:44.730" v="135" actId="26606"/>
-          <ac:spMkLst>
-            <pc:docMk/>
-            <pc:sldMk cId="2500282129" sldId="256"/>
-            <ac:spMk id="70" creationId="{FC3C749F-9A26-4B1E-BC2E-572D03DF9593}"/>
-          </ac:spMkLst>
-        </pc:spChg>
-        <pc:spChg chg="add del">
-          <ac:chgData name="Diogo Rafael Cunha Pereira" userId="41356203-1e84-4d71-862d-57204f6122a5" providerId="ADAL" clId="{EB0910E8-0166-48ED-9D86-18BD82E0E789}" dt="2020-10-30T15:04:44.730" v="135" actId="26606"/>
-          <ac:spMkLst>
-            <pc:docMk/>
-            <pc:sldMk cId="2500282129" sldId="256"/>
-            <ac:spMk id="71" creationId="{F98D51C6-1188-49B8-B829-31D2C2813F10}"/>
-          </ac:spMkLst>
-        </pc:spChg>
-        <pc:spChg chg="add del">
-          <ac:chgData name="Diogo Rafael Cunha Pereira" userId="41356203-1e84-4d71-862d-57204f6122a5" providerId="ADAL" clId="{EB0910E8-0166-48ED-9D86-18BD82E0E789}" dt="2020-10-30T15:04:44.730" v="135" actId="26606"/>
-          <ac:spMkLst>
-            <pc:docMk/>
-            <pc:sldMk cId="2500282129" sldId="256"/>
-            <ac:spMk id="72" creationId="{456BA586-8922-4113-BD35-BBF1EB1A1F42}"/>
-          </ac:spMkLst>
-        </pc:spChg>
-        <pc:spChg chg="add del">
-          <ac:chgData name="Diogo Rafael Cunha Pereira" userId="41356203-1e84-4d71-862d-57204f6122a5" providerId="ADAL" clId="{EB0910E8-0166-48ED-9D86-18BD82E0E789}" dt="2020-10-30T15:04:44.730" v="135" actId="26606"/>
-          <ac:spMkLst>
-            <pc:docMk/>
-            <pc:sldMk cId="2500282129" sldId="256"/>
-            <ac:spMk id="73" creationId="{B497CCB5-5FC2-473C-AFCC-2430CEF1DF71}"/>
-          </ac:spMkLst>
-        </pc:spChg>
-        <pc:spChg chg="add del">
-          <ac:chgData name="Diogo Rafael Cunha Pereira" userId="41356203-1e84-4d71-862d-57204f6122a5" providerId="ADAL" clId="{EB0910E8-0166-48ED-9D86-18BD82E0E789}" dt="2020-10-30T15:04:44.730" v="135" actId="26606"/>
-          <ac:spMkLst>
-            <pc:docMk/>
-            <pc:sldMk cId="2500282129" sldId="256"/>
-            <ac:spMk id="74" creationId="{599C8C75-BFDF-44E7-A028-EEB5EDD58817}"/>
-          </ac:spMkLst>
-        </pc:spChg>
-        <pc:spChg chg="add del">
-          <ac:chgData name="Diogo Rafael Cunha Pereira" userId="41356203-1e84-4d71-862d-57204f6122a5" providerId="ADAL" clId="{EB0910E8-0166-48ED-9D86-18BD82E0E789}" dt="2020-10-30T15:04:49.995" v="137" actId="26606"/>
-          <ac:spMkLst>
-            <pc:docMk/>
-            <pc:sldMk cId="2500282129" sldId="256"/>
-            <ac:spMk id="76" creationId="{75F4D120-3921-42A8-A063-46B023CB0CDA}"/>
-          </ac:spMkLst>
-        </pc:spChg>
-        <pc:spChg chg="add del">
-          <ac:chgData name="Diogo Rafael Cunha Pereira" userId="41356203-1e84-4d71-862d-57204f6122a5" providerId="ADAL" clId="{EB0910E8-0166-48ED-9D86-18BD82E0E789}" dt="2020-10-30T15:04:53.100" v="139" actId="26606"/>
-          <ac:spMkLst>
-            <pc:docMk/>
-            <pc:sldMk cId="2500282129" sldId="256"/>
-            <ac:spMk id="79" creationId="{0671A8AE-40A1-4631-A6B8-581AFF065482}"/>
-          </ac:spMkLst>
-        </pc:spChg>
-        <pc:spChg chg="add del">
-          <ac:chgData name="Diogo Rafael Cunha Pereira" userId="41356203-1e84-4d71-862d-57204f6122a5" providerId="ADAL" clId="{EB0910E8-0166-48ED-9D86-18BD82E0E789}" dt="2020-10-30T15:04:53.100" v="139" actId="26606"/>
-          <ac:spMkLst>
-            <pc:docMk/>
-            <pc:sldMk cId="2500282129" sldId="256"/>
-            <ac:spMk id="80" creationId="{AB58EF07-17C2-48CF-ABB0-EEF1F17CB8F0}"/>
-          </ac:spMkLst>
-        </pc:spChg>
-        <pc:spChg chg="add del">
-          <ac:chgData name="Diogo Rafael Cunha Pereira" userId="41356203-1e84-4d71-862d-57204f6122a5" providerId="ADAL" clId="{EB0910E8-0166-48ED-9D86-18BD82E0E789}" dt="2020-10-30T15:04:53.100" v="139" actId="26606"/>
-          <ac:spMkLst>
-            <pc:docMk/>
-            <pc:sldMk cId="2500282129" sldId="256"/>
-            <ac:spMk id="81" creationId="{AF2F604E-43BE-4DC3-B983-E071523364F8}"/>
-          </ac:spMkLst>
-        </pc:spChg>
-        <pc:spChg chg="add del">
-          <ac:chgData name="Diogo Rafael Cunha Pereira" userId="41356203-1e84-4d71-862d-57204f6122a5" providerId="ADAL" clId="{EB0910E8-0166-48ED-9D86-18BD82E0E789}" dt="2020-10-30T15:04:53.100" v="139" actId="26606"/>
-          <ac:spMkLst>
-            <pc:docMk/>
-            <pc:sldMk cId="2500282129" sldId="256"/>
-            <ac:spMk id="82" creationId="{08C9B587-E65E-4B52-B37C-ABEBB6E87928}"/>
-          </ac:spMkLst>
-        </pc:spChg>
-        <pc:spChg chg="add">
-          <ac:chgData name="Diogo Rafael Cunha Pereira" userId="41356203-1e84-4d71-862d-57204f6122a5" providerId="ADAL" clId="{EB0910E8-0166-48ED-9D86-18BD82E0E789}" dt="2020-10-30T15:04:53.118" v="140" actId="26606"/>
-          <ac:spMkLst>
-            <pc:docMk/>
-            <pc:sldMk cId="2500282129" sldId="256"/>
-            <ac:spMk id="84" creationId="{75F4D120-3921-42A8-A063-46B023CB0CDA}"/>
-          </ac:spMkLst>
-        </pc:spChg>
-        <pc:picChg chg="mod ord">
-          <ac:chgData name="Diogo Rafael Cunha Pereira" userId="41356203-1e84-4d71-862d-57204f6122a5" providerId="ADAL" clId="{EB0910E8-0166-48ED-9D86-18BD82E0E789}" dt="2020-10-30T15:04:53.118" v="140" actId="26606"/>
-          <ac:picMkLst>
-            <pc:docMk/>
-            <pc:sldMk cId="2500282129" sldId="256"/>
-            <ac:picMk id="7" creationId="{1B5AA10B-FD34-4E28-84B3-D446C4D052E7}"/>
-          </ac:picMkLst>
-        </pc:picChg>
-        <pc:picChg chg="add del">
-          <ac:chgData name="Diogo Rafael Cunha Pereira" userId="41356203-1e84-4d71-862d-57204f6122a5" providerId="ADAL" clId="{EB0910E8-0166-48ED-9D86-18BD82E0E789}" dt="2020-10-30T15:04:30.705" v="121" actId="26606"/>
-          <ac:picMkLst>
-            <pc:docMk/>
-            <pc:sldMk cId="2500282129" sldId="256"/>
-            <ac:picMk id="44" creationId="{9D01B3E5-85F4-41A9-A504-D5E6268DEC1D}"/>
-          </ac:picMkLst>
-        </pc:picChg>
-        <pc:picChg chg="add del">
-          <ac:chgData name="Diogo Rafael Cunha Pereira" userId="41356203-1e84-4d71-862d-57204f6122a5" providerId="ADAL" clId="{EB0910E8-0166-48ED-9D86-18BD82E0E789}" dt="2020-10-30T15:04:36.603" v="125" actId="26606"/>
-          <ac:picMkLst>
-            <pc:docMk/>
-            <pc:sldMk cId="2500282129" sldId="256"/>
-            <ac:picMk id="52" creationId="{9D01B3E5-85F4-41A9-A504-D5E6268DEC1D}"/>
-          </ac:picMkLst>
-        </pc:picChg>
-        <pc:picChg chg="add del">
-          <ac:chgData name="Diogo Rafael Cunha Pereira" userId="41356203-1e84-4d71-862d-57204f6122a5" providerId="ADAL" clId="{EB0910E8-0166-48ED-9D86-18BD82E0E789}" dt="2020-10-30T15:04:39.903" v="129" actId="26606"/>
-          <ac:picMkLst>
-            <pc:docMk/>
-            <pc:sldMk cId="2500282129" sldId="256"/>
-            <ac:picMk id="62" creationId="{9D01B3E5-85F4-41A9-A504-D5E6268DEC1D}"/>
-          </ac:picMkLst>
-        </pc:picChg>
-        <pc:picChg chg="add del">
-          <ac:chgData name="Diogo Rafael Cunha Pereira" userId="41356203-1e84-4d71-862d-57204f6122a5" providerId="ADAL" clId="{EB0910E8-0166-48ED-9D86-18BD82E0E789}" dt="2020-10-30T15:04:49.995" v="137" actId="26606"/>
-          <ac:picMkLst>
-            <pc:docMk/>
-            <pc:sldMk cId="2500282129" sldId="256"/>
-            <ac:picMk id="77" creationId="{9D01B3E5-85F4-41A9-A504-D5E6268DEC1D}"/>
-          </ac:picMkLst>
-        </pc:picChg>
-        <pc:picChg chg="add">
-          <ac:chgData name="Diogo Rafael Cunha Pereira" userId="41356203-1e84-4d71-862d-57204f6122a5" providerId="ADAL" clId="{EB0910E8-0166-48ED-9D86-18BD82E0E789}" dt="2020-10-30T15:04:53.118" v="140" actId="26606"/>
-          <ac:picMkLst>
-            <pc:docMk/>
-            <pc:sldMk cId="2500282129" sldId="256"/>
-            <ac:picMk id="85" creationId="{9D01B3E5-85F4-41A9-A504-D5E6268DEC1D}"/>
-          </ac:picMkLst>
-        </pc:picChg>
-        <pc:cxnChg chg="add del">
-          <ac:chgData name="Diogo Rafael Cunha Pereira" userId="41356203-1e84-4d71-862d-57204f6122a5" providerId="ADAL" clId="{EB0910E8-0166-48ED-9D86-18BD82E0E789}" dt="2020-10-30T15:04:20.718" v="111" actId="26606"/>
-          <ac:cxnSpMkLst>
-            <pc:docMk/>
-            <pc:sldMk cId="2500282129" sldId="256"/>
-            <ac:cxnSpMk id="29" creationId="{BCDAEC91-5BCE-4B55-9CC0-43EF94CB734B}"/>
-          </ac:cxnSpMkLst>
-        </pc:cxnChg>
-        <pc:cxnChg chg="add del">
-          <ac:chgData name="Diogo Rafael Cunha Pereira" userId="41356203-1e84-4d71-862d-57204f6122a5" providerId="ADAL" clId="{EB0910E8-0166-48ED-9D86-18BD82E0E789}" dt="2020-10-30T15:04:23.861" v="115" actId="26606"/>
-          <ac:cxnSpMkLst>
-            <pc:docMk/>
-            <pc:sldMk cId="2500282129" sldId="256"/>
-            <ac:cxnSpMk id="34" creationId="{BCDAEC91-5BCE-4B55-9CC0-43EF94CB734B}"/>
-          </ac:cxnSpMkLst>
-        </pc:cxnChg>
-        <pc:cxnChg chg="add del">
-          <ac:chgData name="Diogo Rafael Cunha Pereira" userId="41356203-1e84-4d71-862d-57204f6122a5" providerId="ADAL" clId="{EB0910E8-0166-48ED-9D86-18BD82E0E789}" dt="2020-10-30T15:04:41.250" v="131" actId="26606"/>
-          <ac:cxnSpMkLst>
-            <pc:docMk/>
-            <pc:sldMk cId="2500282129" sldId="256"/>
-            <ac:cxnSpMk id="65" creationId="{BCDAEC91-5BCE-4B55-9CC0-43EF94CB734B}"/>
-          </ac:cxnSpMkLst>
-        </pc:cxnChg>
-      </pc:sldChg>
-      <pc:sldChg chg="addSp delSp modSp mod setBg modNotesTx">
-        <pc:chgData name="Diogo Rafael Cunha Pereira" userId="41356203-1e84-4d71-862d-57204f6122a5" providerId="ADAL" clId="{EB0910E8-0166-48ED-9D86-18BD82E0E789}" dt="2020-10-30T15:12:47.138" v="306" actId="26606"/>
+      <pc:sldChg chg="modSp mod modNotesTx">
+        <pc:chgData name="Diogo Rafael Cunha Pereira" userId="41356203-1e84-4d71-862d-57204f6122a5" providerId="ADAL" clId="{C3E920EC-E48C-42B1-8FFC-9F57C5AD93A5}" dt="2020-11-05T00:18:27.610" v="242" actId="20577"/>
         <pc:sldMkLst>
           <pc:docMk/>
           <pc:sldMk cId="3762453940" sldId="259"/>
         </pc:sldMkLst>
         <pc:spChg chg="mod">
-          <ac:chgData name="Diogo Rafael Cunha Pereira" userId="41356203-1e84-4d71-862d-57204f6122a5" providerId="ADAL" clId="{EB0910E8-0166-48ED-9D86-18BD82E0E789}" dt="2020-10-30T15:12:47.138" v="306" actId="26606"/>
+          <ac:chgData name="Diogo Rafael Cunha Pereira" userId="41356203-1e84-4d71-862d-57204f6122a5" providerId="ADAL" clId="{C3E920EC-E48C-42B1-8FFC-9F57C5AD93A5}" dt="2020-11-05T00:16:06.647" v="239" actId="20577"/>
           <ac:spMkLst>
             <pc:docMk/>
             <pc:sldMk cId="3762453940" sldId="259"/>
@@ -573,1140 +152,305 @@
           </ac:spMkLst>
         </pc:spChg>
         <pc:spChg chg="mod">
-          <ac:chgData name="Diogo Rafael Cunha Pereira" userId="41356203-1e84-4d71-862d-57204f6122a5" providerId="ADAL" clId="{EB0910E8-0166-48ED-9D86-18BD82E0E789}" dt="2020-10-30T15:12:47.138" v="306" actId="26606"/>
+          <ac:chgData name="Diogo Rafael Cunha Pereira" userId="41356203-1e84-4d71-862d-57204f6122a5" providerId="ADAL" clId="{C3E920EC-E48C-42B1-8FFC-9F57C5AD93A5}" dt="2020-11-05T00:18:27.610" v="242" actId="20577"/>
           <ac:spMkLst>
             <pc:docMk/>
             <pc:sldMk cId="3762453940" sldId="259"/>
             <ac:spMk id="3" creationId="{C0CF6C28-3764-4749-8231-6E7CE40BB8DA}"/>
           </ac:spMkLst>
         </pc:spChg>
-        <pc:spChg chg="add del">
-          <ac:chgData name="Diogo Rafael Cunha Pereira" userId="41356203-1e84-4d71-862d-57204f6122a5" providerId="ADAL" clId="{EB0910E8-0166-48ED-9D86-18BD82E0E789}" dt="2020-10-30T15:12:42.620" v="299" actId="26606"/>
-          <ac:spMkLst>
-            <pc:docMk/>
-            <pc:sldMk cId="3762453940" sldId="259"/>
-            <ac:spMk id="8" creationId="{3B854194-185D-494D-905C-7C7CB2E30F6E}"/>
-          </ac:spMkLst>
-        </pc:spChg>
-        <pc:spChg chg="add del">
-          <ac:chgData name="Diogo Rafael Cunha Pereira" userId="41356203-1e84-4d71-862d-57204f6122a5" providerId="ADAL" clId="{EB0910E8-0166-48ED-9D86-18BD82E0E789}" dt="2020-10-30T15:12:42.620" v="299" actId="26606"/>
-          <ac:spMkLst>
-            <pc:docMk/>
-            <pc:sldMk cId="3762453940" sldId="259"/>
-            <ac:spMk id="10" creationId="{B4F5FA0D-0104-4987-8241-EFF7C85B88DE}"/>
-          </ac:spMkLst>
-        </pc:spChg>
-        <pc:spChg chg="add del">
-          <ac:chgData name="Diogo Rafael Cunha Pereira" userId="41356203-1e84-4d71-862d-57204f6122a5" providerId="ADAL" clId="{EB0910E8-0166-48ED-9D86-18BD82E0E789}" dt="2020-10-30T15:12:45.838" v="301" actId="26606"/>
-          <ac:spMkLst>
-            <pc:docMk/>
-            <pc:sldMk cId="3762453940" sldId="259"/>
-            <ac:spMk id="14" creationId="{4351DFE5-F63D-4BE0-BDA9-E3EB88F01AA5}"/>
-          </ac:spMkLst>
-        </pc:spChg>
-        <pc:spChg chg="add del">
-          <ac:chgData name="Diogo Rafael Cunha Pereira" userId="41356203-1e84-4d71-862d-57204f6122a5" providerId="ADAL" clId="{EB0910E8-0166-48ED-9D86-18BD82E0E789}" dt="2020-10-30T15:12:46.236" v="303" actId="26606"/>
-          <ac:spMkLst>
-            <pc:docMk/>
-            <pc:sldMk cId="3762453940" sldId="259"/>
-            <ac:spMk id="17" creationId="{3B854194-185D-494D-905C-7C7CB2E30F6E}"/>
-          </ac:spMkLst>
-        </pc:spChg>
-        <pc:spChg chg="add del">
-          <ac:chgData name="Diogo Rafael Cunha Pereira" userId="41356203-1e84-4d71-862d-57204f6122a5" providerId="ADAL" clId="{EB0910E8-0166-48ED-9D86-18BD82E0E789}" dt="2020-10-30T15:12:46.236" v="303" actId="26606"/>
-          <ac:spMkLst>
-            <pc:docMk/>
-            <pc:sldMk cId="3762453940" sldId="259"/>
-            <ac:spMk id="18" creationId="{B4F5FA0D-0104-4987-8241-EFF7C85B88DE}"/>
-          </ac:spMkLst>
-        </pc:spChg>
-        <pc:spChg chg="add del">
-          <ac:chgData name="Diogo Rafael Cunha Pereira" userId="41356203-1e84-4d71-862d-57204f6122a5" providerId="ADAL" clId="{EB0910E8-0166-48ED-9D86-18BD82E0E789}" dt="2020-10-30T15:12:47.127" v="305" actId="26606"/>
-          <ac:spMkLst>
-            <pc:docMk/>
-            <pc:sldMk cId="3762453940" sldId="259"/>
-            <ac:spMk id="21" creationId="{081EA652-8C6A-4E69-BEB9-170809474553}"/>
-          </ac:spMkLst>
-        </pc:spChg>
-        <pc:spChg chg="add del">
-          <ac:chgData name="Diogo Rafael Cunha Pereira" userId="41356203-1e84-4d71-862d-57204f6122a5" providerId="ADAL" clId="{EB0910E8-0166-48ED-9D86-18BD82E0E789}" dt="2020-10-30T15:12:47.127" v="305" actId="26606"/>
-          <ac:spMkLst>
-            <pc:docMk/>
-            <pc:sldMk cId="3762453940" sldId="259"/>
-            <ac:spMk id="22" creationId="{5298780A-33B9-4EA2-8F67-DE68AD62841B}"/>
-          </ac:spMkLst>
-        </pc:spChg>
-        <pc:spChg chg="add del">
-          <ac:chgData name="Diogo Rafael Cunha Pereira" userId="41356203-1e84-4d71-862d-57204f6122a5" providerId="ADAL" clId="{EB0910E8-0166-48ED-9D86-18BD82E0E789}" dt="2020-10-30T15:12:47.127" v="305" actId="26606"/>
-          <ac:spMkLst>
-            <pc:docMk/>
-            <pc:sldMk cId="3762453940" sldId="259"/>
-            <ac:spMk id="23" creationId="{7F488E8B-4E1E-4402-8935-D4E6C02615C7}"/>
-          </ac:spMkLst>
-        </pc:spChg>
-        <pc:spChg chg="add">
-          <ac:chgData name="Diogo Rafael Cunha Pereira" userId="41356203-1e84-4d71-862d-57204f6122a5" providerId="ADAL" clId="{EB0910E8-0166-48ED-9D86-18BD82E0E789}" dt="2020-10-30T15:12:47.138" v="306" actId="26606"/>
-          <ac:spMkLst>
-            <pc:docMk/>
-            <pc:sldMk cId="3762453940" sldId="259"/>
-            <ac:spMk id="26" creationId="{3B854194-185D-494D-905C-7C7CB2E30F6E}"/>
-          </ac:spMkLst>
-        </pc:spChg>
-        <pc:spChg chg="add">
-          <ac:chgData name="Diogo Rafael Cunha Pereira" userId="41356203-1e84-4d71-862d-57204f6122a5" providerId="ADAL" clId="{EB0910E8-0166-48ED-9D86-18BD82E0E789}" dt="2020-10-30T15:12:47.138" v="306" actId="26606"/>
-          <ac:spMkLst>
-            <pc:docMk/>
-            <pc:sldMk cId="3762453940" sldId="259"/>
-            <ac:spMk id="27" creationId="{B4F5FA0D-0104-4987-8241-EFF7C85B88DE}"/>
-          </ac:spMkLst>
-        </pc:spChg>
-        <pc:picChg chg="add del">
-          <ac:chgData name="Diogo Rafael Cunha Pereira" userId="41356203-1e84-4d71-862d-57204f6122a5" providerId="ADAL" clId="{EB0910E8-0166-48ED-9D86-18BD82E0E789}" dt="2020-10-30T15:12:42.620" v="299" actId="26606"/>
-          <ac:picMkLst>
-            <pc:docMk/>
-            <pc:sldMk cId="3762453940" sldId="259"/>
-            <ac:picMk id="12" creationId="{2897127E-6CEF-446C-BE87-93B7C46E49D1}"/>
-          </ac:picMkLst>
-        </pc:picChg>
-        <pc:picChg chg="add del">
-          <ac:chgData name="Diogo Rafael Cunha Pereira" userId="41356203-1e84-4d71-862d-57204f6122a5" providerId="ADAL" clId="{EB0910E8-0166-48ED-9D86-18BD82E0E789}" dt="2020-10-30T15:12:45.838" v="301" actId="26606"/>
-          <ac:picMkLst>
-            <pc:docMk/>
-            <pc:sldMk cId="3762453940" sldId="259"/>
-            <ac:picMk id="15" creationId="{3AA16612-ACD2-4A16-8F2B-4514FD6BF28F}"/>
-          </ac:picMkLst>
-        </pc:picChg>
-        <pc:picChg chg="add del">
-          <ac:chgData name="Diogo Rafael Cunha Pereira" userId="41356203-1e84-4d71-862d-57204f6122a5" providerId="ADAL" clId="{EB0910E8-0166-48ED-9D86-18BD82E0E789}" dt="2020-10-30T15:12:46.236" v="303" actId="26606"/>
-          <ac:picMkLst>
-            <pc:docMk/>
-            <pc:sldMk cId="3762453940" sldId="259"/>
-            <ac:picMk id="19" creationId="{2897127E-6CEF-446C-BE87-93B7C46E49D1}"/>
-          </ac:picMkLst>
-        </pc:picChg>
-        <pc:picChg chg="add">
-          <ac:chgData name="Diogo Rafael Cunha Pereira" userId="41356203-1e84-4d71-862d-57204f6122a5" providerId="ADAL" clId="{EB0910E8-0166-48ED-9D86-18BD82E0E789}" dt="2020-10-30T15:12:47.138" v="306" actId="26606"/>
-          <ac:picMkLst>
-            <pc:docMk/>
-            <pc:sldMk cId="3762453940" sldId="259"/>
-            <ac:picMk id="28" creationId="{2897127E-6CEF-446C-BE87-93B7C46E49D1}"/>
-          </ac:picMkLst>
-        </pc:picChg>
-        <pc:cxnChg chg="add del">
-          <ac:chgData name="Diogo Rafael Cunha Pereira" userId="41356203-1e84-4d71-862d-57204f6122a5" providerId="ADAL" clId="{EB0910E8-0166-48ED-9D86-18BD82E0E789}" dt="2020-10-30T15:12:47.127" v="305" actId="26606"/>
-          <ac:cxnSpMkLst>
-            <pc:docMk/>
-            <pc:sldMk cId="3762453940" sldId="259"/>
-            <ac:cxnSpMk id="24" creationId="{23AAC9B5-8015-485C-ACF9-A750390E9A56}"/>
-          </ac:cxnSpMkLst>
-        </pc:cxnChg>
       </pc:sldChg>
-      <pc:sldChg chg="addSp delSp modSp mod setBg setClrOvrMap modNotesTx">
-        <pc:chgData name="Diogo Rafael Cunha Pereira" userId="41356203-1e84-4d71-862d-57204f6122a5" providerId="ADAL" clId="{EB0910E8-0166-48ED-9D86-18BD82E0E789}" dt="2020-10-30T16:18:18.192" v="810" actId="20577"/>
+      <pc:sldChg chg="del">
+        <pc:chgData name="Diogo Rafael Cunha Pereira" userId="41356203-1e84-4d71-862d-57204f6122a5" providerId="ADAL" clId="{C3E920EC-E48C-42B1-8FFC-9F57C5AD93A5}" dt="2020-11-05T00:02:03.084" v="0" actId="2696"/>
         <pc:sldMkLst>
           <pc:docMk/>
           <pc:sldMk cId="964660544" sldId="260"/>
         </pc:sldMkLst>
-        <pc:spChg chg="del">
-          <ac:chgData name="Diogo Rafael Cunha Pereira" userId="41356203-1e84-4d71-862d-57204f6122a5" providerId="ADAL" clId="{EB0910E8-0166-48ED-9D86-18BD82E0E789}" dt="2020-10-30T14:57:42.213" v="35" actId="478"/>
+      </pc:sldChg>
+      <pc:sldChg chg="addSp delSp modSp new mod setBg setClrOvrMap modNotesTx">
+        <pc:chgData name="Diogo Rafael Cunha Pereira" userId="41356203-1e84-4d71-862d-57204f6122a5" providerId="ADAL" clId="{C3E920EC-E48C-42B1-8FFC-9F57C5AD93A5}" dt="2020-11-05T00:33:18.984" v="876" actId="20577"/>
+        <pc:sldMkLst>
+          <pc:docMk/>
+          <pc:sldMk cId="1795369858" sldId="260"/>
+        </pc:sldMkLst>
+        <pc:spChg chg="mod">
+          <ac:chgData name="Diogo Rafael Cunha Pereira" userId="41356203-1e84-4d71-862d-57204f6122a5" providerId="ADAL" clId="{C3E920EC-E48C-42B1-8FFC-9F57C5AD93A5}" dt="2020-11-05T00:31:07.076" v="662" actId="26606"/>
           <ac:spMkLst>
             <pc:docMk/>
-            <pc:sldMk cId="964660544" sldId="260"/>
-            <ac:spMk id="2" creationId="{8EF850C3-13B9-48C8-9564-225F2593A2FE}"/>
+            <pc:sldMk cId="1795369858" sldId="260"/>
+            <ac:spMk id="2" creationId="{34B34F67-F971-4367-9AA7-C2AD2A9E0CBD}"/>
           </ac:spMkLst>
         </pc:spChg>
-        <pc:spChg chg="del">
-          <ac:chgData name="Diogo Rafael Cunha Pereira" userId="41356203-1e84-4d71-862d-57204f6122a5" providerId="ADAL" clId="{EB0910E8-0166-48ED-9D86-18BD82E0E789}" dt="2020-10-30T14:57:19.627" v="31" actId="478"/>
+        <pc:spChg chg="mod ord">
+          <ac:chgData name="Diogo Rafael Cunha Pereira" userId="41356203-1e84-4d71-862d-57204f6122a5" providerId="ADAL" clId="{C3E920EC-E48C-42B1-8FFC-9F57C5AD93A5}" dt="2020-11-05T00:31:07.076" v="662" actId="26606"/>
           <ac:spMkLst>
             <pc:docMk/>
-            <pc:sldMk cId="964660544" sldId="260"/>
-            <ac:spMk id="3" creationId="{61DFC2F3-527C-4369-BBA8-0D0C86C69566}"/>
+            <pc:sldMk cId="1795369858" sldId="260"/>
+            <ac:spMk id="3" creationId="{1A73EE82-E05D-41D0-99DF-46E922B6DD00}"/>
           </ac:spMkLst>
         </pc:spChg>
-        <pc:spChg chg="add del mod">
-          <ac:chgData name="Diogo Rafael Cunha Pereira" userId="41356203-1e84-4d71-862d-57204f6122a5" providerId="ADAL" clId="{EB0910E8-0166-48ED-9D86-18BD82E0E789}" dt="2020-10-30T14:57:45.245" v="36" actId="478"/>
+        <pc:spChg chg="add mod">
+          <ac:chgData name="Diogo Rafael Cunha Pereira" userId="41356203-1e84-4d71-862d-57204f6122a5" providerId="ADAL" clId="{C3E920EC-E48C-42B1-8FFC-9F57C5AD93A5}" dt="2020-11-05T00:31:07.076" v="662" actId="26606"/>
           <ac:spMkLst>
             <pc:docMk/>
-            <pc:sldMk cId="964660544" sldId="260"/>
-            <ac:spMk id="7" creationId="{5AFC857F-B410-442D-B18D-7C4846448BDE}"/>
+            <pc:sldMk cId="1795369858" sldId="260"/>
+            <ac:spMk id="6" creationId="{9196743F-E2E7-4958-ADC1-FB72D77DAE23}"/>
           </ac:spMkLst>
         </pc:spChg>
         <pc:spChg chg="add del">
-          <ac:chgData name="Diogo Rafael Cunha Pereira" userId="41356203-1e84-4d71-862d-57204f6122a5" providerId="ADAL" clId="{EB0910E8-0166-48ED-9D86-18BD82E0E789}" dt="2020-10-30T15:03:38.680" v="108" actId="26606"/>
+          <ac:chgData name="Diogo Rafael Cunha Pereira" userId="41356203-1e84-4d71-862d-57204f6122a5" providerId="ADAL" clId="{C3E920EC-E48C-42B1-8FFC-9F57C5AD93A5}" dt="2020-11-05T00:31:01.228" v="655" actId="26606"/>
           <ac:spMkLst>
             <pc:docMk/>
-            <pc:sldMk cId="964660544" sldId="260"/>
-            <ac:spMk id="8" creationId="{32BC26D8-82FB-445E-AA49-62A77D7C1EE0}"/>
+            <pc:sldMk cId="1795369858" sldId="260"/>
+            <ac:spMk id="11" creationId="{F56F5174-31D9-4DBB-AAB7-A1FD7BDB1352}"/>
           </ac:spMkLst>
         </pc:spChg>
         <pc:spChg chg="add del">
-          <ac:chgData name="Diogo Rafael Cunha Pereira" userId="41356203-1e84-4d71-862d-57204f6122a5" providerId="ADAL" clId="{EB0910E8-0166-48ED-9D86-18BD82E0E789}" dt="2020-10-30T15:03:38.680" v="108" actId="26606"/>
+          <ac:chgData name="Diogo Rafael Cunha Pereira" userId="41356203-1e84-4d71-862d-57204f6122a5" providerId="ADAL" clId="{C3E920EC-E48C-42B1-8FFC-9F57C5AD93A5}" dt="2020-11-05T00:31:01.228" v="655" actId="26606"/>
           <ac:spMkLst>
             <pc:docMk/>
-            <pc:sldMk cId="964660544" sldId="260"/>
-            <ac:spMk id="9" creationId="{CB44330D-EA18-4254-AA95-EB49948539B8}"/>
+            <pc:sldMk cId="1795369858" sldId="260"/>
+            <ac:spMk id="15" creationId="{F9A95BEE-6BB1-4A28-A8E6-A34B2E42EF87}"/>
           </ac:spMkLst>
         </pc:spChg>
         <pc:spChg chg="add del">
-          <ac:chgData name="Diogo Rafael Cunha Pereira" userId="41356203-1e84-4d71-862d-57204f6122a5" providerId="ADAL" clId="{EB0910E8-0166-48ED-9D86-18BD82E0E789}" dt="2020-10-30T15:03:23.579" v="86" actId="26606"/>
+          <ac:chgData name="Diogo Rafael Cunha Pereira" userId="41356203-1e84-4d71-862d-57204f6122a5" providerId="ADAL" clId="{C3E920EC-E48C-42B1-8FFC-9F57C5AD93A5}" dt="2020-11-05T00:31:03.050" v="657" actId="26606"/>
           <ac:spMkLst>
             <pc:docMk/>
-            <pc:sldMk cId="964660544" sldId="260"/>
-            <ac:spMk id="10" creationId="{6EE0B6E2-7CE8-4D86-87FC-4B58A7D8E759}"/>
+            <pc:sldMk cId="1795369858" sldId="260"/>
+            <ac:spMk id="17" creationId="{7A5F0580-5EE9-419F-96EE-B6529EF6E7D0}"/>
           </ac:spMkLst>
         </pc:spChg>
         <pc:spChg chg="add del">
-          <ac:chgData name="Diogo Rafael Cunha Pereira" userId="41356203-1e84-4d71-862d-57204f6122a5" providerId="ADAL" clId="{EB0910E8-0166-48ED-9D86-18BD82E0E789}" dt="2020-10-30T15:10:40.921" v="273" actId="26606"/>
+          <ac:chgData name="Diogo Rafael Cunha Pereira" userId="41356203-1e84-4d71-862d-57204f6122a5" providerId="ADAL" clId="{C3E920EC-E48C-42B1-8FFC-9F57C5AD93A5}" dt="2020-11-05T00:31:03.050" v="657" actId="26606"/>
           <ac:spMkLst>
             <pc:docMk/>
-            <pc:sldMk cId="964660544" sldId="260"/>
-            <ac:spMk id="11" creationId="{F3060C83-F051-4F0E-ABAD-AA0DFC48B218}"/>
+            <pc:sldMk cId="1795369858" sldId="260"/>
+            <ac:spMk id="18" creationId="{9AA72BD9-2C5A-4EDC-931F-5AA08EACA0F3}"/>
           </ac:spMkLst>
         </pc:spChg>
         <pc:spChg chg="add del">
-          <ac:chgData name="Diogo Rafael Cunha Pereira" userId="41356203-1e84-4d71-862d-57204f6122a5" providerId="ADAL" clId="{EB0910E8-0166-48ED-9D86-18BD82E0E789}" dt="2020-10-30T15:03:24.362" v="88" actId="26606"/>
+          <ac:chgData name="Diogo Rafael Cunha Pereira" userId="41356203-1e84-4d71-862d-57204f6122a5" providerId="ADAL" clId="{C3E920EC-E48C-42B1-8FFC-9F57C5AD93A5}" dt="2020-11-05T00:31:03.050" v="657" actId="26606"/>
           <ac:spMkLst>
             <pc:docMk/>
-            <pc:sldMk cId="964660544" sldId="260"/>
-            <ac:spMk id="12" creationId="{42A4FC2C-047E-45A5-965D-8E1E3BF09BC6}"/>
+            <pc:sldMk cId="1795369858" sldId="260"/>
+            <ac:spMk id="19" creationId="{DD3981AC-7B61-4947-BCF3-F7AA7FA385B9}"/>
           </ac:spMkLst>
         </pc:spChg>
         <pc:spChg chg="add del">
-          <ac:chgData name="Diogo Rafael Cunha Pereira" userId="41356203-1e84-4d71-862d-57204f6122a5" providerId="ADAL" clId="{EB0910E8-0166-48ED-9D86-18BD82E0E789}" dt="2020-10-30T15:10:40.921" v="273" actId="26606"/>
+          <ac:chgData name="Diogo Rafael Cunha Pereira" userId="41356203-1e84-4d71-862d-57204f6122a5" providerId="ADAL" clId="{C3E920EC-E48C-42B1-8FFC-9F57C5AD93A5}" dt="2020-11-05T00:31:03.050" v="657" actId="26606"/>
           <ac:spMkLst>
             <pc:docMk/>
-            <pc:sldMk cId="964660544" sldId="260"/>
-            <ac:spMk id="13" creationId="{83C98ABE-055B-441F-B07E-44F97F083C39}"/>
+            <pc:sldMk cId="1795369858" sldId="260"/>
+            <ac:spMk id="20" creationId="{55D4142C-5077-457F-A6AD-3FECFDB39685}"/>
           </ac:spMkLst>
         </pc:spChg>
         <pc:spChg chg="add del">
-          <ac:chgData name="Diogo Rafael Cunha Pereira" userId="41356203-1e84-4d71-862d-57204f6122a5" providerId="ADAL" clId="{EB0910E8-0166-48ED-9D86-18BD82E0E789}" dt="2020-10-30T15:03:26.199" v="90" actId="26606"/>
+          <ac:chgData name="Diogo Rafael Cunha Pereira" userId="41356203-1e84-4d71-862d-57204f6122a5" providerId="ADAL" clId="{C3E920EC-E48C-42B1-8FFC-9F57C5AD93A5}" dt="2020-11-05T00:31:05.718" v="659" actId="26606"/>
           <ac:spMkLst>
             <pc:docMk/>
-            <pc:sldMk cId="964660544" sldId="260"/>
-            <ac:spMk id="14" creationId="{5F879AC3-D4CE-493C-ADC7-06205677F4F8}"/>
+            <pc:sldMk cId="1795369858" sldId="260"/>
+            <ac:spMk id="22" creationId="{8FC9BE17-9A7B-462D-AE50-3D8777387304}"/>
           </ac:spMkLst>
         </pc:spChg>
         <pc:spChg chg="add del">
-          <ac:chgData name="Diogo Rafael Cunha Pereira" userId="41356203-1e84-4d71-862d-57204f6122a5" providerId="ADAL" clId="{EB0910E8-0166-48ED-9D86-18BD82E0E789}" dt="2020-10-30T15:03:26.199" v="90" actId="26606"/>
+          <ac:chgData name="Diogo Rafael Cunha Pereira" userId="41356203-1e84-4d71-862d-57204f6122a5" providerId="ADAL" clId="{C3E920EC-E48C-42B1-8FFC-9F57C5AD93A5}" dt="2020-11-05T00:31:05.718" v="659" actId="26606"/>
           <ac:spMkLst>
             <pc:docMk/>
-            <pc:sldMk cId="964660544" sldId="260"/>
-            <ac:spMk id="15" creationId="{736F0DFD-0954-464F-BF12-DD2E6F6E0380}"/>
+            <pc:sldMk cId="1795369858" sldId="260"/>
+            <ac:spMk id="23" creationId="{3EBE8569-6AEC-4B8C-8D53-2DE337CDBA65}"/>
           </ac:spMkLst>
         </pc:spChg>
         <pc:spChg chg="add del">
-          <ac:chgData name="Diogo Rafael Cunha Pereira" userId="41356203-1e84-4d71-862d-57204f6122a5" providerId="ADAL" clId="{EB0910E8-0166-48ED-9D86-18BD82E0E789}" dt="2020-10-30T15:10:40.921" v="273" actId="26606"/>
+          <ac:chgData name="Diogo Rafael Cunha Pereira" userId="41356203-1e84-4d71-862d-57204f6122a5" providerId="ADAL" clId="{C3E920EC-E48C-42B1-8FFC-9F57C5AD93A5}" dt="2020-11-05T00:31:05.718" v="659" actId="26606"/>
           <ac:spMkLst>
             <pc:docMk/>
-            <pc:sldMk cId="964660544" sldId="260"/>
-            <ac:spMk id="16" creationId="{3783CA14-24A1-485C-8B30-D6A5D87987AD}"/>
+            <pc:sldMk cId="1795369858" sldId="260"/>
+            <ac:spMk id="24" creationId="{55D4142C-5077-457F-A6AD-3FECFDB39685}"/>
           </ac:spMkLst>
         </pc:spChg>
         <pc:spChg chg="add del">
-          <ac:chgData name="Diogo Rafael Cunha Pereira" userId="41356203-1e84-4d71-862d-57204f6122a5" providerId="ADAL" clId="{EB0910E8-0166-48ED-9D86-18BD82E0E789}" dt="2020-10-30T15:03:28.059" v="92" actId="26606"/>
+          <ac:chgData name="Diogo Rafael Cunha Pereira" userId="41356203-1e84-4d71-862d-57204f6122a5" providerId="ADAL" clId="{C3E920EC-E48C-42B1-8FFC-9F57C5AD93A5}" dt="2020-11-05T00:31:05.718" v="659" actId="26606"/>
           <ac:spMkLst>
             <pc:docMk/>
-            <pc:sldMk cId="964660544" sldId="260"/>
-            <ac:spMk id="17" creationId="{42A4FC2C-047E-45A5-965D-8E1E3BF09BC6}"/>
+            <pc:sldMk cId="1795369858" sldId="260"/>
+            <ac:spMk id="25" creationId="{7A5F0580-5EE9-419F-96EE-B6529EF6E7D0}"/>
+          </ac:spMkLst>
+        </pc:spChg>
+        <pc:picChg chg="add mod ord">
+          <ac:chgData name="Diogo Rafael Cunha Pereira" userId="41356203-1e84-4d71-862d-57204f6122a5" providerId="ADAL" clId="{C3E920EC-E48C-42B1-8FFC-9F57C5AD93A5}" dt="2020-11-05T00:31:07.076" v="662" actId="26606"/>
+          <ac:picMkLst>
+            <pc:docMk/>
+            <pc:sldMk cId="1795369858" sldId="260"/>
+            <ac:picMk id="5" creationId="{FE492F77-EE51-45E4-B229-B3B84DAEAE5A}"/>
+          </ac:picMkLst>
+        </pc:picChg>
+        <pc:picChg chg="add del">
+          <ac:chgData name="Diogo Rafael Cunha Pereira" userId="41356203-1e84-4d71-862d-57204f6122a5" providerId="ADAL" clId="{C3E920EC-E48C-42B1-8FFC-9F57C5AD93A5}" dt="2020-11-05T00:31:01.228" v="655" actId="26606"/>
+          <ac:picMkLst>
+            <pc:docMk/>
+            <pc:sldMk cId="1795369858" sldId="260"/>
+            <ac:picMk id="13" creationId="{AE113210-7872-481A-ADE6-3A05CCAF5EB2}"/>
+          </ac:picMkLst>
+        </pc:picChg>
+        <pc:picChg chg="add">
+          <ac:chgData name="Diogo Rafael Cunha Pereira" userId="41356203-1e84-4d71-862d-57204f6122a5" providerId="ADAL" clId="{C3E920EC-E48C-42B1-8FFC-9F57C5AD93A5}" dt="2020-11-05T00:31:07.076" v="662" actId="26606"/>
+          <ac:picMkLst>
+            <pc:docMk/>
+            <pc:sldMk cId="1795369858" sldId="260"/>
+            <ac:picMk id="29" creationId="{54DDEBDD-D8BD-41A6-8A0D-B00E3768B0F9}"/>
+          </ac:picMkLst>
+        </pc:picChg>
+        <pc:cxnChg chg="add del">
+          <ac:chgData name="Diogo Rafael Cunha Pereira" userId="41356203-1e84-4d71-862d-57204f6122a5" providerId="ADAL" clId="{C3E920EC-E48C-42B1-8FFC-9F57C5AD93A5}" dt="2020-11-05T00:31:06.964" v="661" actId="26606"/>
+          <ac:cxnSpMkLst>
+            <pc:docMk/>
+            <pc:sldMk cId="1795369858" sldId="260"/>
+            <ac:cxnSpMk id="27" creationId="{A7F400EE-A8A5-48AF-B4D6-291B52C6F0B0}"/>
+          </ac:cxnSpMkLst>
+        </pc:cxnChg>
+      </pc:sldChg>
+      <pc:sldChg chg="modSp new mod">
+        <pc:chgData name="Diogo Rafael Cunha Pereira" userId="41356203-1e84-4d71-862d-57204f6122a5" providerId="ADAL" clId="{C3E920EC-E48C-42B1-8FFC-9F57C5AD93A5}" dt="2020-11-05T00:44:49.023" v="1141" actId="20577"/>
+        <pc:sldMkLst>
+          <pc:docMk/>
+          <pc:sldMk cId="3815963995" sldId="261"/>
+        </pc:sldMkLst>
+        <pc:spChg chg="mod">
+          <ac:chgData name="Diogo Rafael Cunha Pereira" userId="41356203-1e84-4d71-862d-57204f6122a5" providerId="ADAL" clId="{C3E920EC-E48C-42B1-8FFC-9F57C5AD93A5}" dt="2020-11-05T00:25:26.975" v="268" actId="20577"/>
+          <ac:spMkLst>
+            <pc:docMk/>
+            <pc:sldMk cId="3815963995" sldId="261"/>
+            <ac:spMk id="2" creationId="{4690A88C-9ED5-489F-A466-214668989AD7}"/>
+          </ac:spMkLst>
+        </pc:spChg>
+        <pc:spChg chg="mod">
+          <ac:chgData name="Diogo Rafael Cunha Pereira" userId="41356203-1e84-4d71-862d-57204f6122a5" providerId="ADAL" clId="{C3E920EC-E48C-42B1-8FFC-9F57C5AD93A5}" dt="2020-11-05T00:44:49.023" v="1141" actId="20577"/>
+          <ac:spMkLst>
+            <pc:docMk/>
+            <pc:sldMk cId="3815963995" sldId="261"/>
+            <ac:spMk id="3" creationId="{6944B635-CA86-4B59-9739-F6F340E2D7C3}"/>
+          </ac:spMkLst>
+        </pc:spChg>
+      </pc:sldChg>
+      <pc:sldChg chg="addSp delSp modSp new mod setBg">
+        <pc:chgData name="Diogo Rafael Cunha Pereira" userId="41356203-1e84-4d71-862d-57204f6122a5" providerId="ADAL" clId="{C3E920EC-E48C-42B1-8FFC-9F57C5AD93A5}" dt="2020-11-05T00:43:57.179" v="1095" actId="26606"/>
+        <pc:sldMkLst>
+          <pc:docMk/>
+          <pc:sldMk cId="90760510" sldId="262"/>
+        </pc:sldMkLst>
+        <pc:spChg chg="mod">
+          <ac:chgData name="Diogo Rafael Cunha Pereira" userId="41356203-1e84-4d71-862d-57204f6122a5" providerId="ADAL" clId="{C3E920EC-E48C-42B1-8FFC-9F57C5AD93A5}" dt="2020-11-05T00:43:57.179" v="1095" actId="26606"/>
+          <ac:spMkLst>
+            <pc:docMk/>
+            <pc:sldMk cId="90760510" sldId="262"/>
+            <ac:spMk id="2" creationId="{F8574980-E96D-4189-9A94-B3E51A0A1550}"/>
+          </ac:spMkLst>
+        </pc:spChg>
+        <pc:spChg chg="mod ord">
+          <ac:chgData name="Diogo Rafael Cunha Pereira" userId="41356203-1e84-4d71-862d-57204f6122a5" providerId="ADAL" clId="{C3E920EC-E48C-42B1-8FFC-9F57C5AD93A5}" dt="2020-11-05T00:43:57.179" v="1095" actId="26606"/>
+          <ac:spMkLst>
+            <pc:docMk/>
+            <pc:sldMk cId="90760510" sldId="262"/>
+            <ac:spMk id="3" creationId="{67E02D63-5024-424B-B8C0-17E6E6C306A2}"/>
+          </ac:spMkLst>
+        </pc:spChg>
+        <pc:spChg chg="add mod">
+          <ac:chgData name="Diogo Rafael Cunha Pereira" userId="41356203-1e84-4d71-862d-57204f6122a5" providerId="ADAL" clId="{C3E920EC-E48C-42B1-8FFC-9F57C5AD93A5}" dt="2020-11-05T00:43:57.179" v="1095" actId="26606"/>
+          <ac:spMkLst>
+            <pc:docMk/>
+            <pc:sldMk cId="90760510" sldId="262"/>
+            <ac:spMk id="6" creationId="{60C77FA3-B951-4986-BA87-AA30F8811D8B}"/>
           </ac:spMkLst>
         </pc:spChg>
         <pc:spChg chg="add del">
-          <ac:chgData name="Diogo Rafael Cunha Pereira" userId="41356203-1e84-4d71-862d-57204f6122a5" providerId="ADAL" clId="{EB0910E8-0166-48ED-9D86-18BD82E0E789}" dt="2020-10-30T15:10:40.921" v="273" actId="26606"/>
+          <ac:chgData name="Diogo Rafael Cunha Pereira" userId="41356203-1e84-4d71-862d-57204f6122a5" providerId="ADAL" clId="{C3E920EC-E48C-42B1-8FFC-9F57C5AD93A5}" dt="2020-11-05T00:43:47.892" v="1088" actId="26606"/>
           <ac:spMkLst>
             <pc:docMk/>
-            <pc:sldMk cId="964660544" sldId="260"/>
-            <ac:spMk id="18" creationId="{9A97C86A-04D6-40F7-AE84-31AB43E6A846}"/>
+            <pc:sldMk cId="90760510" sldId="262"/>
+            <ac:spMk id="11" creationId="{49CD2D09-B1BB-4DF5-9E1C-3D21B21EDEFD}"/>
           </ac:spMkLst>
         </pc:spChg>
         <pc:spChg chg="add del">
-          <ac:chgData name="Diogo Rafael Cunha Pereira" userId="41356203-1e84-4d71-862d-57204f6122a5" providerId="ADAL" clId="{EB0910E8-0166-48ED-9D86-18BD82E0E789}" dt="2020-10-30T15:03:30.136" v="94" actId="26606"/>
+          <ac:chgData name="Diogo Rafael Cunha Pereira" userId="41356203-1e84-4d71-862d-57204f6122a5" providerId="ADAL" clId="{C3E920EC-E48C-42B1-8FFC-9F57C5AD93A5}" dt="2020-11-05T00:43:47.892" v="1088" actId="26606"/>
           <ac:spMkLst>
             <pc:docMk/>
-            <pc:sldMk cId="964660544" sldId="260"/>
-            <ac:spMk id="19" creationId="{DA2E7C1E-2B5A-4BBA-AE51-1CD8C19309D7}"/>
+            <pc:sldMk cId="90760510" sldId="262"/>
+            <ac:spMk id="15" creationId="{967C29FE-FD32-4AFB-AD20-DBDF5864B2D8}"/>
           </ac:spMkLst>
         </pc:spChg>
         <pc:spChg chg="add del">
-          <ac:chgData name="Diogo Rafael Cunha Pereira" userId="41356203-1e84-4d71-862d-57204f6122a5" providerId="ADAL" clId="{EB0910E8-0166-48ED-9D86-18BD82E0E789}" dt="2020-10-30T15:03:30.136" v="94" actId="26606"/>
+          <ac:chgData name="Diogo Rafael Cunha Pereira" userId="41356203-1e84-4d71-862d-57204f6122a5" providerId="ADAL" clId="{C3E920EC-E48C-42B1-8FFC-9F57C5AD93A5}" dt="2020-11-05T00:43:49.795" v="1090" actId="26606"/>
           <ac:spMkLst>
             <pc:docMk/>
-            <pc:sldMk cId="964660544" sldId="260"/>
-            <ac:spMk id="20" creationId="{43DF76B1-5174-4FAF-9D19-FFEE98426836}"/>
+            <pc:sldMk cId="90760510" sldId="262"/>
+            <ac:spMk id="17" creationId="{EBF87945-A001-489F-9D9B-7D9435F0B9CA}"/>
           </ac:spMkLst>
         </pc:spChg>
         <pc:spChg chg="add del">
-          <ac:chgData name="Diogo Rafael Cunha Pereira" userId="41356203-1e84-4d71-862d-57204f6122a5" providerId="ADAL" clId="{EB0910E8-0166-48ED-9D86-18BD82E0E789}" dt="2020-10-30T15:10:40.921" v="273" actId="26606"/>
+          <ac:chgData name="Diogo Rafael Cunha Pereira" userId="41356203-1e84-4d71-862d-57204f6122a5" providerId="ADAL" clId="{C3E920EC-E48C-42B1-8FFC-9F57C5AD93A5}" dt="2020-11-05T00:43:51.479" v="1092" actId="26606"/>
           <ac:spMkLst>
             <pc:docMk/>
-            <pc:sldMk cId="964660544" sldId="260"/>
-            <ac:spMk id="21" creationId="{29FDB030-9B49-4CED-8CCD-4D99382388AC}"/>
+            <pc:sldMk cId="90760510" sldId="262"/>
+            <ac:spMk id="19" creationId="{80DF40B2-80F7-4E71-B46C-284163F3654A}"/>
           </ac:spMkLst>
         </pc:spChg>
         <pc:spChg chg="add del">
-          <ac:chgData name="Diogo Rafael Cunha Pereira" userId="41356203-1e84-4d71-862d-57204f6122a5" providerId="ADAL" clId="{EB0910E8-0166-48ED-9D86-18BD82E0E789}" dt="2020-10-30T15:03:31.156" v="96" actId="26606"/>
+          <ac:chgData name="Diogo Rafael Cunha Pereira" userId="41356203-1e84-4d71-862d-57204f6122a5" providerId="ADAL" clId="{C3E920EC-E48C-42B1-8FFC-9F57C5AD93A5}" dt="2020-11-05T00:43:57.111" v="1094" actId="26606"/>
           <ac:spMkLst>
             <pc:docMk/>
-            <pc:sldMk cId="964660544" sldId="260"/>
-            <ac:spMk id="22" creationId="{69D184B2-2226-4E31-BCCB-444330767440}"/>
+            <pc:sldMk cId="90760510" sldId="262"/>
+            <ac:spMk id="21" creationId="{8FC9BE17-9A7B-462D-AE50-3D8777387304}"/>
           </ac:spMkLst>
         </pc:spChg>
         <pc:spChg chg="add del">
-          <ac:chgData name="Diogo Rafael Cunha Pereira" userId="41356203-1e84-4d71-862d-57204f6122a5" providerId="ADAL" clId="{EB0910E8-0166-48ED-9D86-18BD82E0E789}" dt="2020-10-30T15:03:31.156" v="96" actId="26606"/>
+          <ac:chgData name="Diogo Rafael Cunha Pereira" userId="41356203-1e84-4d71-862d-57204f6122a5" providerId="ADAL" clId="{C3E920EC-E48C-42B1-8FFC-9F57C5AD93A5}" dt="2020-11-05T00:43:57.111" v="1094" actId="26606"/>
           <ac:spMkLst>
             <pc:docMk/>
-            <pc:sldMk cId="964660544" sldId="260"/>
-            <ac:spMk id="23" creationId="{1AC4D4E3-486A-464A-8EC8-D44881097267}"/>
+            <pc:sldMk cId="90760510" sldId="262"/>
+            <ac:spMk id="22" creationId="{3EBE8569-6AEC-4B8C-8D53-2DE337CDBA65}"/>
           </ac:spMkLst>
         </pc:spChg>
         <pc:spChg chg="add del">
-          <ac:chgData name="Diogo Rafael Cunha Pereira" userId="41356203-1e84-4d71-862d-57204f6122a5" providerId="ADAL" clId="{EB0910E8-0166-48ED-9D86-18BD82E0E789}" dt="2020-10-30T15:03:31.156" v="96" actId="26606"/>
+          <ac:chgData name="Diogo Rafael Cunha Pereira" userId="41356203-1e84-4d71-862d-57204f6122a5" providerId="ADAL" clId="{C3E920EC-E48C-42B1-8FFC-9F57C5AD93A5}" dt="2020-11-05T00:43:57.111" v="1094" actId="26606"/>
           <ac:spMkLst>
             <pc:docMk/>
-            <pc:sldMk cId="964660544" sldId="260"/>
-            <ac:spMk id="24" creationId="{864DE13E-58EB-4475-B79C-0D4FC651239B}"/>
+            <pc:sldMk cId="90760510" sldId="262"/>
+            <ac:spMk id="23" creationId="{55D4142C-5077-457F-A6AD-3FECFDB39685}"/>
           </ac:spMkLst>
         </pc:spChg>
         <pc:spChg chg="add del">
-          <ac:chgData name="Diogo Rafael Cunha Pereira" userId="41356203-1e84-4d71-862d-57204f6122a5" providerId="ADAL" clId="{EB0910E8-0166-48ED-9D86-18BD82E0E789}" dt="2020-10-30T15:10:40.921" v="273" actId="26606"/>
+          <ac:chgData name="Diogo Rafael Cunha Pereira" userId="41356203-1e84-4d71-862d-57204f6122a5" providerId="ADAL" clId="{C3E920EC-E48C-42B1-8FFC-9F57C5AD93A5}" dt="2020-11-05T00:43:57.111" v="1094" actId="26606"/>
           <ac:spMkLst>
             <pc:docMk/>
-            <pc:sldMk cId="964660544" sldId="260"/>
-            <ac:spMk id="25" creationId="{FF9F2414-84E8-453E-B1F3-389FDE8192D9}"/>
+            <pc:sldMk cId="90760510" sldId="262"/>
+            <ac:spMk id="24" creationId="{7A5F0580-5EE9-419F-96EE-B6529EF6E7D0}"/>
           </ac:spMkLst>
         </pc:spChg>
-        <pc:spChg chg="add del">
-          <ac:chgData name="Diogo Rafael Cunha Pereira" userId="41356203-1e84-4d71-862d-57204f6122a5" providerId="ADAL" clId="{EB0910E8-0166-48ED-9D86-18BD82E0E789}" dt="2020-10-30T15:03:32.192" v="98" actId="26606"/>
-          <ac:spMkLst>
-            <pc:docMk/>
-            <pc:sldMk cId="964660544" sldId="260"/>
-            <ac:spMk id="26" creationId="{CA815F2C-4E80-4019-8E59-FAD3F7F8473D}"/>
-          </ac:spMkLst>
-        </pc:spChg>
-        <pc:spChg chg="add del">
-          <ac:chgData name="Diogo Rafael Cunha Pereira" userId="41356203-1e84-4d71-862d-57204f6122a5" providerId="ADAL" clId="{EB0910E8-0166-48ED-9D86-18BD82E0E789}" dt="2020-10-30T15:10:40.921" v="273" actId="26606"/>
-          <ac:spMkLst>
-            <pc:docMk/>
-            <pc:sldMk cId="964660544" sldId="260"/>
-            <ac:spMk id="27" creationId="{3ECA69A1-7536-43AC-85EF-C7106179F5ED}"/>
-          </ac:spMkLst>
-        </pc:spChg>
-        <pc:spChg chg="add del">
-          <ac:chgData name="Diogo Rafael Cunha Pereira" userId="41356203-1e84-4d71-862d-57204f6122a5" providerId="ADAL" clId="{EB0910E8-0166-48ED-9D86-18BD82E0E789}" dt="2020-10-30T15:03:33.795" v="100" actId="26606"/>
-          <ac:spMkLst>
-            <pc:docMk/>
-            <pc:sldMk cId="964660544" sldId="260"/>
-            <ac:spMk id="28" creationId="{69D184B2-2226-4E31-BCCB-444330767440}"/>
-          </ac:spMkLst>
-        </pc:spChg>
-        <pc:spChg chg="add del">
-          <ac:chgData name="Diogo Rafael Cunha Pereira" userId="41356203-1e84-4d71-862d-57204f6122a5" providerId="ADAL" clId="{EB0910E8-0166-48ED-9D86-18BD82E0E789}" dt="2020-10-30T15:03:33.795" v="100" actId="26606"/>
-          <ac:spMkLst>
-            <pc:docMk/>
-            <pc:sldMk cId="964660544" sldId="260"/>
-            <ac:spMk id="29" creationId="{1AC4D4E3-486A-464A-8EC8-D44881097267}"/>
-          </ac:spMkLst>
-        </pc:spChg>
-        <pc:spChg chg="add del">
-          <ac:chgData name="Diogo Rafael Cunha Pereira" userId="41356203-1e84-4d71-862d-57204f6122a5" providerId="ADAL" clId="{EB0910E8-0166-48ED-9D86-18BD82E0E789}" dt="2020-10-30T15:03:33.795" v="100" actId="26606"/>
-          <ac:spMkLst>
-            <pc:docMk/>
-            <pc:sldMk cId="964660544" sldId="260"/>
-            <ac:spMk id="30" creationId="{864DE13E-58EB-4475-B79C-0D4FC651239B}"/>
-          </ac:spMkLst>
-        </pc:spChg>
-        <pc:spChg chg="add del">
-          <ac:chgData name="Diogo Rafael Cunha Pereira" userId="41356203-1e84-4d71-862d-57204f6122a5" providerId="ADAL" clId="{EB0910E8-0166-48ED-9D86-18BD82E0E789}" dt="2020-10-30T15:10:16.383" v="240" actId="26606"/>
-          <ac:spMkLst>
-            <pc:docMk/>
-            <pc:sldMk cId="964660544" sldId="260"/>
-            <ac:spMk id="31" creationId="{01D0AF59-99C3-4251-AB9A-C966C6AD4400}"/>
-          </ac:spMkLst>
-        </pc:spChg>
-        <pc:spChg chg="add del">
-          <ac:chgData name="Diogo Rafael Cunha Pereira" userId="41356203-1e84-4d71-862d-57204f6122a5" providerId="ADAL" clId="{EB0910E8-0166-48ED-9D86-18BD82E0E789}" dt="2020-10-30T15:03:34.981" v="102" actId="26606"/>
-          <ac:spMkLst>
-            <pc:docMk/>
-            <pc:sldMk cId="964660544" sldId="260"/>
-            <ac:spMk id="32" creationId="{CA815F2C-4E80-4019-8E59-FAD3F7F8473D}"/>
-          </ac:spMkLst>
-        </pc:spChg>
-        <pc:spChg chg="add del">
-          <ac:chgData name="Diogo Rafael Cunha Pereira" userId="41356203-1e84-4d71-862d-57204f6122a5" providerId="ADAL" clId="{EB0910E8-0166-48ED-9D86-18BD82E0E789}" dt="2020-10-30T15:10:16.383" v="240" actId="26606"/>
-          <ac:spMkLst>
-            <pc:docMk/>
-            <pc:sldMk cId="964660544" sldId="260"/>
-            <ac:spMk id="33" creationId="{1855405F-37A2-4869-9154-F8BE3BECE6C3}"/>
-          </ac:spMkLst>
-        </pc:spChg>
-        <pc:spChg chg="add del">
-          <ac:chgData name="Diogo Rafael Cunha Pereira" userId="41356203-1e84-4d71-862d-57204f6122a5" providerId="ADAL" clId="{EB0910E8-0166-48ED-9D86-18BD82E0E789}" dt="2020-10-30T15:03:37.021" v="104" actId="26606"/>
-          <ac:spMkLst>
-            <pc:docMk/>
-            <pc:sldMk cId="964660544" sldId="260"/>
-            <ac:spMk id="34" creationId="{57845966-6EFC-468A-9CC7-BAB4B95854E7}"/>
-          </ac:spMkLst>
-        </pc:spChg>
-        <pc:spChg chg="add del">
-          <ac:chgData name="Diogo Rafael Cunha Pereira" userId="41356203-1e84-4d71-862d-57204f6122a5" providerId="ADAL" clId="{EB0910E8-0166-48ED-9D86-18BD82E0E789}" dt="2020-10-30T15:03:37.021" v="104" actId="26606"/>
-          <ac:spMkLst>
-            <pc:docMk/>
-            <pc:sldMk cId="964660544" sldId="260"/>
-            <ac:spMk id="36" creationId="{ADAD1991-FFD1-4E94-ABAB-7560D33008E4}"/>
-          </ac:spMkLst>
-        </pc:spChg>
-        <pc:spChg chg="add del">
-          <ac:chgData name="Diogo Rafael Cunha Pereira" userId="41356203-1e84-4d71-862d-57204f6122a5" providerId="ADAL" clId="{EB0910E8-0166-48ED-9D86-18BD82E0E789}" dt="2020-10-30T15:10:17.981" v="242" actId="26606"/>
-          <ac:spMkLst>
-            <pc:docMk/>
-            <pc:sldMk cId="964660544" sldId="260"/>
-            <ac:spMk id="37" creationId="{86FF76B9-219D-4469-AF87-0236D29032F1}"/>
-          </ac:spMkLst>
-        </pc:spChg>
-        <pc:spChg chg="add del">
-          <ac:chgData name="Diogo Rafael Cunha Pereira" userId="41356203-1e84-4d71-862d-57204f6122a5" providerId="ADAL" clId="{EB0910E8-0166-48ED-9D86-18BD82E0E789}" dt="2020-10-30T15:10:17.981" v="242" actId="26606"/>
-          <ac:spMkLst>
-            <pc:docMk/>
-            <pc:sldMk cId="964660544" sldId="260"/>
-            <ac:spMk id="38" creationId="{2E80C965-DB6D-4F81-9E9E-B027384D0BD6}"/>
-          </ac:spMkLst>
-        </pc:spChg>
-        <pc:spChg chg="add del">
-          <ac:chgData name="Diogo Rafael Cunha Pereira" userId="41356203-1e84-4d71-862d-57204f6122a5" providerId="ADAL" clId="{EB0910E8-0166-48ED-9D86-18BD82E0E789}" dt="2020-10-30T15:10:17.981" v="242" actId="26606"/>
-          <ac:spMkLst>
-            <pc:docMk/>
-            <pc:sldMk cId="964660544" sldId="260"/>
-            <ac:spMk id="40" creationId="{633C5E46-DAC5-4661-9C87-22B08E2A512F}"/>
-          </ac:spMkLst>
-        </pc:spChg>
-        <pc:spChg chg="add del">
-          <ac:chgData name="Diogo Rafael Cunha Pereira" userId="41356203-1e84-4d71-862d-57204f6122a5" providerId="ADAL" clId="{EB0910E8-0166-48ED-9D86-18BD82E0E789}" dt="2020-10-30T15:10:23.013" v="248" actId="26606"/>
-          <ac:spMkLst>
-            <pc:docMk/>
-            <pc:sldMk cId="964660544" sldId="260"/>
-            <ac:spMk id="41" creationId="{32BC26D8-82FB-445E-AA49-62A77D7C1EE0}"/>
-          </ac:spMkLst>
-        </pc:spChg>
-        <pc:spChg chg="add del">
-          <ac:chgData name="Diogo Rafael Cunha Pereira" userId="41356203-1e84-4d71-862d-57204f6122a5" providerId="ADAL" clId="{EB0910E8-0166-48ED-9D86-18BD82E0E789}" dt="2020-10-30T15:10:23.013" v="248" actId="26606"/>
-          <ac:spMkLst>
-            <pc:docMk/>
-            <pc:sldMk cId="964660544" sldId="260"/>
-            <ac:spMk id="42" creationId="{CB44330D-EA18-4254-AA95-EB49948539B8}"/>
-          </ac:spMkLst>
-        </pc:spChg>
-        <pc:spChg chg="add del">
-          <ac:chgData name="Diogo Rafael Cunha Pereira" userId="41356203-1e84-4d71-862d-57204f6122a5" providerId="ADAL" clId="{EB0910E8-0166-48ED-9D86-18BD82E0E789}" dt="2020-10-30T15:10:20.642" v="244" actId="26606"/>
-          <ac:spMkLst>
-            <pc:docMk/>
-            <pc:sldMk cId="964660544" sldId="260"/>
-            <ac:spMk id="44" creationId="{57845966-6EFC-468A-9CC7-BAB4B95854E7}"/>
-          </ac:spMkLst>
-        </pc:spChg>
-        <pc:spChg chg="add del">
-          <ac:chgData name="Diogo Rafael Cunha Pereira" userId="41356203-1e84-4d71-862d-57204f6122a5" providerId="ADAL" clId="{EB0910E8-0166-48ED-9D86-18BD82E0E789}" dt="2020-10-30T15:10:20.642" v="244" actId="26606"/>
-          <ac:spMkLst>
-            <pc:docMk/>
-            <pc:sldMk cId="964660544" sldId="260"/>
-            <ac:spMk id="46" creationId="{ADAD1991-FFD1-4E94-ABAB-7560D33008E4}"/>
-          </ac:spMkLst>
-        </pc:spChg>
-        <pc:spChg chg="add del">
-          <ac:chgData name="Diogo Rafael Cunha Pereira" userId="41356203-1e84-4d71-862d-57204f6122a5" providerId="ADAL" clId="{EB0910E8-0166-48ED-9D86-18BD82E0E789}" dt="2020-10-30T15:10:23.966" v="250" actId="26606"/>
-          <ac:spMkLst>
-            <pc:docMk/>
-            <pc:sldMk cId="964660544" sldId="260"/>
-            <ac:spMk id="47" creationId="{69D184B2-2226-4E31-BCCB-444330767440}"/>
-          </ac:spMkLst>
-        </pc:spChg>
-        <pc:spChg chg="add del">
-          <ac:chgData name="Diogo Rafael Cunha Pereira" userId="41356203-1e84-4d71-862d-57204f6122a5" providerId="ADAL" clId="{EB0910E8-0166-48ED-9D86-18BD82E0E789}" dt="2020-10-30T15:10:23.966" v="250" actId="26606"/>
-          <ac:spMkLst>
-            <pc:docMk/>
-            <pc:sldMk cId="964660544" sldId="260"/>
-            <ac:spMk id="48" creationId="{1AC4D4E3-486A-464A-8EC8-D44881097267}"/>
-          </ac:spMkLst>
-        </pc:spChg>
-        <pc:spChg chg="add del">
-          <ac:chgData name="Diogo Rafael Cunha Pereira" userId="41356203-1e84-4d71-862d-57204f6122a5" providerId="ADAL" clId="{EB0910E8-0166-48ED-9D86-18BD82E0E789}" dt="2020-10-30T15:10:23.966" v="250" actId="26606"/>
-          <ac:spMkLst>
-            <pc:docMk/>
-            <pc:sldMk cId="964660544" sldId="260"/>
-            <ac:spMk id="49" creationId="{864DE13E-58EB-4475-B79C-0D4FC651239B}"/>
-          </ac:spMkLst>
-        </pc:spChg>
-        <pc:spChg chg="add del">
-          <ac:chgData name="Diogo Rafael Cunha Pereira" userId="41356203-1e84-4d71-862d-57204f6122a5" providerId="ADAL" clId="{EB0910E8-0166-48ED-9D86-18BD82E0E789}" dt="2020-10-30T15:10:25.864" v="252" actId="26606"/>
-          <ac:spMkLst>
-            <pc:docMk/>
-            <pc:sldMk cId="964660544" sldId="260"/>
-            <ac:spMk id="51" creationId="{CA815F2C-4E80-4019-8E59-FAD3F7F8473D}"/>
-          </ac:spMkLst>
-        </pc:spChg>
-        <pc:spChg chg="add del">
-          <ac:chgData name="Diogo Rafael Cunha Pereira" userId="41356203-1e84-4d71-862d-57204f6122a5" providerId="ADAL" clId="{EB0910E8-0166-48ED-9D86-18BD82E0E789}" dt="2020-10-30T15:10:27.011" v="254" actId="26606"/>
-          <ac:spMkLst>
-            <pc:docMk/>
-            <pc:sldMk cId="964660544" sldId="260"/>
-            <ac:spMk id="53" creationId="{46D6306C-ED4F-4AAE-B4A5-EEA6AFAD726E}"/>
-          </ac:spMkLst>
-        </pc:spChg>
-        <pc:spChg chg="add del">
-          <ac:chgData name="Diogo Rafael Cunha Pereira" userId="41356203-1e84-4d71-862d-57204f6122a5" providerId="ADAL" clId="{EB0910E8-0166-48ED-9D86-18BD82E0E789}" dt="2020-10-30T15:10:27.011" v="254" actId="26606"/>
-          <ac:spMkLst>
-            <pc:docMk/>
-            <pc:sldMk cId="964660544" sldId="260"/>
-            <ac:spMk id="54" creationId="{0EC5361D-F897-4856-B945-0455A365EB24}"/>
-          </ac:spMkLst>
-        </pc:spChg>
-        <pc:spChg chg="add del">
-          <ac:chgData name="Diogo Rafael Cunha Pereira" userId="41356203-1e84-4d71-862d-57204f6122a5" providerId="ADAL" clId="{EB0910E8-0166-48ED-9D86-18BD82E0E789}" dt="2020-10-30T15:10:27.011" v="254" actId="26606"/>
-          <ac:spMkLst>
-            <pc:docMk/>
-            <pc:sldMk cId="964660544" sldId="260"/>
-            <ac:spMk id="55" creationId="{4508C0C5-2268-42B5-B3C8-4D0899E05F8C}"/>
-          </ac:spMkLst>
-        </pc:spChg>
-        <pc:spChg chg="add del">
-          <ac:chgData name="Diogo Rafael Cunha Pereira" userId="41356203-1e84-4d71-862d-57204f6122a5" providerId="ADAL" clId="{EB0910E8-0166-48ED-9D86-18BD82E0E789}" dt="2020-10-30T15:10:27.011" v="254" actId="26606"/>
-          <ac:spMkLst>
-            <pc:docMk/>
-            <pc:sldMk cId="964660544" sldId="260"/>
-            <ac:spMk id="56" creationId="{141ACBDB-38F8-4B34-8183-BD95B4E55A62}"/>
-          </ac:spMkLst>
-        </pc:spChg>
-        <pc:spChg chg="add del">
-          <ac:chgData name="Diogo Rafael Cunha Pereira" userId="41356203-1e84-4d71-862d-57204f6122a5" providerId="ADAL" clId="{EB0910E8-0166-48ED-9D86-18BD82E0E789}" dt="2020-10-30T15:10:27.011" v="254" actId="26606"/>
-          <ac:spMkLst>
-            <pc:docMk/>
-            <pc:sldMk cId="964660544" sldId="260"/>
-            <ac:spMk id="57" creationId="{DE00DB52-3455-4E2F-867B-A6D0516E175B}"/>
-          </ac:spMkLst>
-        </pc:spChg>
-        <pc:spChg chg="add del">
-          <ac:chgData name="Diogo Rafael Cunha Pereira" userId="41356203-1e84-4d71-862d-57204f6122a5" providerId="ADAL" clId="{EB0910E8-0166-48ED-9D86-18BD82E0E789}" dt="2020-10-30T15:10:27.011" v="254" actId="26606"/>
-          <ac:spMkLst>
-            <pc:docMk/>
-            <pc:sldMk cId="964660544" sldId="260"/>
-            <ac:spMk id="58" creationId="{9E914C83-E0D8-4953-92D5-169D28CB43AE}"/>
-          </ac:spMkLst>
-        </pc:spChg>
-        <pc:spChg chg="add del">
-          <ac:chgData name="Diogo Rafael Cunha Pereira" userId="41356203-1e84-4d71-862d-57204f6122a5" providerId="ADAL" clId="{EB0910E8-0166-48ED-9D86-18BD82E0E789}" dt="2020-10-30T15:10:27.011" v="254" actId="26606"/>
-          <ac:spMkLst>
-            <pc:docMk/>
-            <pc:sldMk cId="964660544" sldId="260"/>
-            <ac:spMk id="59" creationId="{3512E083-F550-46AF-8490-767ECFD00CB7}"/>
-          </ac:spMkLst>
-        </pc:spChg>
-        <pc:spChg chg="add del">
-          <ac:chgData name="Diogo Rafael Cunha Pereira" userId="41356203-1e84-4d71-862d-57204f6122a5" providerId="ADAL" clId="{EB0910E8-0166-48ED-9D86-18BD82E0E789}" dt="2020-10-30T15:10:30.741" v="256" actId="26606"/>
-          <ac:spMkLst>
-            <pc:docMk/>
-            <pc:sldMk cId="964660544" sldId="260"/>
-            <ac:spMk id="61" creationId="{3B432D73-5C38-474F-AF96-A3228731BF36}"/>
-          </ac:spMkLst>
-        </pc:spChg>
-        <pc:spChg chg="add del">
-          <ac:chgData name="Diogo Rafael Cunha Pereira" userId="41356203-1e84-4d71-862d-57204f6122a5" providerId="ADAL" clId="{EB0910E8-0166-48ED-9D86-18BD82E0E789}" dt="2020-10-30T15:10:33.626" v="258" actId="26606"/>
-          <ac:spMkLst>
-            <pc:docMk/>
-            <pc:sldMk cId="964660544" sldId="260"/>
-            <ac:spMk id="63" creationId="{46D6306C-ED4F-4AAE-B4A5-EEA6AFAD726E}"/>
-          </ac:spMkLst>
-        </pc:spChg>
-        <pc:spChg chg="add del">
-          <ac:chgData name="Diogo Rafael Cunha Pereira" userId="41356203-1e84-4d71-862d-57204f6122a5" providerId="ADAL" clId="{EB0910E8-0166-48ED-9D86-18BD82E0E789}" dt="2020-10-30T15:10:33.626" v="258" actId="26606"/>
-          <ac:spMkLst>
-            <pc:docMk/>
-            <pc:sldMk cId="964660544" sldId="260"/>
-            <ac:spMk id="64" creationId="{0EC5361D-F897-4856-B945-0455A365EB24}"/>
-          </ac:spMkLst>
-        </pc:spChg>
-        <pc:spChg chg="add del">
-          <ac:chgData name="Diogo Rafael Cunha Pereira" userId="41356203-1e84-4d71-862d-57204f6122a5" providerId="ADAL" clId="{EB0910E8-0166-48ED-9D86-18BD82E0E789}" dt="2020-10-30T15:10:33.626" v="258" actId="26606"/>
-          <ac:spMkLst>
-            <pc:docMk/>
-            <pc:sldMk cId="964660544" sldId="260"/>
-            <ac:spMk id="65" creationId="{4508C0C5-2268-42B5-B3C8-4D0899E05F8C}"/>
-          </ac:spMkLst>
-        </pc:spChg>
-        <pc:spChg chg="add del">
-          <ac:chgData name="Diogo Rafael Cunha Pereira" userId="41356203-1e84-4d71-862d-57204f6122a5" providerId="ADAL" clId="{EB0910E8-0166-48ED-9D86-18BD82E0E789}" dt="2020-10-30T15:10:33.626" v="258" actId="26606"/>
-          <ac:spMkLst>
-            <pc:docMk/>
-            <pc:sldMk cId="964660544" sldId="260"/>
-            <ac:spMk id="66" creationId="{141ACBDB-38F8-4B34-8183-BD95B4E55A62}"/>
-          </ac:spMkLst>
-        </pc:spChg>
-        <pc:spChg chg="add del">
-          <ac:chgData name="Diogo Rafael Cunha Pereira" userId="41356203-1e84-4d71-862d-57204f6122a5" providerId="ADAL" clId="{EB0910E8-0166-48ED-9D86-18BD82E0E789}" dt="2020-10-30T15:10:33.626" v="258" actId="26606"/>
-          <ac:spMkLst>
-            <pc:docMk/>
-            <pc:sldMk cId="964660544" sldId="260"/>
-            <ac:spMk id="67" creationId="{DE00DB52-3455-4E2F-867B-A6D0516E175B}"/>
-          </ac:spMkLst>
-        </pc:spChg>
-        <pc:spChg chg="add del">
-          <ac:chgData name="Diogo Rafael Cunha Pereira" userId="41356203-1e84-4d71-862d-57204f6122a5" providerId="ADAL" clId="{EB0910E8-0166-48ED-9D86-18BD82E0E789}" dt="2020-10-30T15:10:33.626" v="258" actId="26606"/>
-          <ac:spMkLst>
-            <pc:docMk/>
-            <pc:sldMk cId="964660544" sldId="260"/>
-            <ac:spMk id="68" creationId="{9E914C83-E0D8-4953-92D5-169D28CB43AE}"/>
-          </ac:spMkLst>
-        </pc:spChg>
-        <pc:spChg chg="add del">
-          <ac:chgData name="Diogo Rafael Cunha Pereira" userId="41356203-1e84-4d71-862d-57204f6122a5" providerId="ADAL" clId="{EB0910E8-0166-48ED-9D86-18BD82E0E789}" dt="2020-10-30T15:10:33.626" v="258" actId="26606"/>
-          <ac:spMkLst>
-            <pc:docMk/>
-            <pc:sldMk cId="964660544" sldId="260"/>
-            <ac:spMk id="69" creationId="{3512E083-F550-46AF-8490-767ECFD00CB7}"/>
-          </ac:spMkLst>
-        </pc:spChg>
-        <pc:spChg chg="add del">
-          <ac:chgData name="Diogo Rafael Cunha Pereira" userId="41356203-1e84-4d71-862d-57204f6122a5" providerId="ADAL" clId="{EB0910E8-0166-48ED-9D86-18BD82E0E789}" dt="2020-10-30T15:10:34.308" v="260" actId="26606"/>
-          <ac:spMkLst>
-            <pc:docMk/>
-            <pc:sldMk cId="964660544" sldId="260"/>
-            <ac:spMk id="71" creationId="{AB8C311F-7253-4AED-9701-7FC0708C41C7}"/>
-          </ac:spMkLst>
-        </pc:spChg>
-        <pc:spChg chg="add del">
-          <ac:chgData name="Diogo Rafael Cunha Pereira" userId="41356203-1e84-4d71-862d-57204f6122a5" providerId="ADAL" clId="{EB0910E8-0166-48ED-9D86-18BD82E0E789}" dt="2020-10-30T15:10:34.308" v="260" actId="26606"/>
-          <ac:spMkLst>
-            <pc:docMk/>
-            <pc:sldMk cId="964660544" sldId="260"/>
-            <ac:spMk id="72" creationId="{E2384209-CB15-4CDF-9D31-C44FD9A3F20D}"/>
-          </ac:spMkLst>
-        </pc:spChg>
-        <pc:spChg chg="add del">
-          <ac:chgData name="Diogo Rafael Cunha Pereira" userId="41356203-1e84-4d71-862d-57204f6122a5" providerId="ADAL" clId="{EB0910E8-0166-48ED-9D86-18BD82E0E789}" dt="2020-10-30T15:10:34.308" v="260" actId="26606"/>
-          <ac:spMkLst>
-            <pc:docMk/>
-            <pc:sldMk cId="964660544" sldId="260"/>
-            <ac:spMk id="73" creationId="{2633B3B5-CC90-43F0-8714-D31D1F3F0209}"/>
-          </ac:spMkLst>
-        </pc:spChg>
-        <pc:spChg chg="add del">
-          <ac:chgData name="Diogo Rafael Cunha Pereira" userId="41356203-1e84-4d71-862d-57204f6122a5" providerId="ADAL" clId="{EB0910E8-0166-48ED-9D86-18BD82E0E789}" dt="2020-10-30T15:10:34.308" v="260" actId="26606"/>
-          <ac:spMkLst>
-            <pc:docMk/>
-            <pc:sldMk cId="964660544" sldId="260"/>
-            <ac:spMk id="74" creationId="{A8D57A06-A426-446D-B02C-A2DC6B62E45E}"/>
-          </ac:spMkLst>
-        </pc:spChg>
-        <pc:spChg chg="add del">
-          <ac:chgData name="Diogo Rafael Cunha Pereira" userId="41356203-1e84-4d71-862d-57204f6122a5" providerId="ADAL" clId="{EB0910E8-0166-48ED-9D86-18BD82E0E789}" dt="2020-10-30T15:10:35.306" v="262" actId="26606"/>
-          <ac:spMkLst>
-            <pc:docMk/>
-            <pc:sldMk cId="964660544" sldId="260"/>
-            <ac:spMk id="76" creationId="{1500B4A4-B1F1-41EA-886A-B8A210DBCA3B}"/>
-          </ac:spMkLst>
-        </pc:spChg>
-        <pc:spChg chg="add del">
-          <ac:chgData name="Diogo Rafael Cunha Pereira" userId="41356203-1e84-4d71-862d-57204f6122a5" providerId="ADAL" clId="{EB0910E8-0166-48ED-9D86-18BD82E0E789}" dt="2020-10-30T15:10:35.306" v="262" actId="26606"/>
-          <ac:spMkLst>
-            <pc:docMk/>
-            <pc:sldMk cId="964660544" sldId="260"/>
-            <ac:spMk id="77" creationId="{5E55A99C-0BDC-4DBE-8E40-9FA66F629FA1}"/>
-          </ac:spMkLst>
-        </pc:spChg>
-        <pc:spChg chg="add del">
-          <ac:chgData name="Diogo Rafael Cunha Pereira" userId="41356203-1e84-4d71-862d-57204f6122a5" providerId="ADAL" clId="{EB0910E8-0166-48ED-9D86-18BD82E0E789}" dt="2020-10-30T15:13:01.263" v="308" actId="26606"/>
-          <ac:spMkLst>
-            <pc:docMk/>
-            <pc:sldMk cId="964660544" sldId="260"/>
-            <ac:spMk id="78" creationId="{CB44330D-EA18-4254-AA95-EB49948539B8}"/>
-          </ac:spMkLst>
-        </pc:spChg>
-        <pc:spChg chg="add del">
-          <ac:chgData name="Diogo Rafael Cunha Pereira" userId="41356203-1e84-4d71-862d-57204f6122a5" providerId="ADAL" clId="{EB0910E8-0166-48ED-9D86-18BD82E0E789}" dt="2020-10-30T15:10:36.252" v="264" actId="26606"/>
-          <ac:spMkLst>
-            <pc:docMk/>
-            <pc:sldMk cId="964660544" sldId="260"/>
-            <ac:spMk id="79" creationId="{22F15A2D-2324-487D-A02A-BF46C5C580EB}"/>
-          </ac:spMkLst>
-        </pc:spChg>
-        <pc:spChg chg="add del">
-          <ac:chgData name="Diogo Rafael Cunha Pereira" userId="41356203-1e84-4d71-862d-57204f6122a5" providerId="ADAL" clId="{EB0910E8-0166-48ED-9D86-18BD82E0E789}" dt="2020-10-30T15:10:36.252" v="264" actId="26606"/>
-          <ac:spMkLst>
-            <pc:docMk/>
-            <pc:sldMk cId="964660544" sldId="260"/>
-            <ac:spMk id="80" creationId="{17A7F34E-D418-47E2-9F86-2C45BBC31210}"/>
-          </ac:spMkLst>
-        </pc:spChg>
-        <pc:spChg chg="add del">
-          <ac:chgData name="Diogo Rafael Cunha Pereira" userId="41356203-1e84-4d71-862d-57204f6122a5" providerId="ADAL" clId="{EB0910E8-0166-48ED-9D86-18BD82E0E789}" dt="2020-10-30T15:10:36.252" v="264" actId="26606"/>
-          <ac:spMkLst>
-            <pc:docMk/>
-            <pc:sldMk cId="964660544" sldId="260"/>
-            <ac:spMk id="81" creationId="{2AEAFA59-923A-4F54-8B49-44C970BCC323}"/>
-          </ac:spMkLst>
-        </pc:spChg>
-        <pc:spChg chg="add del">
-          <ac:chgData name="Diogo Rafael Cunha Pereira" userId="41356203-1e84-4d71-862d-57204f6122a5" providerId="ADAL" clId="{EB0910E8-0166-48ED-9D86-18BD82E0E789}" dt="2020-10-30T15:13:11.396" v="312" actId="26606"/>
-          <ac:spMkLst>
-            <pc:docMk/>
-            <pc:sldMk cId="964660544" sldId="260"/>
-            <ac:spMk id="82" creationId="{A8D57A06-A426-446D-B02C-A2DC6B62E45E}"/>
-          </ac:spMkLst>
-        </pc:spChg>
-        <pc:spChg chg="add del">
-          <ac:chgData name="Diogo Rafael Cunha Pereira" userId="41356203-1e84-4d71-862d-57204f6122a5" providerId="ADAL" clId="{EB0910E8-0166-48ED-9D86-18BD82E0E789}" dt="2020-10-30T15:10:37.113" v="266" actId="26606"/>
-          <ac:spMkLst>
-            <pc:docMk/>
-            <pc:sldMk cId="964660544" sldId="260"/>
-            <ac:spMk id="83" creationId="{B649E800-A5C8-49A0-A453-ED537DA3156A}"/>
-          </ac:spMkLst>
-        </pc:spChg>
-        <pc:spChg chg="add del">
-          <ac:chgData name="Diogo Rafael Cunha Pereira" userId="41356203-1e84-4d71-862d-57204f6122a5" providerId="ADAL" clId="{EB0910E8-0166-48ED-9D86-18BD82E0E789}" dt="2020-10-30T15:10:37.113" v="266" actId="26606"/>
-          <ac:spMkLst>
-            <pc:docMk/>
-            <pc:sldMk cId="964660544" sldId="260"/>
-            <ac:spMk id="84" creationId="{8BA67DD7-B75D-4A30-90A4-EEA9F64AF11B}"/>
-          </ac:spMkLst>
-        </pc:spChg>
-        <pc:spChg chg="add del">
-          <ac:chgData name="Diogo Rafael Cunha Pereira" userId="41356203-1e84-4d71-862d-57204f6122a5" providerId="ADAL" clId="{EB0910E8-0166-48ED-9D86-18BD82E0E789}" dt="2020-10-30T15:33:44.246" v="606" actId="26606"/>
-          <ac:spMkLst>
-            <pc:docMk/>
-            <pc:sldMk cId="964660544" sldId="260"/>
-            <ac:spMk id="87" creationId="{29FDB030-9B49-4CED-8CCD-4D99382388AC}"/>
-          </ac:spMkLst>
-        </pc:spChg>
-        <pc:spChg chg="add del">
-          <ac:chgData name="Diogo Rafael Cunha Pereira" userId="41356203-1e84-4d71-862d-57204f6122a5" providerId="ADAL" clId="{EB0910E8-0166-48ED-9D86-18BD82E0E789}" dt="2020-10-30T15:10:39.648" v="270" actId="26606"/>
-          <ac:spMkLst>
-            <pc:docMk/>
-            <pc:sldMk cId="964660544" sldId="260"/>
-            <ac:spMk id="91" creationId="{216BB327-7AA9-4EC5-815F-9D8E6BC53E34}"/>
-          </ac:spMkLst>
-        </pc:spChg>
-        <pc:spChg chg="add del">
-          <ac:chgData name="Diogo Rafael Cunha Pereira" userId="41356203-1e84-4d71-862d-57204f6122a5" providerId="ADAL" clId="{EB0910E8-0166-48ED-9D86-18BD82E0E789}" dt="2020-10-30T15:10:40.901" v="272" actId="26606"/>
-          <ac:spMkLst>
-            <pc:docMk/>
-            <pc:sldMk cId="964660544" sldId="260"/>
-            <ac:spMk id="93" creationId="{0B761509-3B9A-49A6-A84B-C3D86811697D}"/>
-          </ac:spMkLst>
-        </pc:spChg>
-        <pc:spChg chg="add del">
-          <ac:chgData name="Diogo Rafael Cunha Pereira" userId="41356203-1e84-4d71-862d-57204f6122a5" providerId="ADAL" clId="{EB0910E8-0166-48ED-9D86-18BD82E0E789}" dt="2020-10-30T15:10:40.901" v="272" actId="26606"/>
-          <ac:spMkLst>
-            <pc:docMk/>
-            <pc:sldMk cId="964660544" sldId="260"/>
-            <ac:spMk id="94" creationId="{91DE43FD-EB47-414A-B0AB-169B0FFFA527}"/>
-          </ac:spMkLst>
-        </pc:spChg>
-        <pc:spChg chg="add del">
-          <ac:chgData name="Diogo Rafael Cunha Pereira" userId="41356203-1e84-4d71-862d-57204f6122a5" providerId="ADAL" clId="{EB0910E8-0166-48ED-9D86-18BD82E0E789}" dt="2020-10-30T15:12:21.560" v="297" actId="26606"/>
-          <ac:spMkLst>
-            <pc:docMk/>
-            <pc:sldMk cId="964660544" sldId="260"/>
-            <ac:spMk id="99" creationId="{5F879AC3-D4CE-493C-ADC7-06205677F4F8}"/>
-          </ac:spMkLst>
-        </pc:spChg>
-        <pc:spChg chg="add del">
-          <ac:chgData name="Diogo Rafael Cunha Pereira" userId="41356203-1e84-4d71-862d-57204f6122a5" providerId="ADAL" clId="{EB0910E8-0166-48ED-9D86-18BD82E0E789}" dt="2020-10-30T15:12:21.560" v="297" actId="26606"/>
-          <ac:spMkLst>
-            <pc:docMk/>
-            <pc:sldMk cId="964660544" sldId="260"/>
-            <ac:spMk id="100" creationId="{736F0DFD-0954-464F-BF12-DD2E6F6E0380}"/>
-          </ac:spMkLst>
-        </pc:spChg>
-        <pc:spChg chg="add del">
-          <ac:chgData name="Diogo Rafael Cunha Pereira" userId="41356203-1e84-4d71-862d-57204f6122a5" providerId="ADAL" clId="{EB0910E8-0166-48ED-9D86-18BD82E0E789}" dt="2020-10-30T15:12:12.094" v="290" actId="26606"/>
-          <ac:spMkLst>
-            <pc:docMk/>
-            <pc:sldMk cId="964660544" sldId="260"/>
-            <ac:spMk id="105" creationId="{46D6306C-ED4F-4AAE-B4A5-EEA6AFAD726E}"/>
-          </ac:spMkLst>
-        </pc:spChg>
-        <pc:spChg chg="add del">
-          <ac:chgData name="Diogo Rafael Cunha Pereira" userId="41356203-1e84-4d71-862d-57204f6122a5" providerId="ADAL" clId="{EB0910E8-0166-48ED-9D86-18BD82E0E789}" dt="2020-10-30T15:12:12.094" v="290" actId="26606"/>
-          <ac:spMkLst>
-            <pc:docMk/>
-            <pc:sldMk cId="964660544" sldId="260"/>
-            <ac:spMk id="107" creationId="{0EC5361D-F897-4856-B945-0455A365EB24}"/>
-          </ac:spMkLst>
-        </pc:spChg>
-        <pc:spChg chg="add del">
-          <ac:chgData name="Diogo Rafael Cunha Pereira" userId="41356203-1e84-4d71-862d-57204f6122a5" providerId="ADAL" clId="{EB0910E8-0166-48ED-9D86-18BD82E0E789}" dt="2020-10-30T15:12:12.094" v="290" actId="26606"/>
-          <ac:spMkLst>
-            <pc:docMk/>
-            <pc:sldMk cId="964660544" sldId="260"/>
-            <ac:spMk id="109" creationId="{4508C0C5-2268-42B5-B3C8-4D0899E05F8C}"/>
-          </ac:spMkLst>
-        </pc:spChg>
-        <pc:spChg chg="add del">
-          <ac:chgData name="Diogo Rafael Cunha Pereira" userId="41356203-1e84-4d71-862d-57204f6122a5" providerId="ADAL" clId="{EB0910E8-0166-48ED-9D86-18BD82E0E789}" dt="2020-10-30T15:12:12.094" v="290" actId="26606"/>
-          <ac:spMkLst>
-            <pc:docMk/>
-            <pc:sldMk cId="964660544" sldId="260"/>
-            <ac:spMk id="111" creationId="{141ACBDB-38F8-4B34-8183-BD95B4E55A62}"/>
-          </ac:spMkLst>
-        </pc:spChg>
-        <pc:spChg chg="add del">
-          <ac:chgData name="Diogo Rafael Cunha Pereira" userId="41356203-1e84-4d71-862d-57204f6122a5" providerId="ADAL" clId="{EB0910E8-0166-48ED-9D86-18BD82E0E789}" dt="2020-10-30T15:12:12.094" v="290" actId="26606"/>
-          <ac:spMkLst>
-            <pc:docMk/>
-            <pc:sldMk cId="964660544" sldId="260"/>
-            <ac:spMk id="113" creationId="{DE00DB52-3455-4E2F-867B-A6D0516E175B}"/>
-          </ac:spMkLst>
-        </pc:spChg>
-        <pc:spChg chg="add del">
-          <ac:chgData name="Diogo Rafael Cunha Pereira" userId="41356203-1e84-4d71-862d-57204f6122a5" providerId="ADAL" clId="{EB0910E8-0166-48ED-9D86-18BD82E0E789}" dt="2020-10-30T15:12:12.094" v="290" actId="26606"/>
-          <ac:spMkLst>
-            <pc:docMk/>
-            <pc:sldMk cId="964660544" sldId="260"/>
-            <ac:spMk id="115" creationId="{9E914C83-E0D8-4953-92D5-169D28CB43AE}"/>
-          </ac:spMkLst>
-        </pc:spChg>
-        <pc:spChg chg="add del">
-          <ac:chgData name="Diogo Rafael Cunha Pereira" userId="41356203-1e84-4d71-862d-57204f6122a5" providerId="ADAL" clId="{EB0910E8-0166-48ED-9D86-18BD82E0E789}" dt="2020-10-30T15:12:12.094" v="290" actId="26606"/>
-          <ac:spMkLst>
-            <pc:docMk/>
-            <pc:sldMk cId="964660544" sldId="260"/>
-            <ac:spMk id="117" creationId="{3512E083-F550-46AF-8490-767ECFD00CB7}"/>
-          </ac:spMkLst>
-        </pc:spChg>
-        <pc:spChg chg="add del">
-          <ac:chgData name="Diogo Rafael Cunha Pereira" userId="41356203-1e84-4d71-862d-57204f6122a5" providerId="ADAL" clId="{EB0910E8-0166-48ED-9D86-18BD82E0E789}" dt="2020-10-30T15:12:18.370" v="292" actId="26606"/>
-          <ac:spMkLst>
-            <pc:docMk/>
-            <pc:sldMk cId="964660544" sldId="260"/>
-            <ac:spMk id="119" creationId="{86FF76B9-219D-4469-AF87-0236D29032F1}"/>
-          </ac:spMkLst>
-        </pc:spChg>
-        <pc:spChg chg="add del">
-          <ac:chgData name="Diogo Rafael Cunha Pereira" userId="41356203-1e84-4d71-862d-57204f6122a5" providerId="ADAL" clId="{EB0910E8-0166-48ED-9D86-18BD82E0E789}" dt="2020-10-30T15:12:18.370" v="292" actId="26606"/>
-          <ac:spMkLst>
-            <pc:docMk/>
-            <pc:sldMk cId="964660544" sldId="260"/>
-            <ac:spMk id="122" creationId="{2E80C965-DB6D-4F81-9E9E-B027384D0BD6}"/>
-          </ac:spMkLst>
-        </pc:spChg>
-        <pc:spChg chg="add del">
-          <ac:chgData name="Diogo Rafael Cunha Pereira" userId="41356203-1e84-4d71-862d-57204f6122a5" providerId="ADAL" clId="{EB0910E8-0166-48ED-9D86-18BD82E0E789}" dt="2020-10-30T15:12:18.370" v="292" actId="26606"/>
-          <ac:spMkLst>
-            <pc:docMk/>
-            <pc:sldMk cId="964660544" sldId="260"/>
-            <ac:spMk id="123" creationId="{633C5E46-DAC5-4661-9C87-22B08E2A512F}"/>
-          </ac:spMkLst>
-        </pc:spChg>
-        <pc:spChg chg="add del">
-          <ac:chgData name="Diogo Rafael Cunha Pereira" userId="41356203-1e84-4d71-862d-57204f6122a5" providerId="ADAL" clId="{EB0910E8-0166-48ED-9D86-18BD82E0E789}" dt="2020-10-30T15:12:19.841" v="294" actId="26606"/>
-          <ac:spMkLst>
-            <pc:docMk/>
-            <pc:sldMk cId="964660544" sldId="260"/>
-            <ac:spMk id="125" creationId="{216BB327-7AA9-4EC5-815F-9D8E6BC53E34}"/>
-          </ac:spMkLst>
-        </pc:spChg>
-        <pc:spChg chg="add del">
-          <ac:chgData name="Diogo Rafael Cunha Pereira" userId="41356203-1e84-4d71-862d-57204f6122a5" providerId="ADAL" clId="{EB0910E8-0166-48ED-9D86-18BD82E0E789}" dt="2020-10-30T15:12:21.552" v="296" actId="26606"/>
-          <ac:spMkLst>
-            <pc:docMk/>
-            <pc:sldMk cId="964660544" sldId="260"/>
-            <ac:spMk id="127" creationId="{AB8C311F-7253-4AED-9701-7FC0708C41C7}"/>
-          </ac:spMkLst>
-        </pc:spChg>
-        <pc:spChg chg="add del">
-          <ac:chgData name="Diogo Rafael Cunha Pereira" userId="41356203-1e84-4d71-862d-57204f6122a5" providerId="ADAL" clId="{EB0910E8-0166-48ED-9D86-18BD82E0E789}" dt="2020-10-30T15:12:21.552" v="296" actId="26606"/>
-          <ac:spMkLst>
-            <pc:docMk/>
-            <pc:sldMk cId="964660544" sldId="260"/>
-            <ac:spMk id="128" creationId="{E2384209-CB15-4CDF-9D31-C44FD9A3F20D}"/>
-          </ac:spMkLst>
-        </pc:spChg>
-        <pc:spChg chg="add del">
-          <ac:chgData name="Diogo Rafael Cunha Pereira" userId="41356203-1e84-4d71-862d-57204f6122a5" providerId="ADAL" clId="{EB0910E8-0166-48ED-9D86-18BD82E0E789}" dt="2020-10-30T15:12:21.552" v="296" actId="26606"/>
-          <ac:spMkLst>
-            <pc:docMk/>
-            <pc:sldMk cId="964660544" sldId="260"/>
-            <ac:spMk id="129" creationId="{2633B3B5-CC90-43F0-8714-D31D1F3F0209}"/>
-          </ac:spMkLst>
-        </pc:spChg>
-        <pc:spChg chg="add del">
-          <ac:chgData name="Diogo Rafael Cunha Pereira" userId="41356203-1e84-4d71-862d-57204f6122a5" providerId="ADAL" clId="{EB0910E8-0166-48ED-9D86-18BD82E0E789}" dt="2020-10-30T15:12:21.552" v="296" actId="26606"/>
-          <ac:spMkLst>
-            <pc:docMk/>
-            <pc:sldMk cId="964660544" sldId="260"/>
-            <ac:spMk id="130" creationId="{A8D57A06-A426-446D-B02C-A2DC6B62E45E}"/>
-          </ac:spMkLst>
-        </pc:spChg>
-        <pc:spChg chg="add del">
-          <ac:chgData name="Diogo Rafael Cunha Pereira" userId="41356203-1e84-4d71-862d-57204f6122a5" providerId="ADAL" clId="{EB0910E8-0166-48ED-9D86-18BD82E0E789}" dt="2020-10-30T15:13:11.400" v="313" actId="26606"/>
-          <ac:spMkLst>
-            <pc:docMk/>
-            <pc:sldMk cId="964660544" sldId="260"/>
-            <ac:spMk id="132" creationId="{AB8C311F-7253-4AED-9701-7FC0708C41C7}"/>
-          </ac:spMkLst>
-        </pc:spChg>
-        <pc:spChg chg="add del">
-          <ac:chgData name="Diogo Rafael Cunha Pereira" userId="41356203-1e84-4d71-862d-57204f6122a5" providerId="ADAL" clId="{EB0910E8-0166-48ED-9D86-18BD82E0E789}" dt="2020-10-30T15:13:11.400" v="313" actId="26606"/>
-          <ac:spMkLst>
-            <pc:docMk/>
-            <pc:sldMk cId="964660544" sldId="260"/>
-            <ac:spMk id="133" creationId="{FD073016-B734-483B-8953-5BADEE145112}"/>
-          </ac:spMkLst>
-        </pc:spChg>
-        <pc:spChg chg="add del">
-          <ac:chgData name="Diogo Rafael Cunha Pereira" userId="41356203-1e84-4d71-862d-57204f6122a5" providerId="ADAL" clId="{EB0910E8-0166-48ED-9D86-18BD82E0E789}" dt="2020-10-30T15:13:11.400" v="313" actId="26606"/>
-          <ac:spMkLst>
-            <pc:docMk/>
-            <pc:sldMk cId="964660544" sldId="260"/>
-            <ac:spMk id="134" creationId="{90A7EAB6-59D3-4325-8DE6-E0CA4009CE53}"/>
-          </ac:spMkLst>
-        </pc:spChg>
-        <pc:spChg chg="add del">
-          <ac:chgData name="Diogo Rafael Cunha Pereira" userId="41356203-1e84-4d71-862d-57204f6122a5" providerId="ADAL" clId="{EB0910E8-0166-48ED-9D86-18BD82E0E789}" dt="2020-10-30T15:13:11.400" v="313" actId="26606"/>
-          <ac:spMkLst>
-            <pc:docMk/>
-            <pc:sldMk cId="964660544" sldId="260"/>
-            <ac:spMk id="135" creationId="{A8D57A06-A426-446D-B02C-A2DC6B62E45E}"/>
-          </ac:spMkLst>
-        </pc:spChg>
-        <pc:spChg chg="add del">
-          <ac:chgData name="Diogo Rafael Cunha Pereira" userId="41356203-1e84-4d71-862d-57204f6122a5" providerId="ADAL" clId="{EB0910E8-0166-48ED-9D86-18BD82E0E789}" dt="2020-10-30T15:13:01.263" v="308" actId="26606"/>
-          <ac:spMkLst>
-            <pc:docMk/>
-            <pc:sldMk cId="964660544" sldId="260"/>
-            <ac:spMk id="137" creationId="{32BC26D8-82FB-445E-AA49-62A77D7C1EE0}"/>
-          </ac:spMkLst>
-        </pc:spChg>
-        <pc:spChg chg="add del">
-          <ac:chgData name="Diogo Rafael Cunha Pereira" userId="41356203-1e84-4d71-862d-57204f6122a5" providerId="ADAL" clId="{EB0910E8-0166-48ED-9D86-18BD82E0E789}" dt="2020-10-30T15:13:11.396" v="312" actId="26606"/>
-          <ac:spMkLst>
-            <pc:docMk/>
-            <pc:sldMk cId="964660544" sldId="260"/>
-            <ac:spMk id="138" creationId="{AB8C311F-7253-4AED-9701-7FC0708C41C7}"/>
-          </ac:spMkLst>
-        </pc:spChg>
-        <pc:spChg chg="add del">
-          <ac:chgData name="Diogo Rafael Cunha Pereira" userId="41356203-1e84-4d71-862d-57204f6122a5" providerId="ADAL" clId="{EB0910E8-0166-48ED-9D86-18BD82E0E789}" dt="2020-10-30T15:13:11.396" v="312" actId="26606"/>
-          <ac:spMkLst>
-            <pc:docMk/>
-            <pc:sldMk cId="964660544" sldId="260"/>
-            <ac:spMk id="139" creationId="{E2384209-CB15-4CDF-9D31-C44FD9A3F20D}"/>
-          </ac:spMkLst>
-        </pc:spChg>
-        <pc:spChg chg="add del">
-          <ac:chgData name="Diogo Rafael Cunha Pereira" userId="41356203-1e84-4d71-862d-57204f6122a5" providerId="ADAL" clId="{EB0910E8-0166-48ED-9D86-18BD82E0E789}" dt="2020-10-30T15:13:11.396" v="312" actId="26606"/>
-          <ac:spMkLst>
-            <pc:docMk/>
-            <pc:sldMk cId="964660544" sldId="260"/>
-            <ac:spMk id="140" creationId="{2633B3B5-CC90-43F0-8714-D31D1F3F0209}"/>
-          </ac:spMkLst>
-        </pc:spChg>
-        <pc:spChg chg="add del">
-          <ac:chgData name="Diogo Rafael Cunha Pereira" userId="41356203-1e84-4d71-862d-57204f6122a5" providerId="ADAL" clId="{EB0910E8-0166-48ED-9D86-18BD82E0E789}" dt="2020-10-30T15:33:45.327" v="609" actId="26606"/>
-          <ac:spMkLst>
-            <pc:docMk/>
-            <pc:sldMk cId="964660544" sldId="260"/>
-            <ac:spMk id="142" creationId="{CA815F2C-4E80-4019-8E59-FAD3F7F8473D}"/>
-          </ac:spMkLst>
-        </pc:spChg>
-        <pc:spChg chg="add del">
-          <ac:chgData name="Diogo Rafael Cunha Pereira" userId="41356203-1e84-4d71-862d-57204f6122a5" providerId="ADAL" clId="{EB0910E8-0166-48ED-9D86-18BD82E0E789}" dt="2020-10-30T15:33:44.246" v="606" actId="26606"/>
-          <ac:spMkLst>
-            <pc:docMk/>
-            <pc:sldMk cId="964660544" sldId="260"/>
-            <ac:spMk id="144" creationId="{F3060C83-F051-4F0E-ABAD-AA0DFC48B218}"/>
-          </ac:spMkLst>
-        </pc:spChg>
-        <pc:spChg chg="add del">
-          <ac:chgData name="Diogo Rafael Cunha Pereira" userId="41356203-1e84-4d71-862d-57204f6122a5" providerId="ADAL" clId="{EB0910E8-0166-48ED-9D86-18BD82E0E789}" dt="2020-10-30T15:33:44.246" v="606" actId="26606"/>
-          <ac:spMkLst>
-            <pc:docMk/>
-            <pc:sldMk cId="964660544" sldId="260"/>
-            <ac:spMk id="145" creationId="{83C98ABE-055B-441F-B07E-44F97F083C39}"/>
-          </ac:spMkLst>
-        </pc:spChg>
-        <pc:spChg chg="add del">
-          <ac:chgData name="Diogo Rafael Cunha Pereira" userId="41356203-1e84-4d71-862d-57204f6122a5" providerId="ADAL" clId="{EB0910E8-0166-48ED-9D86-18BD82E0E789}" dt="2020-10-30T15:33:44.246" v="606" actId="26606"/>
-          <ac:spMkLst>
-            <pc:docMk/>
-            <pc:sldMk cId="964660544" sldId="260"/>
-            <ac:spMk id="146" creationId="{3783CA14-24A1-485C-8B30-D6A5D87987AD}"/>
-          </ac:spMkLst>
-        </pc:spChg>
-        <pc:spChg chg="add del">
-          <ac:chgData name="Diogo Rafael Cunha Pereira" userId="41356203-1e84-4d71-862d-57204f6122a5" providerId="ADAL" clId="{EB0910E8-0166-48ED-9D86-18BD82E0E789}" dt="2020-10-30T15:33:44.246" v="606" actId="26606"/>
-          <ac:spMkLst>
-            <pc:docMk/>
-            <pc:sldMk cId="964660544" sldId="260"/>
-            <ac:spMk id="147" creationId="{9A97C86A-04D6-40F7-AE84-31AB43E6A846}"/>
-          </ac:spMkLst>
-        </pc:spChg>
-        <pc:spChg chg="add del">
-          <ac:chgData name="Diogo Rafael Cunha Pereira" userId="41356203-1e84-4d71-862d-57204f6122a5" providerId="ADAL" clId="{EB0910E8-0166-48ED-9D86-18BD82E0E789}" dt="2020-10-30T15:33:44.246" v="606" actId="26606"/>
-          <ac:spMkLst>
-            <pc:docMk/>
-            <pc:sldMk cId="964660544" sldId="260"/>
-            <ac:spMk id="148" creationId="{FF9F2414-84E8-453E-B1F3-389FDE8192D9}"/>
-          </ac:spMkLst>
-        </pc:spChg>
-        <pc:spChg chg="add del">
-          <ac:chgData name="Diogo Rafael Cunha Pereira" userId="41356203-1e84-4d71-862d-57204f6122a5" providerId="ADAL" clId="{EB0910E8-0166-48ED-9D86-18BD82E0E789}" dt="2020-10-30T15:33:44.246" v="606" actId="26606"/>
-          <ac:spMkLst>
-            <pc:docMk/>
-            <pc:sldMk cId="964660544" sldId="260"/>
-            <ac:spMk id="149" creationId="{3ECA69A1-7536-43AC-85EF-C7106179F5ED}"/>
-          </ac:spMkLst>
-        </pc:spChg>
-        <pc:spChg chg="add del">
-          <ac:chgData name="Diogo Rafael Cunha Pereira" userId="41356203-1e84-4d71-862d-57204f6122a5" providerId="ADAL" clId="{EB0910E8-0166-48ED-9D86-18BD82E0E789}" dt="2020-10-30T15:33:45.277" v="608" actId="26606"/>
-          <ac:spMkLst>
-            <pc:docMk/>
-            <pc:sldMk cId="964660544" sldId="260"/>
-            <ac:spMk id="151" creationId="{32BC26D8-82FB-445E-AA49-62A77D7C1EE0}"/>
-          </ac:spMkLst>
-        </pc:spChg>
-        <pc:spChg chg="add del">
-          <ac:chgData name="Diogo Rafael Cunha Pereira" userId="41356203-1e84-4d71-862d-57204f6122a5" providerId="ADAL" clId="{EB0910E8-0166-48ED-9D86-18BD82E0E789}" dt="2020-10-30T15:33:45.277" v="608" actId="26606"/>
-          <ac:spMkLst>
-            <pc:docMk/>
-            <pc:sldMk cId="964660544" sldId="260"/>
-            <ac:spMk id="152" creationId="{CB44330D-EA18-4254-AA95-EB49948539B8}"/>
-          </ac:spMkLst>
-        </pc:spChg>
-        <pc:spChg chg="add">
-          <ac:chgData name="Diogo Rafael Cunha Pereira" userId="41356203-1e84-4d71-862d-57204f6122a5" providerId="ADAL" clId="{EB0910E8-0166-48ED-9D86-18BD82E0E789}" dt="2020-10-30T15:33:45.327" v="609" actId="26606"/>
-          <ac:spMkLst>
-            <pc:docMk/>
-            <pc:sldMk cId="964660544" sldId="260"/>
-            <ac:spMk id="154" creationId="{F3060C83-F051-4F0E-ABAD-AA0DFC48B218}"/>
-          </ac:spMkLst>
-        </pc:spChg>
-        <pc:spChg chg="add">
-          <ac:chgData name="Diogo Rafael Cunha Pereira" userId="41356203-1e84-4d71-862d-57204f6122a5" providerId="ADAL" clId="{EB0910E8-0166-48ED-9D86-18BD82E0E789}" dt="2020-10-30T15:33:45.327" v="609" actId="26606"/>
-          <ac:spMkLst>
-            <pc:docMk/>
-            <pc:sldMk cId="964660544" sldId="260"/>
-            <ac:spMk id="155" creationId="{83C98ABE-055B-441F-B07E-44F97F083C39}"/>
-          </ac:spMkLst>
-        </pc:spChg>
-        <pc:spChg chg="add">
-          <ac:chgData name="Diogo Rafael Cunha Pereira" userId="41356203-1e84-4d71-862d-57204f6122a5" providerId="ADAL" clId="{EB0910E8-0166-48ED-9D86-18BD82E0E789}" dt="2020-10-30T15:33:45.327" v="609" actId="26606"/>
-          <ac:spMkLst>
-            <pc:docMk/>
-            <pc:sldMk cId="964660544" sldId="260"/>
-            <ac:spMk id="156" creationId="{29FDB030-9B49-4CED-8CCD-4D99382388AC}"/>
-          </ac:spMkLst>
-        </pc:spChg>
-        <pc:spChg chg="add">
-          <ac:chgData name="Diogo Rafael Cunha Pereira" userId="41356203-1e84-4d71-862d-57204f6122a5" providerId="ADAL" clId="{EB0910E8-0166-48ED-9D86-18BD82E0E789}" dt="2020-10-30T15:33:45.327" v="609" actId="26606"/>
-          <ac:spMkLst>
-            <pc:docMk/>
-            <pc:sldMk cId="964660544" sldId="260"/>
-            <ac:spMk id="157" creationId="{3783CA14-24A1-485C-8B30-D6A5D87987AD}"/>
-          </ac:spMkLst>
-        </pc:spChg>
-        <pc:spChg chg="add">
-          <ac:chgData name="Diogo Rafael Cunha Pereira" userId="41356203-1e84-4d71-862d-57204f6122a5" providerId="ADAL" clId="{EB0910E8-0166-48ED-9D86-18BD82E0E789}" dt="2020-10-30T15:33:45.327" v="609" actId="26606"/>
-          <ac:spMkLst>
-            <pc:docMk/>
-            <pc:sldMk cId="964660544" sldId="260"/>
-            <ac:spMk id="158" creationId="{9A97C86A-04D6-40F7-AE84-31AB43E6A846}"/>
-          </ac:spMkLst>
-        </pc:spChg>
-        <pc:spChg chg="add">
-          <ac:chgData name="Diogo Rafael Cunha Pereira" userId="41356203-1e84-4d71-862d-57204f6122a5" providerId="ADAL" clId="{EB0910E8-0166-48ED-9D86-18BD82E0E789}" dt="2020-10-30T15:33:45.327" v="609" actId="26606"/>
-          <ac:spMkLst>
-            <pc:docMk/>
-            <pc:sldMk cId="964660544" sldId="260"/>
-            <ac:spMk id="159" creationId="{FF9F2414-84E8-453E-B1F3-389FDE8192D9}"/>
-          </ac:spMkLst>
-        </pc:spChg>
-        <pc:spChg chg="add">
-          <ac:chgData name="Diogo Rafael Cunha Pereira" userId="41356203-1e84-4d71-862d-57204f6122a5" providerId="ADAL" clId="{EB0910E8-0166-48ED-9D86-18BD82E0E789}" dt="2020-10-30T15:33:45.327" v="609" actId="26606"/>
-          <ac:spMkLst>
-            <pc:docMk/>
-            <pc:sldMk cId="964660544" sldId="260"/>
-            <ac:spMk id="160" creationId="{3ECA69A1-7536-43AC-85EF-C7106179F5ED}"/>
-          </ac:spMkLst>
-        </pc:spChg>
-        <pc:grpChg chg="add del">
-          <ac:chgData name="Diogo Rafael Cunha Pereira" userId="41356203-1e84-4d71-862d-57204f6122a5" providerId="ADAL" clId="{EB0910E8-0166-48ED-9D86-18BD82E0E789}" dt="2020-10-30T15:10:17.981" v="242" actId="26606"/>
-          <ac:grpSpMkLst>
-            <pc:docMk/>
-            <pc:sldMk cId="964660544" sldId="260"/>
-            <ac:grpSpMk id="39" creationId="{DB88BD78-87E1-424D-B479-C37D8E41B12E}"/>
-          </ac:grpSpMkLst>
-        </pc:grpChg>
-        <pc:grpChg chg="add del">
-          <ac:chgData name="Diogo Rafael Cunha Pereira" userId="41356203-1e84-4d71-862d-57204f6122a5" providerId="ADAL" clId="{EB0910E8-0166-48ED-9D86-18BD82E0E789}" dt="2020-10-30T15:10:37.113" v="266" actId="26606"/>
-          <ac:grpSpMkLst>
-            <pc:docMk/>
-            <pc:sldMk cId="964660544" sldId="260"/>
-            <ac:grpSpMk id="85" creationId="{E8C5FC48-0A3C-4D6D-A0D5-EEE93213DBBE}"/>
-          </ac:grpSpMkLst>
-        </pc:grpChg>
-        <pc:grpChg chg="add del">
-          <ac:chgData name="Diogo Rafael Cunha Pereira" userId="41356203-1e84-4d71-862d-57204f6122a5" providerId="ADAL" clId="{EB0910E8-0166-48ED-9D86-18BD82E0E789}" dt="2020-10-30T15:10:40.901" v="272" actId="26606"/>
-          <ac:grpSpMkLst>
-            <pc:docMk/>
-            <pc:sldMk cId="964660544" sldId="260"/>
-            <ac:grpSpMk id="95" creationId="{D3706AFB-4AF0-430C-8FBE-C38C0F839661}"/>
-          </ac:grpSpMkLst>
-        </pc:grpChg>
-        <pc:grpChg chg="add del">
-          <ac:chgData name="Diogo Rafael Cunha Pereira" userId="41356203-1e84-4d71-862d-57204f6122a5" providerId="ADAL" clId="{EB0910E8-0166-48ED-9D86-18BD82E0E789}" dt="2020-10-30T15:12:18.370" v="292" actId="26606"/>
-          <ac:grpSpMkLst>
-            <pc:docMk/>
-            <pc:sldMk cId="964660544" sldId="260"/>
-            <ac:grpSpMk id="120" creationId="{DB88BD78-87E1-424D-B479-C37D8E41B12E}"/>
-          </ac:grpSpMkLst>
-        </pc:grpChg>
-        <pc:picChg chg="add del mod modCrop">
-          <ac:chgData name="Diogo Rafael Cunha Pereira" userId="41356203-1e84-4d71-862d-57204f6122a5" providerId="ADAL" clId="{EB0910E8-0166-48ED-9D86-18BD82E0E789}" dt="2020-10-30T15:30:35.834" v="596" actId="478"/>
+        <pc:picChg chg="add mod ord">
+          <ac:chgData name="Diogo Rafael Cunha Pereira" userId="41356203-1e84-4d71-862d-57204f6122a5" providerId="ADAL" clId="{C3E920EC-E48C-42B1-8FFC-9F57C5AD93A5}" dt="2020-11-05T00:43:57.179" v="1095" actId="26606"/>
           <ac:picMkLst>
             <pc:docMk/>
-            <pc:sldMk cId="964660544" sldId="260"/>
-            <ac:picMk id="5" creationId="{99DBEC88-636A-4B5A-AE28-1BA68C400D2A}"/>
+            <pc:sldMk cId="90760510" sldId="262"/>
+            <ac:picMk id="5" creationId="{B721DF66-2E71-4B4C-9F44-D12C81645944}"/>
           </ac:picMkLst>
         </pc:picChg>
         <pc:picChg chg="add del">
-          <ac:chgData name="Diogo Rafael Cunha Pereira" userId="41356203-1e84-4d71-862d-57204f6122a5" providerId="ADAL" clId="{EB0910E8-0166-48ED-9D86-18BD82E0E789}" dt="2020-10-30T15:03:37.021" v="104" actId="26606"/>
+          <ac:chgData name="Diogo Rafael Cunha Pereira" userId="41356203-1e84-4d71-862d-57204f6122a5" providerId="ADAL" clId="{C3E920EC-E48C-42B1-8FFC-9F57C5AD93A5}" dt="2020-11-05T00:43:47.892" v="1088" actId="26606"/>
           <ac:picMkLst>
             <pc:docMk/>
-            <pc:sldMk cId="964660544" sldId="260"/>
-            <ac:picMk id="35" creationId="{75554383-98AF-4A47-BB65-705FAAA4BE6A}"/>
+            <pc:sldMk cId="90760510" sldId="262"/>
+            <ac:picMk id="13" creationId="{83355637-BA71-4F63-94C9-E77BF81BDFC0}"/>
           </ac:picMkLst>
         </pc:picChg>
-        <pc:picChg chg="add del">
-          <ac:chgData name="Diogo Rafael Cunha Pereira" userId="41356203-1e84-4d71-862d-57204f6122a5" providerId="ADAL" clId="{EB0910E8-0166-48ED-9D86-18BD82E0E789}" dt="2020-10-30T15:10:20.642" v="244" actId="26606"/>
+        <pc:picChg chg="add">
+          <ac:chgData name="Diogo Rafael Cunha Pereira" userId="41356203-1e84-4d71-862d-57204f6122a5" providerId="ADAL" clId="{C3E920EC-E48C-42B1-8FFC-9F57C5AD93A5}" dt="2020-11-05T00:43:57.179" v="1095" actId="26606"/>
           <ac:picMkLst>
             <pc:docMk/>
-            <pc:sldMk cId="964660544" sldId="260"/>
-            <ac:picMk id="45" creationId="{75554383-98AF-4A47-BB65-705FAAA4BE6A}"/>
+            <pc:sldMk cId="90760510" sldId="262"/>
+            <ac:picMk id="26" creationId="{54DDEBDD-D8BD-41A6-8A0D-B00E3768B0F9}"/>
           </ac:picMkLst>
         </pc:picChg>
-        <pc:picChg chg="add del mod ord modCrop">
-          <ac:chgData name="Diogo Rafael Cunha Pereira" userId="41356203-1e84-4d71-862d-57204f6122a5" providerId="ADAL" clId="{EB0910E8-0166-48ED-9D86-18BD82E0E789}" dt="2020-10-30T15:36:46.308" v="649" actId="478"/>
-          <ac:picMkLst>
-            <pc:docMk/>
-            <pc:sldMk cId="964660544" sldId="260"/>
-            <ac:picMk id="50" creationId="{C0A70560-D38B-49AD-AC85-61BD7EA98359}"/>
-          </ac:picMkLst>
-        </pc:picChg>
-        <pc:picChg chg="add mod ord modCrop">
-          <ac:chgData name="Diogo Rafael Cunha Pereira" userId="41356203-1e84-4d71-862d-57204f6122a5" providerId="ADAL" clId="{EB0910E8-0166-48ED-9D86-18BD82E0E789}" dt="2020-10-30T15:43:57.041" v="700" actId="1076"/>
-          <ac:picMkLst>
-            <pc:docMk/>
-            <pc:sldMk cId="964660544" sldId="260"/>
-            <ac:picMk id="60" creationId="{AA21F25A-81CA-41B3-8441-BE5F60E12A91}"/>
-          </ac:picMkLst>
-        </pc:picChg>
-        <pc:cxnChg chg="add del">
-          <ac:chgData name="Diogo Rafael Cunha Pereira" userId="41356203-1e84-4d71-862d-57204f6122a5" providerId="ADAL" clId="{EB0910E8-0166-48ED-9D86-18BD82E0E789}" dt="2020-10-30T15:10:38.778" v="268" actId="26606"/>
-          <ac:cxnSpMkLst>
-            <pc:docMk/>
-            <pc:sldMk cId="964660544" sldId="260"/>
-            <ac:cxnSpMk id="89" creationId="{E12350F3-DB83-413A-980B-1CEB92498664}"/>
-          </ac:cxnSpMkLst>
-        </pc:cxnChg>
       </pc:sldChg>
     </pc:docChg>
   </pc:docChgLst>
@@ -1795,7 +539,7 @@
           <a:p>
             <a:fld id="{629E2C2A-EB12-424F-899D-F3179C4F21C2}" type="datetimeFigureOut">
               <a:rPr lang="pt-PT" smtClean="0"/>
-              <a:t>30/10/2020</a:t>
+              <a:t>04/11/2020</a:t>
             </a:fld>
             <a:endParaRPr lang="pt-PT"/>
           </a:p>
@@ -2125,7 +869,30 @@
             </a:pPr>
             <a:r>
               <a:rPr lang="pt-PT" dirty="0"/>
-              <a:t>Até no caso do covid, como vocês sabem, que como vocês sabem foi a razão do isolamento que passámos e do aumento do teletrabalho, durante esse período de tempo em que tivemos em confinamento conseguimos atrasar a propagação do vírus.</a:t>
+              <a:t>As medidas de confinamento na Dinamarca começaram dia 12 de março.</a:t>
+            </a:r>
+          </a:p>
+          <a:p>
+            <a:pPr marL="0" marR="0" lvl="0" indent="0" algn="l" defTabSz="914400" rtl="0" eaLnBrk="1" fontAlgn="auto" latinLnBrk="0" hangingPunct="1">
+              <a:lnSpc>
+                <a:spcPct val="100000"/>
+              </a:lnSpc>
+              <a:spcBef>
+                <a:spcPts val="0"/>
+              </a:spcBef>
+              <a:spcAft>
+                <a:spcPts val="0"/>
+              </a:spcAft>
+              <a:buClrTx/>
+              <a:buSzTx/>
+              <a:buFontTx/>
+              <a:buNone/>
+              <a:tabLst/>
+              <a:defRPr/>
+            </a:pPr>
+            <a:r>
+              <a:rPr lang="pt-PT" dirty="0"/>
+              <a:t>Foram menos 624 casos.</a:t>
             </a:r>
           </a:p>
         </p:txBody>
@@ -2212,13 +979,8 @@
           <a:p>
             <a:r>
               <a:rPr lang="pt-PT" dirty="0"/>
-              <a:t>Como podem ver por este gráfico, na semana 41 de 2020 a taxa de incidência de gripe foi de 0 por cada 100 mil habitantes, enquanto que em 2019 nessa mesma semana existiam 3,31 pessoas por 100 </a:t>
-            </a:r>
-            <a:r>
-              <a:rPr lang="pt-PT"/>
-              <a:t>mil habitantes.</a:t>
-            </a:r>
-            <a:endParaRPr lang="pt-PT" dirty="0"/>
+              <a:t>Utilizando o teletrabalho torna-se muito mais difícil sofrer de assédio sexual e mais fácil de comprovar esses crimes.</a:t>
+            </a:r>
           </a:p>
         </p:txBody>
       </p:sp>
@@ -2248,7 +1010,7 @@
     </p:spTree>
     <p:extLst>
       <p:ext uri="{BB962C8B-B14F-4D97-AF65-F5344CB8AC3E}">
-        <p14:creationId xmlns:p14="http://schemas.microsoft.com/office/powerpoint/2010/main" val="3895704012"/>
+        <p14:creationId xmlns:p14="http://schemas.microsoft.com/office/powerpoint/2010/main" val="3387787890"/>
       </p:ext>
     </p:extLst>
   </p:cSld>
@@ -2405,7 +1167,7 @@
           <a:p>
             <a:fld id="{3DDE4EAE-EE9A-439C-BAE3-96C9A343E195}" type="datetimeFigureOut">
               <a:rPr lang="pt-PT" smtClean="0"/>
-              <a:t>30/10/2020</a:t>
+              <a:t>04/11/2020</a:t>
             </a:fld>
             <a:endParaRPr lang="pt-PT"/>
           </a:p>
@@ -2603,7 +1365,7 @@
           <a:p>
             <a:fld id="{3DDE4EAE-EE9A-439C-BAE3-96C9A343E195}" type="datetimeFigureOut">
               <a:rPr lang="pt-PT" smtClean="0"/>
-              <a:t>30/10/2020</a:t>
+              <a:t>04/11/2020</a:t>
             </a:fld>
             <a:endParaRPr lang="pt-PT"/>
           </a:p>
@@ -2811,7 +1573,7 @@
           <a:p>
             <a:fld id="{3DDE4EAE-EE9A-439C-BAE3-96C9A343E195}" type="datetimeFigureOut">
               <a:rPr lang="pt-PT" smtClean="0"/>
-              <a:t>30/10/2020</a:t>
+              <a:t>04/11/2020</a:t>
             </a:fld>
             <a:endParaRPr lang="pt-PT"/>
           </a:p>
@@ -3009,7 +1771,7 @@
           <a:p>
             <a:fld id="{3DDE4EAE-EE9A-439C-BAE3-96C9A343E195}" type="datetimeFigureOut">
               <a:rPr lang="pt-PT" smtClean="0"/>
-              <a:t>30/10/2020</a:t>
+              <a:t>04/11/2020</a:t>
             </a:fld>
             <a:endParaRPr lang="pt-PT"/>
           </a:p>
@@ -3284,7 +2046,7 @@
           <a:p>
             <a:fld id="{3DDE4EAE-EE9A-439C-BAE3-96C9A343E195}" type="datetimeFigureOut">
               <a:rPr lang="pt-PT" smtClean="0"/>
-              <a:t>30/10/2020</a:t>
+              <a:t>04/11/2020</a:t>
             </a:fld>
             <a:endParaRPr lang="pt-PT"/>
           </a:p>
@@ -3549,7 +2311,7 @@
           <a:p>
             <a:fld id="{3DDE4EAE-EE9A-439C-BAE3-96C9A343E195}" type="datetimeFigureOut">
               <a:rPr lang="pt-PT" smtClean="0"/>
-              <a:t>30/10/2020</a:t>
+              <a:t>04/11/2020</a:t>
             </a:fld>
             <a:endParaRPr lang="pt-PT"/>
           </a:p>
@@ -3961,7 +2723,7 @@
           <a:p>
             <a:fld id="{3DDE4EAE-EE9A-439C-BAE3-96C9A343E195}" type="datetimeFigureOut">
               <a:rPr lang="pt-PT" smtClean="0"/>
-              <a:t>30/10/2020</a:t>
+              <a:t>04/11/2020</a:t>
             </a:fld>
             <a:endParaRPr lang="pt-PT"/>
           </a:p>
@@ -4102,7 +2864,7 @@
           <a:p>
             <a:fld id="{3DDE4EAE-EE9A-439C-BAE3-96C9A343E195}" type="datetimeFigureOut">
               <a:rPr lang="pt-PT" smtClean="0"/>
-              <a:t>30/10/2020</a:t>
+              <a:t>04/11/2020</a:t>
             </a:fld>
             <a:endParaRPr lang="pt-PT"/>
           </a:p>
@@ -4215,7 +2977,7 @@
           <a:p>
             <a:fld id="{3DDE4EAE-EE9A-439C-BAE3-96C9A343E195}" type="datetimeFigureOut">
               <a:rPr lang="pt-PT" smtClean="0"/>
-              <a:t>30/10/2020</a:t>
+              <a:t>04/11/2020</a:t>
             </a:fld>
             <a:endParaRPr lang="pt-PT"/>
           </a:p>
@@ -4526,7 +3288,7 @@
           <a:p>
             <a:fld id="{3DDE4EAE-EE9A-439C-BAE3-96C9A343E195}" type="datetimeFigureOut">
               <a:rPr lang="pt-PT" smtClean="0"/>
-              <a:t>30/10/2020</a:t>
+              <a:t>04/11/2020</a:t>
             </a:fld>
             <a:endParaRPr lang="pt-PT"/>
           </a:p>
@@ -4814,7 +3576,7 @@
           <a:p>
             <a:fld id="{3DDE4EAE-EE9A-439C-BAE3-96C9A343E195}" type="datetimeFigureOut">
               <a:rPr lang="pt-PT" smtClean="0"/>
-              <a:t>30/10/2020</a:t>
+              <a:t>04/11/2020</a:t>
             </a:fld>
             <a:endParaRPr lang="pt-PT"/>
           </a:p>
@@ -5055,7 +3817,7 @@
           <a:p>
             <a:fld id="{3DDE4EAE-EE9A-439C-BAE3-96C9A343E195}" type="datetimeFigureOut">
               <a:rPr lang="pt-PT" smtClean="0"/>
-              <a:t>30/10/2020</a:t>
+              <a:t>04/11/2020</a:t>
             </a:fld>
             <a:endParaRPr lang="pt-PT"/>
           </a:p>
@@ -5480,12 +4242,12 @@
           <a:chExt cx="0" cy="0"/>
         </a:xfrm>
       </p:grpSpPr>
-      <p:sp>
-        <p:nvSpPr>
-          <p:cNvPr id="84" name="Rectangle 26">
-            <a:extLst>
-              <a:ext uri="{FF2B5EF4-FFF2-40B4-BE49-F238E27FC236}">
-                <a16:creationId xmlns:a16="http://schemas.microsoft.com/office/drawing/2014/main" id="{75F4D120-3921-42A8-A063-46B023CB0CDA}"/>
+      <p:sp useBgFill="1">
+        <p:nvSpPr>
+          <p:cNvPr id="20" name="Rectangle 12">
+            <a:extLst>
+              <a:ext uri="{FF2B5EF4-FFF2-40B4-BE49-F238E27FC236}">
+                <a16:creationId xmlns:a16="http://schemas.microsoft.com/office/drawing/2014/main" id="{E91DC736-0EF8-4F87-9146-EBF1D2EE4D3D}"/>
               </a:ext>
               <a:ext uri="{C183D7F6-B498-43B3-948B-1728B52AA6E4}">
                 <adec:decorative xmlns:adec="http://schemas.microsoft.com/office/drawing/2017/decorative" val="1"/>
@@ -5511,13 +4273,326 @@
           <a:prstGeom prst="rect">
             <a:avLst/>
           </a:prstGeom>
+          <a:ln>
+            <a:noFill/>
+          </a:ln>
+        </p:spPr>
+        <p:style>
+          <a:lnRef idx="2">
+            <a:schemeClr val="accent1">
+              <a:shade val="50000"/>
+            </a:schemeClr>
+          </a:lnRef>
+          <a:fillRef idx="1">
+            <a:schemeClr val="accent1"/>
+          </a:fillRef>
+          <a:effectRef idx="0">
+            <a:schemeClr val="accent1"/>
+          </a:effectRef>
+          <a:fontRef idx="minor">
+            <a:schemeClr val="lt1"/>
+          </a:fontRef>
+        </p:style>
+        <p:txBody>
+          <a:bodyPr rtlCol="0" anchor="ctr"/>
+          <a:lstStyle/>
+          <a:p>
+            <a:pPr algn="ctr"/>
+            <a:endParaRPr lang="en-US"/>
+          </a:p>
+        </p:txBody>
+      </p:sp>
+      <p:pic>
+        <p:nvPicPr>
+          <p:cNvPr id="7" name="Imagem 6" descr="Uma imagem com exterior, desporto&#10;&#10;Descrição gerada automaticamente">
+            <a:extLst>
+              <a:ext uri="{FF2B5EF4-FFF2-40B4-BE49-F238E27FC236}">
+                <a16:creationId xmlns:a16="http://schemas.microsoft.com/office/drawing/2014/main" id="{1B5AA10B-FD34-4E28-84B3-D446C4D052E7}"/>
+              </a:ext>
+            </a:extLst>
+          </p:cNvPr>
+          <p:cNvPicPr>
+            <a:picLocks noChangeAspect="1"/>
+          </p:cNvPicPr>
+          <p:nvPr/>
+        </p:nvPicPr>
+        <p:blipFill rotWithShape="1">
+          <a:blip r:embed="rId2">
+            <a:extLst>
+              <a:ext uri="{28A0092B-C50C-407E-A947-70E740481C1C}">
+                <a14:useLocalDpi xmlns:a14="http://schemas.microsoft.com/office/drawing/2010/main" val="0"/>
+              </a:ext>
+              <a:ext uri="{837473B0-CC2E-450A-ABE3-18F120FF3D39}">
+                <a1611:picAttrSrcUrl xmlns:a1611="http://schemas.microsoft.com/office/drawing/2016/11/main" r:id="rId3"/>
+              </a:ext>
+            </a:extLst>
+          </a:blip>
+          <a:srcRect l="9305" t="9091" r="17153"/>
+          <a:stretch/>
+        </p:blipFill>
+        <p:spPr>
+          <a:xfrm>
+            <a:off x="3523488" y="10"/>
+            <a:ext cx="8668512" cy="6857990"/>
+          </a:xfrm>
+          <a:prstGeom prst="rect">
+            <a:avLst/>
+          </a:prstGeom>
+        </p:spPr>
+      </p:pic>
+      <p:sp>
+        <p:nvSpPr>
+          <p:cNvPr id="21" name="Rectangle 14">
+            <a:extLst>
+              <a:ext uri="{FF2B5EF4-FFF2-40B4-BE49-F238E27FC236}">
+                <a16:creationId xmlns:a16="http://schemas.microsoft.com/office/drawing/2014/main" id="{097CD68E-23E3-4007-8847-CD0944C4F7BE}"/>
+              </a:ext>
+              <a:ext uri="{C183D7F6-B498-43B3-948B-1728B52AA6E4}">
+                <adec:decorative xmlns:adec="http://schemas.microsoft.com/office/drawing/2017/decorative" val="1"/>
+              </a:ext>
+            </a:extLst>
+          </p:cNvPr>
+          <p:cNvSpPr>
+            <a:spLocks noGrp="1" noRot="1" noChangeAspect="1" noMove="1" noResize="1" noEditPoints="1" noAdjustHandles="1" noChangeArrowheads="1" noChangeShapeType="1" noTextEdit="1"/>
+          </p:cNvSpPr>
+          <p:nvPr>
+            <p:extLst>
+              <p:ext uri="{386F3935-93C4-4BCD-93E2-E3B085C9AB24}">
+                <p16:designElem xmlns:p16="http://schemas.microsoft.com/office/powerpoint/2015/main" val="1"/>
+              </p:ext>
+            </p:extLst>
+          </p:nvPr>
+        </p:nvSpPr>
+        <p:spPr>
+          <a:xfrm>
+            <a:off x="0" y="0"/>
+            <a:ext cx="9756601" cy="6858000"/>
+          </a:xfrm>
+          <a:prstGeom prst="rect">
+            <a:avLst/>
+          </a:prstGeom>
+          <a:gradFill>
+            <a:gsLst>
+              <a:gs pos="58000">
+                <a:schemeClr val="bg1"/>
+              </a:gs>
+              <a:gs pos="35000">
+                <a:schemeClr val="bg1">
+                  <a:alpha val="79000"/>
+                </a:schemeClr>
+              </a:gs>
+              <a:gs pos="19000">
+                <a:schemeClr val="bg1">
+                  <a:alpha val="38000"/>
+                </a:schemeClr>
+              </a:gs>
+              <a:gs pos="0">
+                <a:schemeClr val="bg1">
+                  <a:alpha val="0"/>
+                </a:schemeClr>
+              </a:gs>
+              <a:gs pos="100000">
+                <a:schemeClr val="bg1"/>
+              </a:gs>
+            </a:gsLst>
+            <a:lin ang="10800000" scaled="0"/>
+          </a:gradFill>
+          <a:ln>
+            <a:noFill/>
+          </a:ln>
+        </p:spPr>
+        <p:style>
+          <a:lnRef idx="2">
+            <a:schemeClr val="accent1">
+              <a:shade val="50000"/>
+            </a:schemeClr>
+          </a:lnRef>
+          <a:fillRef idx="1">
+            <a:schemeClr val="accent1"/>
+          </a:fillRef>
+          <a:effectRef idx="0">
+            <a:schemeClr val="accent1"/>
+          </a:effectRef>
+          <a:fontRef idx="minor">
+            <a:schemeClr val="lt1"/>
+          </a:fontRef>
+        </p:style>
+        <p:txBody>
+          <a:bodyPr rtlCol="0" anchor="ctr"/>
+          <a:lstStyle/>
+          <a:p>
+            <a:pPr algn="ctr"/>
+            <a:endParaRPr lang="en-US" dirty="0"/>
+          </a:p>
+        </p:txBody>
+      </p:sp>
+      <p:sp>
+        <p:nvSpPr>
+          <p:cNvPr id="3" name="Retângulo 2">
+            <a:extLst>
+              <a:ext uri="{FF2B5EF4-FFF2-40B4-BE49-F238E27FC236}">
+                <a16:creationId xmlns:a16="http://schemas.microsoft.com/office/drawing/2014/main" id="{B8384E43-4340-4DAD-A6F4-1CDE0B2E3F79}"/>
+              </a:ext>
+            </a:extLst>
+          </p:cNvPr>
+          <p:cNvSpPr/>
+          <p:nvPr/>
+        </p:nvSpPr>
+        <p:spPr>
+          <a:xfrm>
+            <a:off x="477981" y="1122363"/>
+            <a:ext cx="4023360" cy="3204134"/>
+          </a:xfrm>
+          <a:prstGeom prst="rect">
+            <a:avLst/>
+          </a:prstGeom>
+        </p:spPr>
+        <p:txBody>
+          <a:bodyPr vert="horz" lIns="91440" tIns="45720" rIns="91440" bIns="45720" rtlCol="0" anchor="b">
+            <a:normAutofit/>
+          </a:bodyPr>
+          <a:lstStyle/>
+          <a:p>
+            <a:pPr>
+              <a:lnSpc>
+                <a:spcPct val="90000"/>
+              </a:lnSpc>
+              <a:spcBef>
+                <a:spcPct val="0"/>
+              </a:spcBef>
+              <a:spcAft>
+                <a:spcPts val="600"/>
+              </a:spcAft>
+            </a:pPr>
+            <a:r>
+              <a:rPr lang="en-US" sz="4800" b="1" cap="none" spc="0">
+                <a:ln w="9525">
+                  <a:solidFill>
+                    <a:schemeClr val="bg1"/>
+                  </a:solidFill>
+                  <a:prstDash val="solid"/>
+                </a:ln>
+                <a:effectLst>
+                  <a:outerShdw blurRad="12700" dist="38100" dir="2700000" algn="tl" rotWithShape="0">
+                    <a:schemeClr val="accent5">
+                      <a:lumMod val="60000"/>
+                      <a:lumOff val="40000"/>
+                    </a:schemeClr>
+                  </a:outerShdw>
+                </a:effectLst>
+                <a:latin typeface="+mj-lt"/>
+                <a:ea typeface="+mj-ea"/>
+                <a:cs typeface="+mj-cs"/>
+              </a:rPr>
+              <a:t>Vantagens na sociedade</a:t>
+            </a:r>
+          </a:p>
+        </p:txBody>
+      </p:sp>
+      <p:sp>
+        <p:nvSpPr>
+          <p:cNvPr id="22" name="Rectangle 16">
+            <a:extLst>
+              <a:ext uri="{FF2B5EF4-FFF2-40B4-BE49-F238E27FC236}">
+                <a16:creationId xmlns:a16="http://schemas.microsoft.com/office/drawing/2014/main" id="{AF2F604E-43BE-4DC3-B983-E071523364F8}"/>
+              </a:ext>
+              <a:ext uri="{C183D7F6-B498-43B3-948B-1728B52AA6E4}">
+                <adec:decorative xmlns:adec="http://schemas.microsoft.com/office/drawing/2017/decorative" val="1"/>
+              </a:ext>
+            </a:extLst>
+          </p:cNvPr>
+          <p:cNvSpPr>
+            <a:spLocks noGrp="1" noRot="1" noChangeAspect="1" noMove="1" noResize="1" noEditPoints="1" noAdjustHandles="1" noChangeArrowheads="1" noChangeShapeType="1" noTextEdit="1"/>
+          </p:cNvSpPr>
+          <p:nvPr>
+            <p:extLst>
+              <p:ext uri="{386F3935-93C4-4BCD-93E2-E3B085C9AB24}">
+                <p16:designElem xmlns:p16="http://schemas.microsoft.com/office/powerpoint/2015/main" val="1"/>
+              </p:ext>
+            </p:extLst>
+          </p:nvPr>
+        </p:nvSpPr>
+        <p:spPr>
+          <a:xfrm rot="5400000">
+            <a:off x="759921" y="346791"/>
+            <a:ext cx="146304" cy="704088"/>
+          </a:xfrm>
+          <a:prstGeom prst="rect">
+            <a:avLst/>
+          </a:prstGeom>
           <a:solidFill>
-            <a:srgbClr val="FFFFFF"/>
+            <a:schemeClr val="accent2"/>
           </a:solidFill>
-          <a:ln w="12700" cap="flat" cmpd="sng" algn="ctr">
+          <a:ln>
             <a:noFill/>
-            <a:prstDash val="solid"/>
-            <a:miter lim="800000"/>
+          </a:ln>
+        </p:spPr>
+        <p:style>
+          <a:lnRef idx="2">
+            <a:schemeClr val="accent1">
+              <a:shade val="50000"/>
+            </a:schemeClr>
+          </a:lnRef>
+          <a:fillRef idx="1">
+            <a:schemeClr val="accent1"/>
+          </a:fillRef>
+          <a:effectRef idx="0">
+            <a:schemeClr val="accent1"/>
+          </a:effectRef>
+          <a:fontRef idx="minor">
+            <a:schemeClr val="lt1"/>
+          </a:fontRef>
+        </p:style>
+        <p:txBody>
+          <a:bodyPr rtlCol="0" anchor="ctr"/>
+          <a:lstStyle/>
+          <a:p>
+            <a:pPr algn="ctr"/>
+            <a:endParaRPr lang="en-US">
+              <a:solidFill>
+                <a:prstClr val="white"/>
+              </a:solidFill>
+              <a:latin typeface="Calibri" panose="020F0502020204030204"/>
+            </a:endParaRPr>
+          </a:p>
+        </p:txBody>
+      </p:sp>
+      <p:sp>
+        <p:nvSpPr>
+          <p:cNvPr id="19" name="Rectangle 18">
+            <a:extLst>
+              <a:ext uri="{FF2B5EF4-FFF2-40B4-BE49-F238E27FC236}">
+                <a16:creationId xmlns:a16="http://schemas.microsoft.com/office/drawing/2014/main" id="{08C9B587-E65E-4B52-B37C-ABEBB6E87928}"/>
+              </a:ext>
+              <a:ext uri="{C183D7F6-B498-43B3-948B-1728B52AA6E4}">
+                <adec:decorative xmlns:adec="http://schemas.microsoft.com/office/drawing/2017/decorative" val="1"/>
+              </a:ext>
+            </a:extLst>
+          </p:cNvPr>
+          <p:cNvSpPr>
+            <a:spLocks noGrp="1" noRot="1" noChangeAspect="1" noMove="1" noResize="1" noEditPoints="1" noAdjustHandles="1" noChangeArrowheads="1" noChangeShapeType="1" noTextEdit="1"/>
+          </p:cNvSpPr>
+          <p:nvPr>
+            <p:extLst>
+              <p:ext uri="{386F3935-93C4-4BCD-93E2-E3B085C9AB24}">
+                <p16:designElem xmlns:p16="http://schemas.microsoft.com/office/powerpoint/2015/main" val="1"/>
+              </p:ext>
+            </p:extLst>
+          </p:nvPr>
+        </p:nvSpPr>
+        <p:spPr>
+          <a:xfrm>
+            <a:off x="481029" y="4546920"/>
+            <a:ext cx="3977640" cy="18288"/>
+          </a:xfrm>
+          <a:prstGeom prst="rect">
+            <a:avLst/>
+          </a:prstGeom>
+          <a:solidFill>
+            <a:srgbClr val="D5D5D5"/>
+          </a:solidFill>
+          <a:ln w="3175">
+            <a:noFill/>
           </a:ln>
           <a:effectLst/>
         </p:spPr>
@@ -5541,219 +4616,55 @@
           <a:bodyPr rtlCol="0" anchor="ctr"/>
           <a:lstStyle/>
           <a:p>
-            <a:pPr algn="ctr"/>
-            <a:endParaRPr lang="en-US"/>
-          </a:p>
-        </p:txBody>
-      </p:sp>
-      <p:pic>
-        <p:nvPicPr>
-          <p:cNvPr id="7" name="Imagem 6" descr="Uma imagem com exterior, desporto&#10;&#10;Descrição gerada automaticamente">
-            <a:extLst>
-              <a:ext uri="{FF2B5EF4-FFF2-40B4-BE49-F238E27FC236}">
-                <a16:creationId xmlns:a16="http://schemas.microsoft.com/office/drawing/2014/main" id="{1B5AA10B-FD34-4E28-84B3-D446C4D052E7}"/>
-              </a:ext>
-            </a:extLst>
-          </p:cNvPr>
-          <p:cNvPicPr>
-            <a:picLocks noChangeAspect="1"/>
-          </p:cNvPicPr>
+            <a:pPr marL="0" marR="0" lvl="0" indent="0" algn="ctr" defTabSz="914400" rtl="0" eaLnBrk="1" fontAlgn="auto" latinLnBrk="0" hangingPunct="1">
+              <a:lnSpc>
+                <a:spcPct val="100000"/>
+              </a:lnSpc>
+              <a:spcBef>
+                <a:spcPts val="0"/>
+              </a:spcBef>
+              <a:spcAft>
+                <a:spcPts val="0"/>
+              </a:spcAft>
+              <a:buClrTx/>
+              <a:buSzTx/>
+              <a:buFontTx/>
+              <a:buNone/>
+              <a:tabLst/>
+              <a:defRPr/>
+            </a:pPr>
+            <a:endParaRPr kumimoji="0" lang="en-US" sz="1800" b="0" i="0" u="none" strike="noStrike" kern="1200" cap="none" spc="0" normalizeH="0" baseline="0" noProof="0">
+              <a:ln>
+                <a:noFill/>
+              </a:ln>
+              <a:solidFill>
+                <a:prstClr val="white"/>
+              </a:solidFill>
+              <a:effectLst/>
+              <a:uLnTx/>
+              <a:uFillTx/>
+              <a:latin typeface="Calibri" panose="020F0502020204030204"/>
+              <a:ea typeface="+mn-ea"/>
+              <a:cs typeface="+mn-cs"/>
+            </a:endParaRPr>
+          </a:p>
+        </p:txBody>
+      </p:sp>
+      <p:sp>
+        <p:nvSpPr>
+          <p:cNvPr id="8" name="CaixaDeTexto 7">
+            <a:extLst>
+              <a:ext uri="{FF2B5EF4-FFF2-40B4-BE49-F238E27FC236}">
+                <a16:creationId xmlns:a16="http://schemas.microsoft.com/office/drawing/2014/main" id="{C283CD52-7E0A-4BFD-B454-B14B6D8E2301}"/>
+              </a:ext>
+            </a:extLst>
+          </p:cNvPr>
+          <p:cNvSpPr txBox="1"/>
           <p:nvPr/>
-        </p:nvPicPr>
-        <p:blipFill rotWithShape="1">
-          <a:blip r:embed="rId2">
-            <a:extLst>
-              <a:ext uri="{28A0092B-C50C-407E-A947-70E740481C1C}">
-                <a14:useLocalDpi xmlns:a14="http://schemas.microsoft.com/office/drawing/2010/main" val="0"/>
-              </a:ext>
-              <a:ext uri="{837473B0-CC2E-450A-ABE3-18F120FF3D39}">
-                <a1611:picAttrSrcUrl xmlns:a1611="http://schemas.microsoft.com/office/drawing/2016/11/main" r:id="rId3"/>
-              </a:ext>
-            </a:extLst>
-          </a:blip>
-          <a:srcRect l="2442" r="10289" b="-1"/>
-          <a:stretch/>
-        </p:blipFill>
+        </p:nvSpPr>
         <p:spPr>
           <a:xfrm>
-            <a:off x="4476307" y="595421"/>
-            <a:ext cx="7715693" cy="5658438"/>
-          </a:xfrm>
-          <a:prstGeom prst="rect">
-            <a:avLst/>
-          </a:prstGeom>
-        </p:spPr>
-      </p:pic>
-      <p:pic>
-        <p:nvPicPr>
-          <p:cNvPr id="85" name="Picture 28">
-            <a:extLst>
-              <a:ext uri="{FF2B5EF4-FFF2-40B4-BE49-F238E27FC236}">
-                <a16:creationId xmlns:a16="http://schemas.microsoft.com/office/drawing/2014/main" id="{9D01B3E5-85F4-41A9-A504-D5E6268DEC1D}"/>
-              </a:ext>
-              <a:ext uri="{C183D7F6-B498-43B3-948B-1728B52AA6E4}">
-                <adec:decorative xmlns:adec="http://schemas.microsoft.com/office/drawing/2017/decorative" val="1"/>
-              </a:ext>
-            </a:extLst>
-          </p:cNvPr>
-          <p:cNvPicPr>
-            <a:picLocks noGrp="1" noRot="1" noChangeAspect="1" noMove="1" noResize="1" noEditPoints="1" noAdjustHandles="1" noChangeArrowheads="1" noChangeShapeType="1" noCrop="1"/>
-          </p:cNvPicPr>
-          <p:nvPr>
-            <p:extLst>
-              <p:ext uri="{386F3935-93C4-4BCD-93E2-E3B085C9AB24}">
-                <p16:designElem xmlns:p16="http://schemas.microsoft.com/office/powerpoint/2015/main" val="1"/>
-              </p:ext>
-            </p:extLst>
-          </p:nvPr>
-        </p:nvPicPr>
-        <p:blipFill>
-          <a:blip r:embed="rId4">
-            <a:extLst>
-              <a:ext uri="{28A0092B-C50C-407E-A947-70E740481C1C}">
-                <a14:useLocalDpi xmlns:a14="http://schemas.microsoft.com/office/drawing/2010/main" val="0"/>
-              </a:ext>
-            </a:extLst>
-          </a:blip>
-          <a:srcRect r="14729"/>
-          <a:stretch>
-            <a:fillRect/>
-          </a:stretch>
-        </p:blipFill>
-        <p:spPr>
-          <a:xfrm>
-            <a:off x="3466214" y="550975"/>
-            <a:ext cx="8725786" cy="5756049"/>
-          </a:xfrm>
-          <a:custGeom>
-            <a:avLst/>
-            <a:gdLst>
-              <a:gd name="connsiteX0" fmla="*/ 0 w 8725786"/>
-              <a:gd name="connsiteY0" fmla="*/ 0 h 5756049"/>
-              <a:gd name="connsiteX1" fmla="*/ 8725786 w 8725786"/>
-              <a:gd name="connsiteY1" fmla="*/ 0 h 5756049"/>
-              <a:gd name="connsiteX2" fmla="*/ 8725786 w 8725786"/>
-              <a:gd name="connsiteY2" fmla="*/ 5756049 h 5756049"/>
-              <a:gd name="connsiteX3" fmla="*/ 0 w 8725786"/>
-              <a:gd name="connsiteY3" fmla="*/ 5756049 h 5756049"/>
-            </a:gdLst>
-            <a:ahLst/>
-            <a:cxnLst>
-              <a:cxn ang="0">
-                <a:pos x="connsiteX0" y="connsiteY0"/>
-              </a:cxn>
-              <a:cxn ang="0">
-                <a:pos x="connsiteX1" y="connsiteY1"/>
-              </a:cxn>
-              <a:cxn ang="0">
-                <a:pos x="connsiteX2" y="connsiteY2"/>
-              </a:cxn>
-              <a:cxn ang="0">
-                <a:pos x="connsiteX3" y="connsiteY3"/>
-              </a:cxn>
-            </a:cxnLst>
-            <a:rect l="l" t="t" r="r" b="b"/>
-            <a:pathLst>
-              <a:path w="8725786" h="5756049">
-                <a:moveTo>
-                  <a:pt x="0" y="0"/>
-                </a:moveTo>
-                <a:lnTo>
-                  <a:pt x="8725786" y="0"/>
-                </a:lnTo>
-                <a:lnTo>
-                  <a:pt x="8725786" y="5756049"/>
-                </a:lnTo>
-                <a:lnTo>
-                  <a:pt x="0" y="5756049"/>
-                </a:lnTo>
-                <a:close/>
-              </a:path>
-            </a:pathLst>
-          </a:custGeom>
-        </p:spPr>
-      </p:pic>
-      <p:sp>
-        <p:nvSpPr>
-          <p:cNvPr id="3" name="Retângulo 2">
-            <a:extLst>
-              <a:ext uri="{FF2B5EF4-FFF2-40B4-BE49-F238E27FC236}">
-                <a16:creationId xmlns:a16="http://schemas.microsoft.com/office/drawing/2014/main" id="{B8384E43-4340-4DAD-A6F4-1CDE0B2E3F79}"/>
-              </a:ext>
-            </a:extLst>
-          </p:cNvPr>
-          <p:cNvSpPr/>
-          <p:nvPr/>
-        </p:nvSpPr>
-        <p:spPr>
-          <a:xfrm>
-            <a:off x="804484" y="2546823"/>
-            <a:ext cx="3948269" cy="2383844"/>
-          </a:xfrm>
-          <a:prstGeom prst="rect">
-            <a:avLst/>
-          </a:prstGeom>
-        </p:spPr>
-        <p:txBody>
-          <a:bodyPr vert="horz" lIns="91440" tIns="45720" rIns="91440" bIns="45720" rtlCol="0" anchor="t">
-            <a:normAutofit/>
-          </a:bodyPr>
-          <a:lstStyle/>
-          <a:p>
-            <a:pPr>
-              <a:lnSpc>
-                <a:spcPct val="90000"/>
-              </a:lnSpc>
-              <a:spcBef>
-                <a:spcPct val="0"/>
-              </a:spcBef>
-              <a:spcAft>
-                <a:spcPts val="600"/>
-              </a:spcAft>
-            </a:pPr>
-            <a:r>
-              <a:rPr lang="en-US" sz="4400" b="1" cap="none" spc="0">
-                <a:ln w="9525">
-                  <a:solidFill>
-                    <a:schemeClr val="bg1"/>
-                  </a:solidFill>
-                  <a:prstDash val="solid"/>
-                </a:ln>
-                <a:solidFill>
-                  <a:srgbClr val="000000"/>
-                </a:solidFill>
-                <a:effectLst>
-                  <a:outerShdw blurRad="12700" dist="38100" dir="2700000" algn="tl" rotWithShape="0">
-                    <a:schemeClr val="accent5">
-                      <a:lumMod val="60000"/>
-                      <a:lumOff val="40000"/>
-                    </a:schemeClr>
-                  </a:outerShdw>
-                </a:effectLst>
-                <a:latin typeface="+mj-lt"/>
-                <a:ea typeface="+mj-ea"/>
-                <a:cs typeface="+mj-cs"/>
-              </a:rPr>
-              <a:t>Vantagens na sociedade</a:t>
-            </a:r>
-          </a:p>
-        </p:txBody>
-      </p:sp>
-      <p:sp>
-        <p:nvSpPr>
-          <p:cNvPr id="8" name="CaixaDeTexto 7">
-            <a:extLst>
-              <a:ext uri="{FF2B5EF4-FFF2-40B4-BE49-F238E27FC236}">
-                <a16:creationId xmlns:a16="http://schemas.microsoft.com/office/drawing/2014/main" id="{C283CD52-7E0A-4BFD-B454-B14B6D8E2301}"/>
-              </a:ext>
-            </a:extLst>
-          </p:cNvPr>
-          <p:cNvSpPr txBox="1"/>
-          <p:nvPr/>
-        </p:nvSpPr>
-        <p:spPr>
-          <a:xfrm>
-            <a:off x="8929568" y="6053804"/>
+            <a:off x="8929568" y="6657945"/>
             <a:ext cx="3262432" cy="200055"/>
           </a:xfrm>
           <a:prstGeom prst="rect">
@@ -5810,7 +4721,7 @@
                 <a:solidFill>
                   <a:srgbClr val="FFFFFF"/>
                 </a:solidFill>
-                <a:hlinkClick r:id="rId5" tooltip="https://creativecommons.org/licenses/by/3.0/">
+                <a:hlinkClick r:id="rId4" tooltip="https://creativecommons.org/licenses/by/3.0/">
                   <a:extLst>
                     <a:ext uri="{A12FA001-AC4F-418D-AE19-62706E023703}">
                       <ahyp:hlinkClr xmlns:ahyp="http://schemas.microsoft.com/office/drawing/2018/hyperlinkcolor" val="tx"/>
@@ -6026,7 +4937,7 @@
           <a:p>
             <a:pPr algn="ctr"/>
             <a:r>
-              <a:rPr lang="en-US" sz="5100" kern="1200" dirty="0">
+              <a:rPr lang="en-US" sz="5100" kern="1200" dirty="0" err="1">
                 <a:solidFill>
                   <a:srgbClr val="FFFFFF"/>
                 </a:solidFill>
@@ -6036,6 +4947,14 @@
               </a:rPr>
               <a:t>Doenças</a:t>
             </a:r>
+            <a:endParaRPr lang="en-US" sz="5100" kern="1200" dirty="0">
+              <a:solidFill>
+                <a:srgbClr val="FFFFFF"/>
+              </a:solidFill>
+              <a:latin typeface="+mj-lt"/>
+              <a:ea typeface="+mj-ea"/>
+              <a:cs typeface="+mj-cs"/>
+            </a:endParaRPr>
           </a:p>
         </p:txBody>
       </p:sp>
@@ -6055,14 +4974,6 @@
 <file path=ppt/slides/slide3.xml><?xml version="1.0" encoding="utf-8"?>
 <p:sld xmlns:a="http://schemas.openxmlformats.org/drawingml/2006/main" xmlns:r="http://schemas.openxmlformats.org/officeDocument/2006/relationships" xmlns:p="http://schemas.openxmlformats.org/presentationml/2006/main">
   <p:cSld>
-    <p:bg>
-      <p:bgPr>
-        <a:solidFill>
-          <a:schemeClr val="bg1"/>
-        </a:solidFill>
-        <a:effectLst/>
-      </p:bgPr>
-    </p:bg>
     <p:spTree>
       <p:nvGrpSpPr>
         <p:cNvPr id="1" name=""/>
@@ -6077,196 +4988,6 @@
           <a:chExt cx="0" cy="0"/>
         </a:xfrm>
       </p:grpSpPr>
-      <p:sp useBgFill="1">
-        <p:nvSpPr>
-          <p:cNvPr id="26" name="Rectangle 7">
-            <a:extLst>
-              <a:ext uri="{FF2B5EF4-FFF2-40B4-BE49-F238E27FC236}">
-                <a16:creationId xmlns:a16="http://schemas.microsoft.com/office/drawing/2014/main" id="{3B854194-185D-494D-905C-7C7CB2E30F6E}"/>
-              </a:ext>
-              <a:ext uri="{C183D7F6-B498-43B3-948B-1728B52AA6E4}">
-                <adec:decorative xmlns:adec="http://schemas.microsoft.com/office/drawing/2017/decorative" val="1"/>
-              </a:ext>
-            </a:extLst>
-          </p:cNvPr>
-          <p:cNvSpPr>
-            <a:spLocks noGrp="1" noRot="1" noChangeAspect="1" noMove="1" noResize="1" noEditPoints="1" noAdjustHandles="1" noChangeArrowheads="1" noChangeShapeType="1" noTextEdit="1"/>
-          </p:cNvSpPr>
-          <p:nvPr>
-            <p:extLst>
-              <p:ext uri="{386F3935-93C4-4BCD-93E2-E3B085C9AB24}">
-                <p16:designElem xmlns:p16="http://schemas.microsoft.com/office/powerpoint/2015/main" val="1"/>
-              </p:ext>
-            </p:extLst>
-          </p:nvPr>
-        </p:nvSpPr>
-        <p:spPr>
-          <a:xfrm>
-            <a:off x="1" y="0"/>
-            <a:ext cx="6082110" cy="6858000"/>
-          </a:xfrm>
-          <a:prstGeom prst="rect">
-            <a:avLst/>
-          </a:prstGeom>
-          <a:ln>
-            <a:noFill/>
-          </a:ln>
-        </p:spPr>
-        <p:style>
-          <a:lnRef idx="2">
-            <a:schemeClr val="accent1">
-              <a:shade val="50000"/>
-            </a:schemeClr>
-          </a:lnRef>
-          <a:fillRef idx="1">
-            <a:schemeClr val="accent1"/>
-          </a:fillRef>
-          <a:effectRef idx="0">
-            <a:schemeClr val="accent1"/>
-          </a:effectRef>
-          <a:fontRef idx="minor">
-            <a:schemeClr val="lt1"/>
-          </a:fontRef>
-        </p:style>
-        <p:txBody>
-          <a:bodyPr rtlCol="0" anchor="ctr"/>
-          <a:lstStyle/>
-          <a:p>
-            <a:pPr algn="ctr"/>
-            <a:endParaRPr lang="en-US"/>
-          </a:p>
-        </p:txBody>
-      </p:sp>
-      <p:sp>
-        <p:nvSpPr>
-          <p:cNvPr id="27" name="Rectangle 9">
-            <a:extLst>
-              <a:ext uri="{FF2B5EF4-FFF2-40B4-BE49-F238E27FC236}">
-                <a16:creationId xmlns:a16="http://schemas.microsoft.com/office/drawing/2014/main" id="{B4F5FA0D-0104-4987-8241-EFF7C85B88DE}"/>
-              </a:ext>
-              <a:ext uri="{C183D7F6-B498-43B3-948B-1728B52AA6E4}">
-                <adec:decorative xmlns:adec="http://schemas.microsoft.com/office/drawing/2017/decorative" val="1"/>
-              </a:ext>
-            </a:extLst>
-          </p:cNvPr>
-          <p:cNvSpPr>
-            <a:spLocks noGrp="1" noRot="1" noChangeAspect="1" noMove="1" noResize="1" noEditPoints="1" noAdjustHandles="1" noChangeArrowheads="1" noChangeShapeType="1" noTextEdit="1"/>
-          </p:cNvSpPr>
-          <p:nvPr>
-            <p:extLst>
-              <p:ext uri="{386F3935-93C4-4BCD-93E2-E3B085C9AB24}">
-                <p16:designElem xmlns:p16="http://schemas.microsoft.com/office/powerpoint/2015/main" val="1"/>
-              </p:ext>
-            </p:extLst>
-          </p:nvPr>
-        </p:nvSpPr>
-        <p:spPr>
-          <a:xfrm>
-            <a:off x="1" y="0"/>
-            <a:ext cx="12191998" cy="6858000"/>
-          </a:xfrm>
-          <a:prstGeom prst="rect">
-            <a:avLst/>
-          </a:prstGeom>
-          <a:gradFill>
-            <a:gsLst>
-              <a:gs pos="0">
-                <a:schemeClr val="accent1">
-                  <a:lumMod val="90000"/>
-                </a:schemeClr>
-              </a:gs>
-              <a:gs pos="25000">
-                <a:schemeClr val="accent1">
-                  <a:lumMod val="90000"/>
-                </a:schemeClr>
-              </a:gs>
-              <a:gs pos="94000">
-                <a:schemeClr val="bg2">
-                  <a:lumMod val="25000"/>
-                </a:schemeClr>
-              </a:gs>
-              <a:gs pos="100000">
-                <a:schemeClr val="bg2">
-                  <a:lumMod val="25000"/>
-                </a:schemeClr>
-              </a:gs>
-            </a:gsLst>
-            <a:lin ang="4200000" scaled="0"/>
-          </a:gradFill>
-          <a:ln>
-            <a:noFill/>
-          </a:ln>
-        </p:spPr>
-        <p:style>
-          <a:lnRef idx="2">
-            <a:schemeClr val="accent1">
-              <a:shade val="50000"/>
-            </a:schemeClr>
-          </a:lnRef>
-          <a:fillRef idx="1">
-            <a:schemeClr val="accent1"/>
-          </a:fillRef>
-          <a:effectRef idx="0">
-            <a:schemeClr val="accent1"/>
-          </a:effectRef>
-          <a:fontRef idx="minor">
-            <a:schemeClr val="lt1"/>
-          </a:fontRef>
-        </p:style>
-        <p:txBody>
-          <a:bodyPr rtlCol="0" anchor="ctr"/>
-          <a:lstStyle/>
-          <a:p>
-            <a:pPr algn="ctr"/>
-            <a:endParaRPr lang="en-US"/>
-          </a:p>
-        </p:txBody>
-      </p:sp>
-      <p:pic>
-        <p:nvPicPr>
-          <p:cNvPr id="28" name="Picture 11">
-            <a:extLst>
-              <a:ext uri="{FF2B5EF4-FFF2-40B4-BE49-F238E27FC236}">
-                <a16:creationId xmlns:a16="http://schemas.microsoft.com/office/drawing/2014/main" id="{2897127E-6CEF-446C-BE87-93B7C46E49D1}"/>
-              </a:ext>
-              <a:ext uri="{C183D7F6-B498-43B3-948B-1728B52AA6E4}">
-                <adec:decorative xmlns:adec="http://schemas.microsoft.com/office/drawing/2017/decorative" val="1"/>
-              </a:ext>
-            </a:extLst>
-          </p:cNvPr>
-          <p:cNvPicPr>
-            <a:picLocks noGrp="1" noRot="1" noChangeAspect="1" noMove="1" noResize="1" noEditPoints="1" noAdjustHandles="1" noChangeArrowheads="1" noChangeShapeType="1" noCrop="1"/>
-          </p:cNvPicPr>
-          <p:nvPr>
-            <p:extLst>
-              <p:ext uri="{386F3935-93C4-4BCD-93E2-E3B085C9AB24}">
-                <p16:designElem xmlns:p16="http://schemas.microsoft.com/office/powerpoint/2015/main" val="1"/>
-              </p:ext>
-            </p:extLst>
-          </p:nvPr>
-        </p:nvPicPr>
-        <p:blipFill>
-          <a:blip r:embed="rId3">
-            <a:extLst>
-              <a:ext uri="{28A0092B-C50C-407E-A947-70E740481C1C}">
-                <a14:useLocalDpi xmlns:a14="http://schemas.microsoft.com/office/drawing/2010/main" val="0"/>
-              </a:ext>
-            </a:extLst>
-          </a:blip>
-          <a:stretch>
-            <a:fillRect/>
-          </a:stretch>
-        </p:blipFill>
-        <p:spPr>
-          <a:xfrm>
-            <a:off x="0" y="0"/>
-            <a:ext cx="12192000" cy="6858000"/>
-          </a:xfrm>
-          <a:prstGeom prst="rect">
-            <a:avLst/>
-          </a:prstGeom>
-        </p:spPr>
-      </p:pic>
       <p:sp>
         <p:nvSpPr>
           <p:cNvPr id="2" name="Título 1">
@@ -6283,25 +5004,21 @@
             <p:ph type="title"/>
           </p:nvPr>
         </p:nvSpPr>
-        <p:spPr>
-          <a:xfrm>
-            <a:off x="640079" y="2053641"/>
-            <a:ext cx="3669161" cy="2760098"/>
-          </a:xfrm>
-        </p:spPr>
-        <p:txBody>
-          <a:bodyPr>
-            <a:normAutofit/>
-          </a:bodyPr>
-          <a:lstStyle/>
-          <a:p>
-            <a:r>
-              <a:rPr lang="pt-PT">
+        <p:spPr/>
+        <p:txBody>
+          <a:bodyPr/>
+          <a:lstStyle/>
+          <a:p>
+            <a:pPr algn="l"/>
+            <a:r>
+              <a:rPr lang="pt-PT" b="0" i="0" dirty="0">
                 <a:solidFill>
-                  <a:srgbClr val="FFFFFF"/>
+                  <a:srgbClr val="3F3F42"/>
                 </a:solidFill>
+                <a:effectLst/>
+                <a:latin typeface="ReithSerif"/>
               </a:rPr>
-              <a:t>Gripe</a:t>
+              <a:t>Menos gripe</a:t>
             </a:r>
           </a:p>
         </p:txBody>
@@ -6322,43 +5039,34 @@
             <p:ph idx="1"/>
           </p:nvPr>
         </p:nvSpPr>
-        <p:spPr>
-          <a:xfrm>
-            <a:off x="6090574" y="801866"/>
-            <a:ext cx="5306084" cy="5230634"/>
-          </a:xfrm>
-        </p:spPr>
-        <p:txBody>
-          <a:bodyPr anchor="ctr">
-            <a:normAutofit/>
-          </a:bodyPr>
-          <a:lstStyle/>
-          <a:p>
-            <a:r>
-              <a:rPr lang="pt-PT" sz="2400">
+        <p:spPr/>
+        <p:txBody>
+          <a:bodyPr/>
+          <a:lstStyle/>
+          <a:p>
+            <a:r>
+              <a:rPr lang="pt-PT" i="0" dirty="0">
                 <a:solidFill>
-                  <a:srgbClr val="000000"/>
+                  <a:srgbClr val="3F3F42"/>
                 </a:solidFill>
+                <a:effectLst/>
+                <a:latin typeface="ReithSans"/>
               </a:rPr>
-              <a:t>Alguém com gripe pode espalhar gotículas infetadas a uma distância de até 1,8 metros.</a:t>
-            </a:r>
-          </a:p>
-          <a:p>
-            <a:r>
-              <a:rPr lang="pt-PT" sz="2400">
+              <a:t>Dados do governo da Dinamarca divulgados recentemente apontam para uma redução acentuada nos casos de gripe devido às medidas de isolamento social.</a:t>
+            </a:r>
+          </a:p>
+          <a:p>
+            <a:r>
+              <a:rPr lang="pt-PT" b="0" i="0" dirty="0">
                 <a:solidFill>
-                  <a:srgbClr val="000000"/>
+                  <a:srgbClr val="3F3F42"/>
                 </a:solidFill>
+                <a:effectLst/>
+                <a:latin typeface="ReithSans"/>
               </a:rPr>
-              <a:t>Devido ao isolamento social que estamos a passar hoje em dia e ao aumento do teletrabalho, é normal que o número de doentes com doenças infeciosas este ano tenha baixado.</a:t>
-            </a:r>
-          </a:p>
-          <a:p>
-            <a:endParaRPr lang="pt-PT" sz="2400">
-              <a:solidFill>
-                <a:srgbClr val="000000"/>
-              </a:solidFill>
-            </a:endParaRPr>
+              <a:t>Um total de 260 pessoas na Dinamarca foram diagnosticadas com gripe de 15 a 21 de março, uma queda de 70% frente à semana anterior, quando 884 casos foram confirmados.</a:t>
+            </a:r>
+            <a:endParaRPr lang="pt-PT" dirty="0"/>
           </a:p>
         </p:txBody>
       </p:sp>
@@ -6400,75 +5108,12 @@
           <a:chExt cx="0" cy="0"/>
         </a:xfrm>
       </p:grpSpPr>
-      <p:sp>
-        <p:nvSpPr>
-          <p:cNvPr id="154" name="Rectangle 82">
-            <a:extLst>
-              <a:ext uri="{FF2B5EF4-FFF2-40B4-BE49-F238E27FC236}">
-                <a16:creationId xmlns:a16="http://schemas.microsoft.com/office/drawing/2014/main" id="{F3060C83-F051-4F0E-ABAD-AA0DFC48B218}"/>
-              </a:ext>
-              <a:ext uri="{C183D7F6-B498-43B3-948B-1728B52AA6E4}">
-                <adec:decorative xmlns:adec="http://schemas.microsoft.com/office/drawing/2017/decorative" val="1"/>
-              </a:ext>
-            </a:extLst>
-          </p:cNvPr>
-          <p:cNvSpPr>
-            <a:spLocks noGrp="1" noRot="1" noChangeAspect="1" noMove="1" noResize="1" noEditPoints="1" noAdjustHandles="1" noChangeArrowheads="1" noChangeShapeType="1" noTextEdit="1"/>
-          </p:cNvSpPr>
-          <p:nvPr>
-            <p:extLst>
-              <p:ext uri="{386F3935-93C4-4BCD-93E2-E3B085C9AB24}">
-                <p16:designElem xmlns:p16="http://schemas.microsoft.com/office/powerpoint/2015/main" val="1"/>
-              </p:ext>
-            </p:extLst>
-          </p:nvPr>
-        </p:nvSpPr>
-        <p:spPr>
-          <a:xfrm>
-            <a:off x="0" y="0"/>
-            <a:ext cx="12192000" cy="6858000"/>
-          </a:xfrm>
-          <a:prstGeom prst="rect">
-            <a:avLst/>
-          </a:prstGeom>
-          <a:solidFill>
-            <a:schemeClr val="bg1"/>
-          </a:solidFill>
-          <a:ln>
-            <a:noFill/>
-          </a:ln>
-        </p:spPr>
-        <p:style>
-          <a:lnRef idx="2">
-            <a:schemeClr val="accent1">
-              <a:shade val="50000"/>
-            </a:schemeClr>
-          </a:lnRef>
-          <a:fillRef idx="1">
-            <a:schemeClr val="accent1"/>
-          </a:fillRef>
-          <a:effectRef idx="0">
-            <a:schemeClr val="accent1"/>
-          </a:effectRef>
-          <a:fontRef idx="minor">
-            <a:schemeClr val="lt1"/>
-          </a:fontRef>
-        </p:style>
-        <p:txBody>
-          <a:bodyPr rtlCol="0" anchor="ctr"/>
-          <a:lstStyle/>
-          <a:p>
-            <a:pPr algn="ctr"/>
-            <a:endParaRPr lang="en-US" dirty="0"/>
-          </a:p>
-        </p:txBody>
-      </p:sp>
       <p:pic>
         <p:nvPicPr>
-          <p:cNvPr id="60" name="Imagem 59">
-            <a:extLst>
-              <a:ext uri="{FF2B5EF4-FFF2-40B4-BE49-F238E27FC236}">
-                <a16:creationId xmlns:a16="http://schemas.microsoft.com/office/drawing/2014/main" id="{AA21F25A-81CA-41B3-8441-BE5F60E12A91}"/>
+          <p:cNvPr id="5" name="Imagem 4" descr="Uma imagem com interior, pessoa, mesa, secretária&#10;&#10;Descrição gerada automaticamente">
+            <a:extLst>
+              <a:ext uri="{FF2B5EF4-FFF2-40B4-BE49-F238E27FC236}">
+                <a16:creationId xmlns:a16="http://schemas.microsoft.com/office/drawing/2014/main" id="{FE492F77-EE51-45E4-B229-B3B84DAEAE5A}"/>
               </a:ext>
             </a:extLst>
           </p:cNvPr>
@@ -6479,40 +5124,44 @@
         </p:nvPicPr>
         <p:blipFill rotWithShape="1">
           <a:blip r:embed="rId3">
+            <a:alphaModFix/>
             <a:extLst>
               <a:ext uri="{28A0092B-C50C-407E-A947-70E740481C1C}">
                 <a14:useLocalDpi xmlns:a14="http://schemas.microsoft.com/office/drawing/2010/main" val="0"/>
               </a:ext>
+              <a:ext uri="{837473B0-CC2E-450A-ABE3-18F120FF3D39}">
+                <a1611:picAttrSrcUrl xmlns:a1611="http://schemas.microsoft.com/office/drawing/2016/11/main" r:id="rId4"/>
+              </a:ext>
             </a:extLst>
           </a:blip>
-          <a:srcRect/>
+          <a:srcRect r="37764" b="-1"/>
           <a:stretch/>
         </p:blipFill>
         <p:spPr>
           <a:xfrm>
-            <a:off x="850791" y="903494"/>
-            <a:ext cx="10490417" cy="5726097"/>
+            <a:off x="5797543" y="10"/>
+            <a:ext cx="6394152" cy="6857990"/>
           </a:xfrm>
           <a:prstGeom prst="rect">
             <a:avLst/>
           </a:prstGeom>
         </p:spPr>
       </p:pic>
-      <p:sp>
-        <p:nvSpPr>
-          <p:cNvPr id="155" name="Freeform: Shape 84">
-            <a:extLst>
-              <a:ext uri="{FF2B5EF4-FFF2-40B4-BE49-F238E27FC236}">
-                <a16:creationId xmlns:a16="http://schemas.microsoft.com/office/drawing/2014/main" id="{83C98ABE-055B-441F-B07E-44F97F083C39}"/>
+      <p:pic>
+        <p:nvPicPr>
+          <p:cNvPr id="29" name="Picture 10">
+            <a:extLst>
+              <a:ext uri="{FF2B5EF4-FFF2-40B4-BE49-F238E27FC236}">
+                <a16:creationId xmlns:a16="http://schemas.microsoft.com/office/drawing/2014/main" id="{54DDEBDD-D8BD-41A6-8A0D-B00E3768B0F9}"/>
               </a:ext>
               <a:ext uri="{C183D7F6-B498-43B3-948B-1728B52AA6E4}">
                 <adec:decorative xmlns:adec="http://schemas.microsoft.com/office/drawing/2017/decorative" val="1"/>
               </a:ext>
             </a:extLst>
           </p:cNvPr>
-          <p:cNvSpPr>
-            <a:spLocks noGrp="1" noRot="1" noChangeAspect="1" noMove="1" noResize="1" noEditPoints="1" noAdjustHandles="1" noChangeArrowheads="1" noChangeShapeType="1" noTextEdit="1"/>
-          </p:cNvSpPr>
+          <p:cNvPicPr>
+            <a:picLocks noGrp="1" noRot="1" noChangeAspect="1" noMove="1" noResize="1" noEditPoints="1" noAdjustHandles="1" noChangeArrowheads="1" noChangeShapeType="1" noCrop="1"/>
+          </p:cNvPicPr>
           <p:nvPr>
             <p:extLst>
               <p:ext uri="{386F3935-93C4-4BCD-93E2-E3B085C9AB24}">
@@ -6520,115 +5169,290 @@
               </p:ext>
             </p:extLst>
           </p:nvPr>
-        </p:nvSpPr>
+        </p:nvPicPr>
+        <p:blipFill>
+          <a:blip r:embed="rId5">
+            <a:extLst>
+              <a:ext uri="{28A0092B-C50C-407E-A947-70E740481C1C}">
+                <a14:useLocalDpi xmlns:a14="http://schemas.microsoft.com/office/drawing/2010/main" val="0"/>
+              </a:ext>
+            </a:extLst>
+          </a:blip>
+          <a:stretch>
+            <a:fillRect/>
+          </a:stretch>
+        </p:blipFill>
         <p:spPr>
-          <a:xfrm rot="18900000" flipH="1">
-            <a:off x="-376156" y="-253670"/>
-            <a:ext cx="1827638" cy="1376989"/>
+          <a:xfrm flipH="1" flipV="1">
+            <a:off x="0" y="0"/>
+            <a:ext cx="12192000" cy="6858000"/>
           </a:xfrm>
-          <a:custGeom>
+          <a:prstGeom prst="rect">
             <a:avLst/>
-            <a:gdLst>
-              <a:gd name="connsiteX0" fmla="*/ 0 w 1827638"/>
-              <a:gd name="connsiteY0" fmla="*/ 987379 h 1376989"/>
-              <a:gd name="connsiteX1" fmla="*/ 987379 w 1827638"/>
-              <a:gd name="connsiteY1" fmla="*/ 0 h 1376989"/>
-              <a:gd name="connsiteX2" fmla="*/ 1827638 w 1827638"/>
-              <a:gd name="connsiteY2" fmla="*/ 840260 h 1376989"/>
-              <a:gd name="connsiteX3" fmla="*/ 1827638 w 1827638"/>
-              <a:gd name="connsiteY3" fmla="*/ 1376989 h 1376989"/>
-              <a:gd name="connsiteX4" fmla="*/ 0 w 1827638"/>
-              <a:gd name="connsiteY4" fmla="*/ 1376989 h 1376989"/>
-            </a:gdLst>
-            <a:ahLst/>
-            <a:cxnLst>
-              <a:cxn ang="0">
-                <a:pos x="connsiteX0" y="connsiteY0"/>
-              </a:cxn>
-              <a:cxn ang="0">
-                <a:pos x="connsiteX1" y="connsiteY1"/>
-              </a:cxn>
-              <a:cxn ang="0">
-                <a:pos x="connsiteX2" y="connsiteY2"/>
-              </a:cxn>
-              <a:cxn ang="0">
-                <a:pos x="connsiteX3" y="connsiteY3"/>
-              </a:cxn>
-              <a:cxn ang="0">
-                <a:pos x="connsiteX4" y="connsiteY4"/>
-              </a:cxn>
-            </a:cxnLst>
-            <a:rect l="l" t="t" r="r" b="b"/>
-            <a:pathLst>
-              <a:path w="1827638" h="1376989">
-                <a:moveTo>
-                  <a:pt x="0" y="987379"/>
-                </a:moveTo>
-                <a:lnTo>
-                  <a:pt x="987379" y="0"/>
-                </a:lnTo>
-                <a:lnTo>
-                  <a:pt x="1827638" y="840260"/>
-                </a:lnTo>
-                <a:lnTo>
-                  <a:pt x="1827638" y="1376989"/>
-                </a:lnTo>
-                <a:lnTo>
-                  <a:pt x="0" y="1376989"/>
-                </a:lnTo>
-                <a:close/>
-              </a:path>
-            </a:pathLst>
-          </a:custGeom>
+          </a:prstGeom>
+        </p:spPr>
+      </p:pic>
+      <p:sp>
+        <p:nvSpPr>
+          <p:cNvPr id="2" name="Título 1">
+            <a:extLst>
+              <a:ext uri="{FF2B5EF4-FFF2-40B4-BE49-F238E27FC236}">
+                <a16:creationId xmlns:a16="http://schemas.microsoft.com/office/drawing/2014/main" id="{34B34F67-F971-4367-9AA7-C2AD2A9E0CBD}"/>
+              </a:ext>
+            </a:extLst>
+          </p:cNvPr>
+          <p:cNvSpPr>
+            <a:spLocks noGrp="1"/>
+          </p:cNvSpPr>
+          <p:nvPr>
+            <p:ph type="title"/>
+          </p:nvPr>
+        </p:nvSpPr>
+        <p:spPr>
+          <a:xfrm>
+            <a:off x="804998" y="798445"/>
+            <a:ext cx="4803636" cy="1311664"/>
+          </a:xfrm>
+        </p:spPr>
+        <p:txBody>
+          <a:bodyPr>
+            <a:normAutofit/>
+          </a:bodyPr>
+          <a:lstStyle/>
+          <a:p>
+            <a:r>
+              <a:rPr lang="pt-PT" u="sng">
+                <a:solidFill>
+                  <a:srgbClr val="000000"/>
+                </a:solidFill>
+              </a:rPr>
+              <a:t>Assédio sexual no trabalho</a:t>
+            </a:r>
+          </a:p>
+        </p:txBody>
+      </p:sp>
+      <p:sp>
+        <p:nvSpPr>
+          <p:cNvPr id="3" name="Marcador de Posição de Conteúdo 2">
+            <a:extLst>
+              <a:ext uri="{FF2B5EF4-FFF2-40B4-BE49-F238E27FC236}">
+                <a16:creationId xmlns:a16="http://schemas.microsoft.com/office/drawing/2014/main" id="{1A73EE82-E05D-41D0-99DF-46E922B6DD00}"/>
+              </a:ext>
+            </a:extLst>
+          </p:cNvPr>
+          <p:cNvSpPr>
+            <a:spLocks noGrp="1"/>
+          </p:cNvSpPr>
+          <p:nvPr>
+            <p:ph idx="1"/>
+          </p:nvPr>
+        </p:nvSpPr>
+        <p:spPr>
+          <a:xfrm>
+            <a:off x="804997" y="2272143"/>
+            <a:ext cx="4706803" cy="3788830"/>
+          </a:xfrm>
+        </p:spPr>
+        <p:txBody>
+          <a:bodyPr anchor="ctr">
+            <a:normAutofit/>
+          </a:bodyPr>
+          <a:lstStyle/>
+          <a:p>
+            <a:r>
+              <a:rPr lang="pt-PT" sz="2000" b="0" i="0">
+                <a:solidFill>
+                  <a:srgbClr val="000000"/>
+                </a:solidFill>
+                <a:effectLst/>
+                <a:latin typeface="ReithSans"/>
+              </a:rPr>
+              <a:t>12,6% da população ativa em Portugal já sofreu pelo menos uma vez durante a sua vida profissional uma forma de assédio sexual no trabalho.</a:t>
+            </a:r>
+          </a:p>
+        </p:txBody>
+      </p:sp>
+      <p:sp>
+        <p:nvSpPr>
+          <p:cNvPr id="6" name="CaixaDeTexto 5">
+            <a:extLst>
+              <a:ext uri="{FF2B5EF4-FFF2-40B4-BE49-F238E27FC236}">
+                <a16:creationId xmlns:a16="http://schemas.microsoft.com/office/drawing/2014/main" id="{9196743F-E2E7-4958-ADC1-FB72D77DAE23}"/>
+              </a:ext>
+            </a:extLst>
+          </p:cNvPr>
+          <p:cNvSpPr txBox="1"/>
+          <p:nvPr/>
+        </p:nvSpPr>
+        <p:spPr>
+          <a:xfrm>
+            <a:off x="8929263" y="6657945"/>
+            <a:ext cx="3262432" cy="200055"/>
+          </a:xfrm>
+          <a:prstGeom prst="rect">
+            <a:avLst/>
+          </a:prstGeom>
           <a:solidFill>
-            <a:schemeClr val="accent1">
-              <a:alpha val="30000"/>
-            </a:schemeClr>
+            <a:srgbClr val="000000"/>
           </a:solidFill>
-          <a:ln>
-            <a:noFill/>
-          </a:ln>
         </p:spPr>
-        <p:style>
-          <a:lnRef idx="2">
-            <a:schemeClr val="accent1">
-              <a:shade val="50000"/>
-            </a:schemeClr>
-          </a:lnRef>
-          <a:fillRef idx="1">
-            <a:schemeClr val="accent1"/>
-          </a:fillRef>
-          <a:effectRef idx="0">
-            <a:schemeClr val="accent1"/>
-          </a:effectRef>
-          <a:fontRef idx="minor">
-            <a:schemeClr val="lt1"/>
-          </a:fontRef>
-        </p:style>
-        <p:txBody>
-          <a:bodyPr rtlCol="0" anchor="ctr"/>
-          <a:lstStyle/>
-          <a:p>
-            <a:pPr algn="ctr"/>
-            <a:endParaRPr lang="en-US" dirty="0"/>
-          </a:p>
-        </p:txBody>
-      </p:sp>
-      <p:sp>
-        <p:nvSpPr>
-          <p:cNvPr id="156" name="Rectangle 86">
-            <a:extLst>
-              <a:ext uri="{FF2B5EF4-FFF2-40B4-BE49-F238E27FC236}">
-                <a16:creationId xmlns:a16="http://schemas.microsoft.com/office/drawing/2014/main" id="{29FDB030-9B49-4CED-8CCD-4D99382388AC}"/>
+        <p:txBody>
+          <a:bodyPr wrap="none" rtlCol="0">
+            <a:spAutoFit/>
+          </a:bodyPr>
+          <a:lstStyle/>
+          <a:p>
+            <a:pPr algn="r">
+              <a:spcAft>
+                <a:spcPts val="600"/>
+              </a:spcAft>
+            </a:pPr>
+            <a:r>
+              <a:rPr lang="pt-PT" sz="700">
+                <a:solidFill>
+                  <a:srgbClr val="FFFFFF"/>
+                </a:solidFill>
+              </a:rPr>
+              <a:t>A imagem </a:t>
+            </a:r>
+            <a:r>
+              <a:rPr lang="pt-PT" sz="700">
+                <a:solidFill>
+                  <a:srgbClr val="FFFFFF"/>
+                </a:solidFill>
+                <a:hlinkClick r:id="rId4" tooltip="https://medium.com/@annaliszt/the-perception-and-prevalence-of-sexual-harassment-metoo-721e4482920e">
+                  <a:extLst>
+                    <a:ext uri="{A12FA001-AC4F-418D-AE19-62706E023703}">
+                      <ahyp:hlinkClr xmlns:ahyp="http://schemas.microsoft.com/office/drawing/2018/hyperlinkcolor" val="tx"/>
+                    </a:ext>
+                  </a:extLst>
+                </a:hlinkClick>
+              </a:rPr>
+              <a:t>Esta Fotografia</a:t>
+            </a:r>
+            <a:r>
+              <a:rPr lang="pt-PT" sz="700">
+                <a:solidFill>
+                  <a:srgbClr val="FFFFFF"/>
+                </a:solidFill>
+              </a:rPr>
+              <a:t> de Autor Desconhecido está licenciada ao abrigo da </a:t>
+            </a:r>
+            <a:r>
+              <a:rPr lang="pt-PT" sz="700">
+                <a:solidFill>
+                  <a:srgbClr val="FFFFFF"/>
+                </a:solidFill>
+                <a:hlinkClick r:id="rId6" tooltip="https://creativecommons.org/licenses/by/3.0/">
+                  <a:extLst>
+                    <a:ext uri="{A12FA001-AC4F-418D-AE19-62706E023703}">
+                      <ahyp:hlinkClr xmlns:ahyp="http://schemas.microsoft.com/office/drawing/2018/hyperlinkcolor" val="tx"/>
+                    </a:ext>
+                  </a:extLst>
+                </a:hlinkClick>
+              </a:rPr>
+              <a:t>CC BY</a:t>
+            </a:r>
+            <a:endParaRPr lang="pt-PT" sz="700">
+              <a:solidFill>
+                <a:srgbClr val="FFFFFF"/>
+              </a:solidFill>
+            </a:endParaRPr>
+          </a:p>
+        </p:txBody>
+      </p:sp>
+    </p:spTree>
+    <p:extLst>
+      <p:ext uri="{BB962C8B-B14F-4D97-AF65-F5344CB8AC3E}">
+        <p14:creationId xmlns:p14="http://schemas.microsoft.com/office/powerpoint/2010/main" val="1795369858"/>
+      </p:ext>
+    </p:extLst>
+  </p:cSld>
+  <p:clrMapOvr>
+    <a:masterClrMapping/>
+  </p:clrMapOvr>
+</p:sld>
+</file>
+
+<file path=ppt/slides/slide5.xml><?xml version="1.0" encoding="utf-8"?>
+<p:sld xmlns:a="http://schemas.openxmlformats.org/drawingml/2006/main" xmlns:r="http://schemas.openxmlformats.org/officeDocument/2006/relationships" xmlns:p="http://schemas.openxmlformats.org/presentationml/2006/main">
+  <p:cSld>
+    <p:bg>
+      <p:bgPr>
+        <a:solidFill>
+          <a:schemeClr val="bg1"/>
+        </a:solidFill>
+        <a:effectLst/>
+      </p:bgPr>
+    </p:bg>
+    <p:spTree>
+      <p:nvGrpSpPr>
+        <p:cNvPr id="1" name=""/>
+        <p:cNvGrpSpPr/>
+        <p:nvPr/>
+      </p:nvGrpSpPr>
+      <p:grpSpPr>
+        <a:xfrm>
+          <a:off x="0" y="0"/>
+          <a:ext cx="0" cy="0"/>
+          <a:chOff x="0" y="0"/>
+          <a:chExt cx="0" cy="0"/>
+        </a:xfrm>
+      </p:grpSpPr>
+      <p:pic>
+        <p:nvPicPr>
+          <p:cNvPr id="5" name="Imagem 4" descr="Uma imagem com pessoa, homem, interior, fato&#10;&#10;Descrição gerada automaticamente">
+            <a:extLst>
+              <a:ext uri="{FF2B5EF4-FFF2-40B4-BE49-F238E27FC236}">
+                <a16:creationId xmlns:a16="http://schemas.microsoft.com/office/drawing/2014/main" id="{B721DF66-2E71-4B4C-9F44-D12C81645944}"/>
+              </a:ext>
+            </a:extLst>
+          </p:cNvPr>
+          <p:cNvPicPr>
+            <a:picLocks noChangeAspect="1"/>
+          </p:cNvPicPr>
+          <p:nvPr/>
+        </p:nvPicPr>
+        <p:blipFill rotWithShape="1">
+          <a:blip r:embed="rId2">
+            <a:alphaModFix/>
+            <a:extLst>
+              <a:ext uri="{28A0092B-C50C-407E-A947-70E740481C1C}">
+                <a14:useLocalDpi xmlns:a14="http://schemas.microsoft.com/office/drawing/2010/main" val="0"/>
+              </a:ext>
+              <a:ext uri="{837473B0-CC2E-450A-ABE3-18F120FF3D39}">
+                <a1611:picAttrSrcUrl xmlns:a1611="http://schemas.microsoft.com/office/drawing/2016/11/main" r:id="rId3"/>
+              </a:ext>
+            </a:extLst>
+          </a:blip>
+          <a:srcRect l="10082" r="29082" b="1"/>
+          <a:stretch/>
+        </p:blipFill>
+        <p:spPr>
+          <a:xfrm>
+            <a:off x="5797543" y="10"/>
+            <a:ext cx="6394152" cy="6857990"/>
+          </a:xfrm>
+          <a:prstGeom prst="rect">
+            <a:avLst/>
+          </a:prstGeom>
+        </p:spPr>
+      </p:pic>
+      <p:pic>
+        <p:nvPicPr>
+          <p:cNvPr id="26" name="Picture 10">
+            <a:extLst>
+              <a:ext uri="{FF2B5EF4-FFF2-40B4-BE49-F238E27FC236}">
+                <a16:creationId xmlns:a16="http://schemas.microsoft.com/office/drawing/2014/main" id="{54DDEBDD-D8BD-41A6-8A0D-B00E3768B0F9}"/>
               </a:ext>
               <a:ext uri="{C183D7F6-B498-43B3-948B-1728B52AA6E4}">
                 <adec:decorative xmlns:adec="http://schemas.microsoft.com/office/drawing/2017/decorative" val="1"/>
               </a:ext>
             </a:extLst>
           </p:cNvPr>
-          <p:cNvSpPr>
-            <a:spLocks noGrp="1" noRot="1" noChangeAspect="1" noMove="1" noResize="1" noEditPoints="1" noAdjustHandles="1" noChangeArrowheads="1" noChangeShapeType="1" noTextEdit="1"/>
-          </p:cNvSpPr>
+          <p:cNvPicPr>
+            <a:picLocks noGrp="1" noRot="1" noChangeAspect="1" noMove="1" noResize="1" noEditPoints="1" noAdjustHandles="1" noChangeArrowheads="1" noChangeShapeType="1" noCrop="1"/>
+          </p:cNvPicPr>
           <p:nvPr>
             <p:extLst>
               <p:ext uri="{386F3935-93C4-4BCD-93E2-E3B085C9AB24}">
@@ -6636,358 +5460,323 @@
               </p:ext>
             </p:extLst>
           </p:nvPr>
-        </p:nvSpPr>
+        </p:nvPicPr>
+        <p:blipFill>
+          <a:blip r:embed="rId4">
+            <a:extLst>
+              <a:ext uri="{28A0092B-C50C-407E-A947-70E740481C1C}">
+                <a14:useLocalDpi xmlns:a14="http://schemas.microsoft.com/office/drawing/2010/main" val="0"/>
+              </a:ext>
+            </a:extLst>
+          </a:blip>
+          <a:stretch>
+            <a:fillRect/>
+          </a:stretch>
+        </p:blipFill>
         <p:spPr>
-          <a:xfrm rot="18900000" flipH="1">
-            <a:off x="891641" y="422146"/>
-            <a:ext cx="645368" cy="645368"/>
+          <a:xfrm flipH="1" flipV="1">
+            <a:off x="0" y="0"/>
+            <a:ext cx="12192000" cy="6858000"/>
+          </a:xfrm>
+          <a:prstGeom prst="rect">
+            <a:avLst/>
+          </a:prstGeom>
+        </p:spPr>
+      </p:pic>
+      <p:sp>
+        <p:nvSpPr>
+          <p:cNvPr id="2" name="Título 1">
+            <a:extLst>
+              <a:ext uri="{FF2B5EF4-FFF2-40B4-BE49-F238E27FC236}">
+                <a16:creationId xmlns:a16="http://schemas.microsoft.com/office/drawing/2014/main" id="{F8574980-E96D-4189-9A94-B3E51A0A1550}"/>
+              </a:ext>
+            </a:extLst>
+          </p:cNvPr>
+          <p:cNvSpPr>
+            <a:spLocks noGrp="1"/>
+          </p:cNvSpPr>
+          <p:nvPr>
+            <p:ph type="title"/>
+          </p:nvPr>
+        </p:nvSpPr>
+        <p:spPr>
+          <a:xfrm>
+            <a:off x="804998" y="798445"/>
+            <a:ext cx="4803636" cy="1311664"/>
+          </a:xfrm>
+        </p:spPr>
+        <p:txBody>
+          <a:bodyPr>
+            <a:normAutofit/>
+          </a:bodyPr>
+          <a:lstStyle/>
+          <a:p>
+            <a:r>
+              <a:rPr lang="pt-PT" sz="3400">
+                <a:solidFill>
+                  <a:srgbClr val="000000"/>
+                </a:solidFill>
+              </a:rPr>
+              <a:t>Oportunidade de trabalho para mais pessoas</a:t>
+            </a:r>
+          </a:p>
+        </p:txBody>
+      </p:sp>
+      <p:sp>
+        <p:nvSpPr>
+          <p:cNvPr id="3" name="Marcador de Posição de Conteúdo 2">
+            <a:extLst>
+              <a:ext uri="{FF2B5EF4-FFF2-40B4-BE49-F238E27FC236}">
+                <a16:creationId xmlns:a16="http://schemas.microsoft.com/office/drawing/2014/main" id="{67E02D63-5024-424B-B8C0-17E6E6C306A2}"/>
+              </a:ext>
+            </a:extLst>
+          </p:cNvPr>
+          <p:cNvSpPr>
+            <a:spLocks noGrp="1"/>
+          </p:cNvSpPr>
+          <p:nvPr>
+            <p:ph idx="1"/>
+          </p:nvPr>
+        </p:nvSpPr>
+        <p:spPr>
+          <a:xfrm>
+            <a:off x="804997" y="2272143"/>
+            <a:ext cx="4706803" cy="3788830"/>
+          </a:xfrm>
+        </p:spPr>
+        <p:txBody>
+          <a:bodyPr anchor="ctr">
+            <a:normAutofit/>
+          </a:bodyPr>
+          <a:lstStyle/>
+          <a:p>
+            <a:r>
+              <a:rPr lang="pt-PT" sz="2000">
+                <a:solidFill>
+                  <a:srgbClr val="000000"/>
+                </a:solidFill>
+              </a:rPr>
+              <a:t>Outra grande vantagem do teletrabalho é poder ser facilmente executada por pessoas portadoras de deficiências físicas.</a:t>
+            </a:r>
+          </a:p>
+        </p:txBody>
+      </p:sp>
+      <p:sp>
+        <p:nvSpPr>
+          <p:cNvPr id="6" name="CaixaDeTexto 5">
+            <a:extLst>
+              <a:ext uri="{FF2B5EF4-FFF2-40B4-BE49-F238E27FC236}">
+                <a16:creationId xmlns:a16="http://schemas.microsoft.com/office/drawing/2014/main" id="{60C77FA3-B951-4986-BA87-AA30F8811D8B}"/>
+              </a:ext>
+            </a:extLst>
+          </p:cNvPr>
+          <p:cNvSpPr txBox="1"/>
+          <p:nvPr/>
+        </p:nvSpPr>
+        <p:spPr>
+          <a:xfrm>
+            <a:off x="8656753" y="6657945"/>
+            <a:ext cx="3534942" cy="200055"/>
           </a:xfrm>
           <a:prstGeom prst="rect">
             <a:avLst/>
           </a:prstGeom>
           <a:solidFill>
-            <a:schemeClr val="accent1">
-              <a:alpha val="30000"/>
-            </a:schemeClr>
+            <a:srgbClr val="000000"/>
           </a:solidFill>
-          <a:ln>
-            <a:noFill/>
-          </a:ln>
         </p:spPr>
-        <p:style>
-          <a:lnRef idx="2">
-            <a:schemeClr val="accent1">
-              <a:shade val="50000"/>
-            </a:schemeClr>
-          </a:lnRef>
-          <a:fillRef idx="1">
-            <a:schemeClr val="accent1"/>
-          </a:fillRef>
-          <a:effectRef idx="0">
-            <a:schemeClr val="accent1"/>
-          </a:effectRef>
-          <a:fontRef idx="minor">
-            <a:schemeClr val="lt1"/>
-          </a:fontRef>
-        </p:style>
-        <p:txBody>
-          <a:bodyPr rtlCol="0" anchor="ctr"/>
-          <a:lstStyle/>
-          <a:p>
-            <a:pPr algn="ctr"/>
-            <a:endParaRPr lang="en-US"/>
-          </a:p>
-        </p:txBody>
-      </p:sp>
-      <p:sp>
-        <p:nvSpPr>
-          <p:cNvPr id="157" name="Rectangle 88">
-            <a:extLst>
-              <a:ext uri="{FF2B5EF4-FFF2-40B4-BE49-F238E27FC236}">
-                <a16:creationId xmlns:a16="http://schemas.microsoft.com/office/drawing/2014/main" id="{3783CA14-24A1-485C-8B30-D6A5D87987AD}"/>
-              </a:ext>
-              <a:ext uri="{C183D7F6-B498-43B3-948B-1728B52AA6E4}">
-                <adec:decorative xmlns:adec="http://schemas.microsoft.com/office/drawing/2017/decorative" val="1"/>
-              </a:ext>
-            </a:extLst>
-          </p:cNvPr>
-          <p:cNvSpPr>
-            <a:spLocks noGrp="1" noRot="1" noChangeAspect="1" noMove="1" noResize="1" noEditPoints="1" noAdjustHandles="1" noChangeArrowheads="1" noChangeShapeType="1" noTextEdit="1"/>
-          </p:cNvSpPr>
-          <p:nvPr>
-            <p:extLst>
-              <p:ext uri="{386F3935-93C4-4BCD-93E2-E3B085C9AB24}">
-                <p16:designElem xmlns:p16="http://schemas.microsoft.com/office/powerpoint/2015/main" val="1"/>
-              </p:ext>
-            </p:extLst>
-          </p:nvPr>
-        </p:nvSpPr>
-        <p:spPr>
-          <a:xfrm rot="18900000" flipH="1">
-            <a:off x="10043482" y="655140"/>
-            <a:ext cx="687472" cy="687472"/>
-          </a:xfrm>
-          <a:prstGeom prst="rect">
-            <a:avLst/>
-          </a:prstGeom>
-          <a:solidFill>
-            <a:schemeClr val="accent4">
-              <a:alpha val="30000"/>
-            </a:schemeClr>
-          </a:solidFill>
-          <a:ln>
-            <a:noFill/>
-          </a:ln>
-        </p:spPr>
-        <p:style>
-          <a:lnRef idx="2">
-            <a:schemeClr val="accent1">
-              <a:shade val="50000"/>
-            </a:schemeClr>
-          </a:lnRef>
-          <a:fillRef idx="1">
-            <a:schemeClr val="accent1"/>
-          </a:fillRef>
-          <a:effectRef idx="0">
-            <a:schemeClr val="accent1"/>
-          </a:effectRef>
-          <a:fontRef idx="minor">
-            <a:schemeClr val="lt1"/>
-          </a:fontRef>
-        </p:style>
-        <p:txBody>
-          <a:bodyPr rtlCol="0" anchor="ctr"/>
-          <a:lstStyle/>
-          <a:p>
-            <a:pPr algn="ctr"/>
-            <a:endParaRPr lang="en-US"/>
-          </a:p>
-        </p:txBody>
-      </p:sp>
-      <p:sp>
-        <p:nvSpPr>
-          <p:cNvPr id="158" name="Freeform: Shape 90">
-            <a:extLst>
-              <a:ext uri="{FF2B5EF4-FFF2-40B4-BE49-F238E27FC236}">
-                <a16:creationId xmlns:a16="http://schemas.microsoft.com/office/drawing/2014/main" id="{9A97C86A-04D6-40F7-AE84-31AB43E6A846}"/>
-              </a:ext>
-              <a:ext uri="{C183D7F6-B498-43B3-948B-1728B52AA6E4}">
-                <adec:decorative xmlns:adec="http://schemas.microsoft.com/office/drawing/2017/decorative" val="1"/>
-              </a:ext>
-            </a:extLst>
-          </p:cNvPr>
-          <p:cNvSpPr>
-            <a:spLocks noGrp="1" noRot="1" noChangeAspect="1" noMove="1" noResize="1" noEditPoints="1" noAdjustHandles="1" noChangeArrowheads="1" noChangeShapeType="1" noTextEdit="1"/>
-          </p:cNvSpPr>
-          <p:nvPr>
-            <p:extLst>
-              <p:ext uri="{386F3935-93C4-4BCD-93E2-E3B085C9AB24}">
-                <p16:designElem xmlns:p16="http://schemas.microsoft.com/office/powerpoint/2015/main" val="1"/>
-              </p:ext>
-            </p:extLst>
-          </p:nvPr>
-        </p:nvSpPr>
-        <p:spPr>
-          <a:xfrm rot="10800000" flipH="1">
-            <a:off x="9356643" y="0"/>
-            <a:ext cx="2835357" cy="1480837"/>
-          </a:xfrm>
-          <a:custGeom>
-            <a:avLst/>
-            <a:gdLst>
-              <a:gd name="connsiteX0" fmla="*/ 2835357 w 2835357"/>
-              <a:gd name="connsiteY0" fmla="*/ 1480837 h 1480837"/>
-              <a:gd name="connsiteX1" fmla="*/ 0 w 2835357"/>
-              <a:gd name="connsiteY1" fmla="*/ 1480837 h 1480837"/>
-              <a:gd name="connsiteX2" fmla="*/ 1552727 w 2835357"/>
-              <a:gd name="connsiteY2" fmla="*/ 0 h 1480837"/>
-              <a:gd name="connsiteX3" fmla="*/ 2835357 w 2835357"/>
-              <a:gd name="connsiteY3" fmla="*/ 1223245 h 1480837"/>
-            </a:gdLst>
-            <a:ahLst/>
-            <a:cxnLst>
-              <a:cxn ang="0">
-                <a:pos x="connsiteX0" y="connsiteY0"/>
-              </a:cxn>
-              <a:cxn ang="0">
-                <a:pos x="connsiteX1" y="connsiteY1"/>
-              </a:cxn>
-              <a:cxn ang="0">
-                <a:pos x="connsiteX2" y="connsiteY2"/>
-              </a:cxn>
-              <a:cxn ang="0">
-                <a:pos x="connsiteX3" y="connsiteY3"/>
-              </a:cxn>
-            </a:cxnLst>
-            <a:rect l="l" t="t" r="r" b="b"/>
-            <a:pathLst>
-              <a:path w="2835357" h="1480837">
-                <a:moveTo>
-                  <a:pt x="2835357" y="1480837"/>
-                </a:moveTo>
-                <a:lnTo>
-                  <a:pt x="0" y="1480837"/>
-                </a:lnTo>
-                <a:lnTo>
-                  <a:pt x="1552727" y="0"/>
-                </a:lnTo>
-                <a:lnTo>
-                  <a:pt x="2835357" y="1223245"/>
-                </a:lnTo>
-                <a:close/>
-              </a:path>
-            </a:pathLst>
-          </a:custGeom>
-          <a:solidFill>
-            <a:schemeClr val="accent4">
-              <a:alpha val="30000"/>
-            </a:schemeClr>
-          </a:solidFill>
-          <a:ln>
-            <a:noFill/>
-          </a:ln>
-        </p:spPr>
-        <p:style>
-          <a:lnRef idx="2">
-            <a:schemeClr val="accent1">
-              <a:shade val="50000"/>
-            </a:schemeClr>
-          </a:lnRef>
-          <a:fillRef idx="1">
-            <a:schemeClr val="accent1"/>
-          </a:fillRef>
-          <a:effectRef idx="0">
-            <a:schemeClr val="accent1"/>
-          </a:effectRef>
-          <a:fontRef idx="minor">
-            <a:schemeClr val="lt1"/>
-          </a:fontRef>
-        </p:style>
-        <p:txBody>
-          <a:bodyPr wrap="square" rtlCol="0" anchor="ctr">
-            <a:noAutofit/>
+        <p:txBody>
+          <a:bodyPr wrap="none" rtlCol="0">
+            <a:spAutoFit/>
           </a:bodyPr>
           <a:lstStyle/>
           <a:p>
-            <a:pPr algn="ctr"/>
-            <a:endParaRPr lang="en-US" dirty="0"/>
-          </a:p>
-        </p:txBody>
-      </p:sp>
-      <p:sp>
-        <p:nvSpPr>
-          <p:cNvPr id="159" name="Isosceles Triangle 92">
-            <a:extLst>
-              <a:ext uri="{FF2B5EF4-FFF2-40B4-BE49-F238E27FC236}">
-                <a16:creationId xmlns:a16="http://schemas.microsoft.com/office/drawing/2014/main" id="{FF9F2414-84E8-453E-B1F3-389FDE8192D9}"/>
-              </a:ext>
-              <a:ext uri="{C183D7F6-B498-43B3-948B-1728B52AA6E4}">
-                <adec:decorative xmlns:adec="http://schemas.microsoft.com/office/drawing/2017/decorative" val="1"/>
-              </a:ext>
-            </a:extLst>
-          </p:cNvPr>
-          <p:cNvSpPr>
-            <a:spLocks noGrp="1" noRot="1" noChangeAspect="1" noMove="1" noResize="1" noEditPoints="1" noAdjustHandles="1" noChangeArrowheads="1" noChangeShapeType="1" noTextEdit="1"/>
-          </p:cNvSpPr>
-          <p:nvPr>
-            <p:extLst>
-              <p:ext uri="{386F3935-93C4-4BCD-93E2-E3B085C9AB24}">
-                <p16:designElem xmlns:p16="http://schemas.microsoft.com/office/powerpoint/2015/main" val="1"/>
-              </p:ext>
-            </p:extLst>
-          </p:nvPr>
-        </p:nvSpPr>
-        <p:spPr>
-          <a:xfrm flipH="1">
-            <a:off x="7976344" y="6115501"/>
-            <a:ext cx="1494513" cy="742499"/>
-          </a:xfrm>
-          <a:prstGeom prst="triangle">
-            <a:avLst/>
-          </a:prstGeom>
-          <a:solidFill>
-            <a:schemeClr val="accent1">
-              <a:alpha val="30000"/>
-            </a:schemeClr>
-          </a:solidFill>
-          <a:ln>
-            <a:noFill/>
-          </a:ln>
-        </p:spPr>
-        <p:style>
-          <a:lnRef idx="2">
-            <a:schemeClr val="accent1">
-              <a:shade val="50000"/>
-            </a:schemeClr>
-          </a:lnRef>
-          <a:fillRef idx="1">
-            <a:schemeClr val="accent1"/>
-          </a:fillRef>
-          <a:effectRef idx="0">
-            <a:schemeClr val="accent1"/>
-          </a:effectRef>
-          <a:fontRef idx="minor">
-            <a:schemeClr val="lt1"/>
-          </a:fontRef>
-        </p:style>
-        <p:txBody>
-          <a:bodyPr rtlCol="0" anchor="ctr"/>
-          <a:lstStyle/>
-          <a:p>
-            <a:pPr algn="ctr"/>
-            <a:endParaRPr lang="en-US"/>
-          </a:p>
-        </p:txBody>
-      </p:sp>
-      <p:sp>
-        <p:nvSpPr>
-          <p:cNvPr id="160" name="Isosceles Triangle 94">
-            <a:extLst>
-              <a:ext uri="{FF2B5EF4-FFF2-40B4-BE49-F238E27FC236}">
-                <a16:creationId xmlns:a16="http://schemas.microsoft.com/office/drawing/2014/main" id="{3ECA69A1-7536-43AC-85EF-C7106179F5ED}"/>
-              </a:ext>
-              <a:ext uri="{C183D7F6-B498-43B3-948B-1728B52AA6E4}">
-                <adec:decorative xmlns:adec="http://schemas.microsoft.com/office/drawing/2017/decorative" val="1"/>
-              </a:ext>
-            </a:extLst>
-          </p:cNvPr>
-          <p:cNvSpPr>
-            <a:spLocks noGrp="1" noRot="1" noChangeAspect="1" noMove="1" noResize="1" noEditPoints="1" noAdjustHandles="1" noChangeArrowheads="1" noChangeShapeType="1" noTextEdit="1"/>
-          </p:cNvSpPr>
-          <p:nvPr>
-            <p:extLst>
-              <p:ext uri="{386F3935-93C4-4BCD-93E2-E3B085C9AB24}">
-                <p16:designElem xmlns:p16="http://schemas.microsoft.com/office/powerpoint/2015/main" val="1"/>
-              </p:ext>
-            </p:extLst>
-          </p:nvPr>
-        </p:nvSpPr>
-        <p:spPr>
-          <a:xfrm flipH="1">
-            <a:off x="7604080" y="6453143"/>
-            <a:ext cx="814903" cy="404857"/>
-          </a:xfrm>
-          <a:prstGeom prst="triangle">
-            <a:avLst/>
-          </a:prstGeom>
-          <a:solidFill>
-            <a:schemeClr val="accent1">
-              <a:alpha val="30000"/>
-            </a:schemeClr>
-          </a:solidFill>
-          <a:ln>
-            <a:noFill/>
-          </a:ln>
-        </p:spPr>
-        <p:style>
-          <a:lnRef idx="2">
-            <a:schemeClr val="accent1">
-              <a:shade val="50000"/>
-            </a:schemeClr>
-          </a:lnRef>
-          <a:fillRef idx="1">
-            <a:schemeClr val="accent1"/>
-          </a:fillRef>
-          <a:effectRef idx="0">
-            <a:schemeClr val="accent1"/>
-          </a:effectRef>
-          <a:fontRef idx="minor">
-            <a:schemeClr val="lt1"/>
-          </a:fontRef>
-        </p:style>
-        <p:txBody>
-          <a:bodyPr rtlCol="0" anchor="ctr"/>
-          <a:lstStyle/>
-          <a:p>
-            <a:pPr algn="ctr"/>
-            <a:endParaRPr lang="en-US"/>
+            <a:pPr algn="r">
+              <a:spcAft>
+                <a:spcPts val="600"/>
+              </a:spcAft>
+            </a:pPr>
+            <a:r>
+              <a:rPr lang="pt-PT" sz="700">
+                <a:solidFill>
+                  <a:srgbClr val="FFFFFF"/>
+                </a:solidFill>
+              </a:rPr>
+              <a:t>A imagem </a:t>
+            </a:r>
+            <a:r>
+              <a:rPr lang="pt-PT" sz="700">
+                <a:solidFill>
+                  <a:srgbClr val="FFFFFF"/>
+                </a:solidFill>
+                <a:hlinkClick r:id="rId3" tooltip="http://posatcafe.com/index.php/tag/aac/">
+                  <a:extLst>
+                    <a:ext uri="{A12FA001-AC4F-418D-AE19-62706E023703}">
+                      <ahyp:hlinkClr xmlns:ahyp="http://schemas.microsoft.com/office/drawing/2018/hyperlinkcolor" val="tx"/>
+                    </a:ext>
+                  </a:extLst>
+                </a:hlinkClick>
+              </a:rPr>
+              <a:t>Esta Fotografia</a:t>
+            </a:r>
+            <a:r>
+              <a:rPr lang="pt-PT" sz="700">
+                <a:solidFill>
+                  <a:srgbClr val="FFFFFF"/>
+                </a:solidFill>
+              </a:rPr>
+              <a:t> de Autor Desconhecido está licenciada ao abrigo da </a:t>
+            </a:r>
+            <a:r>
+              <a:rPr lang="pt-PT" sz="700">
+                <a:solidFill>
+                  <a:srgbClr val="FFFFFF"/>
+                </a:solidFill>
+                <a:hlinkClick r:id="rId5" tooltip="https://creativecommons.org/licenses/by-nc-nd/3.0/">
+                  <a:extLst>
+                    <a:ext uri="{A12FA001-AC4F-418D-AE19-62706E023703}">
+                      <ahyp:hlinkClr xmlns:ahyp="http://schemas.microsoft.com/office/drawing/2018/hyperlinkcolor" val="tx"/>
+                    </a:ext>
+                  </a:extLst>
+                </a:hlinkClick>
+              </a:rPr>
+              <a:t>CC BY-NC-ND</a:t>
+            </a:r>
+            <a:endParaRPr lang="pt-PT" sz="700">
+              <a:solidFill>
+                <a:srgbClr val="FFFFFF"/>
+              </a:solidFill>
+            </a:endParaRPr>
           </a:p>
         </p:txBody>
       </p:sp>
     </p:spTree>
     <p:extLst>
       <p:ext uri="{BB962C8B-B14F-4D97-AF65-F5344CB8AC3E}">
-        <p14:creationId xmlns:p14="http://schemas.microsoft.com/office/powerpoint/2010/main" val="964660544"/>
+        <p14:creationId xmlns:p14="http://schemas.microsoft.com/office/powerpoint/2010/main" val="90760510"/>
+      </p:ext>
+    </p:extLst>
+  </p:cSld>
+  <p:clrMapOvr>
+    <a:masterClrMapping/>
+  </p:clrMapOvr>
+</p:sld>
+</file>
+
+<file path=ppt/slides/slide6.xml><?xml version="1.0" encoding="utf-8"?>
+<p:sld xmlns:a="http://schemas.openxmlformats.org/drawingml/2006/main" xmlns:r="http://schemas.openxmlformats.org/officeDocument/2006/relationships" xmlns:p="http://schemas.openxmlformats.org/presentationml/2006/main">
+  <p:cSld>
+    <p:spTree>
+      <p:nvGrpSpPr>
+        <p:cNvPr id="1" name=""/>
+        <p:cNvGrpSpPr/>
+        <p:nvPr/>
+      </p:nvGrpSpPr>
+      <p:grpSpPr>
+        <a:xfrm>
+          <a:off x="0" y="0"/>
+          <a:ext cx="0" cy="0"/>
+          <a:chOff x="0" y="0"/>
+          <a:chExt cx="0" cy="0"/>
+        </a:xfrm>
+      </p:grpSpPr>
+      <p:sp>
+        <p:nvSpPr>
+          <p:cNvPr id="2" name="Título 1">
+            <a:extLst>
+              <a:ext uri="{FF2B5EF4-FFF2-40B4-BE49-F238E27FC236}">
+                <a16:creationId xmlns:a16="http://schemas.microsoft.com/office/drawing/2014/main" id="{4690A88C-9ED5-489F-A466-214668989AD7}"/>
+              </a:ext>
+            </a:extLst>
+          </p:cNvPr>
+          <p:cNvSpPr>
+            <a:spLocks noGrp="1"/>
+          </p:cNvSpPr>
+          <p:nvPr>
+            <p:ph type="title"/>
+          </p:nvPr>
+        </p:nvSpPr>
+        <p:spPr/>
+        <p:txBody>
+          <a:bodyPr/>
+          <a:lstStyle/>
+          <a:p>
+            <a:r>
+              <a:rPr lang="pt-PT" dirty="0" err="1"/>
+              <a:t>Webgrafia</a:t>
+            </a:r>
+            <a:endParaRPr lang="pt-PT" dirty="0"/>
+          </a:p>
+        </p:txBody>
+      </p:sp>
+      <p:sp>
+        <p:nvSpPr>
+          <p:cNvPr id="3" name="Marcador de Posição de Conteúdo 2">
+            <a:extLst>
+              <a:ext uri="{FF2B5EF4-FFF2-40B4-BE49-F238E27FC236}">
+                <a16:creationId xmlns:a16="http://schemas.microsoft.com/office/drawing/2014/main" id="{6944B635-CA86-4B59-9739-F6F340E2D7C3}"/>
+              </a:ext>
+            </a:extLst>
+          </p:cNvPr>
+          <p:cNvSpPr>
+            <a:spLocks noGrp="1"/>
+          </p:cNvSpPr>
+          <p:nvPr>
+            <p:ph idx="1"/>
+          </p:nvPr>
+        </p:nvSpPr>
+        <p:spPr/>
+        <p:txBody>
+          <a:bodyPr/>
+          <a:lstStyle/>
+          <a:p>
+            <a:r>
+              <a:rPr lang="pt-PT" dirty="0"/>
+              <a:t>Gripe - </a:t>
+            </a:r>
+            <a:r>
+              <a:rPr lang="pt-PT" dirty="0">
+                <a:hlinkClick r:id="rId2"/>
+              </a:rPr>
+              <a:t>https://www.bbc.com/portuguese/internacional-52209638?fbclid=IwAR27sIjKhJrRfok9dxjZADrJRftTF80pqLyJa_YpvXG2SgBJwPWSuGL8XE8</a:t>
+            </a:r>
+            <a:endParaRPr lang="pt-PT" dirty="0"/>
+          </a:p>
+          <a:p>
+            <a:r>
+              <a:rPr lang="pt-PT" dirty="0"/>
+              <a:t>Assédio - </a:t>
+            </a:r>
+            <a:r>
+              <a:rPr lang="pt-PT" dirty="0">
+                <a:hlinkClick r:id="rId3"/>
+              </a:rPr>
+              <a:t>https://apav.pt/apav_v3/images/folhas_informativas/fi_assedio_sexual.pdf</a:t>
+            </a:r>
+            <a:endParaRPr lang="pt-PT" dirty="0"/>
+          </a:p>
+          <a:p>
+            <a:r>
+              <a:rPr lang="pt-PT" dirty="0"/>
+              <a:t>Deficiência física - </a:t>
+            </a:r>
+            <a:r>
+              <a:rPr lang="pt-PT" dirty="0">
+                <a:hlinkClick r:id="rId4"/>
+              </a:rPr>
+              <a:t>https://eco.sapo.pt/opiniao/o-triunfo-do-teletrabalho/</a:t>
+            </a:r>
+            <a:endParaRPr lang="pt-PT" dirty="0"/>
+          </a:p>
+          <a:p>
+            <a:endParaRPr lang="pt-PT" dirty="0"/>
+          </a:p>
+        </p:txBody>
+      </p:sp>
+    </p:spTree>
+    <p:extLst>
+      <p:ext uri="{BB962C8B-B14F-4D97-AF65-F5344CB8AC3E}">
+        <p14:creationId xmlns:p14="http://schemas.microsoft.com/office/powerpoint/2010/main" val="3815963995"/>
       </p:ext>
     </p:extLst>
   </p:cSld>
